--- a/docs/setting-samples-hyperv-install_ja.pptx
+++ b/docs/setting-samples-hyperv-install_ja.pptx
@@ -7,7 +7,7 @@
     <p:sldMasterId id="2147483691" r:id="rId3"/>
   </p:sldMasterIdLst>
   <p:notesMasterIdLst>
-    <p:notesMasterId r:id="rId47"/>
+    <p:notesMasterId r:id="rId50"/>
   </p:notesMasterIdLst>
   <p:sldIdLst>
     <p:sldId id="256" r:id="rId4"/>
@@ -25,34 +25,37 @@
     <p:sldId id="332" r:id="rId16"/>
     <p:sldId id="351" r:id="rId17"/>
     <p:sldId id="347" r:id="rId18"/>
-    <p:sldId id="304" r:id="rId19"/>
-    <p:sldId id="354" r:id="rId20"/>
-    <p:sldId id="315" r:id="rId21"/>
-    <p:sldId id="345" r:id="rId22"/>
-    <p:sldId id="333" r:id="rId23"/>
-    <p:sldId id="334" r:id="rId24"/>
-    <p:sldId id="335" r:id="rId25"/>
-    <p:sldId id="337" r:id="rId26"/>
-    <p:sldId id="338" r:id="rId27"/>
-    <p:sldId id="339" r:id="rId28"/>
-    <p:sldId id="340" r:id="rId29"/>
-    <p:sldId id="358" r:id="rId30"/>
-    <p:sldId id="320" r:id="rId31"/>
-    <p:sldId id="321" r:id="rId32"/>
-    <p:sldId id="322" r:id="rId33"/>
-    <p:sldId id="356" r:id="rId34"/>
-    <p:sldId id="323" r:id="rId35"/>
-    <p:sldId id="343" r:id="rId36"/>
-    <p:sldId id="344" r:id="rId37"/>
-    <p:sldId id="328" r:id="rId38"/>
-    <p:sldId id="342" r:id="rId39"/>
-    <p:sldId id="324" r:id="rId40"/>
-    <p:sldId id="330" r:id="rId41"/>
-    <p:sldId id="331" r:id="rId42"/>
-    <p:sldId id="355" r:id="rId43"/>
-    <p:sldId id="348" r:id="rId44"/>
-    <p:sldId id="349" r:id="rId45"/>
-    <p:sldId id="292" r:id="rId46"/>
+    <p:sldId id="361" r:id="rId19"/>
+    <p:sldId id="304" r:id="rId20"/>
+    <p:sldId id="354" r:id="rId21"/>
+    <p:sldId id="315" r:id="rId22"/>
+    <p:sldId id="345" r:id="rId23"/>
+    <p:sldId id="333" r:id="rId24"/>
+    <p:sldId id="334" r:id="rId25"/>
+    <p:sldId id="335" r:id="rId26"/>
+    <p:sldId id="337" r:id="rId27"/>
+    <p:sldId id="338" r:id="rId28"/>
+    <p:sldId id="339" r:id="rId29"/>
+    <p:sldId id="340" r:id="rId30"/>
+    <p:sldId id="358" r:id="rId31"/>
+    <p:sldId id="320" r:id="rId32"/>
+    <p:sldId id="321" r:id="rId33"/>
+    <p:sldId id="322" r:id="rId34"/>
+    <p:sldId id="356" r:id="rId35"/>
+    <p:sldId id="323" r:id="rId36"/>
+    <p:sldId id="343" r:id="rId37"/>
+    <p:sldId id="344" r:id="rId38"/>
+    <p:sldId id="328" r:id="rId39"/>
+    <p:sldId id="342" r:id="rId40"/>
+    <p:sldId id="324" r:id="rId41"/>
+    <p:sldId id="363" r:id="rId42"/>
+    <p:sldId id="330" r:id="rId43"/>
+    <p:sldId id="331" r:id="rId44"/>
+    <p:sldId id="355" r:id="rId45"/>
+    <p:sldId id="348" r:id="rId46"/>
+    <p:sldId id="349" r:id="rId47"/>
+    <p:sldId id="364" r:id="rId48"/>
+    <p:sldId id="292" r:id="rId49"/>
   </p:sldIdLst>
   <p:sldSz cx="12192000" cy="6858000"/>
   <p:notesSz cx="6858000" cy="9144000"/>
@@ -179,6 +182,7 @@
             <p14:sldId id="332"/>
             <p14:sldId id="351"/>
             <p14:sldId id="347"/>
+            <p14:sldId id="361"/>
             <p14:sldId id="304"/>
             <p14:sldId id="354"/>
           </p14:sldIdLst>
@@ -205,6 +209,7 @@
             <p14:sldId id="328"/>
             <p14:sldId id="342"/>
             <p14:sldId id="324"/>
+            <p14:sldId id="363"/>
             <p14:sldId id="330"/>
             <p14:sldId id="331"/>
             <p14:sldId id="355"/>
@@ -214,6 +219,7 @@
           <p14:sldIdLst>
             <p14:sldId id="348"/>
             <p14:sldId id="349"/>
+            <p14:sldId id="364"/>
           </p14:sldIdLst>
         </p14:section>
         <p14:section name="Exastroロゴ" id="{D64D1BCD-2FD7-4FE7-8A4F-7BFA8F06344F}">
@@ -4974,7 +4980,7 @@
           <a:p>
             <a:fld id="{7DD79AC8-8881-4020-B05F-8947ED53F7FA}" type="datetimeFigureOut">
               <a:rPr kumimoji="1" lang="ja-JP" altLang="en-US" smtClean="0"/>
-              <a:t>2021/12/23</a:t>
+              <a:t>2021/12/24</a:t>
             </a:fld>
             <a:endParaRPr kumimoji="1" lang="ja-JP" altLang="en-US"/>
           </a:p>
@@ -5600,6 +5606,90 @@
     <p:extLst>
       <p:ext uri="{BB962C8B-B14F-4D97-AF65-F5344CB8AC3E}">
         <p14:creationId xmlns:p14="http://schemas.microsoft.com/office/powerpoint/2010/main" val="2703823095"/>
+      </p:ext>
+    </p:extLst>
+  </p:cSld>
+  <p:clrMapOvr>
+    <a:masterClrMapping/>
+  </p:clrMapOvr>
+</p:notes>
+</file>
+
+<file path=ppt/notesSlides/notesSlide5.xml><?xml version="1.0" encoding="utf-8"?>
+<p:notes xmlns:a="http://schemas.openxmlformats.org/drawingml/2006/main" xmlns:r="http://schemas.openxmlformats.org/officeDocument/2006/relationships" xmlns:p="http://schemas.openxmlformats.org/presentationml/2006/main">
+  <p:cSld>
+    <p:spTree>
+      <p:nvGrpSpPr>
+        <p:cNvPr id="1" name=""/>
+        <p:cNvGrpSpPr/>
+        <p:nvPr/>
+      </p:nvGrpSpPr>
+      <p:grpSpPr>
+        <a:xfrm>
+          <a:off x="0" y="0"/>
+          <a:ext cx="0" cy="0"/>
+          <a:chOff x="0" y="0"/>
+          <a:chExt cx="0" cy="0"/>
+        </a:xfrm>
+      </p:grpSpPr>
+      <p:sp>
+        <p:nvSpPr>
+          <p:cNvPr id="2" name="スライド イメージ プレースホルダー 1"/>
+          <p:cNvSpPr>
+            <a:spLocks noGrp="1" noRot="1" noChangeAspect="1"/>
+          </p:cNvSpPr>
+          <p:nvPr>
+            <p:ph type="sldImg"/>
+          </p:nvPr>
+        </p:nvSpPr>
+        <p:spPr/>
+      </p:sp>
+      <p:sp>
+        <p:nvSpPr>
+          <p:cNvPr id="3" name="ノート プレースホルダー 2"/>
+          <p:cNvSpPr>
+            <a:spLocks noGrp="1"/>
+          </p:cNvSpPr>
+          <p:nvPr>
+            <p:ph type="body" idx="1"/>
+          </p:nvPr>
+        </p:nvSpPr>
+        <p:spPr/>
+        <p:txBody>
+          <a:bodyPr/>
+          <a:lstStyle/>
+          <a:p>
+            <a:endParaRPr kumimoji="1" lang="ja-JP" altLang="en-US" dirty="0"/>
+          </a:p>
+        </p:txBody>
+      </p:sp>
+      <p:sp>
+        <p:nvSpPr>
+          <p:cNvPr id="4" name="スライド番号プレースホルダー 3"/>
+          <p:cNvSpPr>
+            <a:spLocks noGrp="1"/>
+          </p:cNvSpPr>
+          <p:nvPr>
+            <p:ph type="sldNum" sz="quarter" idx="10"/>
+          </p:nvPr>
+        </p:nvSpPr>
+        <p:spPr/>
+        <p:txBody>
+          <a:bodyPr/>
+          <a:lstStyle/>
+          <a:p>
+            <a:fld id="{B6F2A056-49EF-443B-8E87-1900B8D3A40C}" type="slidenum">
+              <a:rPr kumimoji="1" lang="ja-JP" altLang="en-US" smtClean="0"/>
+              <a:t>17</a:t>
+            </a:fld>
+            <a:endParaRPr kumimoji="1" lang="ja-JP" altLang="en-US"/>
+          </a:p>
+        </p:txBody>
+      </p:sp>
+    </p:spTree>
+    <p:extLst>
+      <p:ext uri="{BB962C8B-B14F-4D97-AF65-F5344CB8AC3E}">
+        <p14:creationId xmlns:p14="http://schemas.microsoft.com/office/powerpoint/2010/main" val="4108055793"/>
       </p:ext>
     </p:extLst>
   </p:cSld>
@@ -8517,7 +8607,7 @@
           <a:p>
             <a:fld id="{37061263-344C-46BB-87A4-3E3E3092AEEA}" type="datetimeFigureOut">
               <a:rPr kumimoji="1" lang="ja-JP" altLang="en-US" smtClean="0"/>
-              <a:t>2021/12/23</a:t>
+              <a:t>2021/12/24</a:t>
             </a:fld>
             <a:endParaRPr kumimoji="1" lang="ja-JP" altLang="en-US"/>
           </a:p>
@@ -11148,7 +11238,7 @@
           <a:p>
             <a:fld id="{37061263-344C-46BB-87A4-3E3E3092AEEA}" type="datetimeFigureOut">
               <a:rPr kumimoji="1" lang="ja-JP" altLang="en-US" smtClean="0"/>
-              <a:t>2021/12/23</a:t>
+              <a:t>2021/12/24</a:t>
             </a:fld>
             <a:endParaRPr kumimoji="1" lang="ja-JP" altLang="en-US"/>
           </a:p>
@@ -19210,51 +19300,6 @@
             <a:pPr marL="174625" indent="0">
               <a:buNone/>
             </a:pPr>
-            <a:r>
-              <a:rPr lang="ja-JP" altLang="en-US" dirty="0"/>
-              <a:t>また、本サーバは</a:t>
-            </a:r>
-            <a:r>
-              <a:rPr lang="en-US" altLang="ja-JP" dirty="0"/>
-              <a:t>Hyper-V</a:t>
-            </a:r>
-            <a:r>
-              <a:rPr lang="ja-JP" altLang="en-US" dirty="0"/>
-              <a:t>に</a:t>
-            </a:r>
-            <a:r>
-              <a:rPr lang="en-US" altLang="ja-JP" dirty="0"/>
-              <a:t>&lt;</a:t>
-            </a:r>
-            <a:r>
-              <a:rPr lang="en-US" altLang="ja-JP" dirty="0" err="1"/>
-              <a:t>WinRM</a:t>
-            </a:r>
-            <a:r>
-              <a:rPr lang="en-US" altLang="ja-JP" dirty="0"/>
-              <a:t>(</a:t>
-            </a:r>
-            <a:r>
-              <a:rPr lang="ja-JP" altLang="en-US" dirty="0"/>
-              <a:t>ポート番号</a:t>
-            </a:r>
-            <a:r>
-              <a:rPr lang="en-US" altLang="ja-JP" dirty="0"/>
-              <a:t>はデフォルトだと5985)&gt;</a:t>
-            </a:r>
-            <a:r>
-              <a:rPr lang="ja-JP" altLang="en-US" dirty="0"/>
-              <a:t>で接続できる環境が必要です。</a:t>
-            </a:r>
-            <a:endParaRPr lang="en-US" altLang="ja-JP" dirty="0"/>
-          </a:p>
-          <a:p>
-            <a:pPr marL="0" lvl="0" indent="0">
-              <a:buClr>
-                <a:srgbClr val="002B62"/>
-              </a:buClr>
-              <a:buNone/>
-            </a:pPr>
             <a:endParaRPr lang="en-US" altLang="ja-JP" dirty="0">
               <a:solidFill>
                 <a:srgbClr val="000000"/>
@@ -21445,8 +21490,16 @@
               <a:t>Powershell</a:t>
             </a:r>
             <a:r>
-              <a:rPr lang="ja-JP" altLang="en-US" dirty="0"/>
-              <a:t>スクリプト</a:t>
+              <a:rPr lang="ja-JP" altLang="en-US" dirty="0" smtClean="0"/>
+              <a:t>スクリプトが保存されています。</a:t>
+            </a:r>
+            <a:endParaRPr lang="en-US" altLang="ja-JP" dirty="0" smtClean="0"/>
+          </a:p>
+          <a:p>
+            <a:pPr defTabSz="914400"/>
+            <a:r>
+              <a:rPr lang="ja-JP" altLang="en-US" dirty="0" smtClean="0"/>
+              <a:t>既存で用意してありますので、変更や修正は不要です。</a:t>
             </a:r>
             <a:r>
               <a:rPr lang="en-US" altLang="ja-JP" dirty="0"/>
@@ -21483,7 +21536,7 @@
         </p:blipFill>
         <p:spPr>
           <a:xfrm>
-            <a:off x="305326" y="1756912"/>
+            <a:off x="239350" y="1940512"/>
             <a:ext cx="11580050" cy="4512676"/>
           </a:xfrm>
           <a:prstGeom prst="rect">
@@ -21748,18 +21801,30 @@
               <a:t>2.6 </a:t>
             </a:r>
             <a:r>
+              <a:rPr lang="en-US" altLang="ja-JP" dirty="0" smtClean="0"/>
+              <a:t>Windows</a:t>
+            </a:r>
+            <a:r>
+              <a:rPr lang="ja-JP" altLang="en-US" dirty="0" smtClean="0"/>
+              <a:t> </a:t>
+            </a:r>
+            <a:r>
+              <a:rPr lang="en-US" altLang="ja-JP" dirty="0" smtClean="0"/>
+              <a:t>Server</a:t>
+            </a:r>
+            <a:r>
               <a:rPr lang="ja-JP" altLang="en-US" dirty="0" smtClean="0">
                 <a:ea typeface="+mn-lt"/>
                 <a:cs typeface="+mn-lt"/>
               </a:rPr>
-              <a:t>テンプレート</a:t>
+              <a:t>の</a:t>
             </a:r>
             <a:r>
               <a:rPr lang="ja-JP" altLang="en-US" dirty="0">
                 <a:ea typeface="+mn-lt"/>
                 <a:cs typeface="+mn-lt"/>
               </a:rPr>
-              <a:t>の準備</a:t>
+              <a:t>準備</a:t>
             </a:r>
             <a:endParaRPr lang="en-US" dirty="0"/>
           </a:p>
@@ -21776,12 +21841,12 @@
           </p:nvPr>
         </p:nvSpPr>
         <p:spPr>
+          <a:xfrm>
+            <a:off x="239350" y="909448"/>
+            <a:ext cx="11713301" cy="1854534"/>
+          </a:xfrm>
           <a:ln>
-            <a:solidFill>
-              <a:schemeClr val="accent1">
-                <a:lumMod val="75000"/>
-              </a:schemeClr>
-            </a:solidFill>
+            <a:noFill/>
           </a:ln>
         </p:spPr>
         <p:txBody>
@@ -21792,32 +21857,103 @@
           <a:p>
             <a:pPr marL="179705" indent="-179705"/>
             <a:r>
-              <a:rPr lang="en-US" altLang="ja-JP" dirty="0">
+              <a:rPr lang="en-US" altLang="ja-JP" dirty="0" smtClean="0"/>
+              <a:t>ITA</a:t>
+            </a:r>
+            <a:r>
+              <a:rPr lang="ja-JP" altLang="en-US" dirty="0" smtClean="0"/>
+              <a:t>は</a:t>
+            </a:r>
+            <a:r>
+              <a:rPr lang="en-US" altLang="ja-JP" dirty="0"/>
+              <a:t>Hyper-V</a:t>
+            </a:r>
+            <a:r>
+              <a:rPr lang="ja-JP" altLang="en-US" dirty="0"/>
+              <a:t>マネージャが動作する</a:t>
+            </a:r>
+            <a:r>
+              <a:rPr lang="en-US" altLang="ja-JP" dirty="0"/>
+              <a:t>Windows Server</a:t>
+            </a:r>
+            <a:r>
+              <a:rPr lang="ja-JP" altLang="en-US" dirty="0"/>
+              <a:t>に</a:t>
+            </a:r>
+            <a:r>
+              <a:rPr lang="en-US" altLang="ja-JP" dirty="0"/>
+              <a:t>&lt;</a:t>
+            </a:r>
+            <a:r>
+              <a:rPr lang="en-US" altLang="ja-JP" dirty="0" err="1"/>
+              <a:t>WinRM</a:t>
+            </a:r>
+            <a:r>
+              <a:rPr lang="en-US" altLang="ja-JP" dirty="0"/>
+              <a:t>(</a:t>
+            </a:r>
+            <a:r>
+              <a:rPr lang="ja-JP" altLang="en-US" dirty="0"/>
+              <a:t>ポート番号はデフォルトだと</a:t>
+            </a:r>
+            <a:r>
+              <a:rPr lang="en-US" altLang="ja-JP" dirty="0"/>
+              <a:t>5985)&gt;</a:t>
+            </a:r>
+            <a:r>
+              <a:rPr lang="ja-JP" altLang="en-US" dirty="0"/>
+              <a:t>で接続できる環境が必要です。</a:t>
+            </a:r>
+            <a:endParaRPr lang="en-US" altLang="ja-JP" dirty="0"/>
+          </a:p>
+          <a:p>
+            <a:pPr marL="0" indent="0">
+              <a:buNone/>
+            </a:pPr>
+            <a:r>
+              <a:rPr lang="ja-JP" altLang="en-US" dirty="0" smtClean="0"/>
+              <a:t>  そのため、</a:t>
+            </a:r>
+            <a:r>
+              <a:rPr lang="en-US" altLang="ja-JP" dirty="0" smtClean="0"/>
+              <a:t>Windows</a:t>
+            </a:r>
+            <a:r>
+              <a:rPr lang="ja-JP" altLang="en-US" dirty="0"/>
+              <a:t>リモート管理（</a:t>
+            </a:r>
+            <a:r>
+              <a:rPr lang="en-US" altLang="ja-JP" dirty="0"/>
+              <a:t>WinRM</a:t>
+            </a:r>
+            <a:r>
+              <a:rPr lang="ja-JP" altLang="en-US" dirty="0"/>
+              <a:t>）を</a:t>
+            </a:r>
+            <a:r>
+              <a:rPr lang="ja-JP" altLang="en-US" dirty="0" smtClean="0"/>
+              <a:t>有効</a:t>
+            </a:r>
+            <a:r>
+              <a:rPr lang="ja-JP" altLang="en-US" dirty="0" smtClean="0">
                 <a:ea typeface="+mn-lt"/>
                 <a:cs typeface="+mn-lt"/>
               </a:rPr>
-              <a:t>Hyper-V</a:t>
+              <a:t>にする必要</a:t>
             </a:r>
             <a:r>
               <a:rPr lang="ja-JP" altLang="en-US" dirty="0">
                 <a:ea typeface="+mn-lt"/>
                 <a:cs typeface="+mn-lt"/>
               </a:rPr>
-              <a:t>モデルでは、テンプレートとして用意した</a:t>
-            </a:r>
-            <a:r>
-              <a:rPr lang="en-US" altLang="ja-JP" dirty="0">
+              <a:t>があります</a:t>
+            </a:r>
+            <a:r>
+              <a:rPr lang="ja-JP" altLang="en-US" dirty="0" smtClean="0">
                 <a:ea typeface="+mn-lt"/>
                 <a:cs typeface="+mn-lt"/>
               </a:rPr>
-              <a:t>VHDX</a:t>
-            </a:r>
-            <a:r>
-              <a:rPr lang="ja-JP" altLang="en-US" dirty="0">
-                <a:ea typeface="+mn-lt"/>
-                <a:cs typeface="+mn-lt"/>
-              </a:rPr>
-              <a:t>ファイルを元に仮想マシンを作成しています。</a:t>
+              <a:t>。</a:t>
             </a:r>
             <a:endParaRPr lang="en-US" altLang="ja-JP" dirty="0">
               <a:ea typeface="+mn-lt"/>
@@ -21825,179 +21961,41 @@
             </a:endParaRPr>
           </a:p>
           <a:p>
-            <a:pPr marL="179705" indent="-179705"/>
-            <a:r>
-              <a:rPr lang="ja-JP" altLang="en-US" dirty="0">
-                <a:ea typeface="+mn-lt"/>
-                <a:cs typeface="+mn-lt"/>
-              </a:rPr>
-              <a:t>新しくテンプレートを用意する場合の一例を下記します。</a:t>
-            </a:r>
-            <a:endParaRPr lang="en-US" altLang="ja-JP" dirty="0">
-              <a:ea typeface="+mn-lt"/>
-              <a:cs typeface="+mn-lt"/>
-            </a:endParaRPr>
-          </a:p>
-          <a:p>
-            <a:pPr marL="637200" lvl="1" indent="-457200">
-              <a:buFont typeface="+mj-lt"/>
-              <a:buAutoNum type="arabicPeriod"/>
+            <a:pPr marL="0" indent="0">
+              <a:buNone/>
             </a:pPr>
-            <a:r>
-              <a:rPr lang="ja-JP" altLang="en-US" sz="1800" dirty="0">
-                <a:ea typeface="+mn-lt"/>
-                <a:cs typeface="+mn-lt"/>
-              </a:rPr>
-              <a:t>テンプレート置き場を作成（仮想マシン作成で作成された場所をそのまま利用する場合不要）</a:t>
-            </a:r>
-            <a:endParaRPr lang="en-US" altLang="ja-JP" sz="1800" dirty="0">
-              <a:ea typeface="+mn-lt"/>
-              <a:cs typeface="+mn-lt"/>
-            </a:endParaRPr>
-          </a:p>
-          <a:p>
-            <a:pPr marL="637200" lvl="1" indent="-457200">
-              <a:buFont typeface="+mj-lt"/>
-              <a:buAutoNum type="arabicPeriod"/>
-            </a:pPr>
-            <a:r>
-              <a:rPr lang="en-US" altLang="ja-JP" sz="1800" dirty="0">
-                <a:ea typeface="+mn-lt"/>
-                <a:cs typeface="+mn-lt"/>
-              </a:rPr>
-              <a:t>Hyper-V</a:t>
-            </a:r>
-            <a:r>
-              <a:rPr lang="ja-JP" altLang="en-US" sz="1800" dirty="0">
-                <a:ea typeface="+mn-lt"/>
-                <a:cs typeface="+mn-lt"/>
-              </a:rPr>
-              <a:t>マネージャ上で手動で仮想マシンを作成を実施</a:t>
-            </a:r>
-            <a:endParaRPr lang="en-US" altLang="ja-JP" sz="1800" dirty="0">
-              <a:ea typeface="+mn-lt"/>
-              <a:cs typeface="+mn-lt"/>
-            </a:endParaRPr>
-          </a:p>
-          <a:p>
-            <a:pPr marL="637200" lvl="1" indent="-457200">
-              <a:buFont typeface="+mj-lt"/>
-              <a:buAutoNum type="arabicPeriod"/>
-            </a:pPr>
-            <a:r>
-              <a:rPr lang="ja-JP" altLang="en-US" sz="1800" dirty="0">
-                <a:ea typeface="+mn-lt"/>
-                <a:cs typeface="+mn-lt"/>
-              </a:rPr>
-              <a:t>仮想マシンにログインし、初期設定などを実施</a:t>
-            </a:r>
-            <a:r>
-              <a:rPr lang="en-US" altLang="ja-JP" sz="1800" dirty="0">
-                <a:ea typeface="+mn-lt"/>
-                <a:cs typeface="+mn-lt"/>
-              </a:rPr>
-              <a:t/>
-            </a:r>
-            <a:br>
-              <a:rPr lang="en-US" altLang="ja-JP" sz="1800" dirty="0">
-                <a:ea typeface="+mn-lt"/>
-                <a:cs typeface="+mn-lt"/>
-              </a:rPr>
-            </a:br>
-            <a:r>
-              <a:rPr lang="en-US" altLang="ja-JP" sz="1800" dirty="0">
-                <a:ea typeface="+mn-lt"/>
-                <a:cs typeface="+mn-lt"/>
-              </a:rPr>
-              <a:t>※Windows</a:t>
-            </a:r>
-            <a:r>
-              <a:rPr lang="ja-JP" altLang="en-US" sz="1800" dirty="0">
-                <a:ea typeface="+mn-lt"/>
-                <a:cs typeface="+mn-lt"/>
-              </a:rPr>
-              <a:t>の場合、ここで「</a:t>
-            </a:r>
-            <a:r>
-              <a:rPr lang="en-US" altLang="ja-JP" sz="1800" b="1" dirty="0" err="1">
-                <a:solidFill>
-                  <a:schemeClr val="accent6">
-                    <a:lumMod val="50000"/>
-                    <a:lumOff val="50000"/>
-                  </a:schemeClr>
-                </a:solidFill>
-              </a:rPr>
-              <a:t>Sysprep</a:t>
-            </a:r>
-            <a:r>
-              <a:rPr lang="ja-JP" altLang="en-US" sz="1800" dirty="0"/>
-              <a:t>」を実施することをお勧めします。</a:t>
-            </a:r>
-            <a:endParaRPr lang="en-US" altLang="ja-JP" sz="1800" dirty="0">
-              <a:ea typeface="+mn-lt"/>
-              <a:cs typeface="+mn-lt"/>
-            </a:endParaRPr>
-          </a:p>
-          <a:p>
-            <a:pPr marL="637200" lvl="1" indent="-457200">
-              <a:buFont typeface="+mj-lt"/>
-              <a:buAutoNum type="arabicPeriod"/>
-            </a:pPr>
-            <a:r>
-              <a:rPr lang="ja-JP" altLang="en-US" sz="1800" dirty="0">
-                <a:ea typeface="+mn-lt"/>
-                <a:cs typeface="+mn-lt"/>
-              </a:rPr>
-              <a:t>作成された</a:t>
-            </a:r>
-            <a:r>
-              <a:rPr lang="en-US" altLang="ja-JP" sz="1800" dirty="0">
-                <a:ea typeface="+mn-lt"/>
-                <a:cs typeface="+mn-lt"/>
-              </a:rPr>
-              <a:t>VHDX</a:t>
-            </a:r>
-            <a:r>
-              <a:rPr lang="ja-JP" altLang="en-US" sz="1800" dirty="0">
-                <a:ea typeface="+mn-lt"/>
-                <a:cs typeface="+mn-lt"/>
-              </a:rPr>
-              <a:t>ファイルをテンプレート置き場にコピー</a:t>
-            </a:r>
-            <a:endParaRPr lang="en-US" altLang="ja-JP" sz="1800" dirty="0">
-              <a:ea typeface="+mn-lt"/>
-              <a:cs typeface="+mn-lt"/>
-            </a:endParaRPr>
-          </a:p>
-          <a:p>
-            <a:pPr marL="637200" lvl="1" indent="-457200">
-              <a:buFont typeface="+mj-lt"/>
-              <a:buAutoNum type="arabicPeriod"/>
-            </a:pPr>
-            <a:r>
-              <a:rPr lang="ja-JP" altLang="en-US" sz="1800" dirty="0">
-                <a:ea typeface="+mn-lt"/>
-                <a:cs typeface="+mn-lt"/>
-              </a:rPr>
-              <a:t>テンプレートとして作成された仮想マシンを削除（残す場合不要）</a:t>
-            </a:r>
-            <a:endParaRPr lang="en-US" altLang="ja-JP" sz="1800" dirty="0">
-              <a:ea typeface="+mn-lt"/>
-              <a:cs typeface="+mn-lt"/>
-            </a:endParaRPr>
-          </a:p>
-          <a:p>
-            <a:pPr marL="457200" indent="-457200">
-              <a:buFont typeface="+mj-lt"/>
-              <a:buAutoNum type="arabicPeriod"/>
-            </a:pPr>
-            <a:endParaRPr lang="en-US" altLang="ja-JP" dirty="0">
-              <a:ea typeface="+mn-lt"/>
-              <a:cs typeface="+mn-lt"/>
+            <a:endParaRPr lang="en-US" altLang="ja-JP" dirty="0" smtClean="0">
+              <a:hlinkClick r:id="rId2"/>
             </a:endParaRPr>
           </a:p>
           <a:p>
             <a:pPr marL="179705" indent="-179705"/>
+            <a:r>
+              <a:rPr lang="ja-JP" altLang="en-US" dirty="0" smtClean="0">
+                <a:hlinkClick r:id="rId2"/>
+              </a:rPr>
+              <a:t>コミュニティサイト</a:t>
+            </a:r>
+            <a:r>
+              <a:rPr lang="ja-JP" altLang="en-US" dirty="0">
+                <a:hlinkClick r:id="rId2"/>
+              </a:rPr>
+              <a:t>の</a:t>
+            </a:r>
+            <a:r>
+              <a:rPr lang="en-US" altLang="ja-JP" dirty="0">
+                <a:hlinkClick r:id="rId2"/>
+              </a:rPr>
+              <a:t>FAQ</a:t>
+            </a:r>
+            <a:r>
+              <a:rPr lang="ja-JP" altLang="en-US" dirty="0"/>
+              <a:t>より</a:t>
+            </a:r>
+            <a:r>
+              <a:rPr lang="ja-JP" altLang="en-US" dirty="0" smtClean="0"/>
+              <a:t>抜粋</a:t>
+            </a:r>
             <a:endParaRPr lang="en-US" altLang="ja-JP" dirty="0">
               <a:ea typeface="+mn-lt"/>
               <a:cs typeface="+mn-lt"/>
@@ -22084,143 +22082,577 @@
           </a:p>
         </p:txBody>
       </p:sp>
-      <p:pic>
-        <p:nvPicPr>
-          <p:cNvPr id="3" name="図 2"/>
-          <p:cNvPicPr>
-            <a:picLocks noChangeAspect="1"/>
-          </p:cNvPicPr>
+      <p:sp>
+        <p:nvSpPr>
+          <p:cNvPr id="8" name="テキスト ボックス 7"/>
+          <p:cNvSpPr txBox="1"/>
           <p:nvPr/>
-        </p:nvPicPr>
-        <p:blipFill>
-          <a:blip r:embed="rId2"/>
-          <a:stretch>
-            <a:fillRect/>
-          </a:stretch>
-        </p:blipFill>
+        </p:nvSpPr>
         <p:spPr>
           <a:xfrm>
-            <a:off x="487120" y="3858097"/>
-            <a:ext cx="6345479" cy="2521921"/>
-          </a:xfrm>
-          <a:prstGeom prst="rect">
-            <a:avLst/>
-          </a:prstGeom>
-        </p:spPr>
-      </p:pic>
-      <p:sp>
-        <p:nvSpPr>
-          <p:cNvPr id="4" name="正方形/長方形 3"/>
-          <p:cNvSpPr/>
-          <p:nvPr/>
-        </p:nvSpPr>
-        <p:spPr bwMode="auto">
-          <a:xfrm>
-            <a:off x="2418771" y="5896234"/>
-            <a:ext cx="3499429" cy="244734"/>
+            <a:off x="191583" y="2682676"/>
+            <a:ext cx="11807536" cy="593924"/>
           </a:xfrm>
           <a:prstGeom prst="rect">
             <a:avLst/>
           </a:prstGeom>
           <a:noFill/>
-          <a:ln w="31750">
-            <a:solidFill>
-              <a:schemeClr val="accent3">
-                <a:lumMod val="50000"/>
-                <a:lumOff val="50000"/>
-              </a:schemeClr>
-            </a:solidFill>
-          </a:ln>
-          <a:effectLst/>
         </p:spPr>
         <p:txBody>
-          <a:bodyPr rot="0" spcFirstLastPara="0" vertOverflow="overflow" horzOverflow="overflow" vert="horz" wrap="none" lIns="72000" tIns="72000" rIns="72000" bIns="72000" numCol="1" spcCol="0" rtlCol="0" fromWordArt="0" anchor="ctr" anchorCtr="0" forceAA="0" compatLnSpc="1">
-            <a:prstTxWarp prst="textNoShape">
-              <a:avLst/>
-            </a:prstTxWarp>
+          <a:bodyPr wrap="square" rtlCol="0">
             <a:noAutofit/>
           </a:bodyPr>
           <a:lstStyle/>
           <a:p>
-            <a:pPr algn="ctr"/>
-            <a:endParaRPr kumimoji="1" lang="ja-JP" altLang="en-US" b="1" dirty="0">
-              <a:latin typeface="+mn-ea"/>
+            <a:r>
+              <a:rPr lang="en-US" altLang="ja-JP" sz="2000" dirty="0"/>
+              <a:t>Q</a:t>
+            </a:r>
+            <a:r>
+              <a:rPr lang="ja-JP" altLang="en-US" sz="2000" dirty="0"/>
+              <a:t>：</a:t>
+            </a:r>
+            <a:r>
+              <a:rPr lang="en-US" altLang="ja-JP" sz="2000" dirty="0" err="1"/>
+              <a:t>Ansible</a:t>
+            </a:r>
+            <a:r>
+              <a:rPr lang="en-US" altLang="ja-JP" sz="2000" dirty="0"/>
+              <a:t> </a:t>
+            </a:r>
+            <a:r>
+              <a:rPr lang="ja-JP" altLang="en-US" sz="2000" dirty="0"/>
+              <a:t>から </a:t>
+            </a:r>
+            <a:r>
+              <a:rPr lang="en-US" altLang="ja-JP" sz="2000" dirty="0"/>
+              <a:t>Windows </a:t>
+            </a:r>
+            <a:r>
+              <a:rPr lang="ja-JP" altLang="en-US" sz="2000" dirty="0"/>
+              <a:t>サーバへの接続ができない。</a:t>
+            </a:r>
+          </a:p>
+          <a:p>
+            <a:r>
+              <a:rPr lang="en-US" altLang="ja-JP" sz="2000" dirty="0" smtClean="0"/>
+              <a:t>A</a:t>
+            </a:r>
+            <a:r>
+              <a:rPr lang="ja-JP" altLang="en-US" sz="2000" dirty="0" smtClean="0"/>
+              <a:t>：</a:t>
+            </a:r>
+            <a:r>
+              <a:rPr lang="en-US" altLang="ja-JP" sz="2000" dirty="0" smtClean="0"/>
+              <a:t>Windows </a:t>
+            </a:r>
+            <a:r>
+              <a:rPr lang="ja-JP" altLang="en-US" sz="2000" dirty="0"/>
+              <a:t>サーバで </a:t>
+            </a:r>
+            <a:r>
+              <a:rPr lang="en-US" altLang="ja-JP" sz="2000" dirty="0" err="1"/>
+              <a:t>Powershell</a:t>
+            </a:r>
+            <a:r>
+              <a:rPr lang="en-US" altLang="ja-JP" sz="2000" dirty="0"/>
+              <a:t> </a:t>
+            </a:r>
+            <a:r>
+              <a:rPr lang="ja-JP" altLang="en-US" sz="2000" dirty="0"/>
+              <a:t>を管理者権限で起動し、下記の各コマンドを実施して下さい。</a:t>
+            </a:r>
+            <a:r>
+              <a:rPr lang="ja-JP" altLang="en-US" sz="2000" dirty="0"/>
+              <a:t/>
+            </a:r>
+            <a:br>
+              <a:rPr lang="ja-JP" altLang="en-US" sz="2000" dirty="0"/>
+            </a:br>
+            <a:endParaRPr kumimoji="1" lang="ja-JP" altLang="en-US" sz="2000" dirty="0"/>
+          </a:p>
+        </p:txBody>
+      </p:sp>
+      <p:sp>
+        <p:nvSpPr>
+          <p:cNvPr id="9" name="テキスト ボックス 8"/>
+          <p:cNvSpPr txBox="1"/>
+          <p:nvPr/>
+        </p:nvSpPr>
+        <p:spPr>
+          <a:xfrm>
+            <a:off x="683850" y="3319074"/>
+            <a:ext cx="10746150" cy="2332426"/>
+          </a:xfrm>
+          <a:prstGeom prst="rect">
+            <a:avLst/>
+          </a:prstGeom>
+          <a:solidFill>
+            <a:srgbClr val="002060"/>
+          </a:solidFill>
+        </p:spPr>
+        <p:txBody>
+          <a:bodyPr wrap="square" rtlCol="0">
+            <a:noAutofit/>
+          </a:bodyPr>
+          <a:lstStyle/>
+          <a:p>
+            <a:r>
+              <a:rPr lang="en-US" altLang="ja-JP" dirty="0" smtClean="0">
+                <a:solidFill>
+                  <a:schemeClr val="bg1"/>
+                </a:solidFill>
+              </a:rPr>
+              <a:t>C</a:t>
+            </a:r>
+            <a:r>
+              <a:rPr lang="en-US" altLang="ja-JP" dirty="0">
+                <a:solidFill>
+                  <a:schemeClr val="bg1"/>
+                </a:solidFill>
+              </a:rPr>
+              <a:t>:\User\User&gt; Enable-</a:t>
+            </a:r>
+            <a:r>
+              <a:rPr lang="en-US" altLang="ja-JP" dirty="0" err="1">
+                <a:solidFill>
+                  <a:schemeClr val="bg1"/>
+                </a:solidFill>
+              </a:rPr>
+              <a:t>PSRemoting</a:t>
+            </a:r>
+            <a:r>
+              <a:rPr lang="en-US" altLang="ja-JP" dirty="0">
+                <a:solidFill>
+                  <a:schemeClr val="bg1"/>
+                </a:solidFill>
+              </a:rPr>
+              <a:t> -Force</a:t>
+            </a:r>
+            <a:r>
+              <a:rPr lang="en-US" altLang="ja-JP" dirty="0">
+                <a:solidFill>
+                  <a:schemeClr val="bg1"/>
+                </a:solidFill>
+              </a:rPr>
+              <a:t/>
+            </a:r>
+            <a:br>
+              <a:rPr lang="en-US" altLang="ja-JP" dirty="0">
+                <a:solidFill>
+                  <a:schemeClr val="bg1"/>
+                </a:solidFill>
+              </a:rPr>
+            </a:br>
+            <a:r>
+              <a:rPr lang="en-US" altLang="ja-JP" dirty="0">
+                <a:solidFill>
+                  <a:schemeClr val="bg1"/>
+                </a:solidFill>
+              </a:rPr>
+              <a:t>↓</a:t>
+            </a:r>
+            <a:r>
+              <a:rPr lang="en-US" altLang="ja-JP" dirty="0">
+                <a:solidFill>
+                  <a:schemeClr val="bg1"/>
+                </a:solidFill>
+              </a:rPr>
+              <a:t/>
+            </a:r>
+            <a:br>
+              <a:rPr lang="en-US" altLang="ja-JP" dirty="0">
+                <a:solidFill>
+                  <a:schemeClr val="bg1"/>
+                </a:solidFill>
+              </a:rPr>
+            </a:br>
+            <a:r>
+              <a:rPr lang="en-US" altLang="ja-JP" dirty="0">
+                <a:solidFill>
+                  <a:schemeClr val="bg1"/>
+                </a:solidFill>
+              </a:rPr>
+              <a:t>C:\User\User&gt; Set-</a:t>
+            </a:r>
+            <a:r>
+              <a:rPr lang="en-US" altLang="ja-JP" dirty="0" err="1">
+                <a:solidFill>
+                  <a:schemeClr val="bg1"/>
+                </a:solidFill>
+              </a:rPr>
+              <a:t>NetConnectionProfile</a:t>
+            </a:r>
+            <a:r>
+              <a:rPr lang="en-US" altLang="ja-JP" dirty="0">
+                <a:solidFill>
+                  <a:schemeClr val="bg1"/>
+                </a:solidFill>
+              </a:rPr>
+              <a:t> -</a:t>
+            </a:r>
+            <a:r>
+              <a:rPr lang="en-US" altLang="ja-JP" dirty="0" err="1">
+                <a:solidFill>
+                  <a:schemeClr val="bg1"/>
+                </a:solidFill>
+              </a:rPr>
+              <a:t>InterfaceAlias</a:t>
+            </a:r>
+            <a:r>
+              <a:rPr lang="en-US" altLang="ja-JP" dirty="0">
+                <a:solidFill>
+                  <a:schemeClr val="bg1"/>
+                </a:solidFill>
+              </a:rPr>
+              <a:t> (Get-</a:t>
+            </a:r>
+            <a:r>
+              <a:rPr lang="en-US" altLang="ja-JP" dirty="0" err="1">
+                <a:solidFill>
+                  <a:schemeClr val="bg1"/>
+                </a:solidFill>
+              </a:rPr>
+              <a:t>NetConnectionProfile</a:t>
+            </a:r>
+            <a:r>
+              <a:rPr lang="en-US" altLang="ja-JP" dirty="0">
+                <a:solidFill>
+                  <a:schemeClr val="bg1"/>
+                </a:solidFill>
+              </a:rPr>
+              <a:t> - IPv4Connectivity Internet).</a:t>
+            </a:r>
+            <a:r>
+              <a:rPr lang="en-US" altLang="ja-JP" dirty="0" err="1">
+                <a:solidFill>
+                  <a:schemeClr val="bg1"/>
+                </a:solidFill>
+              </a:rPr>
+              <a:t>InterfaceAlias</a:t>
+            </a:r>
+            <a:r>
+              <a:rPr lang="en-US" altLang="ja-JP" dirty="0">
+                <a:solidFill>
+                  <a:schemeClr val="bg1"/>
+                </a:solidFill>
+              </a:rPr>
+              <a:t> -</a:t>
+            </a:r>
+            <a:r>
+              <a:rPr lang="en-US" altLang="ja-JP" dirty="0" err="1">
+                <a:solidFill>
+                  <a:schemeClr val="bg1"/>
+                </a:solidFill>
+              </a:rPr>
+              <a:t>NetworkCategory</a:t>
+            </a:r>
+            <a:r>
+              <a:rPr lang="en-US" altLang="ja-JP" dirty="0">
+                <a:solidFill>
+                  <a:schemeClr val="bg1"/>
+                </a:solidFill>
+              </a:rPr>
+              <a:t> Private</a:t>
+            </a:r>
+            <a:r>
+              <a:rPr lang="en-US" altLang="ja-JP" dirty="0">
+                <a:solidFill>
+                  <a:schemeClr val="bg1"/>
+                </a:solidFill>
+              </a:rPr>
+              <a:t/>
+            </a:r>
+            <a:br>
+              <a:rPr lang="en-US" altLang="ja-JP" dirty="0">
+                <a:solidFill>
+                  <a:schemeClr val="bg1"/>
+                </a:solidFill>
+              </a:rPr>
+            </a:br>
+            <a:r>
+              <a:rPr lang="en-US" altLang="ja-JP" dirty="0">
+                <a:solidFill>
+                  <a:schemeClr val="bg1"/>
+                </a:solidFill>
+              </a:rPr>
+              <a:t>↓</a:t>
+            </a:r>
+            <a:r>
+              <a:rPr lang="en-US" altLang="ja-JP" dirty="0">
+                <a:solidFill>
+                  <a:schemeClr val="bg1"/>
+                </a:solidFill>
+              </a:rPr>
+              <a:t/>
+            </a:r>
+            <a:br>
+              <a:rPr lang="en-US" altLang="ja-JP" dirty="0">
+                <a:solidFill>
+                  <a:schemeClr val="bg1"/>
+                </a:solidFill>
+              </a:rPr>
+            </a:br>
+            <a:r>
+              <a:rPr lang="en-US" altLang="ja-JP" dirty="0">
+                <a:solidFill>
+                  <a:schemeClr val="bg1"/>
+                </a:solidFill>
+              </a:rPr>
+              <a:t>C:\User\User&gt; </a:t>
+            </a:r>
+            <a:r>
+              <a:rPr lang="en-US" altLang="ja-JP" dirty="0" err="1">
+                <a:solidFill>
+                  <a:schemeClr val="bg1"/>
+                </a:solidFill>
+              </a:rPr>
+              <a:t>winrm</a:t>
+            </a:r>
+            <a:r>
+              <a:rPr lang="en-US" altLang="ja-JP" dirty="0">
+                <a:solidFill>
+                  <a:schemeClr val="bg1"/>
+                </a:solidFill>
+              </a:rPr>
+              <a:t> set </a:t>
+            </a:r>
+            <a:r>
+              <a:rPr lang="en-US" altLang="ja-JP" dirty="0" err="1">
+                <a:solidFill>
+                  <a:schemeClr val="bg1"/>
+                </a:solidFill>
+              </a:rPr>
+              <a:t>winrm</a:t>
+            </a:r>
+            <a:r>
+              <a:rPr lang="en-US" altLang="ja-JP" dirty="0">
+                <a:solidFill>
+                  <a:schemeClr val="bg1"/>
+                </a:solidFill>
+              </a:rPr>
+              <a:t>/</a:t>
+            </a:r>
+            <a:r>
+              <a:rPr lang="en-US" altLang="ja-JP" dirty="0" err="1">
+                <a:solidFill>
+                  <a:schemeClr val="bg1"/>
+                </a:solidFill>
+              </a:rPr>
+              <a:t>config</a:t>
+            </a:r>
+            <a:r>
+              <a:rPr lang="en-US" altLang="ja-JP" dirty="0">
+                <a:solidFill>
+                  <a:schemeClr val="bg1"/>
+                </a:solidFill>
+              </a:rPr>
+              <a:t>/service/</a:t>
+            </a:r>
+            <a:r>
+              <a:rPr lang="en-US" altLang="ja-JP" dirty="0" err="1">
+                <a:solidFill>
+                  <a:schemeClr val="bg1"/>
+                </a:solidFill>
+              </a:rPr>
+              <a:t>auth</a:t>
+            </a:r>
+            <a:r>
+              <a:rPr lang="en-US" altLang="ja-JP" dirty="0">
+                <a:solidFill>
+                  <a:schemeClr val="bg1"/>
+                </a:solidFill>
+              </a:rPr>
+              <a:t> '@{Basic="true"}'</a:t>
+            </a:r>
+            <a:r>
+              <a:rPr lang="en-US" altLang="ja-JP" dirty="0">
+                <a:solidFill>
+                  <a:schemeClr val="bg1"/>
+                </a:solidFill>
+              </a:rPr>
+              <a:t/>
+            </a:r>
+            <a:br>
+              <a:rPr lang="en-US" altLang="ja-JP" dirty="0">
+                <a:solidFill>
+                  <a:schemeClr val="bg1"/>
+                </a:solidFill>
+              </a:rPr>
+            </a:br>
+            <a:r>
+              <a:rPr lang="en-US" altLang="ja-JP" dirty="0">
+                <a:solidFill>
+                  <a:schemeClr val="bg1"/>
+                </a:solidFill>
+              </a:rPr>
+              <a:t>↓</a:t>
+            </a:r>
+            <a:r>
+              <a:rPr lang="en-US" altLang="ja-JP" dirty="0">
+                <a:solidFill>
+                  <a:schemeClr val="bg1"/>
+                </a:solidFill>
+              </a:rPr>
+              <a:t/>
+            </a:r>
+            <a:br>
+              <a:rPr lang="en-US" altLang="ja-JP" dirty="0">
+                <a:solidFill>
+                  <a:schemeClr val="bg1"/>
+                </a:solidFill>
+              </a:rPr>
+            </a:br>
+            <a:r>
+              <a:rPr lang="en-US" altLang="ja-JP" dirty="0">
+                <a:solidFill>
+                  <a:schemeClr val="bg1"/>
+                </a:solidFill>
+              </a:rPr>
+              <a:t>C:\User\User&gt; </a:t>
+            </a:r>
+            <a:r>
+              <a:rPr lang="en-US" altLang="ja-JP" dirty="0" err="1">
+                <a:solidFill>
+                  <a:schemeClr val="bg1"/>
+                </a:solidFill>
+              </a:rPr>
+              <a:t>winrm</a:t>
+            </a:r>
+            <a:r>
+              <a:rPr lang="en-US" altLang="ja-JP" dirty="0">
+                <a:solidFill>
+                  <a:schemeClr val="bg1"/>
+                </a:solidFill>
+              </a:rPr>
+              <a:t> set </a:t>
+            </a:r>
+            <a:r>
+              <a:rPr lang="en-US" altLang="ja-JP" dirty="0" err="1">
+                <a:solidFill>
+                  <a:schemeClr val="bg1"/>
+                </a:solidFill>
+              </a:rPr>
+              <a:t>winrm</a:t>
+            </a:r>
+            <a:r>
+              <a:rPr lang="en-US" altLang="ja-JP" dirty="0">
+                <a:solidFill>
+                  <a:schemeClr val="bg1"/>
+                </a:solidFill>
+              </a:rPr>
+              <a:t>/</a:t>
+            </a:r>
+            <a:r>
+              <a:rPr lang="en-US" altLang="ja-JP" dirty="0" err="1">
+                <a:solidFill>
+                  <a:schemeClr val="bg1"/>
+                </a:solidFill>
+              </a:rPr>
+              <a:t>config</a:t>
+            </a:r>
+            <a:r>
+              <a:rPr lang="en-US" altLang="ja-JP" dirty="0">
+                <a:solidFill>
+                  <a:schemeClr val="bg1"/>
+                </a:solidFill>
+              </a:rPr>
+              <a:t>/service '@{</a:t>
+            </a:r>
+            <a:r>
+              <a:rPr lang="en-US" altLang="ja-JP" dirty="0" err="1">
+                <a:solidFill>
+                  <a:schemeClr val="bg1"/>
+                </a:solidFill>
+              </a:rPr>
+              <a:t>AllowUnencrypted</a:t>
+            </a:r>
+            <a:r>
+              <a:rPr lang="en-US" altLang="ja-JP" dirty="0">
+                <a:solidFill>
+                  <a:schemeClr val="bg1"/>
+                </a:solidFill>
+              </a:rPr>
+              <a:t>="true</a:t>
+            </a:r>
+            <a:r>
+              <a:rPr lang="en-US" altLang="ja-JP" dirty="0" smtClean="0">
+                <a:solidFill>
+                  <a:schemeClr val="bg1"/>
+                </a:solidFill>
+              </a:rPr>
+              <a:t>"}'</a:t>
+            </a:r>
+            <a:endParaRPr kumimoji="1" lang="ja-JP" altLang="en-US" dirty="0">
+              <a:solidFill>
+                <a:schemeClr val="bg1"/>
+              </a:solidFill>
             </a:endParaRPr>
           </a:p>
         </p:txBody>
       </p:sp>
       <p:sp>
         <p:nvSpPr>
-          <p:cNvPr id="5" name="角丸四角形吹き出し 4"/>
-          <p:cNvSpPr/>
+          <p:cNvPr id="10" name="テキスト ボックス 9"/>
+          <p:cNvSpPr txBox="1"/>
           <p:nvPr/>
         </p:nvSpPr>
-        <p:spPr bwMode="auto">
+        <p:spPr>
           <a:xfrm>
-            <a:off x="6540499" y="5372287"/>
-            <a:ext cx="3442349" cy="698500"/>
+            <a:off x="683850" y="5651500"/>
+            <a:ext cx="10746150" cy="623738"/>
           </a:xfrm>
-          <a:prstGeom prst="wedgeRoundRectCallout">
-            <a:avLst>
-              <a:gd name="adj1" fmla="val -66288"/>
-              <a:gd name="adj2" fmla="val 29773"/>
-              <a:gd name="adj3" fmla="val 16667"/>
-            </a:avLst>
+          <a:prstGeom prst="rect">
+            <a:avLst/>
           </a:prstGeom>
-          <a:solidFill>
-            <a:schemeClr val="accent3">
-              <a:lumMod val="10000"/>
-              <a:lumOff val="90000"/>
-            </a:schemeClr>
-          </a:solidFill>
-          <a:ln w="31750">
-            <a:solidFill>
-              <a:schemeClr val="accent3">
-                <a:lumMod val="50000"/>
-                <a:lumOff val="50000"/>
-              </a:schemeClr>
-            </a:solidFill>
-          </a:ln>
-          <a:effectLst/>
+          <a:noFill/>
         </p:spPr>
         <p:txBody>
-          <a:bodyPr rot="0" spcFirstLastPara="0" vertOverflow="overflow" horzOverflow="overflow" vert="horz" wrap="square" lIns="72000" tIns="72000" rIns="72000" bIns="72000" numCol="1" spcCol="0" rtlCol="0" fromWordArt="0" anchor="ctr" anchorCtr="0" forceAA="0" compatLnSpc="1">
-            <a:prstTxWarp prst="textNoShape">
-              <a:avLst/>
-            </a:prstTxWarp>
+          <a:bodyPr wrap="square" rtlCol="0">
             <a:noAutofit/>
           </a:bodyPr>
           <a:lstStyle/>
           <a:p>
-            <a:pPr algn="ctr"/>
-            <a:r>
-              <a:rPr lang="ja-JP" altLang="en-US" dirty="0">
-                <a:latin typeface="+mn-ea"/>
-              </a:rPr>
-              <a:t>ここで指定されたフォルダ配下に</a:t>
-            </a:r>
-            <a:r>
-              <a:rPr lang="en-US" altLang="ja-JP" dirty="0">
-                <a:latin typeface="+mn-ea"/>
-              </a:rPr>
-              <a:t>VHDX</a:t>
-            </a:r>
-            <a:r>
-              <a:rPr lang="ja-JP" altLang="en-US" dirty="0">
-                <a:latin typeface="+mn-ea"/>
-              </a:rPr>
-              <a:t>ファイルが作成される</a:t>
-            </a:r>
-            <a:endParaRPr kumimoji="1" lang="ja-JP" altLang="en-US" dirty="0">
-              <a:latin typeface="+mn-ea"/>
-            </a:endParaRPr>
+            <a:r>
+              <a:rPr lang="ja-JP" altLang="en-US" dirty="0" smtClean="0"/>
+              <a:t>また、</a:t>
+            </a:r>
+            <a:r>
+              <a:rPr lang="en-US" altLang="ja-JP" dirty="0" err="1" smtClean="0"/>
+              <a:t>Ansible</a:t>
+            </a:r>
+            <a:r>
+              <a:rPr lang="en-US" altLang="ja-JP" dirty="0" smtClean="0"/>
+              <a:t>-Legacy/Role</a:t>
+            </a:r>
+            <a:r>
+              <a:rPr lang="ja-JP" altLang="en-US" dirty="0" smtClean="0"/>
+              <a:t>を利用する場合は、 機器一覧と</a:t>
+            </a:r>
+            <a:r>
+              <a:rPr lang="en-US" altLang="ja-JP" dirty="0" smtClean="0"/>
+              <a:t>Movement</a:t>
+            </a:r>
+            <a:r>
+              <a:rPr lang="ja-JP" altLang="en-US" dirty="0" smtClean="0"/>
+              <a:t>一覧の</a:t>
+            </a:r>
+            <a:r>
+              <a:rPr lang="en-US" altLang="ja-JP" dirty="0" err="1" smtClean="0"/>
+              <a:t>WinRM</a:t>
+            </a:r>
+            <a:r>
+              <a:rPr lang="ja-JP" altLang="en-US" dirty="0" smtClean="0"/>
+              <a:t>接続を「●」にして下さい。</a:t>
+            </a:r>
+            <a:endParaRPr kumimoji="1" lang="ja-JP" altLang="en-US" dirty="0"/>
           </a:p>
         </p:txBody>
       </p:sp>
     </p:spTree>
     <p:extLst>
       <p:ext uri="{BB962C8B-B14F-4D97-AF65-F5344CB8AC3E}">
-        <p14:creationId xmlns:p14="http://schemas.microsoft.com/office/powerpoint/2010/main" val="271592523"/>
+        <p14:creationId xmlns:p14="http://schemas.microsoft.com/office/powerpoint/2010/main" val="3170020449"/>
       </p:ext>
     </p:extLst>
   </p:cSld>
@@ -22471,21 +22903,25 @@
           <a:p>
             <a:r>
               <a:rPr lang="en-US" altLang="ja-JP" dirty="0" smtClean="0"/>
-              <a:t>2.7 </a:t>
+              <a:t>2.7</a:t>
+            </a:r>
+            <a:r>
+              <a:rPr lang="en-US" altLang="ja-JP" dirty="0" smtClean="0"/>
+              <a:t> </a:t>
             </a:r>
             <a:r>
               <a:rPr lang="ja-JP" altLang="en-US" dirty="0" smtClean="0">
                 <a:ea typeface="+mn-lt"/>
                 <a:cs typeface="+mn-lt"/>
               </a:rPr>
-              <a:t>仮想</a:t>
+              <a:t>テンプレート</a:t>
             </a:r>
             <a:r>
               <a:rPr lang="ja-JP" altLang="en-US" dirty="0">
                 <a:ea typeface="+mn-lt"/>
                 <a:cs typeface="+mn-lt"/>
               </a:rPr>
-              <a:t>ネットワークの準備</a:t>
+              <a:t>の準備</a:t>
             </a:r>
             <a:endParaRPr lang="en-US" dirty="0"/>
           </a:p>
@@ -22503,11 +22939,7 @@
         </p:nvSpPr>
         <p:spPr>
           <a:ln>
-            <a:solidFill>
-              <a:schemeClr val="accent1">
-                <a:lumMod val="75000"/>
-              </a:schemeClr>
-            </a:solidFill>
+            <a:noFill/>
           </a:ln>
         </p:spPr>
         <p:txBody>
@@ -22529,28 +22961,22 @@
                 <a:ea typeface="+mn-lt"/>
                 <a:cs typeface="+mn-lt"/>
               </a:rPr>
-              <a:t>モデルでは、利用したい既存の仮想ネットワークを選択するため事前に仮想ネットワークの設定を行う必要があります</a:t>
-            </a:r>
-            <a:r>
-              <a:rPr lang="ja-JP" altLang="en-US" dirty="0" smtClean="0">
+              <a:t>モデルでは、テンプレートとして用意した</a:t>
+            </a:r>
+            <a:r>
+              <a:rPr lang="en-US" altLang="ja-JP" dirty="0">
                 <a:ea typeface="+mn-lt"/>
                 <a:cs typeface="+mn-lt"/>
               </a:rPr>
-              <a:t>。</a:t>
-            </a:r>
-            <a:r>
-              <a:rPr lang="en-US" altLang="ja-JP" dirty="0" smtClean="0">
+              <a:t>VHDX</a:t>
+            </a:r>
+            <a:r>
+              <a:rPr lang="ja-JP" altLang="en-US" dirty="0">
                 <a:ea typeface="+mn-lt"/>
                 <a:cs typeface="+mn-lt"/>
               </a:rPr>
-              <a:t/>
-            </a:r>
-            <a:br>
-              <a:rPr lang="en-US" altLang="ja-JP" dirty="0" smtClean="0">
-                <a:ea typeface="+mn-lt"/>
-                <a:cs typeface="+mn-lt"/>
-              </a:rPr>
-            </a:br>
+              <a:t>ファイルを元に仮想マシンを作成しています。</a:t>
+            </a:r>
             <a:endParaRPr lang="en-US" altLang="ja-JP" dirty="0">
               <a:ea typeface="+mn-lt"/>
               <a:cs typeface="+mn-lt"/>
@@ -22563,8 +22989,173 @@
                 <a:ea typeface="+mn-lt"/>
                 <a:cs typeface="+mn-lt"/>
               </a:rPr>
-              <a:t>作成方法は公式のドキュメントなどを参照ください。</a:t>
-            </a:r>
+              <a:t>新しくテンプレートを用意する場合の一例を下記します。</a:t>
+            </a:r>
+            <a:endParaRPr lang="en-US" altLang="ja-JP" dirty="0">
+              <a:ea typeface="+mn-lt"/>
+              <a:cs typeface="+mn-lt"/>
+            </a:endParaRPr>
+          </a:p>
+          <a:p>
+            <a:pPr marL="637200" lvl="1" indent="-457200">
+              <a:buFont typeface="+mj-lt"/>
+              <a:buAutoNum type="arabicPeriod"/>
+            </a:pPr>
+            <a:r>
+              <a:rPr lang="ja-JP" altLang="en-US" sz="1800" dirty="0">
+                <a:ea typeface="+mn-lt"/>
+                <a:cs typeface="+mn-lt"/>
+              </a:rPr>
+              <a:t>テンプレート置き場を作成（仮想マシン作成で作成された場所をそのまま利用する場合不要）</a:t>
+            </a:r>
+            <a:endParaRPr lang="en-US" altLang="ja-JP" sz="1800" dirty="0">
+              <a:ea typeface="+mn-lt"/>
+              <a:cs typeface="+mn-lt"/>
+            </a:endParaRPr>
+          </a:p>
+          <a:p>
+            <a:pPr marL="637200" lvl="1" indent="-457200">
+              <a:buFont typeface="+mj-lt"/>
+              <a:buAutoNum type="arabicPeriod"/>
+            </a:pPr>
+            <a:r>
+              <a:rPr lang="en-US" altLang="ja-JP" sz="1800" dirty="0">
+                <a:ea typeface="+mn-lt"/>
+                <a:cs typeface="+mn-lt"/>
+              </a:rPr>
+              <a:t>Hyper-V</a:t>
+            </a:r>
+            <a:r>
+              <a:rPr lang="ja-JP" altLang="en-US" sz="1800" dirty="0">
+                <a:ea typeface="+mn-lt"/>
+                <a:cs typeface="+mn-lt"/>
+              </a:rPr>
+              <a:t>マネージャ上で手動で仮想マシンを作成を実施</a:t>
+            </a:r>
+            <a:endParaRPr lang="en-US" altLang="ja-JP" sz="1800" dirty="0">
+              <a:ea typeface="+mn-lt"/>
+              <a:cs typeface="+mn-lt"/>
+            </a:endParaRPr>
+          </a:p>
+          <a:p>
+            <a:pPr marL="637200" lvl="1" indent="-457200">
+              <a:buFont typeface="+mj-lt"/>
+              <a:buAutoNum type="arabicPeriod"/>
+            </a:pPr>
+            <a:r>
+              <a:rPr lang="ja-JP" altLang="en-US" sz="1800" dirty="0">
+                <a:ea typeface="+mn-lt"/>
+                <a:cs typeface="+mn-lt"/>
+              </a:rPr>
+              <a:t>仮想マシンにログインし、初期設定などを実施</a:t>
+            </a:r>
+            <a:r>
+              <a:rPr lang="en-US" altLang="ja-JP" sz="1800" dirty="0">
+                <a:ea typeface="+mn-lt"/>
+                <a:cs typeface="+mn-lt"/>
+              </a:rPr>
+              <a:t/>
+            </a:r>
+            <a:br>
+              <a:rPr lang="en-US" altLang="ja-JP" sz="1800" dirty="0">
+                <a:ea typeface="+mn-lt"/>
+                <a:cs typeface="+mn-lt"/>
+              </a:rPr>
+            </a:br>
+            <a:r>
+              <a:rPr lang="en-US" altLang="ja-JP" sz="1800" dirty="0">
+                <a:ea typeface="+mn-lt"/>
+                <a:cs typeface="+mn-lt"/>
+              </a:rPr>
+              <a:t>※Windows</a:t>
+            </a:r>
+            <a:r>
+              <a:rPr lang="ja-JP" altLang="en-US" sz="1800" dirty="0">
+                <a:ea typeface="+mn-lt"/>
+                <a:cs typeface="+mn-lt"/>
+              </a:rPr>
+              <a:t>の場合、ここで「</a:t>
+            </a:r>
+            <a:r>
+              <a:rPr lang="en-US" altLang="ja-JP" sz="1800" b="1" dirty="0" err="1">
+                <a:solidFill>
+                  <a:schemeClr val="accent6">
+                    <a:lumMod val="50000"/>
+                    <a:lumOff val="50000"/>
+                  </a:schemeClr>
+                </a:solidFill>
+              </a:rPr>
+              <a:t>Sysprep</a:t>
+            </a:r>
+            <a:r>
+              <a:rPr lang="ja-JP" altLang="en-US" sz="1800" dirty="0"/>
+              <a:t>」を実施することをお勧めします。</a:t>
+            </a:r>
+            <a:endParaRPr lang="en-US" altLang="ja-JP" sz="1800" dirty="0">
+              <a:ea typeface="+mn-lt"/>
+              <a:cs typeface="+mn-lt"/>
+            </a:endParaRPr>
+          </a:p>
+          <a:p>
+            <a:pPr marL="637200" lvl="1" indent="-457200">
+              <a:buFont typeface="+mj-lt"/>
+              <a:buAutoNum type="arabicPeriod"/>
+            </a:pPr>
+            <a:r>
+              <a:rPr lang="ja-JP" altLang="en-US" sz="1800" dirty="0">
+                <a:ea typeface="+mn-lt"/>
+                <a:cs typeface="+mn-lt"/>
+              </a:rPr>
+              <a:t>作成された</a:t>
+            </a:r>
+            <a:r>
+              <a:rPr lang="en-US" altLang="ja-JP" sz="1800" dirty="0">
+                <a:ea typeface="+mn-lt"/>
+                <a:cs typeface="+mn-lt"/>
+              </a:rPr>
+              <a:t>VHDX</a:t>
+            </a:r>
+            <a:r>
+              <a:rPr lang="ja-JP" altLang="en-US" sz="1800" dirty="0">
+                <a:ea typeface="+mn-lt"/>
+                <a:cs typeface="+mn-lt"/>
+              </a:rPr>
+              <a:t>ファイルをテンプレート置き場にコピー</a:t>
+            </a:r>
+            <a:endParaRPr lang="en-US" altLang="ja-JP" sz="1800" dirty="0">
+              <a:ea typeface="+mn-lt"/>
+              <a:cs typeface="+mn-lt"/>
+            </a:endParaRPr>
+          </a:p>
+          <a:p>
+            <a:pPr marL="637200" lvl="1" indent="-457200">
+              <a:buFont typeface="+mj-lt"/>
+              <a:buAutoNum type="arabicPeriod"/>
+            </a:pPr>
+            <a:r>
+              <a:rPr lang="ja-JP" altLang="en-US" sz="1800" dirty="0">
+                <a:ea typeface="+mn-lt"/>
+                <a:cs typeface="+mn-lt"/>
+              </a:rPr>
+              <a:t>テンプレートとして作成された仮想マシンを削除（残す場合不要）</a:t>
+            </a:r>
+            <a:endParaRPr lang="en-US" altLang="ja-JP" sz="1800" dirty="0">
+              <a:ea typeface="+mn-lt"/>
+              <a:cs typeface="+mn-lt"/>
+            </a:endParaRPr>
+          </a:p>
+          <a:p>
+            <a:pPr marL="457200" indent="-457200">
+              <a:buFont typeface="+mj-lt"/>
+              <a:buAutoNum type="arabicPeriod"/>
+            </a:pPr>
+            <a:endParaRPr lang="en-US" altLang="ja-JP" dirty="0">
+              <a:ea typeface="+mn-lt"/>
+              <a:cs typeface="+mn-lt"/>
+            </a:endParaRPr>
+          </a:p>
+          <a:p>
+            <a:pPr marL="179705" indent="-179705"/>
             <a:endParaRPr lang="en-US" altLang="ja-JP" dirty="0">
               <a:ea typeface="+mn-lt"/>
               <a:cs typeface="+mn-lt"/>
@@ -22651,6 +23242,569 @@
           </a:p>
         </p:txBody>
       </p:sp>
+      <p:pic>
+        <p:nvPicPr>
+          <p:cNvPr id="3" name="図 2"/>
+          <p:cNvPicPr>
+            <a:picLocks noChangeAspect="1"/>
+          </p:cNvPicPr>
+          <p:nvPr/>
+        </p:nvPicPr>
+        <p:blipFill>
+          <a:blip r:embed="rId3"/>
+          <a:stretch>
+            <a:fillRect/>
+          </a:stretch>
+        </p:blipFill>
+        <p:spPr>
+          <a:xfrm>
+            <a:off x="487120" y="3858097"/>
+            <a:ext cx="6345479" cy="2521921"/>
+          </a:xfrm>
+          <a:prstGeom prst="rect">
+            <a:avLst/>
+          </a:prstGeom>
+        </p:spPr>
+      </p:pic>
+      <p:sp>
+        <p:nvSpPr>
+          <p:cNvPr id="4" name="正方形/長方形 3"/>
+          <p:cNvSpPr/>
+          <p:nvPr/>
+        </p:nvSpPr>
+        <p:spPr bwMode="auto">
+          <a:xfrm>
+            <a:off x="2418771" y="5896234"/>
+            <a:ext cx="3499429" cy="244734"/>
+          </a:xfrm>
+          <a:prstGeom prst="rect">
+            <a:avLst/>
+          </a:prstGeom>
+          <a:noFill/>
+          <a:ln w="31750">
+            <a:solidFill>
+              <a:schemeClr val="accent3">
+                <a:lumMod val="50000"/>
+                <a:lumOff val="50000"/>
+              </a:schemeClr>
+            </a:solidFill>
+          </a:ln>
+          <a:effectLst/>
+        </p:spPr>
+        <p:txBody>
+          <a:bodyPr rot="0" spcFirstLastPara="0" vertOverflow="overflow" horzOverflow="overflow" vert="horz" wrap="none" lIns="72000" tIns="72000" rIns="72000" bIns="72000" numCol="1" spcCol="0" rtlCol="0" fromWordArt="0" anchor="ctr" anchorCtr="0" forceAA="0" compatLnSpc="1">
+            <a:prstTxWarp prst="textNoShape">
+              <a:avLst/>
+            </a:prstTxWarp>
+            <a:noAutofit/>
+          </a:bodyPr>
+          <a:lstStyle/>
+          <a:p>
+            <a:pPr algn="ctr"/>
+            <a:endParaRPr kumimoji="1" lang="ja-JP" altLang="en-US" b="1" dirty="0">
+              <a:latin typeface="+mn-ea"/>
+            </a:endParaRPr>
+          </a:p>
+        </p:txBody>
+      </p:sp>
+      <p:sp>
+        <p:nvSpPr>
+          <p:cNvPr id="5" name="角丸四角形吹き出し 4"/>
+          <p:cNvSpPr/>
+          <p:nvPr/>
+        </p:nvSpPr>
+        <p:spPr bwMode="auto">
+          <a:xfrm>
+            <a:off x="6540499" y="5372287"/>
+            <a:ext cx="3442349" cy="698500"/>
+          </a:xfrm>
+          <a:prstGeom prst="wedgeRoundRectCallout">
+            <a:avLst>
+              <a:gd name="adj1" fmla="val -66288"/>
+              <a:gd name="adj2" fmla="val 29773"/>
+              <a:gd name="adj3" fmla="val 16667"/>
+            </a:avLst>
+          </a:prstGeom>
+          <a:solidFill>
+            <a:schemeClr val="accent3">
+              <a:lumMod val="10000"/>
+              <a:lumOff val="90000"/>
+            </a:schemeClr>
+          </a:solidFill>
+          <a:ln w="31750">
+            <a:solidFill>
+              <a:schemeClr val="accent3">
+                <a:lumMod val="50000"/>
+                <a:lumOff val="50000"/>
+              </a:schemeClr>
+            </a:solidFill>
+          </a:ln>
+          <a:effectLst/>
+        </p:spPr>
+        <p:txBody>
+          <a:bodyPr rot="0" spcFirstLastPara="0" vertOverflow="overflow" horzOverflow="overflow" vert="horz" wrap="square" lIns="72000" tIns="72000" rIns="72000" bIns="72000" numCol="1" spcCol="0" rtlCol="0" fromWordArt="0" anchor="ctr" anchorCtr="0" forceAA="0" compatLnSpc="1">
+            <a:prstTxWarp prst="textNoShape">
+              <a:avLst/>
+            </a:prstTxWarp>
+            <a:noAutofit/>
+          </a:bodyPr>
+          <a:lstStyle/>
+          <a:p>
+            <a:pPr algn="ctr"/>
+            <a:r>
+              <a:rPr lang="ja-JP" altLang="en-US" dirty="0">
+                <a:latin typeface="+mn-ea"/>
+              </a:rPr>
+              <a:t>ここで指定されたフォルダ配下に</a:t>
+            </a:r>
+            <a:r>
+              <a:rPr lang="en-US" altLang="ja-JP" dirty="0">
+                <a:latin typeface="+mn-ea"/>
+              </a:rPr>
+              <a:t>VHDX</a:t>
+            </a:r>
+            <a:r>
+              <a:rPr lang="ja-JP" altLang="en-US" dirty="0">
+                <a:latin typeface="+mn-ea"/>
+              </a:rPr>
+              <a:t>ファイルが作成される</a:t>
+            </a:r>
+            <a:endParaRPr kumimoji="1" lang="ja-JP" altLang="en-US" dirty="0">
+              <a:latin typeface="+mn-ea"/>
+            </a:endParaRPr>
+          </a:p>
+        </p:txBody>
+      </p:sp>
+    </p:spTree>
+    <p:extLst>
+      <p:ext uri="{BB962C8B-B14F-4D97-AF65-F5344CB8AC3E}">
+        <p14:creationId xmlns:p14="http://schemas.microsoft.com/office/powerpoint/2010/main" val="271592523"/>
+      </p:ext>
+    </p:extLst>
+  </p:cSld>
+  <p:clrMapOvr>
+    <a:masterClrMapping/>
+  </p:clrMapOvr>
+</p:sld>
+</file>
+
+<file path=ppt/slides/slide18.xml><?xml version="1.0" encoding="utf-8"?>
+<p:sld xmlns:a="http://schemas.openxmlformats.org/drawingml/2006/main" xmlns:r="http://schemas.openxmlformats.org/officeDocument/2006/relationships" xmlns:p="http://schemas.openxmlformats.org/presentationml/2006/main">
+  <p:cSld>
+    <p:spTree>
+      <p:nvGrpSpPr>
+        <p:cNvPr id="1" name=""/>
+        <p:cNvGrpSpPr/>
+        <p:nvPr/>
+      </p:nvGrpSpPr>
+      <p:grpSpPr>
+        <a:xfrm>
+          <a:off x="0" y="0"/>
+          <a:ext cx="0" cy="0"/>
+          <a:chOff x="0" y="0"/>
+          <a:chExt cx="0" cy="0"/>
+        </a:xfrm>
+      </p:grpSpPr>
+      <p:sp>
+        <p:nvSpPr>
+          <p:cNvPr id="7" name="コンテンツ プレースホルダー 2">
+            <a:extLst>
+              <a:ext uri="{FF2B5EF4-FFF2-40B4-BE49-F238E27FC236}">
+                <a16:creationId xmlns:a16="http://schemas.microsoft.com/office/drawing/2014/main" id="{852F739D-4214-46F7-BA19-D7B321450B86}"/>
+              </a:ext>
+            </a:extLst>
+          </p:cNvPr>
+          <p:cNvSpPr txBox="1">
+            <a:spLocks/>
+          </p:cNvSpPr>
+          <p:nvPr/>
+        </p:nvSpPr>
+        <p:spPr bwMode="gray">
+          <a:xfrm>
+            <a:off x="239350" y="836712"/>
+            <a:ext cx="11713301" cy="5616476"/>
+          </a:xfrm>
+          <a:prstGeom prst="rect">
+            <a:avLst/>
+          </a:prstGeom>
+        </p:spPr>
+        <p:txBody>
+          <a:bodyPr vert="horz" lIns="91440" tIns="45720" rIns="91440" bIns="45720" rtlCol="0" anchor="t">
+            <a:normAutofit/>
+          </a:bodyPr>
+          <a:lstStyle>
+            <a:lvl1pPr marL="180000" indent="-180000" algn="l" rtl="0" eaLnBrk="1" fontAlgn="base" hangingPunct="1">
+              <a:spcBef>
+                <a:spcPts val="500"/>
+              </a:spcBef>
+              <a:spcAft>
+                <a:spcPct val="0"/>
+              </a:spcAft>
+              <a:buClr>
+                <a:schemeClr val="accent6"/>
+              </a:buClr>
+              <a:buFont typeface="Arial" panose="020B0604020202020204" pitchFamily="34" charset="0"/>
+              <a:buChar char="▌"/>
+              <a:defRPr kumimoji="1" lang="ja-JP" altLang="en-US" sz="2000" b="0" noProof="0" dirty="0" smtClean="0">
+                <a:solidFill>
+                  <a:schemeClr val="tx1"/>
+                </a:solidFill>
+                <a:latin typeface="+mn-lt"/>
+                <a:ea typeface="+mn-ea"/>
+                <a:cs typeface="+mn-cs"/>
+              </a:defRPr>
+            </a:lvl1pPr>
+            <a:lvl2pPr marL="360000" indent="-180000" algn="l" rtl="0" eaLnBrk="1" fontAlgn="base" hangingPunct="1">
+              <a:spcBef>
+                <a:spcPts val="500"/>
+              </a:spcBef>
+              <a:spcAft>
+                <a:spcPct val="0"/>
+              </a:spcAft>
+              <a:buClr>
+                <a:schemeClr val="accent6"/>
+              </a:buClr>
+              <a:buFont typeface="Wingdings" pitchFamily="2" charset="2"/>
+              <a:buChar char="l"/>
+              <a:defRPr kumimoji="1" lang="ja-JP" altLang="en-US" sz="1600" b="0" noProof="0" dirty="0" smtClean="0">
+                <a:solidFill>
+                  <a:schemeClr val="tx1"/>
+                </a:solidFill>
+                <a:latin typeface="+mn-lt"/>
+                <a:ea typeface="+mn-ea"/>
+              </a:defRPr>
+            </a:lvl2pPr>
+            <a:lvl3pPr marL="468000" indent="-108000" algn="l" rtl="0" eaLnBrk="1" fontAlgn="base" hangingPunct="1">
+              <a:spcBef>
+                <a:spcPts val="500"/>
+              </a:spcBef>
+              <a:spcAft>
+                <a:spcPct val="0"/>
+              </a:spcAft>
+              <a:buClr>
+                <a:schemeClr val="accent6"/>
+              </a:buClr>
+              <a:buFont typeface="Arial" panose="020B0604020202020204" pitchFamily="34" charset="0"/>
+              <a:buChar char="•"/>
+              <a:defRPr kumimoji="1" lang="ja-JP" altLang="en-US" sz="1400" b="0" noProof="0" dirty="0" smtClean="0">
+                <a:solidFill>
+                  <a:schemeClr val="tx1"/>
+                </a:solidFill>
+                <a:latin typeface="+mn-lt"/>
+                <a:ea typeface="+mn-ea"/>
+              </a:defRPr>
+            </a:lvl3pPr>
+            <a:lvl4pPr marL="576000" indent="-108000" algn="l" rtl="0" eaLnBrk="1" fontAlgn="base" hangingPunct="1">
+              <a:spcBef>
+                <a:spcPts val="500"/>
+              </a:spcBef>
+              <a:spcAft>
+                <a:spcPct val="0"/>
+              </a:spcAft>
+              <a:buClr>
+                <a:schemeClr val="accent6"/>
+              </a:buClr>
+              <a:buFont typeface="Tahoma" pitchFamily="34" charset="0"/>
+              <a:buChar char="–"/>
+              <a:defRPr kumimoji="1" lang="ja-JP" altLang="en-US" sz="1200" b="0" noProof="0" dirty="0" smtClean="0">
+                <a:solidFill>
+                  <a:schemeClr val="tx1"/>
+                </a:solidFill>
+                <a:latin typeface="+mn-lt"/>
+                <a:ea typeface="+mn-ea"/>
+              </a:defRPr>
+            </a:lvl4pPr>
+            <a:lvl5pPr marL="735013" indent="-157163" algn="l" rtl="0" eaLnBrk="1" fontAlgn="base" hangingPunct="1">
+              <a:spcBef>
+                <a:spcPct val="20000"/>
+              </a:spcBef>
+              <a:spcAft>
+                <a:spcPct val="0"/>
+              </a:spcAft>
+              <a:buClr>
+                <a:schemeClr val="accent6"/>
+              </a:buClr>
+              <a:buChar char="≫"/>
+              <a:defRPr kumimoji="1" sz="1200" b="1">
+                <a:solidFill>
+                  <a:schemeClr val="tx1"/>
+                </a:solidFill>
+                <a:latin typeface="+mj-lt"/>
+                <a:ea typeface="+mn-ea"/>
+              </a:defRPr>
+            </a:lvl5pPr>
+            <a:lvl6pPr marL="2514600" indent="-228600" algn="l" rtl="0" eaLnBrk="1" fontAlgn="base" hangingPunct="1">
+              <a:spcBef>
+                <a:spcPct val="20000"/>
+              </a:spcBef>
+              <a:spcAft>
+                <a:spcPct val="0"/>
+              </a:spcAft>
+              <a:buChar char="≫"/>
+              <a:defRPr kumimoji="1" sz="2000">
+                <a:solidFill>
+                  <a:schemeClr val="tx1"/>
+                </a:solidFill>
+                <a:latin typeface="Arial" charset="0"/>
+                <a:ea typeface="+mn-ea"/>
+              </a:defRPr>
+            </a:lvl6pPr>
+            <a:lvl7pPr marL="2971800" indent="-228600" algn="l" rtl="0" eaLnBrk="1" fontAlgn="base" hangingPunct="1">
+              <a:spcBef>
+                <a:spcPct val="20000"/>
+              </a:spcBef>
+              <a:spcAft>
+                <a:spcPct val="0"/>
+              </a:spcAft>
+              <a:buChar char="≫"/>
+              <a:defRPr kumimoji="1" sz="2000">
+                <a:solidFill>
+                  <a:schemeClr val="tx1"/>
+                </a:solidFill>
+                <a:latin typeface="Arial" charset="0"/>
+                <a:ea typeface="+mn-ea"/>
+              </a:defRPr>
+            </a:lvl7pPr>
+            <a:lvl8pPr marL="3429000" indent="-228600" algn="l" rtl="0" eaLnBrk="1" fontAlgn="base" hangingPunct="1">
+              <a:spcBef>
+                <a:spcPct val="20000"/>
+              </a:spcBef>
+              <a:spcAft>
+                <a:spcPct val="0"/>
+              </a:spcAft>
+              <a:buChar char="≫"/>
+              <a:defRPr kumimoji="1" sz="2000">
+                <a:solidFill>
+                  <a:schemeClr val="tx1"/>
+                </a:solidFill>
+                <a:latin typeface="Arial" charset="0"/>
+                <a:ea typeface="+mn-ea"/>
+              </a:defRPr>
+            </a:lvl8pPr>
+            <a:lvl9pPr marL="3886200" indent="-228600" algn="l" rtl="0" eaLnBrk="1" fontAlgn="base" hangingPunct="1">
+              <a:spcBef>
+                <a:spcPct val="20000"/>
+              </a:spcBef>
+              <a:spcAft>
+                <a:spcPct val="0"/>
+              </a:spcAft>
+              <a:buChar char="≫"/>
+              <a:defRPr kumimoji="1" sz="2000">
+                <a:solidFill>
+                  <a:schemeClr val="tx1"/>
+                </a:solidFill>
+                <a:latin typeface="Arial" charset="0"/>
+                <a:ea typeface="+mn-ea"/>
+              </a:defRPr>
+            </a:lvl9pPr>
+          </a:lstStyle>
+          <a:p>
+            <a:pPr marL="179705" indent="-179705" defTabSz="914400"/>
+            <a:endParaRPr lang="ja-JP" altLang="en-US" kern="0"/>
+          </a:p>
+        </p:txBody>
+      </p:sp>
+      <p:sp>
+        <p:nvSpPr>
+          <p:cNvPr id="2" name="Title 1">
+            <a:extLst>
+              <a:ext uri="{FF2B5EF4-FFF2-40B4-BE49-F238E27FC236}">
+                <a16:creationId xmlns:a16="http://schemas.microsoft.com/office/drawing/2014/main" id="{FD1A6654-1DD4-4B99-978F-5764CA3EFA48}"/>
+              </a:ext>
+            </a:extLst>
+          </p:cNvPr>
+          <p:cNvSpPr>
+            <a:spLocks noGrp="1"/>
+          </p:cNvSpPr>
+          <p:nvPr>
+            <p:ph type="title"/>
+          </p:nvPr>
+        </p:nvSpPr>
+        <p:spPr/>
+        <p:txBody>
+          <a:bodyPr>
+            <a:normAutofit/>
+          </a:bodyPr>
+          <a:lstStyle/>
+          <a:p>
+            <a:r>
+              <a:rPr lang="en-US" altLang="ja-JP" dirty="0" smtClean="0"/>
+              <a:t>2.8 </a:t>
+            </a:r>
+            <a:r>
+              <a:rPr lang="ja-JP" altLang="en-US" dirty="0" smtClean="0">
+                <a:ea typeface="+mn-lt"/>
+                <a:cs typeface="+mn-lt"/>
+              </a:rPr>
+              <a:t>仮想</a:t>
+            </a:r>
+            <a:r>
+              <a:rPr lang="ja-JP" altLang="en-US" dirty="0">
+                <a:ea typeface="+mn-lt"/>
+                <a:cs typeface="+mn-lt"/>
+              </a:rPr>
+              <a:t>ネットワークの準備</a:t>
+            </a:r>
+            <a:endParaRPr lang="en-US" dirty="0"/>
+          </a:p>
+        </p:txBody>
+      </p:sp>
+      <p:sp>
+        <p:nvSpPr>
+          <p:cNvPr id="6" name="コンテンツ プレースホルダー 5"/>
+          <p:cNvSpPr>
+            <a:spLocks noGrp="1"/>
+          </p:cNvSpPr>
+          <p:nvPr>
+            <p:ph sz="quarter" idx="10"/>
+          </p:nvPr>
+        </p:nvSpPr>
+        <p:spPr>
+          <a:ln>
+            <a:noFill/>
+          </a:ln>
+        </p:spPr>
+        <p:txBody>
+          <a:bodyPr>
+            <a:noAutofit/>
+          </a:bodyPr>
+          <a:lstStyle/>
+          <a:p>
+            <a:pPr marL="179705" indent="-179705"/>
+            <a:r>
+              <a:rPr lang="en-US" altLang="ja-JP" dirty="0">
+                <a:ea typeface="+mn-lt"/>
+                <a:cs typeface="+mn-lt"/>
+              </a:rPr>
+              <a:t>Hyper-V</a:t>
+            </a:r>
+            <a:r>
+              <a:rPr lang="ja-JP" altLang="en-US" dirty="0">
+                <a:ea typeface="+mn-lt"/>
+                <a:cs typeface="+mn-lt"/>
+              </a:rPr>
+              <a:t>モデルでは、利用したい既存の仮想ネットワークを選択するため事前に仮想ネットワークの設定を行う必要があります</a:t>
+            </a:r>
+            <a:r>
+              <a:rPr lang="ja-JP" altLang="en-US" dirty="0" smtClean="0">
+                <a:ea typeface="+mn-lt"/>
+                <a:cs typeface="+mn-lt"/>
+              </a:rPr>
+              <a:t>。</a:t>
+            </a:r>
+            <a:r>
+              <a:rPr lang="en-US" altLang="ja-JP" dirty="0" smtClean="0">
+                <a:ea typeface="+mn-lt"/>
+                <a:cs typeface="+mn-lt"/>
+              </a:rPr>
+              <a:t/>
+            </a:r>
+            <a:br>
+              <a:rPr lang="en-US" altLang="ja-JP" dirty="0" smtClean="0">
+                <a:ea typeface="+mn-lt"/>
+                <a:cs typeface="+mn-lt"/>
+              </a:rPr>
+            </a:br>
+            <a:endParaRPr lang="en-US" altLang="ja-JP" dirty="0">
+              <a:ea typeface="+mn-lt"/>
+              <a:cs typeface="+mn-lt"/>
+            </a:endParaRPr>
+          </a:p>
+          <a:p>
+            <a:pPr marL="179705" indent="-179705"/>
+            <a:r>
+              <a:rPr lang="ja-JP" altLang="en-US" dirty="0">
+                <a:ea typeface="+mn-lt"/>
+                <a:cs typeface="+mn-lt"/>
+              </a:rPr>
+              <a:t>作成方法は公式のドキュメントなどを参照ください。</a:t>
+            </a:r>
+            <a:endParaRPr lang="en-US" altLang="ja-JP" dirty="0">
+              <a:ea typeface="+mn-lt"/>
+              <a:cs typeface="+mn-lt"/>
+            </a:endParaRPr>
+          </a:p>
+          <a:p>
+            <a:pPr marL="180000" lvl="1" indent="0">
+              <a:buNone/>
+            </a:pPr>
+            <a:endParaRPr lang="en-US" altLang="ja-JP" dirty="0">
+              <a:ea typeface="+mn-lt"/>
+              <a:cs typeface="+mn-lt"/>
+            </a:endParaRPr>
+          </a:p>
+          <a:p>
+            <a:pPr marL="0" indent="0">
+              <a:buNone/>
+            </a:pPr>
+            <a:endParaRPr lang="en-US" altLang="ja-JP" dirty="0">
+              <a:latin typeface="Meiryo"/>
+              <a:ea typeface="Meiryo"/>
+            </a:endParaRPr>
+          </a:p>
+          <a:p>
+            <a:pPr marL="0" indent="0">
+              <a:buNone/>
+            </a:pPr>
+            <a:endParaRPr lang="en-US" altLang="ja-JP" dirty="0">
+              <a:latin typeface="Meiryo"/>
+              <a:ea typeface="Meiryo"/>
+            </a:endParaRPr>
+          </a:p>
+          <a:p>
+            <a:pPr marL="0" indent="0">
+              <a:buNone/>
+            </a:pPr>
+            <a:endParaRPr lang="en-US" altLang="ja-JP" dirty="0">
+              <a:latin typeface="Meiryo"/>
+              <a:ea typeface="Meiryo"/>
+            </a:endParaRPr>
+          </a:p>
+          <a:p>
+            <a:pPr marL="0" indent="0">
+              <a:buNone/>
+            </a:pPr>
+            <a:endParaRPr lang="en-US" altLang="ja-JP" dirty="0">
+              <a:latin typeface="Meiryo"/>
+              <a:ea typeface="Meiryo"/>
+            </a:endParaRPr>
+          </a:p>
+          <a:p>
+            <a:pPr marL="0" indent="0">
+              <a:buNone/>
+            </a:pPr>
+            <a:endParaRPr lang="en-US" altLang="ja-JP" dirty="0">
+              <a:latin typeface="Meiryo"/>
+              <a:ea typeface="Meiryo"/>
+            </a:endParaRPr>
+          </a:p>
+          <a:p>
+            <a:pPr marL="0" indent="0">
+              <a:buNone/>
+            </a:pPr>
+            <a:r>
+              <a:rPr lang="ja-JP" altLang="en-US" dirty="0">
+                <a:latin typeface="Meiryo"/>
+                <a:ea typeface="Meiryo"/>
+              </a:rPr>
+              <a:t/>
+            </a:r>
+            <a:br>
+              <a:rPr lang="ja-JP" altLang="en-US" dirty="0">
+                <a:latin typeface="Meiryo"/>
+                <a:ea typeface="Meiryo"/>
+              </a:rPr>
+            </a:br>
+            <a:endParaRPr lang="en-US" altLang="ja-JP" dirty="0">
+              <a:ea typeface="+mn-lt"/>
+              <a:cs typeface="+mn-lt"/>
+            </a:endParaRPr>
+          </a:p>
+          <a:p>
+            <a:endParaRPr kumimoji="1" lang="ja-JP" altLang="en-US" dirty="0"/>
+          </a:p>
+        </p:txBody>
+      </p:sp>
     </p:spTree>
     <p:extLst>
       <p:ext uri="{BB962C8B-B14F-4D97-AF65-F5344CB8AC3E}">
@@ -22664,7 +23818,7 @@
 </p:sld>
 </file>
 
-<file path=ppt/slides/slide18.xml><?xml version="1.0" encoding="utf-8"?>
+<file path=ppt/slides/slide19.xml><?xml version="1.0" encoding="utf-8"?>
 <p:sld xmlns:a="http://schemas.openxmlformats.org/drawingml/2006/main" xmlns:r="http://schemas.openxmlformats.org/officeDocument/2006/relationships" xmlns:p="http://schemas.openxmlformats.org/presentationml/2006/main">
   <p:cSld>
     <p:spTree>
@@ -22751,7 +23905,349 @@
 </p:sld>
 </file>
 
-<file path=ppt/slides/slide19.xml><?xml version="1.0" encoding="utf-8"?>
+<file path=ppt/slides/slide2.xml><?xml version="1.0" encoding="utf-8"?>
+<p:sld xmlns:a="http://schemas.openxmlformats.org/drawingml/2006/main" xmlns:r="http://schemas.openxmlformats.org/officeDocument/2006/relationships" xmlns:p="http://schemas.openxmlformats.org/presentationml/2006/main">
+  <p:cSld>
+    <p:spTree>
+      <p:nvGrpSpPr>
+        <p:cNvPr id="1" name=""/>
+        <p:cNvGrpSpPr/>
+        <p:nvPr/>
+      </p:nvGrpSpPr>
+      <p:grpSpPr>
+        <a:xfrm>
+          <a:off x="0" y="0"/>
+          <a:ext cx="0" cy="0"/>
+          <a:chOff x="0" y="0"/>
+          <a:chExt cx="0" cy="0"/>
+        </a:xfrm>
+      </p:grpSpPr>
+      <p:sp>
+        <p:nvSpPr>
+          <p:cNvPr id="3" name="タイトル 2"/>
+          <p:cNvSpPr>
+            <a:spLocks noGrp="1"/>
+          </p:cNvSpPr>
+          <p:nvPr>
+            <p:ph type="title"/>
+          </p:nvPr>
+        </p:nvSpPr>
+        <p:spPr/>
+        <p:txBody>
+          <a:bodyPr/>
+          <a:lstStyle/>
+          <a:p>
+            <a:r>
+              <a:rPr kumimoji="1" lang="ja-JP" altLang="en-US" dirty="0"/>
+              <a:t>目次</a:t>
+            </a:r>
+          </a:p>
+        </p:txBody>
+      </p:sp>
+      <p:sp>
+        <p:nvSpPr>
+          <p:cNvPr id="4" name="テキスト プレースホルダー 3"/>
+          <p:cNvSpPr>
+            <a:spLocks noGrp="1"/>
+          </p:cNvSpPr>
+          <p:nvPr>
+            <p:ph type="body" sz="quarter" idx="10"/>
+          </p:nvPr>
+        </p:nvSpPr>
+        <p:spPr>
+          <a:xfrm>
+            <a:off x="1631380" y="887400"/>
+            <a:ext cx="6052120" cy="5742000"/>
+          </a:xfrm>
+        </p:spPr>
+        <p:txBody>
+          <a:bodyPr vert="horz" wrap="square" lIns="91440" tIns="45720" rIns="91440" bIns="45720" rtlCol="0" anchor="t">
+            <a:noAutofit/>
+          </a:bodyPr>
+          <a:lstStyle/>
+          <a:p>
+            <a:pPr marL="457200" indent="-457200">
+              <a:buFont typeface="+mj-lt"/>
+              <a:buAutoNum type="arabicPeriod"/>
+            </a:pPr>
+            <a:r>
+              <a:rPr lang="ja-JP" altLang="en-US" dirty="0" smtClean="0"/>
+              <a:t>はじめに</a:t>
+            </a:r>
+            <a:endParaRPr lang="en-US" altLang="ja-JP" dirty="0" smtClean="0"/>
+          </a:p>
+          <a:p>
+            <a:pPr marL="637200" lvl="1" indent="-457200">
+              <a:buFont typeface="+mj-lt"/>
+              <a:buAutoNum type="arabicPeriod"/>
+            </a:pPr>
+            <a:r>
+              <a:rPr lang="ja-JP" altLang="en-US" dirty="0" smtClean="0">
+                <a:latin typeface="メイリオ"/>
+                <a:ea typeface="+mn-lt"/>
+              </a:rPr>
+              <a:t>はじめに</a:t>
+            </a:r>
+            <a:endParaRPr lang="en-US" altLang="ja-JP" dirty="0" smtClean="0">
+              <a:latin typeface="メイリオ"/>
+              <a:ea typeface="+mn-lt"/>
+            </a:endParaRPr>
+          </a:p>
+          <a:p>
+            <a:pPr marL="637200" lvl="1" indent="-457200">
+              <a:buFont typeface="+mj-lt"/>
+              <a:buAutoNum type="arabicPeriod"/>
+            </a:pPr>
+            <a:r>
+              <a:rPr lang="ja-JP" altLang="en-US" dirty="0"/>
+              <a:t>連携サービスとの動作</a:t>
+            </a:r>
+            <a:r>
+              <a:rPr lang="ja-JP" altLang="en-US" dirty="0" smtClean="0"/>
+              <a:t>確認</a:t>
+            </a:r>
+            <a:endParaRPr lang="en-US" altLang="ja-JP" dirty="0" smtClean="0"/>
+          </a:p>
+          <a:p>
+            <a:pPr marL="637200" lvl="1" indent="-457200">
+              <a:buFont typeface="+mj-lt"/>
+              <a:buAutoNum type="arabicPeriod"/>
+            </a:pPr>
+            <a:r>
+              <a:rPr lang="ja-JP" altLang="en-US" dirty="0"/>
+              <a:t>用語の</a:t>
+            </a:r>
+            <a:r>
+              <a:rPr lang="ja-JP" altLang="en-US" dirty="0" smtClean="0"/>
+              <a:t>説明</a:t>
+            </a:r>
+            <a:endParaRPr lang="en-US" altLang="ja-JP" dirty="0" smtClean="0"/>
+          </a:p>
+          <a:p>
+            <a:pPr marL="637200" lvl="1" indent="-457200">
+              <a:buFont typeface="+mj-lt"/>
+              <a:buAutoNum type="arabicPeriod"/>
+            </a:pPr>
+            <a:r>
+              <a:rPr lang="ja-JP" altLang="en-US" dirty="0"/>
+              <a:t>オペレーション名と仮想マシン名の関係について</a:t>
+            </a:r>
+            <a:endParaRPr lang="en-US" altLang="ja-JP" dirty="0">
+              <a:latin typeface="メイリオ"/>
+              <a:ea typeface="+mn-lt"/>
+            </a:endParaRPr>
+          </a:p>
+          <a:p>
+            <a:pPr marL="457200" indent="-457200">
+              <a:buFont typeface="+mj-lt"/>
+              <a:buAutoNum type="arabicPeriod"/>
+            </a:pPr>
+            <a:r>
+              <a:rPr lang="en-US" altLang="ja-JP" dirty="0">
+                <a:latin typeface="Meiryo"/>
+                <a:ea typeface="+mn-lt"/>
+              </a:rPr>
+              <a:t>Hyper-V</a:t>
+            </a:r>
+            <a:r>
+              <a:rPr lang="ja-JP" altLang="en-US" dirty="0">
+                <a:latin typeface="Meiryo"/>
+                <a:ea typeface="+mn-lt"/>
+              </a:rPr>
+              <a:t>モデル</a:t>
+            </a:r>
+            <a:r>
+              <a:rPr lang="ja-JP" altLang="en-US" dirty="0">
+                <a:ea typeface="+mn-lt"/>
+                <a:cs typeface="+mn-lt"/>
+              </a:rPr>
+              <a:t>を使う</a:t>
+            </a:r>
+            <a:r>
+              <a:rPr lang="ja-JP" altLang="en-US" dirty="0" smtClean="0">
+                <a:ea typeface="+mn-lt"/>
+                <a:cs typeface="+mn-lt"/>
+              </a:rPr>
+              <a:t>準備</a:t>
+            </a:r>
+            <a:endParaRPr lang="en-US" altLang="ja-JP" dirty="0" smtClean="0">
+              <a:ea typeface="+mn-lt"/>
+              <a:cs typeface="+mn-lt"/>
+            </a:endParaRPr>
+          </a:p>
+          <a:p>
+            <a:pPr marL="637200" lvl="1" indent="-457200">
+              <a:buFont typeface="+mj-lt"/>
+              <a:buAutoNum type="arabicPeriod"/>
+            </a:pPr>
+            <a:r>
+              <a:rPr lang="en-US" altLang="ja-JP" dirty="0"/>
+              <a:t>ITA</a:t>
+            </a:r>
+            <a:r>
+              <a:rPr lang="ja-JP" altLang="en-US" dirty="0"/>
+              <a:t>の</a:t>
+            </a:r>
+            <a:r>
+              <a:rPr lang="ja-JP" altLang="en-US" dirty="0" smtClean="0"/>
+              <a:t>準備</a:t>
+            </a:r>
+            <a:endParaRPr lang="en-US" altLang="ja-JP" dirty="0" smtClean="0"/>
+          </a:p>
+          <a:p>
+            <a:pPr marL="637200" lvl="1" indent="-457200">
+              <a:buFont typeface="+mj-lt"/>
+              <a:buAutoNum type="arabicPeriod"/>
+            </a:pPr>
+            <a:r>
+              <a:rPr lang="en-US" altLang="ja-JP" dirty="0"/>
+              <a:t>Hyper-V</a:t>
+            </a:r>
+            <a:r>
+              <a:rPr lang="ja-JP" altLang="en-US" dirty="0"/>
+              <a:t>モデルの</a:t>
+            </a:r>
+            <a:r>
+              <a:rPr lang="ja-JP" altLang="en-US" dirty="0" smtClean="0"/>
+              <a:t>インポート</a:t>
+            </a:r>
+            <a:endParaRPr lang="en-US" altLang="ja-JP" dirty="0" smtClean="0"/>
+          </a:p>
+          <a:p>
+            <a:pPr marL="637200" lvl="1" indent="-457200">
+              <a:buFont typeface="+mj-lt"/>
+              <a:buAutoNum type="arabicPeriod"/>
+            </a:pPr>
+            <a:r>
+              <a:rPr lang="ja-JP" altLang="en-US" dirty="0"/>
+              <a:t>グローバル変数</a:t>
+            </a:r>
+            <a:r>
+              <a:rPr lang="ja-JP" altLang="en-US" dirty="0" smtClean="0"/>
+              <a:t>管理</a:t>
+            </a:r>
+            <a:endParaRPr lang="en-US" altLang="ja-JP" dirty="0" smtClean="0"/>
+          </a:p>
+          <a:p>
+            <a:pPr marL="637200" lvl="1" indent="-457200">
+              <a:buFont typeface="+mj-lt"/>
+              <a:buAutoNum type="arabicPeriod"/>
+            </a:pPr>
+            <a:r>
+              <a:rPr lang="ja-JP" altLang="en-US" dirty="0"/>
+              <a:t>認証情報の</a:t>
+            </a:r>
+            <a:r>
+              <a:rPr lang="ja-JP" altLang="en-US" dirty="0" smtClean="0"/>
+              <a:t>設定</a:t>
+            </a:r>
+            <a:endParaRPr lang="en-US" altLang="ja-JP" dirty="0" smtClean="0"/>
+          </a:p>
+          <a:p>
+            <a:pPr marL="637200" lvl="1" indent="-457200">
+              <a:buFont typeface="+mj-lt"/>
+              <a:buAutoNum type="arabicPeriod"/>
+            </a:pPr>
+            <a:r>
+              <a:rPr lang="ja-JP" altLang="en-US" dirty="0"/>
+              <a:t>ファイル</a:t>
+            </a:r>
+            <a:r>
+              <a:rPr lang="ja-JP" altLang="en-US" dirty="0" smtClean="0"/>
+              <a:t>管理</a:t>
+            </a:r>
+            <a:endParaRPr lang="en-US" altLang="ja-JP" dirty="0" smtClean="0"/>
+          </a:p>
+          <a:p>
+            <a:pPr marL="637200" lvl="1" indent="-457200">
+              <a:buFont typeface="+mj-lt"/>
+              <a:buAutoNum type="arabicPeriod"/>
+            </a:pPr>
+            <a:r>
+              <a:rPr lang="en-US" altLang="ja-JP" dirty="0"/>
+              <a:t>Windows</a:t>
+            </a:r>
+            <a:r>
+              <a:rPr lang="ja-JP" altLang="en-US" dirty="0"/>
+              <a:t> </a:t>
+            </a:r>
+            <a:r>
+              <a:rPr lang="en-US" altLang="ja-JP" dirty="0"/>
+              <a:t>Server</a:t>
+            </a:r>
+            <a:r>
+              <a:rPr lang="ja-JP" altLang="en-US" dirty="0">
+                <a:ea typeface="+mn-lt"/>
+                <a:cs typeface="+mn-lt"/>
+              </a:rPr>
+              <a:t>の準備</a:t>
+            </a:r>
+            <a:endParaRPr lang="en-US" altLang="ja-JP" dirty="0" smtClean="0"/>
+          </a:p>
+          <a:p>
+            <a:pPr marL="637200" lvl="1" indent="-457200">
+              <a:buFont typeface="+mj-lt"/>
+              <a:buAutoNum type="arabicPeriod"/>
+            </a:pPr>
+            <a:r>
+              <a:rPr lang="ja-JP" altLang="en-US" dirty="0">
+                <a:ea typeface="+mn-lt"/>
+                <a:cs typeface="+mn-lt"/>
+              </a:rPr>
+              <a:t>テンプレートの</a:t>
+            </a:r>
+            <a:r>
+              <a:rPr lang="ja-JP" altLang="en-US" dirty="0" smtClean="0">
+                <a:ea typeface="+mn-lt"/>
+                <a:cs typeface="+mn-lt"/>
+              </a:rPr>
+              <a:t>準備</a:t>
+            </a:r>
+            <a:endParaRPr lang="en-US" altLang="ja-JP" dirty="0" smtClean="0">
+              <a:ea typeface="+mn-lt"/>
+              <a:cs typeface="+mn-lt"/>
+            </a:endParaRPr>
+          </a:p>
+          <a:p>
+            <a:pPr marL="637200" lvl="1" indent="-457200">
+              <a:buFont typeface="+mj-lt"/>
+              <a:buAutoNum type="arabicPeriod"/>
+            </a:pPr>
+            <a:r>
+              <a:rPr lang="ja-JP" altLang="en-US" dirty="0">
+                <a:ea typeface="+mn-lt"/>
+                <a:cs typeface="+mn-lt"/>
+              </a:rPr>
+              <a:t>仮想ネットワークの</a:t>
+            </a:r>
+            <a:r>
+              <a:rPr lang="ja-JP" altLang="en-US" dirty="0" smtClean="0">
+                <a:ea typeface="+mn-lt"/>
+                <a:cs typeface="+mn-lt"/>
+              </a:rPr>
+              <a:t>準備</a:t>
+            </a:r>
+            <a:endParaRPr lang="ja-JP" dirty="0">
+              <a:ea typeface="+mn-lt"/>
+              <a:cs typeface="+mn-lt"/>
+            </a:endParaRPr>
+          </a:p>
+        </p:txBody>
+      </p:sp>
+    </p:spTree>
+    <p:extLst>
+      <p:ext uri="{BB962C8B-B14F-4D97-AF65-F5344CB8AC3E}">
+        <p14:creationId xmlns:p14="http://schemas.microsoft.com/office/powerpoint/2010/main" val="1491028457"/>
+      </p:ext>
+    </p:extLst>
+  </p:cSld>
+  <p:clrMapOvr>
+    <a:masterClrMapping/>
+  </p:clrMapOvr>
+</p:sld>
+</file>
+
+<file path=ppt/slides/slide20.xml><?xml version="1.0" encoding="utf-8"?>
 <p:sld xmlns:a="http://schemas.openxmlformats.org/drawingml/2006/main" xmlns:r="http://schemas.openxmlformats.org/officeDocument/2006/relationships" xmlns:p="http://schemas.openxmlformats.org/presentationml/2006/main">
   <p:cSld>
     <p:spTree>
@@ -23103,323 +24599,7 @@
 </p:sld>
 </file>
 
-<file path=ppt/slides/slide2.xml><?xml version="1.0" encoding="utf-8"?>
-<p:sld xmlns:a="http://schemas.openxmlformats.org/drawingml/2006/main" xmlns:r="http://schemas.openxmlformats.org/officeDocument/2006/relationships" xmlns:p="http://schemas.openxmlformats.org/presentationml/2006/main">
-  <p:cSld>
-    <p:spTree>
-      <p:nvGrpSpPr>
-        <p:cNvPr id="1" name=""/>
-        <p:cNvGrpSpPr/>
-        <p:nvPr/>
-      </p:nvGrpSpPr>
-      <p:grpSpPr>
-        <a:xfrm>
-          <a:off x="0" y="0"/>
-          <a:ext cx="0" cy="0"/>
-          <a:chOff x="0" y="0"/>
-          <a:chExt cx="0" cy="0"/>
-        </a:xfrm>
-      </p:grpSpPr>
-      <p:sp>
-        <p:nvSpPr>
-          <p:cNvPr id="3" name="タイトル 2"/>
-          <p:cNvSpPr>
-            <a:spLocks noGrp="1"/>
-          </p:cNvSpPr>
-          <p:nvPr>
-            <p:ph type="title"/>
-          </p:nvPr>
-        </p:nvSpPr>
-        <p:spPr/>
-        <p:txBody>
-          <a:bodyPr/>
-          <a:lstStyle/>
-          <a:p>
-            <a:r>
-              <a:rPr kumimoji="1" lang="ja-JP" altLang="en-US" dirty="0"/>
-              <a:t>目次</a:t>
-            </a:r>
-          </a:p>
-        </p:txBody>
-      </p:sp>
-      <p:sp>
-        <p:nvSpPr>
-          <p:cNvPr id="4" name="テキスト プレースホルダー 3"/>
-          <p:cNvSpPr>
-            <a:spLocks noGrp="1"/>
-          </p:cNvSpPr>
-          <p:nvPr>
-            <p:ph type="body" sz="quarter" idx="10"/>
-          </p:nvPr>
-        </p:nvSpPr>
-        <p:spPr>
-          <a:xfrm>
-            <a:off x="1631380" y="887400"/>
-            <a:ext cx="6052120" cy="5742000"/>
-          </a:xfrm>
-        </p:spPr>
-        <p:txBody>
-          <a:bodyPr vert="horz" wrap="square" lIns="91440" tIns="45720" rIns="91440" bIns="45720" rtlCol="0" anchor="t">
-            <a:noAutofit/>
-          </a:bodyPr>
-          <a:lstStyle/>
-          <a:p>
-            <a:pPr marL="457200" indent="-457200">
-              <a:buFont typeface="+mj-lt"/>
-              <a:buAutoNum type="arabicPeriod"/>
-            </a:pPr>
-            <a:r>
-              <a:rPr lang="ja-JP" altLang="en-US" dirty="0" smtClean="0"/>
-              <a:t>はじめに</a:t>
-            </a:r>
-            <a:endParaRPr lang="en-US" altLang="ja-JP" dirty="0" smtClean="0"/>
-          </a:p>
-          <a:p>
-            <a:pPr marL="637200" lvl="1" indent="-457200">
-              <a:buFont typeface="+mj-lt"/>
-              <a:buAutoNum type="arabicPeriod"/>
-            </a:pPr>
-            <a:r>
-              <a:rPr lang="ja-JP" altLang="en-US" dirty="0" smtClean="0">
-                <a:latin typeface="メイリオ"/>
-                <a:ea typeface="+mn-lt"/>
-              </a:rPr>
-              <a:t>はじめに</a:t>
-            </a:r>
-            <a:endParaRPr lang="en-US" altLang="ja-JP" dirty="0" smtClean="0">
-              <a:latin typeface="メイリオ"/>
-              <a:ea typeface="+mn-lt"/>
-            </a:endParaRPr>
-          </a:p>
-          <a:p>
-            <a:pPr marL="637200" lvl="1" indent="-457200">
-              <a:buFont typeface="+mj-lt"/>
-              <a:buAutoNum type="arabicPeriod"/>
-            </a:pPr>
-            <a:r>
-              <a:rPr lang="ja-JP" altLang="en-US" dirty="0"/>
-              <a:t>連携サービスとの動作</a:t>
-            </a:r>
-            <a:r>
-              <a:rPr lang="ja-JP" altLang="en-US" dirty="0" smtClean="0"/>
-              <a:t>確認</a:t>
-            </a:r>
-            <a:endParaRPr lang="en-US" altLang="ja-JP" dirty="0" smtClean="0"/>
-          </a:p>
-          <a:p>
-            <a:pPr marL="637200" lvl="1" indent="-457200">
-              <a:buFont typeface="+mj-lt"/>
-              <a:buAutoNum type="arabicPeriod"/>
-            </a:pPr>
-            <a:r>
-              <a:rPr lang="ja-JP" altLang="en-US" dirty="0"/>
-              <a:t>用語の</a:t>
-            </a:r>
-            <a:r>
-              <a:rPr lang="ja-JP" altLang="en-US" dirty="0" smtClean="0"/>
-              <a:t>説明</a:t>
-            </a:r>
-            <a:endParaRPr lang="en-US" altLang="ja-JP" dirty="0" smtClean="0"/>
-          </a:p>
-          <a:p>
-            <a:pPr marL="637200" lvl="1" indent="-457200">
-              <a:buFont typeface="+mj-lt"/>
-              <a:buAutoNum type="arabicPeriod"/>
-            </a:pPr>
-            <a:r>
-              <a:rPr lang="ja-JP" altLang="en-US" dirty="0"/>
-              <a:t>オペレーション名と仮想マシン名の関係について</a:t>
-            </a:r>
-            <a:endParaRPr lang="en-US" altLang="ja-JP" dirty="0">
-              <a:latin typeface="メイリオ"/>
-              <a:ea typeface="+mn-lt"/>
-            </a:endParaRPr>
-          </a:p>
-          <a:p>
-            <a:pPr marL="457200" indent="-457200">
-              <a:buFont typeface="+mj-lt"/>
-              <a:buAutoNum type="arabicPeriod"/>
-            </a:pPr>
-            <a:r>
-              <a:rPr lang="en-US" altLang="ja-JP" dirty="0">
-                <a:latin typeface="Meiryo"/>
-                <a:ea typeface="+mn-lt"/>
-              </a:rPr>
-              <a:t>Hyper-V</a:t>
-            </a:r>
-            <a:r>
-              <a:rPr lang="ja-JP" altLang="en-US" dirty="0">
-                <a:latin typeface="Meiryo"/>
-                <a:ea typeface="+mn-lt"/>
-              </a:rPr>
-              <a:t>モデル</a:t>
-            </a:r>
-            <a:r>
-              <a:rPr lang="ja-JP" altLang="en-US" dirty="0">
-                <a:ea typeface="+mn-lt"/>
-                <a:cs typeface="+mn-lt"/>
-              </a:rPr>
-              <a:t>を使う</a:t>
-            </a:r>
-            <a:r>
-              <a:rPr lang="ja-JP" altLang="en-US" dirty="0" smtClean="0">
-                <a:ea typeface="+mn-lt"/>
-                <a:cs typeface="+mn-lt"/>
-              </a:rPr>
-              <a:t>準備</a:t>
-            </a:r>
-            <a:endParaRPr lang="en-US" altLang="ja-JP" dirty="0" smtClean="0">
-              <a:ea typeface="+mn-lt"/>
-              <a:cs typeface="+mn-lt"/>
-            </a:endParaRPr>
-          </a:p>
-          <a:p>
-            <a:pPr marL="637200" lvl="1" indent="-457200">
-              <a:buFont typeface="+mj-lt"/>
-              <a:buAutoNum type="arabicPeriod"/>
-            </a:pPr>
-            <a:r>
-              <a:rPr lang="en-US" altLang="ja-JP" dirty="0"/>
-              <a:t>ITA</a:t>
-            </a:r>
-            <a:r>
-              <a:rPr lang="ja-JP" altLang="en-US" dirty="0"/>
-              <a:t>の</a:t>
-            </a:r>
-            <a:r>
-              <a:rPr lang="ja-JP" altLang="en-US" dirty="0" smtClean="0"/>
-              <a:t>準備</a:t>
-            </a:r>
-            <a:endParaRPr lang="en-US" altLang="ja-JP" dirty="0" smtClean="0"/>
-          </a:p>
-          <a:p>
-            <a:pPr marL="637200" lvl="1" indent="-457200">
-              <a:buFont typeface="+mj-lt"/>
-              <a:buAutoNum type="arabicPeriod"/>
-            </a:pPr>
-            <a:r>
-              <a:rPr lang="en-US" altLang="ja-JP" dirty="0"/>
-              <a:t>Hyper-V</a:t>
-            </a:r>
-            <a:r>
-              <a:rPr lang="ja-JP" altLang="en-US" dirty="0"/>
-              <a:t>モデルの</a:t>
-            </a:r>
-            <a:r>
-              <a:rPr lang="ja-JP" altLang="en-US" dirty="0" smtClean="0"/>
-              <a:t>インポート</a:t>
-            </a:r>
-            <a:endParaRPr lang="en-US" altLang="ja-JP" dirty="0" smtClean="0"/>
-          </a:p>
-          <a:p>
-            <a:pPr marL="637200" lvl="1" indent="-457200">
-              <a:buFont typeface="+mj-lt"/>
-              <a:buAutoNum type="arabicPeriod"/>
-            </a:pPr>
-            <a:r>
-              <a:rPr lang="ja-JP" altLang="en-US" dirty="0"/>
-              <a:t>グローバル変数</a:t>
-            </a:r>
-            <a:r>
-              <a:rPr lang="ja-JP" altLang="en-US" dirty="0" smtClean="0"/>
-              <a:t>管理</a:t>
-            </a:r>
-            <a:endParaRPr lang="en-US" altLang="ja-JP" dirty="0" smtClean="0"/>
-          </a:p>
-          <a:p>
-            <a:pPr marL="637200" lvl="1" indent="-457200">
-              <a:buFont typeface="+mj-lt"/>
-              <a:buAutoNum type="arabicPeriod"/>
-            </a:pPr>
-            <a:r>
-              <a:rPr lang="ja-JP" altLang="en-US" dirty="0"/>
-              <a:t>認証情報の</a:t>
-            </a:r>
-            <a:r>
-              <a:rPr lang="ja-JP" altLang="en-US" dirty="0" smtClean="0"/>
-              <a:t>設定</a:t>
-            </a:r>
-            <a:endParaRPr lang="en-US" altLang="ja-JP" dirty="0" smtClean="0"/>
-          </a:p>
-          <a:p>
-            <a:pPr marL="637200" lvl="1" indent="-457200">
-              <a:buFont typeface="+mj-lt"/>
-              <a:buAutoNum type="arabicPeriod"/>
-            </a:pPr>
-            <a:r>
-              <a:rPr lang="ja-JP" altLang="en-US" dirty="0"/>
-              <a:t>ファイル</a:t>
-            </a:r>
-            <a:r>
-              <a:rPr lang="ja-JP" altLang="en-US" dirty="0" smtClean="0"/>
-              <a:t>管理</a:t>
-            </a:r>
-            <a:endParaRPr lang="en-US" altLang="ja-JP" dirty="0" smtClean="0"/>
-          </a:p>
-          <a:p>
-            <a:pPr marL="637200" lvl="1" indent="-457200">
-              <a:buFont typeface="+mj-lt"/>
-              <a:buAutoNum type="arabicPeriod"/>
-            </a:pPr>
-            <a:r>
-              <a:rPr lang="ja-JP" altLang="en-US" dirty="0">
-                <a:ea typeface="+mn-lt"/>
-                <a:cs typeface="+mn-lt"/>
-              </a:rPr>
-              <a:t>テンプレートの</a:t>
-            </a:r>
-            <a:r>
-              <a:rPr lang="ja-JP" altLang="en-US" dirty="0" smtClean="0">
-                <a:ea typeface="+mn-lt"/>
-                <a:cs typeface="+mn-lt"/>
-              </a:rPr>
-              <a:t>準備</a:t>
-            </a:r>
-            <a:endParaRPr lang="en-US" altLang="ja-JP" dirty="0" smtClean="0">
-              <a:ea typeface="+mn-lt"/>
-              <a:cs typeface="+mn-lt"/>
-            </a:endParaRPr>
-          </a:p>
-          <a:p>
-            <a:pPr marL="637200" lvl="1" indent="-457200">
-              <a:buFont typeface="+mj-lt"/>
-              <a:buAutoNum type="arabicPeriod"/>
-            </a:pPr>
-            <a:r>
-              <a:rPr lang="ja-JP" altLang="en-US" dirty="0">
-                <a:ea typeface="+mn-lt"/>
-                <a:cs typeface="+mn-lt"/>
-              </a:rPr>
-              <a:t>仮想ネットワークの</a:t>
-            </a:r>
-            <a:r>
-              <a:rPr lang="ja-JP" altLang="en-US" dirty="0" smtClean="0">
-                <a:ea typeface="+mn-lt"/>
-                <a:cs typeface="+mn-lt"/>
-              </a:rPr>
-              <a:t>準備</a:t>
-            </a:r>
-            <a:endParaRPr lang="ja-JP" dirty="0">
-              <a:ea typeface="+mn-lt"/>
-              <a:cs typeface="+mn-lt"/>
-            </a:endParaRPr>
-          </a:p>
-        </p:txBody>
-      </p:sp>
-    </p:spTree>
-    <p:extLst>
-      <p:ext uri="{BB962C8B-B14F-4D97-AF65-F5344CB8AC3E}">
-        <p14:creationId xmlns:p14="http://schemas.microsoft.com/office/powerpoint/2010/main" val="1491028457"/>
-      </p:ext>
-    </p:extLst>
-  </p:cSld>
-  <p:clrMapOvr>
-    <a:masterClrMapping/>
-  </p:clrMapOvr>
-</p:sld>
-</file>
-
-<file path=ppt/slides/slide20.xml><?xml version="1.0" encoding="utf-8"?>
+<file path=ppt/slides/slide21.xml><?xml version="1.0" encoding="utf-8"?>
 <p:sld xmlns:a="http://schemas.openxmlformats.org/drawingml/2006/main" xmlns:r="http://schemas.openxmlformats.org/officeDocument/2006/relationships" xmlns:p="http://schemas.openxmlformats.org/presentationml/2006/main">
   <p:cSld>
     <p:spTree>
@@ -23848,7 +25028,7 @@
 </p:sld>
 </file>
 
-<file path=ppt/slides/slide21.xml><?xml version="1.0" encoding="utf-8"?>
+<file path=ppt/slides/slide22.xml><?xml version="1.0" encoding="utf-8"?>
 <p:sld xmlns:a="http://schemas.openxmlformats.org/drawingml/2006/main" xmlns:r="http://schemas.openxmlformats.org/officeDocument/2006/relationships" xmlns:p="http://schemas.openxmlformats.org/presentationml/2006/main">
   <p:cSld>
     <p:spTree>
@@ -24314,7 +25494,7 @@
 </p:sld>
 </file>
 
-<file path=ppt/slides/slide22.xml><?xml version="1.0" encoding="utf-8"?>
+<file path=ppt/slides/slide23.xml><?xml version="1.0" encoding="utf-8"?>
 <p:sld xmlns:a="http://schemas.openxmlformats.org/drawingml/2006/main" xmlns:r="http://schemas.openxmlformats.org/officeDocument/2006/relationships" xmlns:p="http://schemas.openxmlformats.org/presentationml/2006/main">
   <p:cSld>
     <p:spTree>
@@ -24768,7 +25948,7 @@
 </p:sld>
 </file>
 
-<file path=ppt/slides/slide23.xml><?xml version="1.0" encoding="utf-8"?>
+<file path=ppt/slides/slide24.xml><?xml version="1.0" encoding="utf-8"?>
 <p:sld xmlns:a="http://schemas.openxmlformats.org/drawingml/2006/main" xmlns:r="http://schemas.openxmlformats.org/officeDocument/2006/relationships" xmlns:p="http://schemas.openxmlformats.org/presentationml/2006/main">
   <p:cSld>
     <p:spTree>
@@ -25801,7 +26981,7 @@
 </p:sld>
 </file>
 
-<file path=ppt/slides/slide24.xml><?xml version="1.0" encoding="utf-8"?>
+<file path=ppt/slides/slide25.xml><?xml version="1.0" encoding="utf-8"?>
 <p:sld xmlns:a="http://schemas.openxmlformats.org/drawingml/2006/main" xmlns:r="http://schemas.openxmlformats.org/officeDocument/2006/relationships" xmlns:p="http://schemas.openxmlformats.org/presentationml/2006/main">
   <p:cSld>
     <p:spTree>
@@ -26234,7 +27414,7 @@
 </p:sld>
 </file>
 
-<file path=ppt/slides/slide25.xml><?xml version="1.0" encoding="utf-8"?>
+<file path=ppt/slides/slide26.xml><?xml version="1.0" encoding="utf-8"?>
 <p:sld xmlns:a="http://schemas.openxmlformats.org/drawingml/2006/main" xmlns:r="http://schemas.openxmlformats.org/officeDocument/2006/relationships" xmlns:p="http://schemas.openxmlformats.org/presentationml/2006/main">
   <p:cSld>
     <p:spTree>
@@ -27224,7 +28404,7 @@
 </p:sld>
 </file>
 
-<file path=ppt/slides/slide26.xml><?xml version="1.0" encoding="utf-8"?>
+<file path=ppt/slides/slide27.xml><?xml version="1.0" encoding="utf-8"?>
 <p:sld xmlns:a="http://schemas.openxmlformats.org/drawingml/2006/main" xmlns:r="http://schemas.openxmlformats.org/officeDocument/2006/relationships" xmlns:p="http://schemas.openxmlformats.org/presentationml/2006/main">
   <p:cSld>
     <p:spTree>
@@ -27678,7 +28858,7 @@
 </p:sld>
 </file>
 
-<file path=ppt/slides/slide27.xml><?xml version="1.0" encoding="utf-8"?>
+<file path=ppt/slides/slide28.xml><?xml version="1.0" encoding="utf-8"?>
 <p:sld xmlns:a="http://schemas.openxmlformats.org/drawingml/2006/main" xmlns:r="http://schemas.openxmlformats.org/officeDocument/2006/relationships" xmlns:p="http://schemas.openxmlformats.org/presentationml/2006/main">
   <p:cSld>
     <p:spTree>
@@ -28110,7 +29290,7 @@
 </p:sld>
 </file>
 
-<file path=ppt/slides/slide28.xml><?xml version="1.0" encoding="utf-8"?>
+<file path=ppt/slides/slide29.xml><?xml version="1.0" encoding="utf-8"?>
 <p:sld xmlns:a="http://schemas.openxmlformats.org/drawingml/2006/main" xmlns:r="http://schemas.openxmlformats.org/officeDocument/2006/relationships" xmlns:p="http://schemas.openxmlformats.org/presentationml/2006/main">
   <p:cSld>
     <p:spTree>
@@ -29141,1696 +30321,6 @@
 </p:sld>
 </file>
 
-<file path=ppt/slides/slide29.xml><?xml version="1.0" encoding="utf-8"?>
-<p:sld xmlns:a="http://schemas.openxmlformats.org/drawingml/2006/main" xmlns:r="http://schemas.openxmlformats.org/officeDocument/2006/relationships" xmlns:p="http://schemas.openxmlformats.org/presentationml/2006/main">
-  <p:cSld>
-    <p:spTree>
-      <p:nvGrpSpPr>
-        <p:cNvPr id="1" name=""/>
-        <p:cNvGrpSpPr/>
-        <p:nvPr/>
-      </p:nvGrpSpPr>
-      <p:grpSpPr>
-        <a:xfrm>
-          <a:off x="0" y="0"/>
-          <a:ext cx="0" cy="0"/>
-          <a:chOff x="0" y="0"/>
-          <a:chExt cx="0" cy="0"/>
-        </a:xfrm>
-      </p:grpSpPr>
-      <p:sp>
-        <p:nvSpPr>
-          <p:cNvPr id="2" name="タイトル 1">
-            <a:extLst>
-              <a:ext uri="{FF2B5EF4-FFF2-40B4-BE49-F238E27FC236}">
-                <a16:creationId xmlns:a16="http://schemas.microsoft.com/office/drawing/2014/main" id="{EF8AD6C4-AE60-4B16-83B1-5E10784AB84C}"/>
-              </a:ext>
-            </a:extLst>
-          </p:cNvPr>
-          <p:cNvSpPr>
-            <a:spLocks noGrp="1"/>
-          </p:cNvSpPr>
-          <p:nvPr>
-            <p:ph type="title"/>
-          </p:nvPr>
-        </p:nvSpPr>
-        <p:spPr/>
-        <p:txBody>
-          <a:bodyPr/>
-          <a:lstStyle/>
-          <a:p>
-            <a:r>
-              <a:rPr kumimoji="1" lang="en-US" altLang="ja-JP" dirty="0" smtClean="0"/>
-              <a:t>3.2.1</a:t>
-            </a:r>
-            <a:r>
-              <a:rPr kumimoji="1" lang="ja-JP" altLang="en-US" dirty="0" smtClean="0"/>
-              <a:t> 機器</a:t>
-            </a:r>
-            <a:r>
-              <a:rPr kumimoji="1" lang="ja-JP" altLang="en-US" dirty="0"/>
-              <a:t>一覧の登録</a:t>
-            </a:r>
-          </a:p>
-        </p:txBody>
-      </p:sp>
-      <p:sp>
-        <p:nvSpPr>
-          <p:cNvPr id="3" name="コンテンツ プレースホルダー 2">
-            <a:extLst>
-              <a:ext uri="{FF2B5EF4-FFF2-40B4-BE49-F238E27FC236}">
-                <a16:creationId xmlns:a16="http://schemas.microsoft.com/office/drawing/2014/main" id="{71443B08-CDE2-4EBF-A381-1C1CCAFA375E}"/>
-              </a:ext>
-            </a:extLst>
-          </p:cNvPr>
-          <p:cNvSpPr>
-            <a:spLocks noGrp="1"/>
-          </p:cNvSpPr>
-          <p:nvPr>
-            <p:ph sz="quarter" idx="10"/>
-          </p:nvPr>
-        </p:nvSpPr>
-        <p:spPr/>
-        <p:txBody>
-          <a:bodyPr/>
-          <a:lstStyle/>
-          <a:p>
-            <a:r>
-              <a:rPr lang="ja-JP" altLang="en-US" dirty="0"/>
-              <a:t>機器一覧に</a:t>
-            </a:r>
-            <a:r>
-              <a:rPr lang="en-US" altLang="ja-JP" dirty="0"/>
-              <a:t>Hyper-V</a:t>
-            </a:r>
-            <a:r>
-              <a:rPr lang="ja-JP" altLang="en-US" dirty="0"/>
-              <a:t>マネージャへの接続情報を登録します。</a:t>
-            </a:r>
-            <a:endParaRPr lang="en-US" altLang="ja-JP" dirty="0"/>
-          </a:p>
-          <a:p>
-            <a:pPr marL="174625" indent="0">
-              <a:buNone/>
-            </a:pPr>
-            <a:r>
-              <a:rPr lang="ja-JP" altLang="en-US" dirty="0"/>
-              <a:t>各項目の細部については、</a:t>
-            </a:r>
-            <a:r>
-              <a:rPr lang="en-US" altLang="ja-JP" dirty="0">
-                <a:hlinkClick r:id="rId2"/>
-              </a:rPr>
-              <a:t>ITA</a:t>
-            </a:r>
-            <a:r>
-              <a:rPr lang="ja-JP" altLang="en-US" dirty="0">
-                <a:hlinkClick r:id="rId2"/>
-              </a:rPr>
-              <a:t>利用手順マニュアル</a:t>
-            </a:r>
-            <a:r>
-              <a:rPr lang="ja-JP" altLang="en-US" dirty="0"/>
-              <a:t>をご参照ください。</a:t>
-            </a:r>
-          </a:p>
-        </p:txBody>
-      </p:sp>
-      <p:pic>
-        <p:nvPicPr>
-          <p:cNvPr id="6" name="図 5">
-            <a:extLst>
-              <a:ext uri="{FF2B5EF4-FFF2-40B4-BE49-F238E27FC236}">
-                <a16:creationId xmlns:a16="http://schemas.microsoft.com/office/drawing/2014/main" id="{5CFB4E60-E539-426A-B7DB-7D04E729FCC3}"/>
-              </a:ext>
-            </a:extLst>
-          </p:cNvPr>
-          <p:cNvPicPr>
-            <a:picLocks noChangeAspect="1"/>
-          </p:cNvPicPr>
-          <p:nvPr/>
-        </p:nvPicPr>
-        <p:blipFill>
-          <a:blip r:embed="rId3"/>
-          <a:stretch>
-            <a:fillRect/>
-          </a:stretch>
-        </p:blipFill>
-        <p:spPr>
-          <a:xfrm>
-            <a:off x="239362" y="1624069"/>
-            <a:ext cx="8598647" cy="4896000"/>
-          </a:xfrm>
-          <a:prstGeom prst="rect">
-            <a:avLst/>
-          </a:prstGeom>
-        </p:spPr>
-      </p:pic>
-      <p:graphicFrame>
-        <p:nvGraphicFramePr>
-          <p:cNvPr id="7" name="表 6">
-            <a:extLst>
-              <a:ext uri="{FF2B5EF4-FFF2-40B4-BE49-F238E27FC236}">
-                <a16:creationId xmlns:a16="http://schemas.microsoft.com/office/drawing/2014/main" id="{D98DDAD5-D70C-467E-8602-DAFE87E48758}"/>
-              </a:ext>
-            </a:extLst>
-          </p:cNvPr>
-          <p:cNvGraphicFramePr>
-            <a:graphicFrameLocks noGrp="1"/>
-          </p:cNvGraphicFramePr>
-          <p:nvPr>
-            <p:extLst>
-              <p:ext uri="{D42A27DB-BD31-4B8C-83A1-F6EECF244321}">
-                <p14:modId xmlns:p14="http://schemas.microsoft.com/office/powerpoint/2010/main" val="3696191021"/>
-              </p:ext>
-            </p:extLst>
-          </p:nvPr>
-        </p:nvGraphicFramePr>
-        <p:xfrm>
-          <a:off x="5976578" y="2534427"/>
-          <a:ext cx="5974773" cy="3918761"/>
-        </p:xfrm>
-        <a:graphic>
-          <a:graphicData uri="http://schemas.openxmlformats.org/drawingml/2006/table">
-            <a:tbl>
-              <a:tblPr firstRow="1" bandRow="1">
-                <a:tableStyleId>{93296810-A885-4BE3-A3E7-6D5BEEA58F35}</a:tableStyleId>
-              </a:tblPr>
-              <a:tblGrid>
-                <a:gridCol w="540328">
-                  <a:extLst>
-                    <a:ext uri="{9D8B030D-6E8A-4147-A177-3AD203B41FA5}">
-                      <a16:colId xmlns:a16="http://schemas.microsoft.com/office/drawing/2014/main" val="1884901537"/>
-                    </a:ext>
-                  </a:extLst>
-                </a:gridCol>
-                <a:gridCol w="342900">
-                  <a:extLst>
-                    <a:ext uri="{9D8B030D-6E8A-4147-A177-3AD203B41FA5}">
-                      <a16:colId xmlns:a16="http://schemas.microsoft.com/office/drawing/2014/main" val="1492603522"/>
-                    </a:ext>
-                  </a:extLst>
-                </a:gridCol>
-                <a:gridCol w="727363">
-                  <a:extLst>
-                    <a:ext uri="{9D8B030D-6E8A-4147-A177-3AD203B41FA5}">
-                      <a16:colId xmlns:a16="http://schemas.microsoft.com/office/drawing/2014/main" val="3023239164"/>
-                    </a:ext>
-                  </a:extLst>
-                </a:gridCol>
-                <a:gridCol w="4364182">
-                  <a:extLst>
-                    <a:ext uri="{9D8B030D-6E8A-4147-A177-3AD203B41FA5}">
-                      <a16:colId xmlns:a16="http://schemas.microsoft.com/office/drawing/2014/main" val="2768844600"/>
-                    </a:ext>
-                  </a:extLst>
-                </a:gridCol>
-              </a:tblGrid>
-              <a:tr h="300418">
-                <a:tc gridSpan="3">
-                  <a:txBody>
-                    <a:bodyPr/>
-                    <a:lstStyle/>
-                    <a:p>
-                      <a:pPr marL="0" marR="0" lvl="0" indent="0" algn="ctr" defTabSz="914400" rtl="0" eaLnBrk="1" fontAlgn="auto" latinLnBrk="0" hangingPunct="1">
-                        <a:lnSpc>
-                          <a:spcPct val="100000"/>
-                        </a:lnSpc>
-                        <a:spcBef>
-                          <a:spcPts val="0"/>
-                        </a:spcBef>
-                        <a:spcAft>
-                          <a:spcPts val="0"/>
-                        </a:spcAft>
-                        <a:buClrTx/>
-                        <a:buSzTx/>
-                        <a:buFontTx/>
-                        <a:buNone/>
-                        <a:tabLst/>
-                        <a:defRPr/>
-                      </a:pPr>
-                      <a:r>
-                        <a:rPr kumimoji="1" lang="ja-JP" altLang="en-US" sz="1200" dirty="0"/>
-                        <a:t>項目</a:t>
-                      </a:r>
-                    </a:p>
-                  </a:txBody>
-                  <a:tcPr marT="72000" marB="72000" anchor="ctr">
-                    <a:lnL w="12700" cap="flat" cmpd="sng" algn="ctr">
-                      <a:solidFill>
-                        <a:schemeClr val="tx1"/>
-                      </a:solidFill>
-                      <a:prstDash val="solid"/>
-                      <a:round/>
-                      <a:headEnd type="none" w="med" len="med"/>
-                      <a:tailEnd type="none" w="med" len="med"/>
-                    </a:lnL>
-                    <a:lnR w="12700" cap="flat" cmpd="sng" algn="ctr">
-                      <a:solidFill>
-                        <a:schemeClr val="bg1"/>
-                      </a:solidFill>
-                      <a:prstDash val="solid"/>
-                      <a:round/>
-                      <a:headEnd type="none" w="med" len="med"/>
-                      <a:tailEnd type="none" w="med" len="med"/>
-                    </a:lnR>
-                    <a:lnT w="12700" cap="flat" cmpd="sng" algn="ctr">
-                      <a:solidFill>
-                        <a:schemeClr val="tx1"/>
-                      </a:solidFill>
-                      <a:prstDash val="solid"/>
-                      <a:round/>
-                      <a:headEnd type="none" w="med" len="med"/>
-                      <a:tailEnd type="none" w="med" len="med"/>
-                    </a:lnT>
-                    <a:lnB w="12700" cap="flat" cmpd="sng" algn="ctr">
-                      <a:solidFill>
-                        <a:schemeClr val="tx1"/>
-                      </a:solidFill>
-                      <a:prstDash val="solid"/>
-                      <a:round/>
-                      <a:headEnd type="none" w="med" len="med"/>
-                      <a:tailEnd type="none" w="med" len="med"/>
-                    </a:lnB>
-                  </a:tcPr>
-                </a:tc>
-                <a:tc hMerge="1">
-                  <a:txBody>
-                    <a:bodyPr/>
-                    <a:lstStyle/>
-                    <a:p>
-                      <a:endParaRPr kumimoji="1" lang="ja-JP" altLang="en-US"/>
-                    </a:p>
-                  </a:txBody>
-                  <a:tcPr/>
-                </a:tc>
-                <a:tc hMerge="1">
-                  <a:txBody>
-                    <a:bodyPr/>
-                    <a:lstStyle/>
-                    <a:p>
-                      <a:endParaRPr kumimoji="1" lang="ja-JP" altLang="en-US"/>
-                    </a:p>
-                  </a:txBody>
-                  <a:tcPr/>
-                </a:tc>
-                <a:tc>
-                  <a:txBody>
-                    <a:bodyPr/>
-                    <a:lstStyle/>
-                    <a:p>
-                      <a:pPr algn="ctr"/>
-                      <a:r>
-                        <a:rPr kumimoji="1" lang="ja-JP" altLang="en-US" sz="1200" dirty="0"/>
-                        <a:t>入力内容</a:t>
-                      </a:r>
-                    </a:p>
-                  </a:txBody>
-                  <a:tcPr marT="72000" marB="72000" anchor="ctr">
-                    <a:lnL w="12700" cap="flat" cmpd="sng" algn="ctr">
-                      <a:solidFill>
-                        <a:schemeClr val="bg1"/>
-                      </a:solidFill>
-                      <a:prstDash val="solid"/>
-                      <a:round/>
-                      <a:headEnd type="none" w="med" len="med"/>
-                      <a:tailEnd type="none" w="med" len="med"/>
-                    </a:lnL>
-                    <a:lnR w="12700" cap="flat" cmpd="sng" algn="ctr">
-                      <a:solidFill>
-                        <a:schemeClr val="tx1"/>
-                      </a:solidFill>
-                      <a:prstDash val="solid"/>
-                      <a:round/>
-                      <a:headEnd type="none" w="med" len="med"/>
-                      <a:tailEnd type="none" w="med" len="med"/>
-                    </a:lnR>
-                    <a:lnT w="12700" cap="flat" cmpd="sng" algn="ctr">
-                      <a:solidFill>
-                        <a:schemeClr val="tx1"/>
-                      </a:solidFill>
-                      <a:prstDash val="solid"/>
-                      <a:round/>
-                      <a:headEnd type="none" w="med" len="med"/>
-                      <a:tailEnd type="none" w="med" len="med"/>
-                    </a:lnT>
-                    <a:lnB w="12700" cap="flat" cmpd="sng" algn="ctr">
-                      <a:solidFill>
-                        <a:schemeClr val="tx1"/>
-                      </a:solidFill>
-                      <a:prstDash val="solid"/>
-                      <a:round/>
-                      <a:headEnd type="none" w="med" len="med"/>
-                      <a:tailEnd type="none" w="med" len="med"/>
-                    </a:lnB>
-                  </a:tcPr>
-                </a:tc>
-                <a:extLst>
-                  <a:ext uri="{0D108BD9-81ED-4DB2-BD59-A6C34878D82A}">
-                    <a16:rowId xmlns:a16="http://schemas.microsoft.com/office/drawing/2014/main" val="704892927"/>
-                  </a:ext>
-                </a:extLst>
-              </a:tr>
-              <a:tr h="300418">
-                <a:tc gridSpan="3">
-                  <a:txBody>
-                    <a:bodyPr/>
-                    <a:lstStyle/>
-                    <a:p>
-                      <a:pPr algn="ctr"/>
-                      <a:r>
-                        <a:rPr kumimoji="1" lang="ja-JP" altLang="en-US" sz="1200" dirty="0"/>
-                        <a:t>ホスト名</a:t>
-                      </a:r>
-                    </a:p>
-                  </a:txBody>
-                  <a:tcPr marT="72000" marB="72000" anchor="ctr">
-                    <a:lnL w="12700" cap="flat" cmpd="sng" algn="ctr">
-                      <a:solidFill>
-                        <a:schemeClr val="tx1"/>
-                      </a:solidFill>
-                      <a:prstDash val="solid"/>
-                      <a:round/>
-                      <a:headEnd type="none" w="med" len="med"/>
-                      <a:tailEnd type="none" w="med" len="med"/>
-                    </a:lnL>
-                    <a:lnR w="12700" cap="flat" cmpd="sng" algn="ctr">
-                      <a:solidFill>
-                        <a:schemeClr val="tx1"/>
-                      </a:solidFill>
-                      <a:prstDash val="solid"/>
-                      <a:round/>
-                      <a:headEnd type="none" w="med" len="med"/>
-                      <a:tailEnd type="none" w="med" len="med"/>
-                    </a:lnR>
-                    <a:lnT w="12700" cap="flat" cmpd="sng" algn="ctr">
-                      <a:solidFill>
-                        <a:schemeClr val="tx1"/>
-                      </a:solidFill>
-                      <a:prstDash val="solid"/>
-                      <a:round/>
-                      <a:headEnd type="none" w="med" len="med"/>
-                      <a:tailEnd type="none" w="med" len="med"/>
-                    </a:lnT>
-                    <a:lnB w="12700" cap="flat" cmpd="sng" algn="ctr">
-                      <a:solidFill>
-                        <a:schemeClr val="tx1"/>
-                      </a:solidFill>
-                      <a:prstDash val="solid"/>
-                      <a:round/>
-                      <a:headEnd type="none" w="med" len="med"/>
-                      <a:tailEnd type="none" w="med" len="med"/>
-                    </a:lnB>
-                    <a:solidFill>
-                      <a:schemeClr val="bg1"/>
-                    </a:solidFill>
-                  </a:tcPr>
-                </a:tc>
-                <a:tc hMerge="1">
-                  <a:txBody>
-                    <a:bodyPr/>
-                    <a:lstStyle/>
-                    <a:p>
-                      <a:endParaRPr kumimoji="1" lang="ja-JP" altLang="en-US"/>
-                    </a:p>
-                  </a:txBody>
-                  <a:tcPr/>
-                </a:tc>
-                <a:tc hMerge="1">
-                  <a:txBody>
-                    <a:bodyPr/>
-                    <a:lstStyle/>
-                    <a:p>
-                      <a:endParaRPr kumimoji="1" lang="ja-JP" altLang="en-US"/>
-                    </a:p>
-                  </a:txBody>
-                  <a:tcPr/>
-                </a:tc>
-                <a:tc>
-                  <a:txBody>
-                    <a:bodyPr/>
-                    <a:lstStyle/>
-                    <a:p>
-                      <a:pPr algn="ctr"/>
-                      <a:r>
-                        <a:rPr kumimoji="1" lang="en-US" altLang="ja-JP" sz="1200" dirty="0"/>
-                        <a:t>Hyper-V</a:t>
-                      </a:r>
-                      <a:r>
-                        <a:rPr kumimoji="1" lang="ja-JP" altLang="en-US" sz="1200" dirty="0"/>
-                        <a:t>マネージャのホスト名</a:t>
-                      </a:r>
-                    </a:p>
-                  </a:txBody>
-                  <a:tcPr marT="72000" marB="72000" anchor="ctr">
-                    <a:lnL w="12700" cap="flat" cmpd="sng" algn="ctr">
-                      <a:solidFill>
-                        <a:schemeClr val="tx1"/>
-                      </a:solidFill>
-                      <a:prstDash val="solid"/>
-                      <a:round/>
-                      <a:headEnd type="none" w="med" len="med"/>
-                      <a:tailEnd type="none" w="med" len="med"/>
-                    </a:lnL>
-                    <a:lnR w="12700" cap="flat" cmpd="sng" algn="ctr">
-                      <a:solidFill>
-                        <a:schemeClr val="tx1"/>
-                      </a:solidFill>
-                      <a:prstDash val="solid"/>
-                      <a:round/>
-                      <a:headEnd type="none" w="med" len="med"/>
-                      <a:tailEnd type="none" w="med" len="med"/>
-                    </a:lnR>
-                    <a:lnT w="12700" cap="flat" cmpd="sng" algn="ctr">
-                      <a:solidFill>
-                        <a:schemeClr val="tx1"/>
-                      </a:solidFill>
-                      <a:prstDash val="solid"/>
-                      <a:round/>
-                      <a:headEnd type="none" w="med" len="med"/>
-                      <a:tailEnd type="none" w="med" len="med"/>
-                    </a:lnT>
-                    <a:lnB w="12700" cap="flat" cmpd="sng" algn="ctr">
-                      <a:solidFill>
-                        <a:schemeClr val="tx1"/>
-                      </a:solidFill>
-                      <a:prstDash val="solid"/>
-                      <a:round/>
-                      <a:headEnd type="none" w="med" len="med"/>
-                      <a:tailEnd type="none" w="med" len="med"/>
-                    </a:lnB>
-                    <a:solidFill>
-                      <a:schemeClr val="bg1"/>
-                    </a:solidFill>
-                  </a:tcPr>
-                </a:tc>
-                <a:extLst>
-                  <a:ext uri="{0D108BD9-81ED-4DB2-BD59-A6C34878D82A}">
-                    <a16:rowId xmlns:a16="http://schemas.microsoft.com/office/drawing/2014/main" val="1012509120"/>
-                  </a:ext>
-                </a:extLst>
-              </a:tr>
-              <a:tr h="300418">
-                <a:tc gridSpan="3">
-                  <a:txBody>
-                    <a:bodyPr/>
-                    <a:lstStyle/>
-                    <a:p>
-                      <a:pPr algn="ctr"/>
-                      <a:r>
-                        <a:rPr kumimoji="1" lang="en-US" altLang="ja-JP" sz="1200" dirty="0"/>
-                        <a:t>IP</a:t>
-                      </a:r>
-                      <a:r>
-                        <a:rPr kumimoji="1" lang="ja-JP" altLang="en-US" sz="1200" dirty="0"/>
-                        <a:t>アドレス</a:t>
-                      </a:r>
-                    </a:p>
-                  </a:txBody>
-                  <a:tcPr marT="72000" marB="72000" anchor="ctr">
-                    <a:lnL w="12700" cap="flat" cmpd="sng" algn="ctr">
-                      <a:solidFill>
-                        <a:schemeClr val="tx1"/>
-                      </a:solidFill>
-                      <a:prstDash val="solid"/>
-                      <a:round/>
-                      <a:headEnd type="none" w="med" len="med"/>
-                      <a:tailEnd type="none" w="med" len="med"/>
-                    </a:lnL>
-                    <a:lnR w="12700" cap="flat" cmpd="sng" algn="ctr">
-                      <a:solidFill>
-                        <a:schemeClr val="tx1"/>
-                      </a:solidFill>
-                      <a:prstDash val="solid"/>
-                      <a:round/>
-                      <a:headEnd type="none" w="med" len="med"/>
-                      <a:tailEnd type="none" w="med" len="med"/>
-                    </a:lnR>
-                    <a:lnT w="12700" cap="flat" cmpd="sng" algn="ctr">
-                      <a:solidFill>
-                        <a:schemeClr val="tx1"/>
-                      </a:solidFill>
-                      <a:prstDash val="solid"/>
-                      <a:round/>
-                      <a:headEnd type="none" w="med" len="med"/>
-                      <a:tailEnd type="none" w="med" len="med"/>
-                    </a:lnT>
-                    <a:lnB w="12700" cap="flat" cmpd="sng" algn="ctr">
-                      <a:solidFill>
-                        <a:schemeClr val="tx1"/>
-                      </a:solidFill>
-                      <a:prstDash val="solid"/>
-                      <a:round/>
-                      <a:headEnd type="none" w="med" len="med"/>
-                      <a:tailEnd type="none" w="med" len="med"/>
-                    </a:lnB>
-                    <a:solidFill>
-                      <a:schemeClr val="bg1"/>
-                    </a:solidFill>
-                  </a:tcPr>
-                </a:tc>
-                <a:tc hMerge="1">
-                  <a:txBody>
-                    <a:bodyPr/>
-                    <a:lstStyle/>
-                    <a:p>
-                      <a:endParaRPr kumimoji="1" lang="ja-JP" altLang="en-US"/>
-                    </a:p>
-                  </a:txBody>
-                  <a:tcPr/>
-                </a:tc>
-                <a:tc hMerge="1">
-                  <a:txBody>
-                    <a:bodyPr/>
-                    <a:lstStyle/>
-                    <a:p>
-                      <a:endParaRPr kumimoji="1" lang="ja-JP" altLang="en-US"/>
-                    </a:p>
-                  </a:txBody>
-                  <a:tcPr/>
-                </a:tc>
-                <a:tc>
-                  <a:txBody>
-                    <a:bodyPr/>
-                    <a:lstStyle/>
-                    <a:p>
-                      <a:pPr algn="ctr"/>
-                      <a:r>
-                        <a:rPr kumimoji="1" lang="en-US" altLang="ja-JP" sz="1200" dirty="0"/>
-                        <a:t>Hyper-V</a:t>
-                      </a:r>
-                      <a:r>
-                        <a:rPr kumimoji="1" lang="ja-JP" altLang="en-US" sz="1200" dirty="0"/>
-                        <a:t>マネージャの</a:t>
-                      </a:r>
-                      <a:r>
-                        <a:rPr kumimoji="1" lang="en-US" altLang="ja-JP" sz="1200" dirty="0"/>
-                        <a:t>IP</a:t>
-                      </a:r>
-                      <a:r>
-                        <a:rPr kumimoji="1" lang="ja-JP" altLang="en-US" sz="1200" dirty="0"/>
-                        <a:t>アドレス</a:t>
-                      </a:r>
-                    </a:p>
-                  </a:txBody>
-                  <a:tcPr marT="72000" marB="72000" anchor="ctr">
-                    <a:lnL w="12700" cap="flat" cmpd="sng" algn="ctr">
-                      <a:solidFill>
-                        <a:schemeClr val="tx1"/>
-                      </a:solidFill>
-                      <a:prstDash val="solid"/>
-                      <a:round/>
-                      <a:headEnd type="none" w="med" len="med"/>
-                      <a:tailEnd type="none" w="med" len="med"/>
-                    </a:lnL>
-                    <a:lnR w="12700" cap="flat" cmpd="sng" algn="ctr">
-                      <a:solidFill>
-                        <a:schemeClr val="tx1"/>
-                      </a:solidFill>
-                      <a:prstDash val="solid"/>
-                      <a:round/>
-                      <a:headEnd type="none" w="med" len="med"/>
-                      <a:tailEnd type="none" w="med" len="med"/>
-                    </a:lnR>
-                    <a:lnT w="12700" cap="flat" cmpd="sng" algn="ctr">
-                      <a:solidFill>
-                        <a:schemeClr val="tx1"/>
-                      </a:solidFill>
-                      <a:prstDash val="solid"/>
-                      <a:round/>
-                      <a:headEnd type="none" w="med" len="med"/>
-                      <a:tailEnd type="none" w="med" len="med"/>
-                    </a:lnT>
-                    <a:lnB w="12700" cap="flat" cmpd="sng" algn="ctr">
-                      <a:solidFill>
-                        <a:schemeClr val="tx1"/>
-                      </a:solidFill>
-                      <a:prstDash val="solid"/>
-                      <a:round/>
-                      <a:headEnd type="none" w="med" len="med"/>
-                      <a:tailEnd type="none" w="med" len="med"/>
-                    </a:lnB>
-                    <a:solidFill>
-                      <a:schemeClr val="bg1"/>
-                    </a:solidFill>
-                  </a:tcPr>
-                </a:tc>
-                <a:extLst>
-                  <a:ext uri="{0D108BD9-81ED-4DB2-BD59-A6C34878D82A}">
-                    <a16:rowId xmlns:a16="http://schemas.microsoft.com/office/drawing/2014/main" val="3512068053"/>
-                  </a:ext>
-                </a:extLst>
-              </a:tr>
-              <a:tr h="400227">
-                <a:tc gridSpan="3">
-                  <a:txBody>
-                    <a:bodyPr/>
-                    <a:lstStyle/>
-                    <a:p>
-                      <a:pPr algn="ctr"/>
-                      <a:r>
-                        <a:rPr kumimoji="1" lang="ja-JP" altLang="en-US" sz="1200" dirty="0"/>
-                        <a:t>ログインユーザ</a:t>
-                      </a:r>
-                      <a:r>
-                        <a:rPr kumimoji="1" lang="en-US" altLang="ja-JP" sz="1200" dirty="0"/>
-                        <a:t>ID</a:t>
-                      </a:r>
-                      <a:endParaRPr kumimoji="1" lang="ja-JP" altLang="en-US" sz="1200" dirty="0"/>
-                    </a:p>
-                  </a:txBody>
-                  <a:tcPr marT="72000" marB="72000" anchor="ctr">
-                    <a:lnL w="12700" cap="flat" cmpd="sng" algn="ctr">
-                      <a:solidFill>
-                        <a:schemeClr val="tx1"/>
-                      </a:solidFill>
-                      <a:prstDash val="solid"/>
-                      <a:round/>
-                      <a:headEnd type="none" w="med" len="med"/>
-                      <a:tailEnd type="none" w="med" len="med"/>
-                    </a:lnL>
-                    <a:lnR w="12700" cap="flat" cmpd="sng" algn="ctr">
-                      <a:solidFill>
-                        <a:schemeClr val="tx1"/>
-                      </a:solidFill>
-                      <a:prstDash val="solid"/>
-                      <a:round/>
-                      <a:headEnd type="none" w="med" len="med"/>
-                      <a:tailEnd type="none" w="med" len="med"/>
-                    </a:lnR>
-                    <a:lnT w="12700" cap="flat" cmpd="sng" algn="ctr">
-                      <a:solidFill>
-                        <a:schemeClr val="tx1"/>
-                      </a:solidFill>
-                      <a:prstDash val="solid"/>
-                      <a:round/>
-                      <a:headEnd type="none" w="med" len="med"/>
-                      <a:tailEnd type="none" w="med" len="med"/>
-                    </a:lnT>
-                    <a:lnB w="12700" cap="flat" cmpd="sng" algn="ctr">
-                      <a:solidFill>
-                        <a:schemeClr val="tx1"/>
-                      </a:solidFill>
-                      <a:prstDash val="solid"/>
-                      <a:round/>
-                      <a:headEnd type="none" w="med" len="med"/>
-                      <a:tailEnd type="none" w="med" len="med"/>
-                    </a:lnB>
-                    <a:solidFill>
-                      <a:schemeClr val="bg1"/>
-                    </a:solidFill>
-                  </a:tcPr>
-                </a:tc>
-                <a:tc hMerge="1">
-                  <a:txBody>
-                    <a:bodyPr/>
-                    <a:lstStyle/>
-                    <a:p>
-                      <a:endParaRPr kumimoji="1" lang="ja-JP" altLang="en-US"/>
-                    </a:p>
-                  </a:txBody>
-                  <a:tcPr/>
-                </a:tc>
-                <a:tc hMerge="1">
-                  <a:txBody>
-                    <a:bodyPr/>
-                    <a:lstStyle/>
-                    <a:p>
-                      <a:endParaRPr kumimoji="1" lang="ja-JP" altLang="en-US"/>
-                    </a:p>
-                  </a:txBody>
-                  <a:tcPr/>
-                </a:tc>
-                <a:tc>
-                  <a:txBody>
-                    <a:bodyPr/>
-                    <a:lstStyle/>
-                    <a:p>
-                      <a:pPr algn="ctr"/>
-                      <a:r>
-                        <a:rPr kumimoji="1" lang="en-US" altLang="ja-JP" sz="1200" dirty="0"/>
-                        <a:t>Hyper-V</a:t>
-                      </a:r>
-                      <a:r>
-                        <a:rPr kumimoji="1" lang="ja-JP" altLang="en-US" sz="1200" dirty="0"/>
-                        <a:t>マネージャのログインユーザ</a:t>
-                      </a:r>
-                      <a:r>
-                        <a:rPr kumimoji="1" lang="en-US" altLang="ja-JP" sz="1200" dirty="0"/>
-                        <a:t>ID</a:t>
-                      </a:r>
-                      <a:endParaRPr kumimoji="1" lang="ja-JP" altLang="en-US" sz="1200" dirty="0"/>
-                    </a:p>
-                  </a:txBody>
-                  <a:tcPr marT="72000" marB="72000" anchor="ctr">
-                    <a:lnL w="12700" cap="flat" cmpd="sng" algn="ctr">
-                      <a:solidFill>
-                        <a:schemeClr val="tx1"/>
-                      </a:solidFill>
-                      <a:prstDash val="solid"/>
-                      <a:round/>
-                      <a:headEnd type="none" w="med" len="med"/>
-                      <a:tailEnd type="none" w="med" len="med"/>
-                    </a:lnL>
-                    <a:lnR w="12700" cap="flat" cmpd="sng" algn="ctr">
-                      <a:solidFill>
-                        <a:schemeClr val="tx1"/>
-                      </a:solidFill>
-                      <a:prstDash val="solid"/>
-                      <a:round/>
-                      <a:headEnd type="none" w="med" len="med"/>
-                      <a:tailEnd type="none" w="med" len="med"/>
-                    </a:lnR>
-                    <a:lnT w="12700" cap="flat" cmpd="sng" algn="ctr">
-                      <a:solidFill>
-                        <a:schemeClr val="tx1"/>
-                      </a:solidFill>
-                      <a:prstDash val="solid"/>
-                      <a:round/>
-                      <a:headEnd type="none" w="med" len="med"/>
-                      <a:tailEnd type="none" w="med" len="med"/>
-                    </a:lnT>
-                    <a:lnB w="12700" cap="flat" cmpd="sng" algn="ctr">
-                      <a:solidFill>
-                        <a:schemeClr val="tx1"/>
-                      </a:solidFill>
-                      <a:prstDash val="solid"/>
-                      <a:round/>
-                      <a:headEnd type="none" w="med" len="med"/>
-                      <a:tailEnd type="none" w="med" len="med"/>
-                    </a:lnB>
-                    <a:solidFill>
-                      <a:schemeClr val="bg1"/>
-                    </a:solidFill>
-                  </a:tcPr>
-                </a:tc>
-                <a:extLst>
-                  <a:ext uri="{0D108BD9-81ED-4DB2-BD59-A6C34878D82A}">
-                    <a16:rowId xmlns:a16="http://schemas.microsoft.com/office/drawing/2014/main" val="1193652630"/>
-                  </a:ext>
-                </a:extLst>
-              </a:tr>
-              <a:tr h="400227">
-                <a:tc gridSpan="3">
-                  <a:txBody>
-                    <a:bodyPr/>
-                    <a:lstStyle/>
-                    <a:p>
-                      <a:pPr algn="ctr"/>
-                      <a:r>
-                        <a:rPr kumimoji="1" lang="ja-JP" altLang="en-US" sz="1200" dirty="0"/>
-                        <a:t>ログインパスワード</a:t>
-                      </a:r>
-                    </a:p>
-                  </a:txBody>
-                  <a:tcPr marT="72000" marB="72000" anchor="ctr">
-                    <a:lnL w="12700" cap="flat" cmpd="sng" algn="ctr">
-                      <a:solidFill>
-                        <a:schemeClr val="tx1"/>
-                      </a:solidFill>
-                      <a:prstDash val="solid"/>
-                      <a:round/>
-                      <a:headEnd type="none" w="med" len="med"/>
-                      <a:tailEnd type="none" w="med" len="med"/>
-                    </a:lnL>
-                    <a:lnR w="12700" cap="flat" cmpd="sng" algn="ctr">
-                      <a:solidFill>
-                        <a:schemeClr val="tx1"/>
-                      </a:solidFill>
-                      <a:prstDash val="solid"/>
-                      <a:round/>
-                      <a:headEnd type="none" w="med" len="med"/>
-                      <a:tailEnd type="none" w="med" len="med"/>
-                    </a:lnR>
-                    <a:lnT w="12700" cap="flat" cmpd="sng" algn="ctr">
-                      <a:solidFill>
-                        <a:schemeClr val="tx1"/>
-                      </a:solidFill>
-                      <a:prstDash val="solid"/>
-                      <a:round/>
-                      <a:headEnd type="none" w="med" len="med"/>
-                      <a:tailEnd type="none" w="med" len="med"/>
-                    </a:lnT>
-                    <a:lnB w="12700" cap="flat" cmpd="sng" algn="ctr">
-                      <a:solidFill>
-                        <a:schemeClr val="tx1"/>
-                      </a:solidFill>
-                      <a:prstDash val="solid"/>
-                      <a:round/>
-                      <a:headEnd type="none" w="med" len="med"/>
-                      <a:tailEnd type="none" w="med" len="med"/>
-                    </a:lnB>
-                    <a:solidFill>
-                      <a:schemeClr val="bg1"/>
-                    </a:solidFill>
-                  </a:tcPr>
-                </a:tc>
-                <a:tc hMerge="1">
-                  <a:txBody>
-                    <a:bodyPr/>
-                    <a:lstStyle/>
-                    <a:p>
-                      <a:endParaRPr kumimoji="1" lang="ja-JP" altLang="en-US"/>
-                    </a:p>
-                  </a:txBody>
-                  <a:tcPr/>
-                </a:tc>
-                <a:tc hMerge="1">
-                  <a:txBody>
-                    <a:bodyPr/>
-                    <a:lstStyle/>
-                    <a:p>
-                      <a:endParaRPr kumimoji="1" lang="ja-JP" altLang="en-US"/>
-                    </a:p>
-                  </a:txBody>
-                  <a:tcPr/>
-                </a:tc>
-                <a:tc>
-                  <a:txBody>
-                    <a:bodyPr/>
-                    <a:lstStyle/>
-                    <a:p>
-                      <a:pPr algn="ctr"/>
-                      <a:r>
-                        <a:rPr kumimoji="1" lang="en-US" altLang="ja-JP" sz="1200" dirty="0"/>
-                        <a:t>Hyper-V</a:t>
-                      </a:r>
-                      <a:r>
-                        <a:rPr kumimoji="1" lang="ja-JP" altLang="en-US" sz="1200" dirty="0"/>
-                        <a:t>マネージャのログインパスワード</a:t>
-                      </a:r>
-                    </a:p>
-                  </a:txBody>
-                  <a:tcPr marT="72000" marB="72000" anchor="ctr">
-                    <a:lnL w="12700" cap="flat" cmpd="sng" algn="ctr">
-                      <a:solidFill>
-                        <a:schemeClr val="tx1"/>
-                      </a:solidFill>
-                      <a:prstDash val="solid"/>
-                      <a:round/>
-                      <a:headEnd type="none" w="med" len="med"/>
-                      <a:tailEnd type="none" w="med" len="med"/>
-                    </a:lnL>
-                    <a:lnR w="12700" cap="flat" cmpd="sng" algn="ctr">
-                      <a:solidFill>
-                        <a:schemeClr val="tx1"/>
-                      </a:solidFill>
-                      <a:prstDash val="solid"/>
-                      <a:round/>
-                      <a:headEnd type="none" w="med" len="med"/>
-                      <a:tailEnd type="none" w="med" len="med"/>
-                    </a:lnR>
-                    <a:lnT w="12700" cap="flat" cmpd="sng" algn="ctr">
-                      <a:solidFill>
-                        <a:schemeClr val="tx1"/>
-                      </a:solidFill>
-                      <a:prstDash val="solid"/>
-                      <a:round/>
-                      <a:headEnd type="none" w="med" len="med"/>
-                      <a:tailEnd type="none" w="med" len="med"/>
-                    </a:lnT>
-                    <a:lnB w="12700" cap="flat" cmpd="sng" algn="ctr">
-                      <a:solidFill>
-                        <a:schemeClr val="tx1"/>
-                      </a:solidFill>
-                      <a:prstDash val="solid"/>
-                      <a:round/>
-                      <a:headEnd type="none" w="med" len="med"/>
-                      <a:tailEnd type="none" w="med" len="med"/>
-                    </a:lnB>
-                    <a:solidFill>
-                      <a:schemeClr val="bg1"/>
-                    </a:solidFill>
-                  </a:tcPr>
-                </a:tc>
-                <a:extLst>
-                  <a:ext uri="{0D108BD9-81ED-4DB2-BD59-A6C34878D82A}">
-                    <a16:rowId xmlns:a16="http://schemas.microsoft.com/office/drawing/2014/main" val="2669050268"/>
-                  </a:ext>
-                </a:extLst>
-              </a:tr>
-              <a:tr h="468494">
-                <a:tc rowSpan="3">
-                  <a:txBody>
-                    <a:bodyPr/>
-                    <a:lstStyle/>
-                    <a:p>
-                      <a:pPr algn="ctr"/>
-                      <a:r>
-                        <a:rPr kumimoji="1" lang="en-US" altLang="ja-JP" sz="1200" dirty="0"/>
-                        <a:t>Ansible</a:t>
-                      </a:r>
-                      <a:r>
-                        <a:rPr kumimoji="1" lang="ja-JP" altLang="en-US" sz="1200" dirty="0"/>
-                        <a:t>利用情報</a:t>
-                      </a:r>
-                      <a:r>
-                        <a:rPr kumimoji="1" lang="en-US" altLang="ja-JP" sz="1200" dirty="0"/>
-                        <a:t>/</a:t>
-                      </a:r>
-                    </a:p>
-                    <a:p>
-                      <a:pPr algn="ctr"/>
-                      <a:r>
-                        <a:rPr kumimoji="1" lang="en-US" altLang="ja-JP" sz="1200" dirty="0"/>
-                        <a:t>Legacy/Role</a:t>
-                      </a:r>
-                      <a:r>
-                        <a:rPr kumimoji="1" lang="ja-JP" altLang="en-US" sz="1200" dirty="0"/>
-                        <a:t>利用情報</a:t>
-                      </a:r>
-                      <a:endParaRPr kumimoji="1" lang="en-US" altLang="ja-JP" sz="1200" dirty="0"/>
-                    </a:p>
-                  </a:txBody>
-                  <a:tcPr marT="72000" marB="72000" anchor="ctr">
-                    <a:lnL w="12700" cap="flat" cmpd="sng" algn="ctr">
-                      <a:solidFill>
-                        <a:schemeClr val="tx1"/>
-                      </a:solidFill>
-                      <a:prstDash val="solid"/>
-                      <a:round/>
-                      <a:headEnd type="none" w="med" len="med"/>
-                      <a:tailEnd type="none" w="med" len="med"/>
-                    </a:lnL>
-                    <a:lnR w="12700" cap="flat" cmpd="sng" algn="ctr">
-                      <a:solidFill>
-                        <a:schemeClr val="tx1"/>
-                      </a:solidFill>
-                      <a:prstDash val="solid"/>
-                      <a:round/>
-                      <a:headEnd type="none" w="med" len="med"/>
-                      <a:tailEnd type="none" w="med" len="med"/>
-                    </a:lnR>
-                    <a:lnT w="12700" cap="flat" cmpd="sng" algn="ctr">
-                      <a:solidFill>
-                        <a:schemeClr val="tx1"/>
-                      </a:solidFill>
-                      <a:prstDash val="solid"/>
-                      <a:round/>
-                      <a:headEnd type="none" w="med" len="med"/>
-                      <a:tailEnd type="none" w="med" len="med"/>
-                    </a:lnT>
-                    <a:lnB w="12700" cap="flat" cmpd="sng" algn="ctr">
-                      <a:solidFill>
-                        <a:schemeClr val="tx1"/>
-                      </a:solidFill>
-                      <a:prstDash val="solid"/>
-                      <a:round/>
-                      <a:headEnd type="none" w="med" len="med"/>
-                      <a:tailEnd type="none" w="med" len="med"/>
-                    </a:lnB>
-                    <a:solidFill>
-                      <a:schemeClr val="bg1"/>
-                    </a:solidFill>
-                  </a:tcPr>
-                </a:tc>
-                <a:tc gridSpan="2">
-                  <a:txBody>
-                    <a:bodyPr/>
-                    <a:lstStyle/>
-                    <a:p>
-                      <a:pPr marL="0" marR="0" lvl="0" indent="0" algn="ctr" defTabSz="914400" rtl="0" eaLnBrk="1" fontAlgn="auto" latinLnBrk="0" hangingPunct="1">
-                        <a:lnSpc>
-                          <a:spcPct val="100000"/>
-                        </a:lnSpc>
-                        <a:spcBef>
-                          <a:spcPts val="0"/>
-                        </a:spcBef>
-                        <a:spcAft>
-                          <a:spcPts val="0"/>
-                        </a:spcAft>
-                        <a:buClrTx/>
-                        <a:buSzTx/>
-                        <a:buFontTx/>
-                        <a:buNone/>
-                        <a:tabLst/>
-                        <a:defRPr/>
-                      </a:pPr>
-                      <a:r>
-                        <a:rPr kumimoji="1" lang="ja-JP" altLang="en-US" sz="1200" dirty="0"/>
-                        <a:t>認証方法</a:t>
-                      </a:r>
-                    </a:p>
-                    <a:p>
-                      <a:pPr algn="ctr"/>
-                      <a:endParaRPr kumimoji="1" lang="ja-JP" altLang="en-US" sz="1200" dirty="0"/>
-                    </a:p>
-                  </a:txBody>
-                  <a:tcPr marT="72000" marB="72000" anchor="ctr">
-                    <a:lnL w="12700" cap="flat" cmpd="sng" algn="ctr">
-                      <a:solidFill>
-                        <a:schemeClr val="tx1"/>
-                      </a:solidFill>
-                      <a:prstDash val="solid"/>
-                      <a:round/>
-                      <a:headEnd type="none" w="med" len="med"/>
-                      <a:tailEnd type="none" w="med" len="med"/>
-                    </a:lnL>
-                    <a:lnR w="12700" cap="flat" cmpd="sng" algn="ctr">
-                      <a:solidFill>
-                        <a:schemeClr val="tx1"/>
-                      </a:solidFill>
-                      <a:prstDash val="solid"/>
-                      <a:round/>
-                      <a:headEnd type="none" w="med" len="med"/>
-                      <a:tailEnd type="none" w="med" len="med"/>
-                    </a:lnR>
-                    <a:lnT w="12700" cap="flat" cmpd="sng" algn="ctr">
-                      <a:solidFill>
-                        <a:schemeClr val="tx1"/>
-                      </a:solidFill>
-                      <a:prstDash val="solid"/>
-                      <a:round/>
-                      <a:headEnd type="none" w="med" len="med"/>
-                      <a:tailEnd type="none" w="med" len="med"/>
-                    </a:lnT>
-                    <a:lnB w="12700" cap="flat" cmpd="sng" algn="ctr">
-                      <a:solidFill>
-                        <a:schemeClr val="tx1"/>
-                      </a:solidFill>
-                      <a:prstDash val="solid"/>
-                      <a:round/>
-                      <a:headEnd type="none" w="med" len="med"/>
-                      <a:tailEnd type="none" w="med" len="med"/>
-                    </a:lnB>
-                    <a:solidFill>
-                      <a:schemeClr val="bg1"/>
-                    </a:solidFill>
-                  </a:tcPr>
-                </a:tc>
-                <a:tc hMerge="1">
-                  <a:txBody>
-                    <a:bodyPr/>
-                    <a:lstStyle/>
-                    <a:p>
-                      <a:endParaRPr kumimoji="1" lang="ja-JP" altLang="en-US"/>
-                    </a:p>
-                  </a:txBody>
-                  <a:tcPr/>
-                </a:tc>
-                <a:tc>
-                  <a:txBody>
-                    <a:bodyPr/>
-                    <a:lstStyle/>
-                    <a:p>
-                      <a:pPr algn="ctr"/>
-                      <a:r>
-                        <a:rPr kumimoji="1" lang="en-US" altLang="ja-JP" sz="1200" dirty="0"/>
-                        <a:t>Hyper-V</a:t>
-                      </a:r>
-                      <a:r>
-                        <a:rPr kumimoji="1" lang="ja-JP" altLang="en-US" sz="1200" dirty="0"/>
-                        <a:t>マネージャへのログイン方法</a:t>
-                      </a:r>
-                      <a:endParaRPr kumimoji="1" lang="en-US" altLang="ja-JP" sz="1200" dirty="0"/>
-                    </a:p>
-                    <a:p>
-                      <a:pPr algn="ctr"/>
-                      <a:r>
-                        <a:rPr kumimoji="1" lang="ja-JP" altLang="en-US" sz="1200" dirty="0"/>
-                        <a:t>例</a:t>
-                      </a:r>
-                      <a:r>
-                        <a:rPr kumimoji="1" lang="en-US" altLang="ja-JP" sz="1200" dirty="0"/>
-                        <a:t>) </a:t>
-                      </a:r>
-                      <a:r>
-                        <a:rPr kumimoji="1" lang="en-US" altLang="ja-JP" sz="1200" dirty="0" err="1"/>
-                        <a:t>WinRM</a:t>
-                      </a:r>
-                      <a:r>
-                        <a:rPr kumimoji="1" lang="ja-JP" altLang="en-US" sz="1200" dirty="0"/>
-                        <a:t>を使う場合はパスワード認証</a:t>
-                      </a:r>
-                      <a:r>
-                        <a:rPr kumimoji="1" lang="en-US" altLang="ja-JP" sz="1200" dirty="0"/>
-                        <a:t>(</a:t>
-                      </a:r>
-                      <a:r>
-                        <a:rPr kumimoji="1" lang="en-US" altLang="ja-JP" sz="1200" dirty="0" err="1"/>
-                        <a:t>winrm</a:t>
-                      </a:r>
-                      <a:r>
-                        <a:rPr kumimoji="1" lang="en-US" altLang="ja-JP" sz="1200" dirty="0"/>
-                        <a:t>)</a:t>
-                      </a:r>
-                      <a:endParaRPr kumimoji="1" lang="ja-JP" altLang="en-US" sz="1200" dirty="0"/>
-                    </a:p>
-                  </a:txBody>
-                  <a:tcPr marT="72000" marB="72000" anchor="ctr">
-                    <a:lnL w="12700" cap="flat" cmpd="sng" algn="ctr">
-                      <a:solidFill>
-                        <a:schemeClr val="tx1"/>
-                      </a:solidFill>
-                      <a:prstDash val="solid"/>
-                      <a:round/>
-                      <a:headEnd type="none" w="med" len="med"/>
-                      <a:tailEnd type="none" w="med" len="med"/>
-                    </a:lnL>
-                    <a:lnR w="12700" cap="flat" cmpd="sng" algn="ctr">
-                      <a:solidFill>
-                        <a:schemeClr val="tx1"/>
-                      </a:solidFill>
-                      <a:prstDash val="solid"/>
-                      <a:round/>
-                      <a:headEnd type="none" w="med" len="med"/>
-                      <a:tailEnd type="none" w="med" len="med"/>
-                    </a:lnR>
-                    <a:lnT w="12700" cap="flat" cmpd="sng" algn="ctr">
-                      <a:solidFill>
-                        <a:schemeClr val="tx1"/>
-                      </a:solidFill>
-                      <a:prstDash val="solid"/>
-                      <a:round/>
-                      <a:headEnd type="none" w="med" len="med"/>
-                      <a:tailEnd type="none" w="med" len="med"/>
-                    </a:lnT>
-                    <a:lnB w="12700" cap="flat" cmpd="sng" algn="ctr">
-                      <a:solidFill>
-                        <a:schemeClr val="tx1"/>
-                      </a:solidFill>
-                      <a:prstDash val="solid"/>
-                      <a:round/>
-                      <a:headEnd type="none" w="med" len="med"/>
-                      <a:tailEnd type="none" w="med" len="med"/>
-                    </a:lnB>
-                    <a:solidFill>
-                      <a:schemeClr val="bg1"/>
-                    </a:solidFill>
-                  </a:tcPr>
-                </a:tc>
-                <a:extLst>
-                  <a:ext uri="{0D108BD9-81ED-4DB2-BD59-A6C34878D82A}">
-                    <a16:rowId xmlns:a16="http://schemas.microsoft.com/office/drawing/2014/main" val="888069290"/>
-                  </a:ext>
-                </a:extLst>
-              </a:tr>
-              <a:tr h="468494">
-                <a:tc vMerge="1">
-                  <a:txBody>
-                    <a:bodyPr/>
-                    <a:lstStyle/>
-                    <a:p>
-                      <a:endParaRPr kumimoji="1" lang="ja-JP" altLang="en-US"/>
-                    </a:p>
-                  </a:txBody>
-                  <a:tcPr/>
-                </a:tc>
-                <a:tc rowSpan="2">
-                  <a:txBody>
-                    <a:bodyPr/>
-                    <a:lstStyle/>
-                    <a:p>
-                      <a:pPr algn="ctr"/>
-                      <a:r>
-                        <a:rPr kumimoji="1" lang="en-US" altLang="ja-JP" sz="1200" dirty="0" err="1"/>
-                        <a:t>WinRM</a:t>
-                      </a:r>
-                      <a:r>
-                        <a:rPr kumimoji="1" lang="ja-JP" altLang="en-US" sz="1200" dirty="0"/>
-                        <a:t>接続情報</a:t>
-                      </a:r>
-                    </a:p>
-                  </a:txBody>
-                  <a:tcPr marT="72000" marB="72000" anchor="ctr">
-                    <a:lnL w="12700" cap="flat" cmpd="sng" algn="ctr">
-                      <a:solidFill>
-                        <a:schemeClr val="tx1"/>
-                      </a:solidFill>
-                      <a:prstDash val="solid"/>
-                      <a:round/>
-                      <a:headEnd type="none" w="med" len="med"/>
-                      <a:tailEnd type="none" w="med" len="med"/>
-                    </a:lnL>
-                    <a:lnR w="12700" cap="flat" cmpd="sng" algn="ctr">
-                      <a:solidFill>
-                        <a:schemeClr val="tx1"/>
-                      </a:solidFill>
-                      <a:prstDash val="solid"/>
-                      <a:round/>
-                      <a:headEnd type="none" w="med" len="med"/>
-                      <a:tailEnd type="none" w="med" len="med"/>
-                    </a:lnR>
-                    <a:lnT w="12700" cap="flat" cmpd="sng" algn="ctr">
-                      <a:solidFill>
-                        <a:schemeClr val="tx1"/>
-                      </a:solidFill>
-                      <a:prstDash val="solid"/>
-                      <a:round/>
-                      <a:headEnd type="none" w="med" len="med"/>
-                      <a:tailEnd type="none" w="med" len="med"/>
-                    </a:lnT>
-                    <a:lnB w="12700" cap="flat" cmpd="sng" algn="ctr">
-                      <a:solidFill>
-                        <a:schemeClr val="tx1"/>
-                      </a:solidFill>
-                      <a:prstDash val="solid"/>
-                      <a:round/>
-                      <a:headEnd type="none" w="med" len="med"/>
-                      <a:tailEnd type="none" w="med" len="med"/>
-                    </a:lnB>
-                    <a:solidFill>
-                      <a:schemeClr val="bg1"/>
-                    </a:solidFill>
-                  </a:tcPr>
-                </a:tc>
-                <a:tc>
-                  <a:txBody>
-                    <a:bodyPr/>
-                    <a:lstStyle/>
-                    <a:p>
-                      <a:pPr algn="ctr"/>
-                      <a:r>
-                        <a:rPr kumimoji="1" lang="ja-JP" altLang="en-US" sz="1200" dirty="0"/>
-                        <a:t>ポート番号</a:t>
-                      </a:r>
-                    </a:p>
-                  </a:txBody>
-                  <a:tcPr marT="72000" marB="72000" anchor="ctr">
-                    <a:lnL w="12700" cap="flat" cmpd="sng" algn="ctr">
-                      <a:solidFill>
-                        <a:schemeClr val="tx1"/>
-                      </a:solidFill>
-                      <a:prstDash val="solid"/>
-                      <a:round/>
-                      <a:headEnd type="none" w="med" len="med"/>
-                      <a:tailEnd type="none" w="med" len="med"/>
-                    </a:lnL>
-                    <a:lnR w="12700" cap="flat" cmpd="sng" algn="ctr">
-                      <a:solidFill>
-                        <a:schemeClr val="tx1"/>
-                      </a:solidFill>
-                      <a:prstDash val="solid"/>
-                      <a:round/>
-                      <a:headEnd type="none" w="med" len="med"/>
-                      <a:tailEnd type="none" w="med" len="med"/>
-                    </a:lnR>
-                    <a:lnT w="12700" cap="flat" cmpd="sng" algn="ctr">
-                      <a:solidFill>
-                        <a:schemeClr val="tx1"/>
-                      </a:solidFill>
-                      <a:prstDash val="solid"/>
-                      <a:round/>
-                      <a:headEnd type="none" w="med" len="med"/>
-                      <a:tailEnd type="none" w="med" len="med"/>
-                    </a:lnT>
-                    <a:lnB w="12700" cap="flat" cmpd="sng" algn="ctr">
-                      <a:solidFill>
-                        <a:schemeClr val="tx1"/>
-                      </a:solidFill>
-                      <a:prstDash val="solid"/>
-                      <a:round/>
-                      <a:headEnd type="none" w="med" len="med"/>
-                      <a:tailEnd type="none" w="med" len="med"/>
-                    </a:lnB>
-                    <a:solidFill>
-                      <a:schemeClr val="bg1"/>
-                    </a:solidFill>
-                  </a:tcPr>
-                </a:tc>
-                <a:tc>
-                  <a:txBody>
-                    <a:bodyPr/>
-                    <a:lstStyle/>
-                    <a:p>
-                      <a:pPr algn="ctr"/>
-                      <a:r>
-                        <a:rPr kumimoji="1" lang="en-US" altLang="ja-JP" sz="1200" dirty="0"/>
-                        <a:t>Hyper-V</a:t>
-                      </a:r>
-                      <a:r>
-                        <a:rPr kumimoji="1" lang="ja-JP" altLang="en-US" sz="1200" dirty="0"/>
-                        <a:t>マネージャへ</a:t>
-                      </a:r>
-                      <a:r>
-                        <a:rPr kumimoji="1" lang="en-US" altLang="ja-JP" sz="1200" dirty="0" err="1"/>
-                        <a:t>WinRM</a:t>
-                      </a:r>
-                      <a:r>
-                        <a:rPr kumimoji="1" lang="ja-JP" altLang="en-US" sz="1200" dirty="0"/>
-                        <a:t>接続する際のポート番号</a:t>
-                      </a:r>
-                      <a:r>
-                        <a:rPr kumimoji="1" lang="en-US" altLang="ja-JP" sz="1200" dirty="0"/>
-                        <a:t/>
-                      </a:r>
-                      <a:br>
-                        <a:rPr kumimoji="1" lang="en-US" altLang="ja-JP" sz="1200" dirty="0"/>
-                      </a:br>
-                      <a:r>
-                        <a:rPr kumimoji="1" lang="en-US" altLang="ja-JP" sz="1200" dirty="0"/>
-                        <a:t>※</a:t>
-                      </a:r>
-                      <a:r>
-                        <a:rPr kumimoji="1" lang="ja-JP" altLang="en-US" sz="1200" dirty="0"/>
-                        <a:t>未入力の場合はデフォルト</a:t>
-                      </a:r>
-                      <a:r>
-                        <a:rPr kumimoji="1" lang="en-US" altLang="ja-JP" sz="1200" dirty="0"/>
-                        <a:t>(5985)</a:t>
-                      </a:r>
-                      <a:r>
-                        <a:rPr kumimoji="1" lang="ja-JP" altLang="en-US" sz="1200" dirty="0"/>
-                        <a:t> </a:t>
-                      </a:r>
-                    </a:p>
-                  </a:txBody>
-                  <a:tcPr marT="72000" marB="72000" anchor="ctr">
-                    <a:lnL w="12700" cap="flat" cmpd="sng" algn="ctr">
-                      <a:solidFill>
-                        <a:schemeClr val="tx1"/>
-                      </a:solidFill>
-                      <a:prstDash val="solid"/>
-                      <a:round/>
-                      <a:headEnd type="none" w="med" len="med"/>
-                      <a:tailEnd type="none" w="med" len="med"/>
-                    </a:lnL>
-                    <a:lnR w="12700" cap="flat" cmpd="sng" algn="ctr">
-                      <a:solidFill>
-                        <a:schemeClr val="tx1"/>
-                      </a:solidFill>
-                      <a:prstDash val="solid"/>
-                      <a:round/>
-                      <a:headEnd type="none" w="med" len="med"/>
-                      <a:tailEnd type="none" w="med" len="med"/>
-                    </a:lnR>
-                    <a:lnT w="12700" cap="flat" cmpd="sng" algn="ctr">
-                      <a:solidFill>
-                        <a:schemeClr val="tx1"/>
-                      </a:solidFill>
-                      <a:prstDash val="solid"/>
-                      <a:round/>
-                      <a:headEnd type="none" w="med" len="med"/>
-                      <a:tailEnd type="none" w="med" len="med"/>
-                    </a:lnT>
-                    <a:lnB w="12700" cap="flat" cmpd="sng" algn="ctr">
-                      <a:solidFill>
-                        <a:schemeClr val="tx1"/>
-                      </a:solidFill>
-                      <a:prstDash val="solid"/>
-                      <a:round/>
-                      <a:headEnd type="none" w="med" len="med"/>
-                      <a:tailEnd type="none" w="med" len="med"/>
-                    </a:lnB>
-                    <a:solidFill>
-                      <a:schemeClr val="bg1"/>
-                    </a:solidFill>
-                  </a:tcPr>
-                </a:tc>
-                <a:extLst>
-                  <a:ext uri="{0D108BD9-81ED-4DB2-BD59-A6C34878D82A}">
-                    <a16:rowId xmlns:a16="http://schemas.microsoft.com/office/drawing/2014/main" val="2212788724"/>
-                  </a:ext>
-                </a:extLst>
-              </a:tr>
-              <a:tr h="1118147">
-                <a:tc vMerge="1">
-                  <a:txBody>
-                    <a:bodyPr/>
-                    <a:lstStyle/>
-                    <a:p>
-                      <a:pPr algn="ctr"/>
-                      <a:endParaRPr kumimoji="1" lang="ja-JP" altLang="en-US" sz="1200" dirty="0"/>
-                    </a:p>
-                  </a:txBody>
-                  <a:tcPr marT="72000" marB="72000" anchor="ctr">
-                    <a:lnL w="12700" cap="flat" cmpd="sng" algn="ctr">
-                      <a:solidFill>
-                        <a:schemeClr val="tx1"/>
-                      </a:solidFill>
-                      <a:prstDash val="solid"/>
-                      <a:round/>
-                      <a:headEnd type="none" w="med" len="med"/>
-                      <a:tailEnd type="none" w="med" len="med"/>
-                    </a:lnL>
-                    <a:lnR w="12700" cap="flat" cmpd="sng" algn="ctr">
-                      <a:solidFill>
-                        <a:schemeClr val="tx1"/>
-                      </a:solidFill>
-                      <a:prstDash val="solid"/>
-                      <a:round/>
-                      <a:headEnd type="none" w="med" len="med"/>
-                      <a:tailEnd type="none" w="med" len="med"/>
-                    </a:lnR>
-                    <a:lnT w="12700" cap="flat" cmpd="sng" algn="ctr">
-                      <a:solidFill>
-                        <a:schemeClr val="tx1"/>
-                      </a:solidFill>
-                      <a:prstDash val="solid"/>
-                      <a:round/>
-                      <a:headEnd type="none" w="med" len="med"/>
-                      <a:tailEnd type="none" w="med" len="med"/>
-                    </a:lnT>
-                    <a:lnB w="12700" cap="flat" cmpd="sng" algn="ctr">
-                      <a:solidFill>
-                        <a:schemeClr val="tx1"/>
-                      </a:solidFill>
-                      <a:prstDash val="solid"/>
-                      <a:round/>
-                      <a:headEnd type="none" w="med" len="med"/>
-                      <a:tailEnd type="none" w="med" len="med"/>
-                    </a:lnB>
-                    <a:solidFill>
-                      <a:schemeClr val="bg1"/>
-                    </a:solidFill>
-                  </a:tcPr>
-                </a:tc>
-                <a:tc vMerge="1">
-                  <a:txBody>
-                    <a:bodyPr/>
-                    <a:lstStyle/>
-                    <a:p>
-                      <a:pPr algn="ctr"/>
-                      <a:endParaRPr kumimoji="1" lang="ja-JP" altLang="en-US" sz="1200" dirty="0"/>
-                    </a:p>
-                  </a:txBody>
-                  <a:tcPr marT="72000" marB="72000" anchor="ctr">
-                    <a:lnL w="12700" cap="flat" cmpd="sng" algn="ctr">
-                      <a:solidFill>
-                        <a:schemeClr val="tx1"/>
-                      </a:solidFill>
-                      <a:prstDash val="solid"/>
-                      <a:round/>
-                      <a:headEnd type="none" w="med" len="med"/>
-                      <a:tailEnd type="none" w="med" len="med"/>
-                    </a:lnL>
-                    <a:lnR w="12700" cap="flat" cmpd="sng" algn="ctr">
-                      <a:solidFill>
-                        <a:schemeClr val="tx1"/>
-                      </a:solidFill>
-                      <a:prstDash val="solid"/>
-                      <a:round/>
-                      <a:headEnd type="none" w="med" len="med"/>
-                      <a:tailEnd type="none" w="med" len="med"/>
-                    </a:lnR>
-                    <a:lnT w="12700" cap="flat" cmpd="sng" algn="ctr">
-                      <a:solidFill>
-                        <a:schemeClr val="tx1"/>
-                      </a:solidFill>
-                      <a:prstDash val="solid"/>
-                      <a:round/>
-                      <a:headEnd type="none" w="med" len="med"/>
-                      <a:tailEnd type="none" w="med" len="med"/>
-                    </a:lnT>
-                    <a:lnB w="12700" cap="flat" cmpd="sng" algn="ctr">
-                      <a:solidFill>
-                        <a:schemeClr val="tx1"/>
-                      </a:solidFill>
-                      <a:prstDash val="solid"/>
-                      <a:round/>
-                      <a:headEnd type="none" w="med" len="med"/>
-                      <a:tailEnd type="none" w="med" len="med"/>
-                    </a:lnB>
-                    <a:solidFill>
-                      <a:schemeClr val="bg1"/>
-                    </a:solidFill>
-                  </a:tcPr>
-                </a:tc>
-                <a:tc>
-                  <a:txBody>
-                    <a:bodyPr/>
-                    <a:lstStyle/>
-                    <a:p>
-                      <a:pPr algn="ctr"/>
-                      <a:r>
-                        <a:rPr kumimoji="1" lang="ja-JP" altLang="en-US" sz="1200" dirty="0"/>
-                        <a:t>サーバー証明書</a:t>
-                      </a:r>
-                    </a:p>
-                  </a:txBody>
-                  <a:tcPr marT="72000" marB="72000" anchor="ctr">
-                    <a:lnL w="12700" cap="flat" cmpd="sng" algn="ctr">
-                      <a:solidFill>
-                        <a:schemeClr val="tx1"/>
-                      </a:solidFill>
-                      <a:prstDash val="solid"/>
-                      <a:round/>
-                      <a:headEnd type="none" w="med" len="med"/>
-                      <a:tailEnd type="none" w="med" len="med"/>
-                    </a:lnL>
-                    <a:lnR w="12700" cap="flat" cmpd="sng" algn="ctr">
-                      <a:solidFill>
-                        <a:schemeClr val="tx1"/>
-                      </a:solidFill>
-                      <a:prstDash val="solid"/>
-                      <a:round/>
-                      <a:headEnd type="none" w="med" len="med"/>
-                      <a:tailEnd type="none" w="med" len="med"/>
-                    </a:lnR>
-                    <a:lnT w="12700" cap="flat" cmpd="sng" algn="ctr">
-                      <a:solidFill>
-                        <a:schemeClr val="tx1"/>
-                      </a:solidFill>
-                      <a:prstDash val="solid"/>
-                      <a:round/>
-                      <a:headEnd type="none" w="med" len="med"/>
-                      <a:tailEnd type="none" w="med" len="med"/>
-                    </a:lnT>
-                    <a:lnB w="12700" cap="flat" cmpd="sng" algn="ctr">
-                      <a:solidFill>
-                        <a:schemeClr val="tx1"/>
-                      </a:solidFill>
-                      <a:prstDash val="solid"/>
-                      <a:round/>
-                      <a:headEnd type="none" w="med" len="med"/>
-                      <a:tailEnd type="none" w="med" len="med"/>
-                    </a:lnB>
-                    <a:solidFill>
-                      <a:schemeClr val="bg1"/>
-                    </a:solidFill>
-                  </a:tcPr>
-                </a:tc>
-                <a:tc>
-                  <a:txBody>
-                    <a:bodyPr/>
-                    <a:lstStyle/>
-                    <a:p>
-                      <a:pPr algn="ctr"/>
-                      <a:r>
-                        <a:rPr kumimoji="1" lang="en-US" altLang="ja-JP" sz="1200" dirty="0" err="1"/>
-                        <a:t>WinRM</a:t>
-                      </a:r>
-                      <a:r>
-                        <a:rPr kumimoji="1" lang="en-US" altLang="ja-JP" sz="1200" dirty="0"/>
-                        <a:t> </a:t>
-                      </a:r>
-                      <a:r>
-                        <a:rPr kumimoji="1" lang="ja-JP" altLang="en-US" sz="1200" dirty="0"/>
-                        <a:t>接続ポートで </a:t>
-                      </a:r>
-                      <a:r>
-                        <a:rPr kumimoji="1" lang="en-US" altLang="ja-JP" sz="1200" dirty="0"/>
-                        <a:t>https </a:t>
-                      </a:r>
-                      <a:r>
-                        <a:rPr kumimoji="1" lang="ja-JP" altLang="en-US" sz="1200" dirty="0"/>
-                        <a:t>のポート番号を指定した場</a:t>
-                      </a:r>
-                    </a:p>
-                    <a:p>
-                      <a:pPr algn="ctr"/>
-                      <a:r>
-                        <a:rPr kumimoji="1" lang="ja-JP" altLang="en-US" sz="1200" dirty="0"/>
-                        <a:t>合にサーバﾞ証明書を入力します。</a:t>
-                      </a:r>
-                      <a:endParaRPr kumimoji="1" lang="en-US" altLang="ja-JP" sz="1200" dirty="0"/>
-                    </a:p>
-                    <a:p>
-                      <a:pPr algn="ctr"/>
-                      <a:r>
-                        <a:rPr kumimoji="1" lang="en-US" altLang="ja-JP" sz="1200" dirty="0"/>
-                        <a:t>※</a:t>
-                      </a:r>
-                      <a:r>
-                        <a:rPr kumimoji="1" lang="ja-JP" altLang="en-US" sz="1200" dirty="0"/>
-                        <a:t>サーバ証明書の認証を省く場合、インベントリファイル</a:t>
-                      </a:r>
-                    </a:p>
-                    <a:p>
-                      <a:pPr algn="ctr"/>
-                      <a:r>
-                        <a:rPr kumimoji="1" lang="ja-JP" altLang="en-US" sz="1200" dirty="0"/>
-                        <a:t>追加オプションに下記を追記して下さい。</a:t>
-                      </a:r>
-                    </a:p>
-                    <a:p>
-                      <a:pPr algn="ctr"/>
-                      <a:r>
-                        <a:rPr kumimoji="1" lang="en-US" altLang="ja-JP" sz="1200" dirty="0" err="1"/>
-                        <a:t>ansible_winrm_server_cert_validation</a:t>
-                      </a:r>
-                      <a:r>
-                        <a:rPr kumimoji="1" lang="en-US" altLang="ja-JP" sz="1200" dirty="0"/>
-                        <a:t>: ignore</a:t>
-                      </a:r>
-                      <a:endParaRPr kumimoji="1" lang="ja-JP" altLang="en-US" sz="1200" dirty="0"/>
-                    </a:p>
-                  </a:txBody>
-                  <a:tcPr marT="72000" marB="72000" anchor="ctr">
-                    <a:lnL w="12700" cap="flat" cmpd="sng" algn="ctr">
-                      <a:solidFill>
-                        <a:schemeClr val="tx1"/>
-                      </a:solidFill>
-                      <a:prstDash val="solid"/>
-                      <a:round/>
-                      <a:headEnd type="none" w="med" len="med"/>
-                      <a:tailEnd type="none" w="med" len="med"/>
-                    </a:lnL>
-                    <a:lnR w="12700" cap="flat" cmpd="sng" algn="ctr">
-                      <a:solidFill>
-                        <a:schemeClr val="tx1"/>
-                      </a:solidFill>
-                      <a:prstDash val="solid"/>
-                      <a:round/>
-                      <a:headEnd type="none" w="med" len="med"/>
-                      <a:tailEnd type="none" w="med" len="med"/>
-                    </a:lnR>
-                    <a:lnT w="12700" cap="flat" cmpd="sng" algn="ctr">
-                      <a:solidFill>
-                        <a:schemeClr val="tx1"/>
-                      </a:solidFill>
-                      <a:prstDash val="solid"/>
-                      <a:round/>
-                      <a:headEnd type="none" w="med" len="med"/>
-                      <a:tailEnd type="none" w="med" len="med"/>
-                    </a:lnT>
-                    <a:lnB w="12700" cap="flat" cmpd="sng" algn="ctr">
-                      <a:solidFill>
-                        <a:schemeClr val="tx1"/>
-                      </a:solidFill>
-                      <a:prstDash val="solid"/>
-                      <a:round/>
-                      <a:headEnd type="none" w="med" len="med"/>
-                      <a:tailEnd type="none" w="med" len="med"/>
-                    </a:lnB>
-                    <a:solidFill>
-                      <a:schemeClr val="bg1"/>
-                    </a:solidFill>
-                  </a:tcPr>
-                </a:tc>
-                <a:extLst>
-                  <a:ext uri="{0D108BD9-81ED-4DB2-BD59-A6C34878D82A}">
-                    <a16:rowId xmlns:a16="http://schemas.microsoft.com/office/drawing/2014/main" val="2851682009"/>
-                  </a:ext>
-                </a:extLst>
-              </a:tr>
-            </a:tbl>
-          </a:graphicData>
-        </a:graphic>
-      </p:graphicFrame>
-    </p:spTree>
-    <p:extLst>
-      <p:ext uri="{BB962C8B-B14F-4D97-AF65-F5344CB8AC3E}">
-        <p14:creationId xmlns:p14="http://schemas.microsoft.com/office/powerpoint/2010/main" val="3468441951"/>
-      </p:ext>
-    </p:extLst>
-  </p:cSld>
-  <p:clrMapOvr>
-    <a:masterClrMapping/>
-  </p:clrMapOvr>
-</p:sld>
-</file>
-
 <file path=ppt/slides/slide3.xml><?xml version="1.0" encoding="utf-8"?>
 <p:sld xmlns:a="http://schemas.openxmlformats.org/drawingml/2006/main" xmlns:r="http://schemas.openxmlformats.org/officeDocument/2006/relationships" xmlns:p="http://schemas.openxmlformats.org/presentationml/2006/main">
   <p:cSld>
@@ -30858,7 +30348,7 @@
         </p:nvSpPr>
         <p:spPr bwMode="gray">
           <a:xfrm>
-            <a:off x="1629071" y="172464"/>
+            <a:off x="1629071" y="109400"/>
             <a:ext cx="6683656" cy="6592018"/>
           </a:xfrm>
           <a:prstGeom prst="rect">
@@ -31373,6 +30863,29 @@
               <a:buAutoNum type="arabicPeriod"/>
             </a:pPr>
             <a:r>
+              <a:rPr lang="en-US" altLang="ja-JP" dirty="0" smtClean="0"/>
+              <a:t>Conductor</a:t>
+            </a:r>
+            <a:r>
+              <a:rPr lang="ja-JP" altLang="en-US" dirty="0"/>
+              <a:t>実行 </a:t>
+            </a:r>
+            <a:r>
+              <a:rPr lang="en-US" altLang="ja-JP" dirty="0"/>
+              <a:t>– Movement</a:t>
+            </a:r>
+            <a:r>
+              <a:rPr lang="ja-JP" altLang="en-US" dirty="0"/>
+              <a:t>スキップ</a:t>
+            </a:r>
+            <a:endParaRPr lang="en-US" altLang="ja-JP" dirty="0" smtClean="0"/>
+          </a:p>
+          <a:p>
+            <a:pPr marL="817200" lvl="2" indent="-457200" defTabSz="914400">
+              <a:buFont typeface="+mj-lt"/>
+              <a:buAutoNum type="arabicPeriod"/>
+            </a:pPr>
+            <a:r>
               <a:rPr lang="en-US" altLang="ja-JP" dirty="0"/>
               <a:t>Movement</a:t>
             </a:r>
@@ -31448,6 +30961,1696 @@
 </file>
 
 <file path=ppt/slides/slide30.xml><?xml version="1.0" encoding="utf-8"?>
+<p:sld xmlns:a="http://schemas.openxmlformats.org/drawingml/2006/main" xmlns:r="http://schemas.openxmlformats.org/officeDocument/2006/relationships" xmlns:p="http://schemas.openxmlformats.org/presentationml/2006/main">
+  <p:cSld>
+    <p:spTree>
+      <p:nvGrpSpPr>
+        <p:cNvPr id="1" name=""/>
+        <p:cNvGrpSpPr/>
+        <p:nvPr/>
+      </p:nvGrpSpPr>
+      <p:grpSpPr>
+        <a:xfrm>
+          <a:off x="0" y="0"/>
+          <a:ext cx="0" cy="0"/>
+          <a:chOff x="0" y="0"/>
+          <a:chExt cx="0" cy="0"/>
+        </a:xfrm>
+      </p:grpSpPr>
+      <p:sp>
+        <p:nvSpPr>
+          <p:cNvPr id="2" name="タイトル 1">
+            <a:extLst>
+              <a:ext uri="{FF2B5EF4-FFF2-40B4-BE49-F238E27FC236}">
+                <a16:creationId xmlns:a16="http://schemas.microsoft.com/office/drawing/2014/main" id="{EF8AD6C4-AE60-4B16-83B1-5E10784AB84C}"/>
+              </a:ext>
+            </a:extLst>
+          </p:cNvPr>
+          <p:cNvSpPr>
+            <a:spLocks noGrp="1"/>
+          </p:cNvSpPr>
+          <p:nvPr>
+            <p:ph type="title"/>
+          </p:nvPr>
+        </p:nvSpPr>
+        <p:spPr/>
+        <p:txBody>
+          <a:bodyPr/>
+          <a:lstStyle/>
+          <a:p>
+            <a:r>
+              <a:rPr kumimoji="1" lang="en-US" altLang="ja-JP" dirty="0" smtClean="0"/>
+              <a:t>3.2.1</a:t>
+            </a:r>
+            <a:r>
+              <a:rPr kumimoji="1" lang="ja-JP" altLang="en-US" dirty="0" smtClean="0"/>
+              <a:t> 機器</a:t>
+            </a:r>
+            <a:r>
+              <a:rPr kumimoji="1" lang="ja-JP" altLang="en-US" dirty="0"/>
+              <a:t>一覧の登録</a:t>
+            </a:r>
+          </a:p>
+        </p:txBody>
+      </p:sp>
+      <p:sp>
+        <p:nvSpPr>
+          <p:cNvPr id="3" name="コンテンツ プレースホルダー 2">
+            <a:extLst>
+              <a:ext uri="{FF2B5EF4-FFF2-40B4-BE49-F238E27FC236}">
+                <a16:creationId xmlns:a16="http://schemas.microsoft.com/office/drawing/2014/main" id="{71443B08-CDE2-4EBF-A381-1C1CCAFA375E}"/>
+              </a:ext>
+            </a:extLst>
+          </p:cNvPr>
+          <p:cNvSpPr>
+            <a:spLocks noGrp="1"/>
+          </p:cNvSpPr>
+          <p:nvPr>
+            <p:ph sz="quarter" idx="10"/>
+          </p:nvPr>
+        </p:nvSpPr>
+        <p:spPr/>
+        <p:txBody>
+          <a:bodyPr/>
+          <a:lstStyle/>
+          <a:p>
+            <a:r>
+              <a:rPr lang="ja-JP" altLang="en-US" dirty="0"/>
+              <a:t>機器一覧に</a:t>
+            </a:r>
+            <a:r>
+              <a:rPr lang="en-US" altLang="ja-JP" dirty="0"/>
+              <a:t>Hyper-V</a:t>
+            </a:r>
+            <a:r>
+              <a:rPr lang="ja-JP" altLang="en-US" dirty="0"/>
+              <a:t>マネージャへの接続情報を登録します。</a:t>
+            </a:r>
+            <a:endParaRPr lang="en-US" altLang="ja-JP" dirty="0"/>
+          </a:p>
+          <a:p>
+            <a:pPr marL="174625" indent="0">
+              <a:buNone/>
+            </a:pPr>
+            <a:r>
+              <a:rPr lang="ja-JP" altLang="en-US" dirty="0"/>
+              <a:t>各項目の細部については、</a:t>
+            </a:r>
+            <a:r>
+              <a:rPr lang="en-US" altLang="ja-JP" dirty="0">
+                <a:hlinkClick r:id="rId2"/>
+              </a:rPr>
+              <a:t>ITA</a:t>
+            </a:r>
+            <a:r>
+              <a:rPr lang="ja-JP" altLang="en-US" dirty="0">
+                <a:hlinkClick r:id="rId2"/>
+              </a:rPr>
+              <a:t>利用手順マニュアル</a:t>
+            </a:r>
+            <a:r>
+              <a:rPr lang="ja-JP" altLang="en-US" dirty="0"/>
+              <a:t>をご参照ください。</a:t>
+            </a:r>
+          </a:p>
+        </p:txBody>
+      </p:sp>
+      <p:pic>
+        <p:nvPicPr>
+          <p:cNvPr id="6" name="図 5">
+            <a:extLst>
+              <a:ext uri="{FF2B5EF4-FFF2-40B4-BE49-F238E27FC236}">
+                <a16:creationId xmlns:a16="http://schemas.microsoft.com/office/drawing/2014/main" id="{5CFB4E60-E539-426A-B7DB-7D04E729FCC3}"/>
+              </a:ext>
+            </a:extLst>
+          </p:cNvPr>
+          <p:cNvPicPr>
+            <a:picLocks noChangeAspect="1"/>
+          </p:cNvPicPr>
+          <p:nvPr/>
+        </p:nvPicPr>
+        <p:blipFill>
+          <a:blip r:embed="rId3"/>
+          <a:stretch>
+            <a:fillRect/>
+          </a:stretch>
+        </p:blipFill>
+        <p:spPr>
+          <a:xfrm>
+            <a:off x="239362" y="1624069"/>
+            <a:ext cx="8598647" cy="4896000"/>
+          </a:xfrm>
+          <a:prstGeom prst="rect">
+            <a:avLst/>
+          </a:prstGeom>
+        </p:spPr>
+      </p:pic>
+      <p:graphicFrame>
+        <p:nvGraphicFramePr>
+          <p:cNvPr id="7" name="表 6">
+            <a:extLst>
+              <a:ext uri="{FF2B5EF4-FFF2-40B4-BE49-F238E27FC236}">
+                <a16:creationId xmlns:a16="http://schemas.microsoft.com/office/drawing/2014/main" id="{D98DDAD5-D70C-467E-8602-DAFE87E48758}"/>
+              </a:ext>
+            </a:extLst>
+          </p:cNvPr>
+          <p:cNvGraphicFramePr>
+            <a:graphicFrameLocks noGrp="1"/>
+          </p:cNvGraphicFramePr>
+          <p:nvPr>
+            <p:extLst>
+              <p:ext uri="{D42A27DB-BD31-4B8C-83A1-F6EECF244321}">
+                <p14:modId xmlns:p14="http://schemas.microsoft.com/office/powerpoint/2010/main" val="3696191021"/>
+              </p:ext>
+            </p:extLst>
+          </p:nvPr>
+        </p:nvGraphicFramePr>
+        <p:xfrm>
+          <a:off x="5976578" y="2534427"/>
+          <a:ext cx="5974773" cy="3918761"/>
+        </p:xfrm>
+        <a:graphic>
+          <a:graphicData uri="http://schemas.openxmlformats.org/drawingml/2006/table">
+            <a:tbl>
+              <a:tblPr firstRow="1" bandRow="1">
+                <a:tableStyleId>{93296810-A885-4BE3-A3E7-6D5BEEA58F35}</a:tableStyleId>
+              </a:tblPr>
+              <a:tblGrid>
+                <a:gridCol w="540328">
+                  <a:extLst>
+                    <a:ext uri="{9D8B030D-6E8A-4147-A177-3AD203B41FA5}">
+                      <a16:colId xmlns:a16="http://schemas.microsoft.com/office/drawing/2014/main" val="1884901537"/>
+                    </a:ext>
+                  </a:extLst>
+                </a:gridCol>
+                <a:gridCol w="342900">
+                  <a:extLst>
+                    <a:ext uri="{9D8B030D-6E8A-4147-A177-3AD203B41FA5}">
+                      <a16:colId xmlns:a16="http://schemas.microsoft.com/office/drawing/2014/main" val="1492603522"/>
+                    </a:ext>
+                  </a:extLst>
+                </a:gridCol>
+                <a:gridCol w="727363">
+                  <a:extLst>
+                    <a:ext uri="{9D8B030D-6E8A-4147-A177-3AD203B41FA5}">
+                      <a16:colId xmlns:a16="http://schemas.microsoft.com/office/drawing/2014/main" val="3023239164"/>
+                    </a:ext>
+                  </a:extLst>
+                </a:gridCol>
+                <a:gridCol w="4364182">
+                  <a:extLst>
+                    <a:ext uri="{9D8B030D-6E8A-4147-A177-3AD203B41FA5}">
+                      <a16:colId xmlns:a16="http://schemas.microsoft.com/office/drawing/2014/main" val="2768844600"/>
+                    </a:ext>
+                  </a:extLst>
+                </a:gridCol>
+              </a:tblGrid>
+              <a:tr h="300418">
+                <a:tc gridSpan="3">
+                  <a:txBody>
+                    <a:bodyPr/>
+                    <a:lstStyle/>
+                    <a:p>
+                      <a:pPr marL="0" marR="0" lvl="0" indent="0" algn="ctr" defTabSz="914400" rtl="0" eaLnBrk="1" fontAlgn="auto" latinLnBrk="0" hangingPunct="1">
+                        <a:lnSpc>
+                          <a:spcPct val="100000"/>
+                        </a:lnSpc>
+                        <a:spcBef>
+                          <a:spcPts val="0"/>
+                        </a:spcBef>
+                        <a:spcAft>
+                          <a:spcPts val="0"/>
+                        </a:spcAft>
+                        <a:buClrTx/>
+                        <a:buSzTx/>
+                        <a:buFontTx/>
+                        <a:buNone/>
+                        <a:tabLst/>
+                        <a:defRPr/>
+                      </a:pPr>
+                      <a:r>
+                        <a:rPr kumimoji="1" lang="ja-JP" altLang="en-US" sz="1200" dirty="0"/>
+                        <a:t>項目</a:t>
+                      </a:r>
+                    </a:p>
+                  </a:txBody>
+                  <a:tcPr marT="72000" marB="72000" anchor="ctr">
+                    <a:lnL w="12700" cap="flat" cmpd="sng" algn="ctr">
+                      <a:solidFill>
+                        <a:schemeClr val="tx1"/>
+                      </a:solidFill>
+                      <a:prstDash val="solid"/>
+                      <a:round/>
+                      <a:headEnd type="none" w="med" len="med"/>
+                      <a:tailEnd type="none" w="med" len="med"/>
+                    </a:lnL>
+                    <a:lnR w="12700" cap="flat" cmpd="sng" algn="ctr">
+                      <a:solidFill>
+                        <a:schemeClr val="bg1"/>
+                      </a:solidFill>
+                      <a:prstDash val="solid"/>
+                      <a:round/>
+                      <a:headEnd type="none" w="med" len="med"/>
+                      <a:tailEnd type="none" w="med" len="med"/>
+                    </a:lnR>
+                    <a:lnT w="12700" cap="flat" cmpd="sng" algn="ctr">
+                      <a:solidFill>
+                        <a:schemeClr val="tx1"/>
+                      </a:solidFill>
+                      <a:prstDash val="solid"/>
+                      <a:round/>
+                      <a:headEnd type="none" w="med" len="med"/>
+                      <a:tailEnd type="none" w="med" len="med"/>
+                    </a:lnT>
+                    <a:lnB w="12700" cap="flat" cmpd="sng" algn="ctr">
+                      <a:solidFill>
+                        <a:schemeClr val="tx1"/>
+                      </a:solidFill>
+                      <a:prstDash val="solid"/>
+                      <a:round/>
+                      <a:headEnd type="none" w="med" len="med"/>
+                      <a:tailEnd type="none" w="med" len="med"/>
+                    </a:lnB>
+                  </a:tcPr>
+                </a:tc>
+                <a:tc hMerge="1">
+                  <a:txBody>
+                    <a:bodyPr/>
+                    <a:lstStyle/>
+                    <a:p>
+                      <a:endParaRPr kumimoji="1" lang="ja-JP" altLang="en-US"/>
+                    </a:p>
+                  </a:txBody>
+                  <a:tcPr/>
+                </a:tc>
+                <a:tc hMerge="1">
+                  <a:txBody>
+                    <a:bodyPr/>
+                    <a:lstStyle/>
+                    <a:p>
+                      <a:endParaRPr kumimoji="1" lang="ja-JP" altLang="en-US"/>
+                    </a:p>
+                  </a:txBody>
+                  <a:tcPr/>
+                </a:tc>
+                <a:tc>
+                  <a:txBody>
+                    <a:bodyPr/>
+                    <a:lstStyle/>
+                    <a:p>
+                      <a:pPr algn="ctr"/>
+                      <a:r>
+                        <a:rPr kumimoji="1" lang="ja-JP" altLang="en-US" sz="1200" dirty="0"/>
+                        <a:t>入力内容</a:t>
+                      </a:r>
+                    </a:p>
+                  </a:txBody>
+                  <a:tcPr marT="72000" marB="72000" anchor="ctr">
+                    <a:lnL w="12700" cap="flat" cmpd="sng" algn="ctr">
+                      <a:solidFill>
+                        <a:schemeClr val="bg1"/>
+                      </a:solidFill>
+                      <a:prstDash val="solid"/>
+                      <a:round/>
+                      <a:headEnd type="none" w="med" len="med"/>
+                      <a:tailEnd type="none" w="med" len="med"/>
+                    </a:lnL>
+                    <a:lnR w="12700" cap="flat" cmpd="sng" algn="ctr">
+                      <a:solidFill>
+                        <a:schemeClr val="tx1"/>
+                      </a:solidFill>
+                      <a:prstDash val="solid"/>
+                      <a:round/>
+                      <a:headEnd type="none" w="med" len="med"/>
+                      <a:tailEnd type="none" w="med" len="med"/>
+                    </a:lnR>
+                    <a:lnT w="12700" cap="flat" cmpd="sng" algn="ctr">
+                      <a:solidFill>
+                        <a:schemeClr val="tx1"/>
+                      </a:solidFill>
+                      <a:prstDash val="solid"/>
+                      <a:round/>
+                      <a:headEnd type="none" w="med" len="med"/>
+                      <a:tailEnd type="none" w="med" len="med"/>
+                    </a:lnT>
+                    <a:lnB w="12700" cap="flat" cmpd="sng" algn="ctr">
+                      <a:solidFill>
+                        <a:schemeClr val="tx1"/>
+                      </a:solidFill>
+                      <a:prstDash val="solid"/>
+                      <a:round/>
+                      <a:headEnd type="none" w="med" len="med"/>
+                      <a:tailEnd type="none" w="med" len="med"/>
+                    </a:lnB>
+                  </a:tcPr>
+                </a:tc>
+                <a:extLst>
+                  <a:ext uri="{0D108BD9-81ED-4DB2-BD59-A6C34878D82A}">
+                    <a16:rowId xmlns:a16="http://schemas.microsoft.com/office/drawing/2014/main" val="704892927"/>
+                  </a:ext>
+                </a:extLst>
+              </a:tr>
+              <a:tr h="300418">
+                <a:tc gridSpan="3">
+                  <a:txBody>
+                    <a:bodyPr/>
+                    <a:lstStyle/>
+                    <a:p>
+                      <a:pPr algn="ctr"/>
+                      <a:r>
+                        <a:rPr kumimoji="1" lang="ja-JP" altLang="en-US" sz="1200" dirty="0"/>
+                        <a:t>ホスト名</a:t>
+                      </a:r>
+                    </a:p>
+                  </a:txBody>
+                  <a:tcPr marT="72000" marB="72000" anchor="ctr">
+                    <a:lnL w="12700" cap="flat" cmpd="sng" algn="ctr">
+                      <a:solidFill>
+                        <a:schemeClr val="tx1"/>
+                      </a:solidFill>
+                      <a:prstDash val="solid"/>
+                      <a:round/>
+                      <a:headEnd type="none" w="med" len="med"/>
+                      <a:tailEnd type="none" w="med" len="med"/>
+                    </a:lnL>
+                    <a:lnR w="12700" cap="flat" cmpd="sng" algn="ctr">
+                      <a:solidFill>
+                        <a:schemeClr val="tx1"/>
+                      </a:solidFill>
+                      <a:prstDash val="solid"/>
+                      <a:round/>
+                      <a:headEnd type="none" w="med" len="med"/>
+                      <a:tailEnd type="none" w="med" len="med"/>
+                    </a:lnR>
+                    <a:lnT w="12700" cap="flat" cmpd="sng" algn="ctr">
+                      <a:solidFill>
+                        <a:schemeClr val="tx1"/>
+                      </a:solidFill>
+                      <a:prstDash val="solid"/>
+                      <a:round/>
+                      <a:headEnd type="none" w="med" len="med"/>
+                      <a:tailEnd type="none" w="med" len="med"/>
+                    </a:lnT>
+                    <a:lnB w="12700" cap="flat" cmpd="sng" algn="ctr">
+                      <a:solidFill>
+                        <a:schemeClr val="tx1"/>
+                      </a:solidFill>
+                      <a:prstDash val="solid"/>
+                      <a:round/>
+                      <a:headEnd type="none" w="med" len="med"/>
+                      <a:tailEnd type="none" w="med" len="med"/>
+                    </a:lnB>
+                    <a:solidFill>
+                      <a:schemeClr val="bg1"/>
+                    </a:solidFill>
+                  </a:tcPr>
+                </a:tc>
+                <a:tc hMerge="1">
+                  <a:txBody>
+                    <a:bodyPr/>
+                    <a:lstStyle/>
+                    <a:p>
+                      <a:endParaRPr kumimoji="1" lang="ja-JP" altLang="en-US"/>
+                    </a:p>
+                  </a:txBody>
+                  <a:tcPr/>
+                </a:tc>
+                <a:tc hMerge="1">
+                  <a:txBody>
+                    <a:bodyPr/>
+                    <a:lstStyle/>
+                    <a:p>
+                      <a:endParaRPr kumimoji="1" lang="ja-JP" altLang="en-US"/>
+                    </a:p>
+                  </a:txBody>
+                  <a:tcPr/>
+                </a:tc>
+                <a:tc>
+                  <a:txBody>
+                    <a:bodyPr/>
+                    <a:lstStyle/>
+                    <a:p>
+                      <a:pPr algn="ctr"/>
+                      <a:r>
+                        <a:rPr kumimoji="1" lang="en-US" altLang="ja-JP" sz="1200" dirty="0"/>
+                        <a:t>Hyper-V</a:t>
+                      </a:r>
+                      <a:r>
+                        <a:rPr kumimoji="1" lang="ja-JP" altLang="en-US" sz="1200" dirty="0"/>
+                        <a:t>マネージャのホスト名</a:t>
+                      </a:r>
+                    </a:p>
+                  </a:txBody>
+                  <a:tcPr marT="72000" marB="72000" anchor="ctr">
+                    <a:lnL w="12700" cap="flat" cmpd="sng" algn="ctr">
+                      <a:solidFill>
+                        <a:schemeClr val="tx1"/>
+                      </a:solidFill>
+                      <a:prstDash val="solid"/>
+                      <a:round/>
+                      <a:headEnd type="none" w="med" len="med"/>
+                      <a:tailEnd type="none" w="med" len="med"/>
+                    </a:lnL>
+                    <a:lnR w="12700" cap="flat" cmpd="sng" algn="ctr">
+                      <a:solidFill>
+                        <a:schemeClr val="tx1"/>
+                      </a:solidFill>
+                      <a:prstDash val="solid"/>
+                      <a:round/>
+                      <a:headEnd type="none" w="med" len="med"/>
+                      <a:tailEnd type="none" w="med" len="med"/>
+                    </a:lnR>
+                    <a:lnT w="12700" cap="flat" cmpd="sng" algn="ctr">
+                      <a:solidFill>
+                        <a:schemeClr val="tx1"/>
+                      </a:solidFill>
+                      <a:prstDash val="solid"/>
+                      <a:round/>
+                      <a:headEnd type="none" w="med" len="med"/>
+                      <a:tailEnd type="none" w="med" len="med"/>
+                    </a:lnT>
+                    <a:lnB w="12700" cap="flat" cmpd="sng" algn="ctr">
+                      <a:solidFill>
+                        <a:schemeClr val="tx1"/>
+                      </a:solidFill>
+                      <a:prstDash val="solid"/>
+                      <a:round/>
+                      <a:headEnd type="none" w="med" len="med"/>
+                      <a:tailEnd type="none" w="med" len="med"/>
+                    </a:lnB>
+                    <a:solidFill>
+                      <a:schemeClr val="bg1"/>
+                    </a:solidFill>
+                  </a:tcPr>
+                </a:tc>
+                <a:extLst>
+                  <a:ext uri="{0D108BD9-81ED-4DB2-BD59-A6C34878D82A}">
+                    <a16:rowId xmlns:a16="http://schemas.microsoft.com/office/drawing/2014/main" val="1012509120"/>
+                  </a:ext>
+                </a:extLst>
+              </a:tr>
+              <a:tr h="300418">
+                <a:tc gridSpan="3">
+                  <a:txBody>
+                    <a:bodyPr/>
+                    <a:lstStyle/>
+                    <a:p>
+                      <a:pPr algn="ctr"/>
+                      <a:r>
+                        <a:rPr kumimoji="1" lang="en-US" altLang="ja-JP" sz="1200" dirty="0"/>
+                        <a:t>IP</a:t>
+                      </a:r>
+                      <a:r>
+                        <a:rPr kumimoji="1" lang="ja-JP" altLang="en-US" sz="1200" dirty="0"/>
+                        <a:t>アドレス</a:t>
+                      </a:r>
+                    </a:p>
+                  </a:txBody>
+                  <a:tcPr marT="72000" marB="72000" anchor="ctr">
+                    <a:lnL w="12700" cap="flat" cmpd="sng" algn="ctr">
+                      <a:solidFill>
+                        <a:schemeClr val="tx1"/>
+                      </a:solidFill>
+                      <a:prstDash val="solid"/>
+                      <a:round/>
+                      <a:headEnd type="none" w="med" len="med"/>
+                      <a:tailEnd type="none" w="med" len="med"/>
+                    </a:lnL>
+                    <a:lnR w="12700" cap="flat" cmpd="sng" algn="ctr">
+                      <a:solidFill>
+                        <a:schemeClr val="tx1"/>
+                      </a:solidFill>
+                      <a:prstDash val="solid"/>
+                      <a:round/>
+                      <a:headEnd type="none" w="med" len="med"/>
+                      <a:tailEnd type="none" w="med" len="med"/>
+                    </a:lnR>
+                    <a:lnT w="12700" cap="flat" cmpd="sng" algn="ctr">
+                      <a:solidFill>
+                        <a:schemeClr val="tx1"/>
+                      </a:solidFill>
+                      <a:prstDash val="solid"/>
+                      <a:round/>
+                      <a:headEnd type="none" w="med" len="med"/>
+                      <a:tailEnd type="none" w="med" len="med"/>
+                    </a:lnT>
+                    <a:lnB w="12700" cap="flat" cmpd="sng" algn="ctr">
+                      <a:solidFill>
+                        <a:schemeClr val="tx1"/>
+                      </a:solidFill>
+                      <a:prstDash val="solid"/>
+                      <a:round/>
+                      <a:headEnd type="none" w="med" len="med"/>
+                      <a:tailEnd type="none" w="med" len="med"/>
+                    </a:lnB>
+                    <a:solidFill>
+                      <a:schemeClr val="bg1"/>
+                    </a:solidFill>
+                  </a:tcPr>
+                </a:tc>
+                <a:tc hMerge="1">
+                  <a:txBody>
+                    <a:bodyPr/>
+                    <a:lstStyle/>
+                    <a:p>
+                      <a:endParaRPr kumimoji="1" lang="ja-JP" altLang="en-US"/>
+                    </a:p>
+                  </a:txBody>
+                  <a:tcPr/>
+                </a:tc>
+                <a:tc hMerge="1">
+                  <a:txBody>
+                    <a:bodyPr/>
+                    <a:lstStyle/>
+                    <a:p>
+                      <a:endParaRPr kumimoji="1" lang="ja-JP" altLang="en-US"/>
+                    </a:p>
+                  </a:txBody>
+                  <a:tcPr/>
+                </a:tc>
+                <a:tc>
+                  <a:txBody>
+                    <a:bodyPr/>
+                    <a:lstStyle/>
+                    <a:p>
+                      <a:pPr algn="ctr"/>
+                      <a:r>
+                        <a:rPr kumimoji="1" lang="en-US" altLang="ja-JP" sz="1200" dirty="0"/>
+                        <a:t>Hyper-V</a:t>
+                      </a:r>
+                      <a:r>
+                        <a:rPr kumimoji="1" lang="ja-JP" altLang="en-US" sz="1200" dirty="0"/>
+                        <a:t>マネージャの</a:t>
+                      </a:r>
+                      <a:r>
+                        <a:rPr kumimoji="1" lang="en-US" altLang="ja-JP" sz="1200" dirty="0"/>
+                        <a:t>IP</a:t>
+                      </a:r>
+                      <a:r>
+                        <a:rPr kumimoji="1" lang="ja-JP" altLang="en-US" sz="1200" dirty="0"/>
+                        <a:t>アドレス</a:t>
+                      </a:r>
+                    </a:p>
+                  </a:txBody>
+                  <a:tcPr marT="72000" marB="72000" anchor="ctr">
+                    <a:lnL w="12700" cap="flat" cmpd="sng" algn="ctr">
+                      <a:solidFill>
+                        <a:schemeClr val="tx1"/>
+                      </a:solidFill>
+                      <a:prstDash val="solid"/>
+                      <a:round/>
+                      <a:headEnd type="none" w="med" len="med"/>
+                      <a:tailEnd type="none" w="med" len="med"/>
+                    </a:lnL>
+                    <a:lnR w="12700" cap="flat" cmpd="sng" algn="ctr">
+                      <a:solidFill>
+                        <a:schemeClr val="tx1"/>
+                      </a:solidFill>
+                      <a:prstDash val="solid"/>
+                      <a:round/>
+                      <a:headEnd type="none" w="med" len="med"/>
+                      <a:tailEnd type="none" w="med" len="med"/>
+                    </a:lnR>
+                    <a:lnT w="12700" cap="flat" cmpd="sng" algn="ctr">
+                      <a:solidFill>
+                        <a:schemeClr val="tx1"/>
+                      </a:solidFill>
+                      <a:prstDash val="solid"/>
+                      <a:round/>
+                      <a:headEnd type="none" w="med" len="med"/>
+                      <a:tailEnd type="none" w="med" len="med"/>
+                    </a:lnT>
+                    <a:lnB w="12700" cap="flat" cmpd="sng" algn="ctr">
+                      <a:solidFill>
+                        <a:schemeClr val="tx1"/>
+                      </a:solidFill>
+                      <a:prstDash val="solid"/>
+                      <a:round/>
+                      <a:headEnd type="none" w="med" len="med"/>
+                      <a:tailEnd type="none" w="med" len="med"/>
+                    </a:lnB>
+                    <a:solidFill>
+                      <a:schemeClr val="bg1"/>
+                    </a:solidFill>
+                  </a:tcPr>
+                </a:tc>
+                <a:extLst>
+                  <a:ext uri="{0D108BD9-81ED-4DB2-BD59-A6C34878D82A}">
+                    <a16:rowId xmlns:a16="http://schemas.microsoft.com/office/drawing/2014/main" val="3512068053"/>
+                  </a:ext>
+                </a:extLst>
+              </a:tr>
+              <a:tr h="400227">
+                <a:tc gridSpan="3">
+                  <a:txBody>
+                    <a:bodyPr/>
+                    <a:lstStyle/>
+                    <a:p>
+                      <a:pPr algn="ctr"/>
+                      <a:r>
+                        <a:rPr kumimoji="1" lang="ja-JP" altLang="en-US" sz="1200" dirty="0"/>
+                        <a:t>ログインユーザ</a:t>
+                      </a:r>
+                      <a:r>
+                        <a:rPr kumimoji="1" lang="en-US" altLang="ja-JP" sz="1200" dirty="0"/>
+                        <a:t>ID</a:t>
+                      </a:r>
+                      <a:endParaRPr kumimoji="1" lang="ja-JP" altLang="en-US" sz="1200" dirty="0"/>
+                    </a:p>
+                  </a:txBody>
+                  <a:tcPr marT="72000" marB="72000" anchor="ctr">
+                    <a:lnL w="12700" cap="flat" cmpd="sng" algn="ctr">
+                      <a:solidFill>
+                        <a:schemeClr val="tx1"/>
+                      </a:solidFill>
+                      <a:prstDash val="solid"/>
+                      <a:round/>
+                      <a:headEnd type="none" w="med" len="med"/>
+                      <a:tailEnd type="none" w="med" len="med"/>
+                    </a:lnL>
+                    <a:lnR w="12700" cap="flat" cmpd="sng" algn="ctr">
+                      <a:solidFill>
+                        <a:schemeClr val="tx1"/>
+                      </a:solidFill>
+                      <a:prstDash val="solid"/>
+                      <a:round/>
+                      <a:headEnd type="none" w="med" len="med"/>
+                      <a:tailEnd type="none" w="med" len="med"/>
+                    </a:lnR>
+                    <a:lnT w="12700" cap="flat" cmpd="sng" algn="ctr">
+                      <a:solidFill>
+                        <a:schemeClr val="tx1"/>
+                      </a:solidFill>
+                      <a:prstDash val="solid"/>
+                      <a:round/>
+                      <a:headEnd type="none" w="med" len="med"/>
+                      <a:tailEnd type="none" w="med" len="med"/>
+                    </a:lnT>
+                    <a:lnB w="12700" cap="flat" cmpd="sng" algn="ctr">
+                      <a:solidFill>
+                        <a:schemeClr val="tx1"/>
+                      </a:solidFill>
+                      <a:prstDash val="solid"/>
+                      <a:round/>
+                      <a:headEnd type="none" w="med" len="med"/>
+                      <a:tailEnd type="none" w="med" len="med"/>
+                    </a:lnB>
+                    <a:solidFill>
+                      <a:schemeClr val="bg1"/>
+                    </a:solidFill>
+                  </a:tcPr>
+                </a:tc>
+                <a:tc hMerge="1">
+                  <a:txBody>
+                    <a:bodyPr/>
+                    <a:lstStyle/>
+                    <a:p>
+                      <a:endParaRPr kumimoji="1" lang="ja-JP" altLang="en-US"/>
+                    </a:p>
+                  </a:txBody>
+                  <a:tcPr/>
+                </a:tc>
+                <a:tc hMerge="1">
+                  <a:txBody>
+                    <a:bodyPr/>
+                    <a:lstStyle/>
+                    <a:p>
+                      <a:endParaRPr kumimoji="1" lang="ja-JP" altLang="en-US"/>
+                    </a:p>
+                  </a:txBody>
+                  <a:tcPr/>
+                </a:tc>
+                <a:tc>
+                  <a:txBody>
+                    <a:bodyPr/>
+                    <a:lstStyle/>
+                    <a:p>
+                      <a:pPr algn="ctr"/>
+                      <a:r>
+                        <a:rPr kumimoji="1" lang="en-US" altLang="ja-JP" sz="1200" dirty="0"/>
+                        <a:t>Hyper-V</a:t>
+                      </a:r>
+                      <a:r>
+                        <a:rPr kumimoji="1" lang="ja-JP" altLang="en-US" sz="1200" dirty="0"/>
+                        <a:t>マネージャのログインユーザ</a:t>
+                      </a:r>
+                      <a:r>
+                        <a:rPr kumimoji="1" lang="en-US" altLang="ja-JP" sz="1200" dirty="0"/>
+                        <a:t>ID</a:t>
+                      </a:r>
+                      <a:endParaRPr kumimoji="1" lang="ja-JP" altLang="en-US" sz="1200" dirty="0"/>
+                    </a:p>
+                  </a:txBody>
+                  <a:tcPr marT="72000" marB="72000" anchor="ctr">
+                    <a:lnL w="12700" cap="flat" cmpd="sng" algn="ctr">
+                      <a:solidFill>
+                        <a:schemeClr val="tx1"/>
+                      </a:solidFill>
+                      <a:prstDash val="solid"/>
+                      <a:round/>
+                      <a:headEnd type="none" w="med" len="med"/>
+                      <a:tailEnd type="none" w="med" len="med"/>
+                    </a:lnL>
+                    <a:lnR w="12700" cap="flat" cmpd="sng" algn="ctr">
+                      <a:solidFill>
+                        <a:schemeClr val="tx1"/>
+                      </a:solidFill>
+                      <a:prstDash val="solid"/>
+                      <a:round/>
+                      <a:headEnd type="none" w="med" len="med"/>
+                      <a:tailEnd type="none" w="med" len="med"/>
+                    </a:lnR>
+                    <a:lnT w="12700" cap="flat" cmpd="sng" algn="ctr">
+                      <a:solidFill>
+                        <a:schemeClr val="tx1"/>
+                      </a:solidFill>
+                      <a:prstDash val="solid"/>
+                      <a:round/>
+                      <a:headEnd type="none" w="med" len="med"/>
+                      <a:tailEnd type="none" w="med" len="med"/>
+                    </a:lnT>
+                    <a:lnB w="12700" cap="flat" cmpd="sng" algn="ctr">
+                      <a:solidFill>
+                        <a:schemeClr val="tx1"/>
+                      </a:solidFill>
+                      <a:prstDash val="solid"/>
+                      <a:round/>
+                      <a:headEnd type="none" w="med" len="med"/>
+                      <a:tailEnd type="none" w="med" len="med"/>
+                    </a:lnB>
+                    <a:solidFill>
+                      <a:schemeClr val="bg1"/>
+                    </a:solidFill>
+                  </a:tcPr>
+                </a:tc>
+                <a:extLst>
+                  <a:ext uri="{0D108BD9-81ED-4DB2-BD59-A6C34878D82A}">
+                    <a16:rowId xmlns:a16="http://schemas.microsoft.com/office/drawing/2014/main" val="1193652630"/>
+                  </a:ext>
+                </a:extLst>
+              </a:tr>
+              <a:tr h="400227">
+                <a:tc gridSpan="3">
+                  <a:txBody>
+                    <a:bodyPr/>
+                    <a:lstStyle/>
+                    <a:p>
+                      <a:pPr algn="ctr"/>
+                      <a:r>
+                        <a:rPr kumimoji="1" lang="ja-JP" altLang="en-US" sz="1200" dirty="0"/>
+                        <a:t>ログインパスワード</a:t>
+                      </a:r>
+                    </a:p>
+                  </a:txBody>
+                  <a:tcPr marT="72000" marB="72000" anchor="ctr">
+                    <a:lnL w="12700" cap="flat" cmpd="sng" algn="ctr">
+                      <a:solidFill>
+                        <a:schemeClr val="tx1"/>
+                      </a:solidFill>
+                      <a:prstDash val="solid"/>
+                      <a:round/>
+                      <a:headEnd type="none" w="med" len="med"/>
+                      <a:tailEnd type="none" w="med" len="med"/>
+                    </a:lnL>
+                    <a:lnR w="12700" cap="flat" cmpd="sng" algn="ctr">
+                      <a:solidFill>
+                        <a:schemeClr val="tx1"/>
+                      </a:solidFill>
+                      <a:prstDash val="solid"/>
+                      <a:round/>
+                      <a:headEnd type="none" w="med" len="med"/>
+                      <a:tailEnd type="none" w="med" len="med"/>
+                    </a:lnR>
+                    <a:lnT w="12700" cap="flat" cmpd="sng" algn="ctr">
+                      <a:solidFill>
+                        <a:schemeClr val="tx1"/>
+                      </a:solidFill>
+                      <a:prstDash val="solid"/>
+                      <a:round/>
+                      <a:headEnd type="none" w="med" len="med"/>
+                      <a:tailEnd type="none" w="med" len="med"/>
+                    </a:lnT>
+                    <a:lnB w="12700" cap="flat" cmpd="sng" algn="ctr">
+                      <a:solidFill>
+                        <a:schemeClr val="tx1"/>
+                      </a:solidFill>
+                      <a:prstDash val="solid"/>
+                      <a:round/>
+                      <a:headEnd type="none" w="med" len="med"/>
+                      <a:tailEnd type="none" w="med" len="med"/>
+                    </a:lnB>
+                    <a:solidFill>
+                      <a:schemeClr val="bg1"/>
+                    </a:solidFill>
+                  </a:tcPr>
+                </a:tc>
+                <a:tc hMerge="1">
+                  <a:txBody>
+                    <a:bodyPr/>
+                    <a:lstStyle/>
+                    <a:p>
+                      <a:endParaRPr kumimoji="1" lang="ja-JP" altLang="en-US"/>
+                    </a:p>
+                  </a:txBody>
+                  <a:tcPr/>
+                </a:tc>
+                <a:tc hMerge="1">
+                  <a:txBody>
+                    <a:bodyPr/>
+                    <a:lstStyle/>
+                    <a:p>
+                      <a:endParaRPr kumimoji="1" lang="ja-JP" altLang="en-US"/>
+                    </a:p>
+                  </a:txBody>
+                  <a:tcPr/>
+                </a:tc>
+                <a:tc>
+                  <a:txBody>
+                    <a:bodyPr/>
+                    <a:lstStyle/>
+                    <a:p>
+                      <a:pPr algn="ctr"/>
+                      <a:r>
+                        <a:rPr kumimoji="1" lang="en-US" altLang="ja-JP" sz="1200" dirty="0"/>
+                        <a:t>Hyper-V</a:t>
+                      </a:r>
+                      <a:r>
+                        <a:rPr kumimoji="1" lang="ja-JP" altLang="en-US" sz="1200" dirty="0"/>
+                        <a:t>マネージャのログインパスワード</a:t>
+                      </a:r>
+                    </a:p>
+                  </a:txBody>
+                  <a:tcPr marT="72000" marB="72000" anchor="ctr">
+                    <a:lnL w="12700" cap="flat" cmpd="sng" algn="ctr">
+                      <a:solidFill>
+                        <a:schemeClr val="tx1"/>
+                      </a:solidFill>
+                      <a:prstDash val="solid"/>
+                      <a:round/>
+                      <a:headEnd type="none" w="med" len="med"/>
+                      <a:tailEnd type="none" w="med" len="med"/>
+                    </a:lnL>
+                    <a:lnR w="12700" cap="flat" cmpd="sng" algn="ctr">
+                      <a:solidFill>
+                        <a:schemeClr val="tx1"/>
+                      </a:solidFill>
+                      <a:prstDash val="solid"/>
+                      <a:round/>
+                      <a:headEnd type="none" w="med" len="med"/>
+                      <a:tailEnd type="none" w="med" len="med"/>
+                    </a:lnR>
+                    <a:lnT w="12700" cap="flat" cmpd="sng" algn="ctr">
+                      <a:solidFill>
+                        <a:schemeClr val="tx1"/>
+                      </a:solidFill>
+                      <a:prstDash val="solid"/>
+                      <a:round/>
+                      <a:headEnd type="none" w="med" len="med"/>
+                      <a:tailEnd type="none" w="med" len="med"/>
+                    </a:lnT>
+                    <a:lnB w="12700" cap="flat" cmpd="sng" algn="ctr">
+                      <a:solidFill>
+                        <a:schemeClr val="tx1"/>
+                      </a:solidFill>
+                      <a:prstDash val="solid"/>
+                      <a:round/>
+                      <a:headEnd type="none" w="med" len="med"/>
+                      <a:tailEnd type="none" w="med" len="med"/>
+                    </a:lnB>
+                    <a:solidFill>
+                      <a:schemeClr val="bg1"/>
+                    </a:solidFill>
+                  </a:tcPr>
+                </a:tc>
+                <a:extLst>
+                  <a:ext uri="{0D108BD9-81ED-4DB2-BD59-A6C34878D82A}">
+                    <a16:rowId xmlns:a16="http://schemas.microsoft.com/office/drawing/2014/main" val="2669050268"/>
+                  </a:ext>
+                </a:extLst>
+              </a:tr>
+              <a:tr h="468494">
+                <a:tc rowSpan="3">
+                  <a:txBody>
+                    <a:bodyPr/>
+                    <a:lstStyle/>
+                    <a:p>
+                      <a:pPr algn="ctr"/>
+                      <a:r>
+                        <a:rPr kumimoji="1" lang="en-US" altLang="ja-JP" sz="1200" dirty="0"/>
+                        <a:t>Ansible</a:t>
+                      </a:r>
+                      <a:r>
+                        <a:rPr kumimoji="1" lang="ja-JP" altLang="en-US" sz="1200" dirty="0"/>
+                        <a:t>利用情報</a:t>
+                      </a:r>
+                      <a:r>
+                        <a:rPr kumimoji="1" lang="en-US" altLang="ja-JP" sz="1200" dirty="0"/>
+                        <a:t>/</a:t>
+                      </a:r>
+                    </a:p>
+                    <a:p>
+                      <a:pPr algn="ctr"/>
+                      <a:r>
+                        <a:rPr kumimoji="1" lang="en-US" altLang="ja-JP" sz="1200" dirty="0"/>
+                        <a:t>Legacy/Role</a:t>
+                      </a:r>
+                      <a:r>
+                        <a:rPr kumimoji="1" lang="ja-JP" altLang="en-US" sz="1200" dirty="0"/>
+                        <a:t>利用情報</a:t>
+                      </a:r>
+                      <a:endParaRPr kumimoji="1" lang="en-US" altLang="ja-JP" sz="1200" dirty="0"/>
+                    </a:p>
+                  </a:txBody>
+                  <a:tcPr marT="72000" marB="72000" anchor="ctr">
+                    <a:lnL w="12700" cap="flat" cmpd="sng" algn="ctr">
+                      <a:solidFill>
+                        <a:schemeClr val="tx1"/>
+                      </a:solidFill>
+                      <a:prstDash val="solid"/>
+                      <a:round/>
+                      <a:headEnd type="none" w="med" len="med"/>
+                      <a:tailEnd type="none" w="med" len="med"/>
+                    </a:lnL>
+                    <a:lnR w="12700" cap="flat" cmpd="sng" algn="ctr">
+                      <a:solidFill>
+                        <a:schemeClr val="tx1"/>
+                      </a:solidFill>
+                      <a:prstDash val="solid"/>
+                      <a:round/>
+                      <a:headEnd type="none" w="med" len="med"/>
+                      <a:tailEnd type="none" w="med" len="med"/>
+                    </a:lnR>
+                    <a:lnT w="12700" cap="flat" cmpd="sng" algn="ctr">
+                      <a:solidFill>
+                        <a:schemeClr val="tx1"/>
+                      </a:solidFill>
+                      <a:prstDash val="solid"/>
+                      <a:round/>
+                      <a:headEnd type="none" w="med" len="med"/>
+                      <a:tailEnd type="none" w="med" len="med"/>
+                    </a:lnT>
+                    <a:lnB w="12700" cap="flat" cmpd="sng" algn="ctr">
+                      <a:solidFill>
+                        <a:schemeClr val="tx1"/>
+                      </a:solidFill>
+                      <a:prstDash val="solid"/>
+                      <a:round/>
+                      <a:headEnd type="none" w="med" len="med"/>
+                      <a:tailEnd type="none" w="med" len="med"/>
+                    </a:lnB>
+                    <a:solidFill>
+                      <a:schemeClr val="bg1"/>
+                    </a:solidFill>
+                  </a:tcPr>
+                </a:tc>
+                <a:tc gridSpan="2">
+                  <a:txBody>
+                    <a:bodyPr/>
+                    <a:lstStyle/>
+                    <a:p>
+                      <a:pPr marL="0" marR="0" lvl="0" indent="0" algn="ctr" defTabSz="914400" rtl="0" eaLnBrk="1" fontAlgn="auto" latinLnBrk="0" hangingPunct="1">
+                        <a:lnSpc>
+                          <a:spcPct val="100000"/>
+                        </a:lnSpc>
+                        <a:spcBef>
+                          <a:spcPts val="0"/>
+                        </a:spcBef>
+                        <a:spcAft>
+                          <a:spcPts val="0"/>
+                        </a:spcAft>
+                        <a:buClrTx/>
+                        <a:buSzTx/>
+                        <a:buFontTx/>
+                        <a:buNone/>
+                        <a:tabLst/>
+                        <a:defRPr/>
+                      </a:pPr>
+                      <a:r>
+                        <a:rPr kumimoji="1" lang="ja-JP" altLang="en-US" sz="1200" dirty="0"/>
+                        <a:t>認証方法</a:t>
+                      </a:r>
+                    </a:p>
+                    <a:p>
+                      <a:pPr algn="ctr"/>
+                      <a:endParaRPr kumimoji="1" lang="ja-JP" altLang="en-US" sz="1200" dirty="0"/>
+                    </a:p>
+                  </a:txBody>
+                  <a:tcPr marT="72000" marB="72000" anchor="ctr">
+                    <a:lnL w="12700" cap="flat" cmpd="sng" algn="ctr">
+                      <a:solidFill>
+                        <a:schemeClr val="tx1"/>
+                      </a:solidFill>
+                      <a:prstDash val="solid"/>
+                      <a:round/>
+                      <a:headEnd type="none" w="med" len="med"/>
+                      <a:tailEnd type="none" w="med" len="med"/>
+                    </a:lnL>
+                    <a:lnR w="12700" cap="flat" cmpd="sng" algn="ctr">
+                      <a:solidFill>
+                        <a:schemeClr val="tx1"/>
+                      </a:solidFill>
+                      <a:prstDash val="solid"/>
+                      <a:round/>
+                      <a:headEnd type="none" w="med" len="med"/>
+                      <a:tailEnd type="none" w="med" len="med"/>
+                    </a:lnR>
+                    <a:lnT w="12700" cap="flat" cmpd="sng" algn="ctr">
+                      <a:solidFill>
+                        <a:schemeClr val="tx1"/>
+                      </a:solidFill>
+                      <a:prstDash val="solid"/>
+                      <a:round/>
+                      <a:headEnd type="none" w="med" len="med"/>
+                      <a:tailEnd type="none" w="med" len="med"/>
+                    </a:lnT>
+                    <a:lnB w="12700" cap="flat" cmpd="sng" algn="ctr">
+                      <a:solidFill>
+                        <a:schemeClr val="tx1"/>
+                      </a:solidFill>
+                      <a:prstDash val="solid"/>
+                      <a:round/>
+                      <a:headEnd type="none" w="med" len="med"/>
+                      <a:tailEnd type="none" w="med" len="med"/>
+                    </a:lnB>
+                    <a:solidFill>
+                      <a:schemeClr val="bg1"/>
+                    </a:solidFill>
+                  </a:tcPr>
+                </a:tc>
+                <a:tc hMerge="1">
+                  <a:txBody>
+                    <a:bodyPr/>
+                    <a:lstStyle/>
+                    <a:p>
+                      <a:endParaRPr kumimoji="1" lang="ja-JP" altLang="en-US"/>
+                    </a:p>
+                  </a:txBody>
+                  <a:tcPr/>
+                </a:tc>
+                <a:tc>
+                  <a:txBody>
+                    <a:bodyPr/>
+                    <a:lstStyle/>
+                    <a:p>
+                      <a:pPr algn="ctr"/>
+                      <a:r>
+                        <a:rPr kumimoji="1" lang="en-US" altLang="ja-JP" sz="1200" dirty="0"/>
+                        <a:t>Hyper-V</a:t>
+                      </a:r>
+                      <a:r>
+                        <a:rPr kumimoji="1" lang="ja-JP" altLang="en-US" sz="1200" dirty="0"/>
+                        <a:t>マネージャへのログイン方法</a:t>
+                      </a:r>
+                      <a:endParaRPr kumimoji="1" lang="en-US" altLang="ja-JP" sz="1200" dirty="0"/>
+                    </a:p>
+                    <a:p>
+                      <a:pPr algn="ctr"/>
+                      <a:r>
+                        <a:rPr kumimoji="1" lang="ja-JP" altLang="en-US" sz="1200" dirty="0"/>
+                        <a:t>例</a:t>
+                      </a:r>
+                      <a:r>
+                        <a:rPr kumimoji="1" lang="en-US" altLang="ja-JP" sz="1200" dirty="0"/>
+                        <a:t>) </a:t>
+                      </a:r>
+                      <a:r>
+                        <a:rPr kumimoji="1" lang="en-US" altLang="ja-JP" sz="1200" dirty="0" err="1"/>
+                        <a:t>WinRM</a:t>
+                      </a:r>
+                      <a:r>
+                        <a:rPr kumimoji="1" lang="ja-JP" altLang="en-US" sz="1200" dirty="0"/>
+                        <a:t>を使う場合はパスワード認証</a:t>
+                      </a:r>
+                      <a:r>
+                        <a:rPr kumimoji="1" lang="en-US" altLang="ja-JP" sz="1200" dirty="0"/>
+                        <a:t>(</a:t>
+                      </a:r>
+                      <a:r>
+                        <a:rPr kumimoji="1" lang="en-US" altLang="ja-JP" sz="1200" dirty="0" err="1"/>
+                        <a:t>winrm</a:t>
+                      </a:r>
+                      <a:r>
+                        <a:rPr kumimoji="1" lang="en-US" altLang="ja-JP" sz="1200" dirty="0"/>
+                        <a:t>)</a:t>
+                      </a:r>
+                      <a:endParaRPr kumimoji="1" lang="ja-JP" altLang="en-US" sz="1200" dirty="0"/>
+                    </a:p>
+                  </a:txBody>
+                  <a:tcPr marT="72000" marB="72000" anchor="ctr">
+                    <a:lnL w="12700" cap="flat" cmpd="sng" algn="ctr">
+                      <a:solidFill>
+                        <a:schemeClr val="tx1"/>
+                      </a:solidFill>
+                      <a:prstDash val="solid"/>
+                      <a:round/>
+                      <a:headEnd type="none" w="med" len="med"/>
+                      <a:tailEnd type="none" w="med" len="med"/>
+                    </a:lnL>
+                    <a:lnR w="12700" cap="flat" cmpd="sng" algn="ctr">
+                      <a:solidFill>
+                        <a:schemeClr val="tx1"/>
+                      </a:solidFill>
+                      <a:prstDash val="solid"/>
+                      <a:round/>
+                      <a:headEnd type="none" w="med" len="med"/>
+                      <a:tailEnd type="none" w="med" len="med"/>
+                    </a:lnR>
+                    <a:lnT w="12700" cap="flat" cmpd="sng" algn="ctr">
+                      <a:solidFill>
+                        <a:schemeClr val="tx1"/>
+                      </a:solidFill>
+                      <a:prstDash val="solid"/>
+                      <a:round/>
+                      <a:headEnd type="none" w="med" len="med"/>
+                      <a:tailEnd type="none" w="med" len="med"/>
+                    </a:lnT>
+                    <a:lnB w="12700" cap="flat" cmpd="sng" algn="ctr">
+                      <a:solidFill>
+                        <a:schemeClr val="tx1"/>
+                      </a:solidFill>
+                      <a:prstDash val="solid"/>
+                      <a:round/>
+                      <a:headEnd type="none" w="med" len="med"/>
+                      <a:tailEnd type="none" w="med" len="med"/>
+                    </a:lnB>
+                    <a:solidFill>
+                      <a:schemeClr val="bg1"/>
+                    </a:solidFill>
+                  </a:tcPr>
+                </a:tc>
+                <a:extLst>
+                  <a:ext uri="{0D108BD9-81ED-4DB2-BD59-A6C34878D82A}">
+                    <a16:rowId xmlns:a16="http://schemas.microsoft.com/office/drawing/2014/main" val="888069290"/>
+                  </a:ext>
+                </a:extLst>
+              </a:tr>
+              <a:tr h="468494">
+                <a:tc vMerge="1">
+                  <a:txBody>
+                    <a:bodyPr/>
+                    <a:lstStyle/>
+                    <a:p>
+                      <a:endParaRPr kumimoji="1" lang="ja-JP" altLang="en-US"/>
+                    </a:p>
+                  </a:txBody>
+                  <a:tcPr/>
+                </a:tc>
+                <a:tc rowSpan="2">
+                  <a:txBody>
+                    <a:bodyPr/>
+                    <a:lstStyle/>
+                    <a:p>
+                      <a:pPr algn="ctr"/>
+                      <a:r>
+                        <a:rPr kumimoji="1" lang="en-US" altLang="ja-JP" sz="1200" dirty="0" err="1"/>
+                        <a:t>WinRM</a:t>
+                      </a:r>
+                      <a:r>
+                        <a:rPr kumimoji="1" lang="ja-JP" altLang="en-US" sz="1200" dirty="0"/>
+                        <a:t>接続情報</a:t>
+                      </a:r>
+                    </a:p>
+                  </a:txBody>
+                  <a:tcPr marT="72000" marB="72000" anchor="ctr">
+                    <a:lnL w="12700" cap="flat" cmpd="sng" algn="ctr">
+                      <a:solidFill>
+                        <a:schemeClr val="tx1"/>
+                      </a:solidFill>
+                      <a:prstDash val="solid"/>
+                      <a:round/>
+                      <a:headEnd type="none" w="med" len="med"/>
+                      <a:tailEnd type="none" w="med" len="med"/>
+                    </a:lnL>
+                    <a:lnR w="12700" cap="flat" cmpd="sng" algn="ctr">
+                      <a:solidFill>
+                        <a:schemeClr val="tx1"/>
+                      </a:solidFill>
+                      <a:prstDash val="solid"/>
+                      <a:round/>
+                      <a:headEnd type="none" w="med" len="med"/>
+                      <a:tailEnd type="none" w="med" len="med"/>
+                    </a:lnR>
+                    <a:lnT w="12700" cap="flat" cmpd="sng" algn="ctr">
+                      <a:solidFill>
+                        <a:schemeClr val="tx1"/>
+                      </a:solidFill>
+                      <a:prstDash val="solid"/>
+                      <a:round/>
+                      <a:headEnd type="none" w="med" len="med"/>
+                      <a:tailEnd type="none" w="med" len="med"/>
+                    </a:lnT>
+                    <a:lnB w="12700" cap="flat" cmpd="sng" algn="ctr">
+                      <a:solidFill>
+                        <a:schemeClr val="tx1"/>
+                      </a:solidFill>
+                      <a:prstDash val="solid"/>
+                      <a:round/>
+                      <a:headEnd type="none" w="med" len="med"/>
+                      <a:tailEnd type="none" w="med" len="med"/>
+                    </a:lnB>
+                    <a:solidFill>
+                      <a:schemeClr val="bg1"/>
+                    </a:solidFill>
+                  </a:tcPr>
+                </a:tc>
+                <a:tc>
+                  <a:txBody>
+                    <a:bodyPr/>
+                    <a:lstStyle/>
+                    <a:p>
+                      <a:pPr algn="ctr"/>
+                      <a:r>
+                        <a:rPr kumimoji="1" lang="ja-JP" altLang="en-US" sz="1200" dirty="0"/>
+                        <a:t>ポート番号</a:t>
+                      </a:r>
+                    </a:p>
+                  </a:txBody>
+                  <a:tcPr marT="72000" marB="72000" anchor="ctr">
+                    <a:lnL w="12700" cap="flat" cmpd="sng" algn="ctr">
+                      <a:solidFill>
+                        <a:schemeClr val="tx1"/>
+                      </a:solidFill>
+                      <a:prstDash val="solid"/>
+                      <a:round/>
+                      <a:headEnd type="none" w="med" len="med"/>
+                      <a:tailEnd type="none" w="med" len="med"/>
+                    </a:lnL>
+                    <a:lnR w="12700" cap="flat" cmpd="sng" algn="ctr">
+                      <a:solidFill>
+                        <a:schemeClr val="tx1"/>
+                      </a:solidFill>
+                      <a:prstDash val="solid"/>
+                      <a:round/>
+                      <a:headEnd type="none" w="med" len="med"/>
+                      <a:tailEnd type="none" w="med" len="med"/>
+                    </a:lnR>
+                    <a:lnT w="12700" cap="flat" cmpd="sng" algn="ctr">
+                      <a:solidFill>
+                        <a:schemeClr val="tx1"/>
+                      </a:solidFill>
+                      <a:prstDash val="solid"/>
+                      <a:round/>
+                      <a:headEnd type="none" w="med" len="med"/>
+                      <a:tailEnd type="none" w="med" len="med"/>
+                    </a:lnT>
+                    <a:lnB w="12700" cap="flat" cmpd="sng" algn="ctr">
+                      <a:solidFill>
+                        <a:schemeClr val="tx1"/>
+                      </a:solidFill>
+                      <a:prstDash val="solid"/>
+                      <a:round/>
+                      <a:headEnd type="none" w="med" len="med"/>
+                      <a:tailEnd type="none" w="med" len="med"/>
+                    </a:lnB>
+                    <a:solidFill>
+                      <a:schemeClr val="bg1"/>
+                    </a:solidFill>
+                  </a:tcPr>
+                </a:tc>
+                <a:tc>
+                  <a:txBody>
+                    <a:bodyPr/>
+                    <a:lstStyle/>
+                    <a:p>
+                      <a:pPr algn="ctr"/>
+                      <a:r>
+                        <a:rPr kumimoji="1" lang="en-US" altLang="ja-JP" sz="1200" dirty="0"/>
+                        <a:t>Hyper-V</a:t>
+                      </a:r>
+                      <a:r>
+                        <a:rPr kumimoji="1" lang="ja-JP" altLang="en-US" sz="1200" dirty="0"/>
+                        <a:t>マネージャへ</a:t>
+                      </a:r>
+                      <a:r>
+                        <a:rPr kumimoji="1" lang="en-US" altLang="ja-JP" sz="1200" dirty="0" err="1"/>
+                        <a:t>WinRM</a:t>
+                      </a:r>
+                      <a:r>
+                        <a:rPr kumimoji="1" lang="ja-JP" altLang="en-US" sz="1200" dirty="0"/>
+                        <a:t>接続する際のポート番号</a:t>
+                      </a:r>
+                      <a:r>
+                        <a:rPr kumimoji="1" lang="en-US" altLang="ja-JP" sz="1200" dirty="0"/>
+                        <a:t/>
+                      </a:r>
+                      <a:br>
+                        <a:rPr kumimoji="1" lang="en-US" altLang="ja-JP" sz="1200" dirty="0"/>
+                      </a:br>
+                      <a:r>
+                        <a:rPr kumimoji="1" lang="en-US" altLang="ja-JP" sz="1200" dirty="0"/>
+                        <a:t>※</a:t>
+                      </a:r>
+                      <a:r>
+                        <a:rPr kumimoji="1" lang="ja-JP" altLang="en-US" sz="1200" dirty="0"/>
+                        <a:t>未入力の場合はデフォルト</a:t>
+                      </a:r>
+                      <a:r>
+                        <a:rPr kumimoji="1" lang="en-US" altLang="ja-JP" sz="1200" dirty="0"/>
+                        <a:t>(5985)</a:t>
+                      </a:r>
+                      <a:r>
+                        <a:rPr kumimoji="1" lang="ja-JP" altLang="en-US" sz="1200" dirty="0"/>
+                        <a:t> </a:t>
+                      </a:r>
+                    </a:p>
+                  </a:txBody>
+                  <a:tcPr marT="72000" marB="72000" anchor="ctr">
+                    <a:lnL w="12700" cap="flat" cmpd="sng" algn="ctr">
+                      <a:solidFill>
+                        <a:schemeClr val="tx1"/>
+                      </a:solidFill>
+                      <a:prstDash val="solid"/>
+                      <a:round/>
+                      <a:headEnd type="none" w="med" len="med"/>
+                      <a:tailEnd type="none" w="med" len="med"/>
+                    </a:lnL>
+                    <a:lnR w="12700" cap="flat" cmpd="sng" algn="ctr">
+                      <a:solidFill>
+                        <a:schemeClr val="tx1"/>
+                      </a:solidFill>
+                      <a:prstDash val="solid"/>
+                      <a:round/>
+                      <a:headEnd type="none" w="med" len="med"/>
+                      <a:tailEnd type="none" w="med" len="med"/>
+                    </a:lnR>
+                    <a:lnT w="12700" cap="flat" cmpd="sng" algn="ctr">
+                      <a:solidFill>
+                        <a:schemeClr val="tx1"/>
+                      </a:solidFill>
+                      <a:prstDash val="solid"/>
+                      <a:round/>
+                      <a:headEnd type="none" w="med" len="med"/>
+                      <a:tailEnd type="none" w="med" len="med"/>
+                    </a:lnT>
+                    <a:lnB w="12700" cap="flat" cmpd="sng" algn="ctr">
+                      <a:solidFill>
+                        <a:schemeClr val="tx1"/>
+                      </a:solidFill>
+                      <a:prstDash val="solid"/>
+                      <a:round/>
+                      <a:headEnd type="none" w="med" len="med"/>
+                      <a:tailEnd type="none" w="med" len="med"/>
+                    </a:lnB>
+                    <a:solidFill>
+                      <a:schemeClr val="bg1"/>
+                    </a:solidFill>
+                  </a:tcPr>
+                </a:tc>
+                <a:extLst>
+                  <a:ext uri="{0D108BD9-81ED-4DB2-BD59-A6C34878D82A}">
+                    <a16:rowId xmlns:a16="http://schemas.microsoft.com/office/drawing/2014/main" val="2212788724"/>
+                  </a:ext>
+                </a:extLst>
+              </a:tr>
+              <a:tr h="1118147">
+                <a:tc vMerge="1">
+                  <a:txBody>
+                    <a:bodyPr/>
+                    <a:lstStyle/>
+                    <a:p>
+                      <a:pPr algn="ctr"/>
+                      <a:endParaRPr kumimoji="1" lang="ja-JP" altLang="en-US" sz="1200" dirty="0"/>
+                    </a:p>
+                  </a:txBody>
+                  <a:tcPr marT="72000" marB="72000" anchor="ctr">
+                    <a:lnL w="12700" cap="flat" cmpd="sng" algn="ctr">
+                      <a:solidFill>
+                        <a:schemeClr val="tx1"/>
+                      </a:solidFill>
+                      <a:prstDash val="solid"/>
+                      <a:round/>
+                      <a:headEnd type="none" w="med" len="med"/>
+                      <a:tailEnd type="none" w="med" len="med"/>
+                    </a:lnL>
+                    <a:lnR w="12700" cap="flat" cmpd="sng" algn="ctr">
+                      <a:solidFill>
+                        <a:schemeClr val="tx1"/>
+                      </a:solidFill>
+                      <a:prstDash val="solid"/>
+                      <a:round/>
+                      <a:headEnd type="none" w="med" len="med"/>
+                      <a:tailEnd type="none" w="med" len="med"/>
+                    </a:lnR>
+                    <a:lnT w="12700" cap="flat" cmpd="sng" algn="ctr">
+                      <a:solidFill>
+                        <a:schemeClr val="tx1"/>
+                      </a:solidFill>
+                      <a:prstDash val="solid"/>
+                      <a:round/>
+                      <a:headEnd type="none" w="med" len="med"/>
+                      <a:tailEnd type="none" w="med" len="med"/>
+                    </a:lnT>
+                    <a:lnB w="12700" cap="flat" cmpd="sng" algn="ctr">
+                      <a:solidFill>
+                        <a:schemeClr val="tx1"/>
+                      </a:solidFill>
+                      <a:prstDash val="solid"/>
+                      <a:round/>
+                      <a:headEnd type="none" w="med" len="med"/>
+                      <a:tailEnd type="none" w="med" len="med"/>
+                    </a:lnB>
+                    <a:solidFill>
+                      <a:schemeClr val="bg1"/>
+                    </a:solidFill>
+                  </a:tcPr>
+                </a:tc>
+                <a:tc vMerge="1">
+                  <a:txBody>
+                    <a:bodyPr/>
+                    <a:lstStyle/>
+                    <a:p>
+                      <a:pPr algn="ctr"/>
+                      <a:endParaRPr kumimoji="1" lang="ja-JP" altLang="en-US" sz="1200" dirty="0"/>
+                    </a:p>
+                  </a:txBody>
+                  <a:tcPr marT="72000" marB="72000" anchor="ctr">
+                    <a:lnL w="12700" cap="flat" cmpd="sng" algn="ctr">
+                      <a:solidFill>
+                        <a:schemeClr val="tx1"/>
+                      </a:solidFill>
+                      <a:prstDash val="solid"/>
+                      <a:round/>
+                      <a:headEnd type="none" w="med" len="med"/>
+                      <a:tailEnd type="none" w="med" len="med"/>
+                    </a:lnL>
+                    <a:lnR w="12700" cap="flat" cmpd="sng" algn="ctr">
+                      <a:solidFill>
+                        <a:schemeClr val="tx1"/>
+                      </a:solidFill>
+                      <a:prstDash val="solid"/>
+                      <a:round/>
+                      <a:headEnd type="none" w="med" len="med"/>
+                      <a:tailEnd type="none" w="med" len="med"/>
+                    </a:lnR>
+                    <a:lnT w="12700" cap="flat" cmpd="sng" algn="ctr">
+                      <a:solidFill>
+                        <a:schemeClr val="tx1"/>
+                      </a:solidFill>
+                      <a:prstDash val="solid"/>
+                      <a:round/>
+                      <a:headEnd type="none" w="med" len="med"/>
+                      <a:tailEnd type="none" w="med" len="med"/>
+                    </a:lnT>
+                    <a:lnB w="12700" cap="flat" cmpd="sng" algn="ctr">
+                      <a:solidFill>
+                        <a:schemeClr val="tx1"/>
+                      </a:solidFill>
+                      <a:prstDash val="solid"/>
+                      <a:round/>
+                      <a:headEnd type="none" w="med" len="med"/>
+                      <a:tailEnd type="none" w="med" len="med"/>
+                    </a:lnB>
+                    <a:solidFill>
+                      <a:schemeClr val="bg1"/>
+                    </a:solidFill>
+                  </a:tcPr>
+                </a:tc>
+                <a:tc>
+                  <a:txBody>
+                    <a:bodyPr/>
+                    <a:lstStyle/>
+                    <a:p>
+                      <a:pPr algn="ctr"/>
+                      <a:r>
+                        <a:rPr kumimoji="1" lang="ja-JP" altLang="en-US" sz="1200" dirty="0"/>
+                        <a:t>サーバー証明書</a:t>
+                      </a:r>
+                    </a:p>
+                  </a:txBody>
+                  <a:tcPr marT="72000" marB="72000" anchor="ctr">
+                    <a:lnL w="12700" cap="flat" cmpd="sng" algn="ctr">
+                      <a:solidFill>
+                        <a:schemeClr val="tx1"/>
+                      </a:solidFill>
+                      <a:prstDash val="solid"/>
+                      <a:round/>
+                      <a:headEnd type="none" w="med" len="med"/>
+                      <a:tailEnd type="none" w="med" len="med"/>
+                    </a:lnL>
+                    <a:lnR w="12700" cap="flat" cmpd="sng" algn="ctr">
+                      <a:solidFill>
+                        <a:schemeClr val="tx1"/>
+                      </a:solidFill>
+                      <a:prstDash val="solid"/>
+                      <a:round/>
+                      <a:headEnd type="none" w="med" len="med"/>
+                      <a:tailEnd type="none" w="med" len="med"/>
+                    </a:lnR>
+                    <a:lnT w="12700" cap="flat" cmpd="sng" algn="ctr">
+                      <a:solidFill>
+                        <a:schemeClr val="tx1"/>
+                      </a:solidFill>
+                      <a:prstDash val="solid"/>
+                      <a:round/>
+                      <a:headEnd type="none" w="med" len="med"/>
+                      <a:tailEnd type="none" w="med" len="med"/>
+                    </a:lnT>
+                    <a:lnB w="12700" cap="flat" cmpd="sng" algn="ctr">
+                      <a:solidFill>
+                        <a:schemeClr val="tx1"/>
+                      </a:solidFill>
+                      <a:prstDash val="solid"/>
+                      <a:round/>
+                      <a:headEnd type="none" w="med" len="med"/>
+                      <a:tailEnd type="none" w="med" len="med"/>
+                    </a:lnB>
+                    <a:solidFill>
+                      <a:schemeClr val="bg1"/>
+                    </a:solidFill>
+                  </a:tcPr>
+                </a:tc>
+                <a:tc>
+                  <a:txBody>
+                    <a:bodyPr/>
+                    <a:lstStyle/>
+                    <a:p>
+                      <a:pPr algn="ctr"/>
+                      <a:r>
+                        <a:rPr kumimoji="1" lang="en-US" altLang="ja-JP" sz="1200" dirty="0" err="1"/>
+                        <a:t>WinRM</a:t>
+                      </a:r>
+                      <a:r>
+                        <a:rPr kumimoji="1" lang="en-US" altLang="ja-JP" sz="1200" dirty="0"/>
+                        <a:t> </a:t>
+                      </a:r>
+                      <a:r>
+                        <a:rPr kumimoji="1" lang="ja-JP" altLang="en-US" sz="1200" dirty="0"/>
+                        <a:t>接続ポートで </a:t>
+                      </a:r>
+                      <a:r>
+                        <a:rPr kumimoji="1" lang="en-US" altLang="ja-JP" sz="1200" dirty="0"/>
+                        <a:t>https </a:t>
+                      </a:r>
+                      <a:r>
+                        <a:rPr kumimoji="1" lang="ja-JP" altLang="en-US" sz="1200" dirty="0"/>
+                        <a:t>のポート番号を指定した場</a:t>
+                      </a:r>
+                    </a:p>
+                    <a:p>
+                      <a:pPr algn="ctr"/>
+                      <a:r>
+                        <a:rPr kumimoji="1" lang="ja-JP" altLang="en-US" sz="1200" dirty="0"/>
+                        <a:t>合にサーバﾞ証明書を入力します。</a:t>
+                      </a:r>
+                      <a:endParaRPr kumimoji="1" lang="en-US" altLang="ja-JP" sz="1200" dirty="0"/>
+                    </a:p>
+                    <a:p>
+                      <a:pPr algn="ctr"/>
+                      <a:r>
+                        <a:rPr kumimoji="1" lang="en-US" altLang="ja-JP" sz="1200" dirty="0"/>
+                        <a:t>※</a:t>
+                      </a:r>
+                      <a:r>
+                        <a:rPr kumimoji="1" lang="ja-JP" altLang="en-US" sz="1200" dirty="0"/>
+                        <a:t>サーバ証明書の認証を省く場合、インベントリファイル</a:t>
+                      </a:r>
+                    </a:p>
+                    <a:p>
+                      <a:pPr algn="ctr"/>
+                      <a:r>
+                        <a:rPr kumimoji="1" lang="ja-JP" altLang="en-US" sz="1200" dirty="0"/>
+                        <a:t>追加オプションに下記を追記して下さい。</a:t>
+                      </a:r>
+                    </a:p>
+                    <a:p>
+                      <a:pPr algn="ctr"/>
+                      <a:r>
+                        <a:rPr kumimoji="1" lang="en-US" altLang="ja-JP" sz="1200" dirty="0" err="1"/>
+                        <a:t>ansible_winrm_server_cert_validation</a:t>
+                      </a:r>
+                      <a:r>
+                        <a:rPr kumimoji="1" lang="en-US" altLang="ja-JP" sz="1200" dirty="0"/>
+                        <a:t>: ignore</a:t>
+                      </a:r>
+                      <a:endParaRPr kumimoji="1" lang="ja-JP" altLang="en-US" sz="1200" dirty="0"/>
+                    </a:p>
+                  </a:txBody>
+                  <a:tcPr marT="72000" marB="72000" anchor="ctr">
+                    <a:lnL w="12700" cap="flat" cmpd="sng" algn="ctr">
+                      <a:solidFill>
+                        <a:schemeClr val="tx1"/>
+                      </a:solidFill>
+                      <a:prstDash val="solid"/>
+                      <a:round/>
+                      <a:headEnd type="none" w="med" len="med"/>
+                      <a:tailEnd type="none" w="med" len="med"/>
+                    </a:lnL>
+                    <a:lnR w="12700" cap="flat" cmpd="sng" algn="ctr">
+                      <a:solidFill>
+                        <a:schemeClr val="tx1"/>
+                      </a:solidFill>
+                      <a:prstDash val="solid"/>
+                      <a:round/>
+                      <a:headEnd type="none" w="med" len="med"/>
+                      <a:tailEnd type="none" w="med" len="med"/>
+                    </a:lnR>
+                    <a:lnT w="12700" cap="flat" cmpd="sng" algn="ctr">
+                      <a:solidFill>
+                        <a:schemeClr val="tx1"/>
+                      </a:solidFill>
+                      <a:prstDash val="solid"/>
+                      <a:round/>
+                      <a:headEnd type="none" w="med" len="med"/>
+                      <a:tailEnd type="none" w="med" len="med"/>
+                    </a:lnT>
+                    <a:lnB w="12700" cap="flat" cmpd="sng" algn="ctr">
+                      <a:solidFill>
+                        <a:schemeClr val="tx1"/>
+                      </a:solidFill>
+                      <a:prstDash val="solid"/>
+                      <a:round/>
+                      <a:headEnd type="none" w="med" len="med"/>
+                      <a:tailEnd type="none" w="med" len="med"/>
+                    </a:lnB>
+                    <a:solidFill>
+                      <a:schemeClr val="bg1"/>
+                    </a:solidFill>
+                  </a:tcPr>
+                </a:tc>
+                <a:extLst>
+                  <a:ext uri="{0D108BD9-81ED-4DB2-BD59-A6C34878D82A}">
+                    <a16:rowId xmlns:a16="http://schemas.microsoft.com/office/drawing/2014/main" val="2851682009"/>
+                  </a:ext>
+                </a:extLst>
+              </a:tr>
+            </a:tbl>
+          </a:graphicData>
+        </a:graphic>
+      </p:graphicFrame>
+    </p:spTree>
+    <p:extLst>
+      <p:ext uri="{BB962C8B-B14F-4D97-AF65-F5344CB8AC3E}">
+        <p14:creationId xmlns:p14="http://schemas.microsoft.com/office/powerpoint/2010/main" val="3468441951"/>
+      </p:ext>
+    </p:extLst>
+  </p:cSld>
+  <p:clrMapOvr>
+    <a:masterClrMapping/>
+  </p:clrMapOvr>
+</p:sld>
+</file>
+
+<file path=ppt/slides/slide31.xml><?xml version="1.0" encoding="utf-8"?>
 <p:sld xmlns:a="http://schemas.openxmlformats.org/drawingml/2006/main" xmlns:r="http://schemas.openxmlformats.org/officeDocument/2006/relationships" xmlns:p="http://schemas.openxmlformats.org/presentationml/2006/main">
   <p:cSld>
     <p:spTree>
@@ -32020,7 +33223,7 @@
 </p:sld>
 </file>
 
-<file path=ppt/slides/slide31.xml><?xml version="1.0" encoding="utf-8"?>
+<file path=ppt/slides/slide32.xml><?xml version="1.0" encoding="utf-8"?>
 <p:sld xmlns:a="http://schemas.openxmlformats.org/drawingml/2006/main" xmlns:r="http://schemas.openxmlformats.org/officeDocument/2006/relationships" xmlns:p="http://schemas.openxmlformats.org/presentationml/2006/main">
   <p:cSld>
     <p:spTree>
@@ -32364,7 +33567,7 @@
 </p:sld>
 </file>
 
-<file path=ppt/slides/slide32.xml><?xml version="1.0" encoding="utf-8"?>
+<file path=ppt/slides/slide33.xml><?xml version="1.0" encoding="utf-8"?>
 <p:sld xmlns:a="http://schemas.openxmlformats.org/drawingml/2006/main" xmlns:r="http://schemas.openxmlformats.org/officeDocument/2006/relationships" xmlns:p="http://schemas.openxmlformats.org/presentationml/2006/main">
   <p:cSld>
     <p:spTree>
@@ -33973,7 +35176,7 @@
 </p:sld>
 </file>
 
-<file path=ppt/slides/slide33.xml><?xml version="1.0" encoding="utf-8"?>
+<file path=ppt/slides/slide34.xml><?xml version="1.0" encoding="utf-8"?>
 <p:sld xmlns:a="http://schemas.openxmlformats.org/drawingml/2006/main" xmlns:r="http://schemas.openxmlformats.org/officeDocument/2006/relationships" xmlns:p="http://schemas.openxmlformats.org/presentationml/2006/main">
   <p:cSld>
     <p:spTree>
@@ -34058,50 +35261,144 @@
         <p:spPr>
           <a:xfrm>
             <a:off x="239350" y="836711"/>
-            <a:ext cx="11713301" cy="846615"/>
+            <a:ext cx="11713301" cy="1086682"/>
           </a:xfrm>
         </p:spPr>
         <p:txBody>
-          <a:bodyPr/>
+          <a:bodyPr>
+            <a:noAutofit/>
+          </a:bodyPr>
           <a:lstStyle/>
           <a:p>
-            <a:r>
-              <a:rPr kumimoji="1" lang="ja-JP" altLang="en-US" dirty="0" smtClean="0"/>
-              <a:t>仮想マシンに設定したい</a:t>
-            </a:r>
-            <a:r>
-              <a:rPr kumimoji="1" lang="en-US" altLang="ja-JP" dirty="0" smtClean="0"/>
-              <a:t>IP</a:t>
-            </a:r>
-            <a:r>
-              <a:rPr kumimoji="1" lang="ja-JP" altLang="en-US" dirty="0" smtClean="0"/>
-              <a:t>アドレスの情報を登録します。</a:t>
-            </a:r>
-            <a:r>
-              <a:rPr kumimoji="1" lang="en-US" altLang="ja-JP" dirty="0" smtClean="0"/>
-              <a:t/>
-            </a:r>
-            <a:br>
-              <a:rPr kumimoji="1" lang="en-US" altLang="ja-JP" dirty="0" smtClean="0"/>
-            </a:br>
-            <a:r>
-              <a:rPr kumimoji="1" lang="en-US" altLang="ja-JP" dirty="0" smtClean="0"/>
-              <a:t>※</a:t>
-            </a:r>
-            <a:r>
-              <a:rPr lang="ja-JP" altLang="en-US" dirty="0" smtClean="0"/>
-              <a:t>テンプレート</a:t>
-            </a:r>
-            <a:r>
-              <a:rPr lang="ja-JP" altLang="en-US" dirty="0"/>
-              <a:t>の設定をそのまま利用する場合は登録不要</a:t>
-            </a:r>
+            <a:pPr lvl="0">
+              <a:buClr>
+                <a:srgbClr val="002B62"/>
+              </a:buClr>
+            </a:pPr>
+            <a:r>
+              <a:rPr lang="ja-JP" altLang="en-US" dirty="0">
+                <a:solidFill>
+                  <a:srgbClr val="000000"/>
+                </a:solidFill>
+              </a:rPr>
+              <a:t>仮想マシンに追加したい仮想ハードディスクの情報を登録します。</a:t>
+            </a:r>
+            <a:endParaRPr lang="en-US" altLang="ja-JP" dirty="0">
+              <a:solidFill>
+                <a:srgbClr val="000000"/>
+              </a:solidFill>
+            </a:endParaRPr>
           </a:p>
           <a:p>
-            <a:pPr marL="180000" lvl="1" indent="0">
+            <a:pPr marL="0" lvl="0" indent="0">
+              <a:buClr>
+                <a:srgbClr val="002B62"/>
+              </a:buClr>
               <a:buNone/>
             </a:pPr>
-            <a:endParaRPr kumimoji="1" lang="en-US" altLang="ja-JP" dirty="0"/>
+            <a:r>
+              <a:rPr lang="ja-JP" altLang="en-US" dirty="0" smtClean="0">
+                <a:solidFill>
+                  <a:srgbClr val="000000"/>
+                </a:solidFill>
+              </a:rPr>
+              <a:t>  </a:t>
+            </a:r>
+            <a:r>
+              <a:rPr lang="en-US" altLang="ja-JP" dirty="0" smtClean="0">
+                <a:solidFill>
+                  <a:srgbClr val="000000"/>
+                </a:solidFill>
+              </a:rPr>
+              <a:t>※</a:t>
+            </a:r>
+            <a:r>
+              <a:rPr lang="ja-JP" altLang="en-US" dirty="0" smtClean="0">
+                <a:solidFill>
+                  <a:srgbClr val="000000"/>
+                </a:solidFill>
+              </a:rPr>
+              <a:t>テンプレートの設定をそのまま利用する場合は登録不要ですが、</a:t>
+            </a:r>
+            <a:r>
+              <a:rPr lang="en-US" altLang="ja-JP" dirty="0" smtClean="0">
+                <a:solidFill>
+                  <a:srgbClr val="000000"/>
+                </a:solidFill>
+              </a:rPr>
+              <a:t/>
+            </a:r>
+            <a:br>
+              <a:rPr lang="en-US" altLang="ja-JP" dirty="0" smtClean="0">
+                <a:solidFill>
+                  <a:srgbClr val="000000"/>
+                </a:solidFill>
+              </a:rPr>
+            </a:br>
+            <a:r>
+              <a:rPr lang="ja-JP" altLang="en-US" dirty="0" smtClean="0">
+                <a:solidFill>
+                  <a:srgbClr val="000000"/>
+                </a:solidFill>
+              </a:rPr>
+              <a:t>　  その場合</a:t>
+            </a:r>
+            <a:r>
+              <a:rPr lang="en-US" altLang="ja-JP" dirty="0" smtClean="0">
+                <a:solidFill>
+                  <a:srgbClr val="000000"/>
+                </a:solidFill>
+                <a:hlinkClick r:id="rId2" action="ppaction://hlinksldjump"/>
+              </a:rPr>
+              <a:t>3.2.5 Conductor</a:t>
+            </a:r>
+            <a:r>
+              <a:rPr lang="ja-JP" altLang="en-US" dirty="0" smtClean="0">
+                <a:solidFill>
+                  <a:srgbClr val="000000"/>
+                </a:solidFill>
+                <a:hlinkClick r:id="rId2" action="ppaction://hlinksldjump"/>
+              </a:rPr>
+              <a:t>実行 </a:t>
+            </a:r>
+            <a:r>
+              <a:rPr lang="en-US" altLang="ja-JP" dirty="0" smtClean="0">
+                <a:solidFill>
+                  <a:srgbClr val="000000"/>
+                </a:solidFill>
+                <a:hlinkClick r:id="rId2" action="ppaction://hlinksldjump"/>
+              </a:rPr>
+              <a:t>– Movement</a:t>
+            </a:r>
+            <a:r>
+              <a:rPr lang="ja-JP" altLang="en-US" dirty="0" smtClean="0">
+                <a:solidFill>
+                  <a:srgbClr val="000000"/>
+                </a:solidFill>
+                <a:hlinkClick r:id="rId2" action="ppaction://hlinksldjump"/>
+              </a:rPr>
+              <a:t>をスキップ</a:t>
+            </a:r>
+            <a:r>
+              <a:rPr lang="ja-JP" altLang="en-US" dirty="0" smtClean="0">
+                <a:solidFill>
+                  <a:srgbClr val="000000"/>
+                </a:solidFill>
+              </a:rPr>
+              <a:t>の手順を行ってください。</a:t>
+            </a:r>
+          </a:p>
+          <a:p>
+            <a:pPr lvl="0">
+              <a:buClr>
+                <a:srgbClr val="002B62"/>
+              </a:buClr>
+            </a:pPr>
+            <a:endParaRPr lang="en-US" altLang="ja-JP" dirty="0">
+              <a:solidFill>
+                <a:srgbClr val="000000"/>
+              </a:solidFill>
+            </a:endParaRPr>
           </a:p>
         </p:txBody>
       </p:sp>
@@ -34114,15 +35411,15 @@
           <p:nvPr/>
         </p:nvPicPr>
         <p:blipFill>
-          <a:blip r:embed="rId2"/>
+          <a:blip r:embed="rId3"/>
           <a:stretch>
             <a:fillRect/>
           </a:stretch>
         </p:blipFill>
         <p:spPr>
           <a:xfrm>
-            <a:off x="283917" y="1593188"/>
-            <a:ext cx="9030898" cy="4860000"/>
+            <a:off x="239350" y="1897940"/>
+            <a:ext cx="8542043" cy="4596922"/>
           </a:xfrm>
           <a:prstGeom prst="rect">
             <a:avLst/>
@@ -34144,13 +35441,13 @@
           <p:nvPr>
             <p:extLst>
               <p:ext uri="{D42A27DB-BD31-4B8C-83A1-F6EECF244321}">
-                <p14:modId xmlns:p14="http://schemas.microsoft.com/office/powerpoint/2010/main" val="1794297801"/>
+                <p14:modId xmlns:p14="http://schemas.microsoft.com/office/powerpoint/2010/main" val="2931678022"/>
               </p:ext>
             </p:extLst>
           </p:nvPr>
         </p:nvGraphicFramePr>
         <p:xfrm>
-          <a:off x="5186276" y="2516948"/>
+          <a:off x="5351559" y="2558622"/>
           <a:ext cx="6765075" cy="3936240"/>
         </p:xfrm>
         <a:graphic>
@@ -35809,7 +37106,7 @@
 </p:sld>
 </file>
 
-<file path=ppt/slides/slide34.xml><?xml version="1.0" encoding="utf-8"?>
+<file path=ppt/slides/slide35.xml><?xml version="1.0" encoding="utf-8"?>
 <p:sld xmlns:a="http://schemas.openxmlformats.org/drawingml/2006/main" xmlns:r="http://schemas.openxmlformats.org/officeDocument/2006/relationships" xmlns:p="http://schemas.openxmlformats.org/presentationml/2006/main">
   <p:cSld>
     <p:spTree>
@@ -35842,8 +37139,8 @@
         </p:blipFill>
         <p:spPr>
           <a:xfrm>
-            <a:off x="239350" y="1654994"/>
-            <a:ext cx="8948454" cy="4860000"/>
+            <a:off x="239350" y="1884622"/>
+            <a:ext cx="8525652" cy="4630372"/>
           </a:xfrm>
           <a:prstGeom prst="rect">
             <a:avLst/>
@@ -35906,12 +37203,12 @@
         <p:spPr>
           <a:xfrm>
             <a:off x="239350" y="836712"/>
-            <a:ext cx="11713301" cy="898570"/>
+            <a:ext cx="11713301" cy="1118212"/>
           </a:xfrm>
         </p:spPr>
         <p:txBody>
           <a:bodyPr>
-            <a:normAutofit/>
+            <a:noAutofit/>
           </a:bodyPr>
           <a:lstStyle/>
           <a:p>
@@ -35934,15 +37231,88 @@
               <a:t>  </a:t>
             </a:r>
             <a:r>
-              <a:rPr lang="en-US" altLang="ja-JP" dirty="0" smtClean="0"/>
+              <a:rPr lang="en-US" altLang="ja-JP" dirty="0" smtClean="0">
+                <a:solidFill>
+                  <a:srgbClr val="000000"/>
+                </a:solidFill>
+              </a:rPr>
               <a:t>※</a:t>
             </a:r>
             <a:r>
-              <a:rPr lang="ja-JP" altLang="en-US" dirty="0"/>
-              <a:t>追加しない場合は登録不要</a:t>
-            </a:r>
-          </a:p>
-          <a:p>
+              <a:rPr lang="ja-JP" altLang="en-US" dirty="0">
+                <a:solidFill>
+                  <a:srgbClr val="000000"/>
+                </a:solidFill>
+              </a:rPr>
+              <a:t>テンプレートの設定をそのまま利用する場合は登録不要ですが、</a:t>
+            </a:r>
+            <a:r>
+              <a:rPr lang="en-US" altLang="ja-JP" dirty="0">
+                <a:solidFill>
+                  <a:srgbClr val="000000"/>
+                </a:solidFill>
+              </a:rPr>
+              <a:t/>
+            </a:r>
+            <a:br>
+              <a:rPr lang="en-US" altLang="ja-JP" dirty="0">
+                <a:solidFill>
+                  <a:srgbClr val="000000"/>
+                </a:solidFill>
+              </a:rPr>
+            </a:br>
+            <a:r>
+              <a:rPr lang="ja-JP" altLang="en-US" dirty="0">
+                <a:solidFill>
+                  <a:srgbClr val="000000"/>
+                </a:solidFill>
+              </a:rPr>
+              <a:t>　  その場合</a:t>
+            </a:r>
+            <a:r>
+              <a:rPr lang="en-US" altLang="ja-JP" dirty="0">
+                <a:solidFill>
+                  <a:srgbClr val="000000"/>
+                </a:solidFill>
+                <a:hlinkClick r:id="rId3" action="ppaction://hlinksldjump"/>
+              </a:rPr>
+              <a:t>3.2.5 Conductor</a:t>
+            </a:r>
+            <a:r>
+              <a:rPr lang="ja-JP" altLang="en-US" dirty="0">
+                <a:solidFill>
+                  <a:srgbClr val="000000"/>
+                </a:solidFill>
+                <a:hlinkClick r:id="rId3" action="ppaction://hlinksldjump"/>
+              </a:rPr>
+              <a:t>実行 </a:t>
+            </a:r>
+            <a:r>
+              <a:rPr lang="en-US" altLang="ja-JP" dirty="0">
+                <a:solidFill>
+                  <a:srgbClr val="000000"/>
+                </a:solidFill>
+                <a:hlinkClick r:id="rId3" action="ppaction://hlinksldjump"/>
+              </a:rPr>
+              <a:t>– Movement</a:t>
+            </a:r>
+            <a:r>
+              <a:rPr lang="ja-JP" altLang="en-US" dirty="0">
+                <a:solidFill>
+                  <a:srgbClr val="000000"/>
+                </a:solidFill>
+                <a:hlinkClick r:id="rId3" action="ppaction://hlinksldjump"/>
+              </a:rPr>
+              <a:t>をスキップ</a:t>
+            </a:r>
+            <a:r>
+              <a:rPr lang="ja-JP" altLang="en-US" dirty="0">
+                <a:solidFill>
+                  <a:srgbClr val="000000"/>
+                </a:solidFill>
+              </a:rPr>
+              <a:t>の手順を行ってください。</a:t>
+            </a:r>
             <a:endParaRPr kumimoji="1" lang="en-US" altLang="ja-JP" dirty="0"/>
           </a:p>
         </p:txBody>
@@ -37078,7 +38448,7 @@
 </p:sld>
 </file>
 
-<file path=ppt/slides/slide35.xml><?xml version="1.0" encoding="utf-8"?>
+<file path=ppt/slides/slide36.xml><?xml version="1.0" encoding="utf-8"?>
 <p:sld xmlns:a="http://schemas.openxmlformats.org/drawingml/2006/main" xmlns:r="http://schemas.openxmlformats.org/officeDocument/2006/relationships" xmlns:p="http://schemas.openxmlformats.org/presentationml/2006/main">
   <p:cSld>
     <p:spTree>
@@ -38784,7 +40154,7 @@
 </p:sld>
 </file>
 
-<file path=ppt/slides/slide36.xml><?xml version="1.0" encoding="utf-8"?>
+<file path=ppt/slides/slide37.xml><?xml version="1.0" encoding="utf-8"?>
 <p:sld xmlns:a="http://schemas.openxmlformats.org/drawingml/2006/main" xmlns:r="http://schemas.openxmlformats.org/officeDocument/2006/relationships" xmlns:p="http://schemas.openxmlformats.org/presentationml/2006/main">
   <p:cSld>
     <p:spTree>
@@ -40452,7 +41822,7 @@
 </p:sld>
 </file>
 
-<file path=ppt/slides/slide37.xml><?xml version="1.0" encoding="utf-8"?>
+<file path=ppt/slides/slide38.xml><?xml version="1.0" encoding="utf-8"?>
 <p:sld xmlns:a="http://schemas.openxmlformats.org/drawingml/2006/main" xmlns:r="http://schemas.openxmlformats.org/officeDocument/2006/relationships" xmlns:p="http://schemas.openxmlformats.org/presentationml/2006/main">
   <p:cSld>
     <p:spTree>
@@ -40512,8 +41882,13 @@
             </a:r>
             <a:r>
               <a:rPr kumimoji="1" lang="ja-JP" altLang="en-US" dirty="0"/>
-              <a:t>作成・起動・停止・削除</a:t>
-            </a:r>
+              <a:t>作成・起動・停止・</a:t>
+            </a:r>
+            <a:r>
+              <a:rPr kumimoji="1" lang="ja-JP" altLang="en-US" dirty="0" smtClean="0"/>
+              <a:t>削除</a:t>
+            </a:r>
+            <a:endParaRPr kumimoji="1" lang="ja-JP" altLang="en-US" dirty="0"/>
           </a:p>
         </p:txBody>
       </p:sp>
@@ -40681,7 +42056,1092 @@
 </p:sld>
 </file>
 
-<file path=ppt/slides/slide38.xml><?xml version="1.0" encoding="utf-8"?>
+<file path=ppt/slides/slide39.xml><?xml version="1.0" encoding="utf-8"?>
+<p:sld xmlns:a="http://schemas.openxmlformats.org/drawingml/2006/main" xmlns:r="http://schemas.openxmlformats.org/officeDocument/2006/relationships" xmlns:p="http://schemas.openxmlformats.org/presentationml/2006/main">
+  <p:cSld>
+    <p:spTree>
+      <p:nvGrpSpPr>
+        <p:cNvPr id="1" name=""/>
+        <p:cNvGrpSpPr/>
+        <p:nvPr/>
+      </p:nvGrpSpPr>
+      <p:grpSpPr>
+        <a:xfrm>
+          <a:off x="0" y="0"/>
+          <a:ext cx="0" cy="0"/>
+          <a:chOff x="0" y="0"/>
+          <a:chExt cx="0" cy="0"/>
+        </a:xfrm>
+      </p:grpSpPr>
+      <p:sp>
+        <p:nvSpPr>
+          <p:cNvPr id="2" name="タイトル 1">
+            <a:extLst>
+              <a:ext uri="{FF2B5EF4-FFF2-40B4-BE49-F238E27FC236}">
+                <a16:creationId xmlns:a16="http://schemas.microsoft.com/office/drawing/2014/main" id="{EF8AD6C4-AE60-4B16-83B1-5E10784AB84C}"/>
+              </a:ext>
+            </a:extLst>
+          </p:cNvPr>
+          <p:cNvSpPr>
+            <a:spLocks noGrp="1"/>
+          </p:cNvSpPr>
+          <p:nvPr>
+            <p:ph type="title"/>
+          </p:nvPr>
+        </p:nvSpPr>
+        <p:spPr/>
+        <p:txBody>
+          <a:bodyPr/>
+          <a:lstStyle/>
+          <a:p>
+            <a:r>
+              <a:rPr kumimoji="1" lang="en-US" altLang="ja-JP" dirty="0" smtClean="0"/>
+              <a:t>3.2.5</a:t>
+            </a:r>
+            <a:r>
+              <a:rPr kumimoji="1" lang="ja-JP" altLang="en-US" dirty="0" smtClean="0"/>
+              <a:t> </a:t>
+            </a:r>
+            <a:r>
+              <a:rPr kumimoji="1" lang="en-US" altLang="ja-JP" dirty="0" smtClean="0"/>
+              <a:t>Conductor</a:t>
+            </a:r>
+            <a:r>
+              <a:rPr kumimoji="1" lang="ja-JP" altLang="en-US" dirty="0"/>
+              <a:t>実行 </a:t>
+            </a:r>
+            <a:r>
+              <a:rPr kumimoji="1" lang="en-US" altLang="ja-JP" dirty="0"/>
+              <a:t>– </a:t>
+            </a:r>
+            <a:r>
+              <a:rPr kumimoji="1" lang="en-US" altLang="ja-JP" dirty="0" smtClean="0"/>
+              <a:t>Movement</a:t>
+            </a:r>
+            <a:r>
+              <a:rPr kumimoji="1" lang="ja-JP" altLang="en-US" dirty="0" smtClean="0"/>
+              <a:t>をスキップ</a:t>
+            </a:r>
+            <a:endParaRPr kumimoji="1" lang="ja-JP" altLang="en-US" dirty="0"/>
+          </a:p>
+        </p:txBody>
+      </p:sp>
+      <p:sp>
+        <p:nvSpPr>
+          <p:cNvPr id="3" name="コンテンツ プレースホルダー 2">
+            <a:extLst>
+              <a:ext uri="{FF2B5EF4-FFF2-40B4-BE49-F238E27FC236}">
+                <a16:creationId xmlns:a16="http://schemas.microsoft.com/office/drawing/2014/main" id="{71443B08-CDE2-4EBF-A381-1C1CCAFA375E}"/>
+              </a:ext>
+            </a:extLst>
+          </p:cNvPr>
+          <p:cNvSpPr>
+            <a:spLocks noGrp="1"/>
+          </p:cNvSpPr>
+          <p:nvPr>
+            <p:ph sz="quarter" idx="10"/>
+          </p:nvPr>
+        </p:nvSpPr>
+        <p:spPr/>
+        <p:txBody>
+          <a:bodyPr vert="horz" lIns="91440" tIns="45720" rIns="91440" bIns="45720" rtlCol="0" anchor="t">
+            <a:noAutofit/>
+          </a:bodyPr>
+          <a:lstStyle/>
+          <a:p>
+            <a:pPr marL="179705" indent="-179705"/>
+            <a:r>
+              <a:rPr lang="ja-JP" altLang="en-US" dirty="0"/>
+              <a:t>「メニュー名</a:t>
+            </a:r>
+            <a:r>
+              <a:rPr lang="en-US" altLang="ja-JP" dirty="0"/>
+              <a:t>:IP</a:t>
+            </a:r>
+            <a:r>
+              <a:rPr lang="ja-JP" altLang="en-US" dirty="0"/>
+              <a:t>アドレス設定</a:t>
+            </a:r>
+            <a:r>
+              <a:rPr lang="ja-JP" altLang="en-US" dirty="0" smtClean="0"/>
+              <a:t>」と</a:t>
+            </a:r>
+            <a:r>
+              <a:rPr lang="ja-JP" altLang="en-US" dirty="0"/>
+              <a:t>「メニュー名</a:t>
+            </a:r>
+            <a:r>
+              <a:rPr lang="en-US" altLang="ja-JP" dirty="0"/>
+              <a:t>:</a:t>
+            </a:r>
+            <a:r>
+              <a:rPr lang="ja-JP" altLang="en-US" dirty="0"/>
+              <a:t>仮想ハードディスク設定</a:t>
+            </a:r>
+            <a:r>
+              <a:rPr lang="ja-JP" altLang="en-US" dirty="0" smtClean="0"/>
+              <a:t>」において、レコードを追加しない場合、下記手順で</a:t>
+            </a:r>
+            <a:r>
+              <a:rPr lang="en-US" altLang="ja-JP" dirty="0" smtClean="0"/>
+              <a:t>Movement</a:t>
+            </a:r>
+            <a:r>
+              <a:rPr lang="ja-JP" altLang="en-US" dirty="0" smtClean="0"/>
+              <a:t>を</a:t>
+            </a:r>
+            <a:r>
+              <a:rPr lang="en-US" altLang="ja-JP" dirty="0" smtClean="0"/>
+              <a:t>Skip</a:t>
+            </a:r>
+            <a:r>
+              <a:rPr lang="ja-JP" altLang="en-US" dirty="0" smtClean="0"/>
+              <a:t>させる必要があります。</a:t>
+            </a:r>
+            <a:r>
+              <a:rPr lang="en-US" altLang="ja-JP" dirty="0" smtClean="0"/>
+              <a:t/>
+            </a:r>
+            <a:br>
+              <a:rPr lang="en-US" altLang="ja-JP" dirty="0" smtClean="0"/>
+            </a:br>
+            <a:endParaRPr lang="en-US" altLang="ja-JP" dirty="0" smtClean="0"/>
+          </a:p>
+          <a:p>
+            <a:pPr marL="637200" lvl="1" indent="-457200">
+              <a:buFont typeface="+mj-lt"/>
+              <a:buAutoNum type="arabicPeriod"/>
+            </a:pPr>
+            <a:r>
+              <a:rPr lang="en-US" altLang="ja-JP" sz="2000" dirty="0" smtClean="0"/>
+              <a:t>Conductor</a:t>
+            </a:r>
+            <a:r>
+              <a:rPr lang="ja-JP" altLang="en-US" sz="2000" dirty="0" smtClean="0"/>
+              <a:t>作業実行メニュー内の</a:t>
+            </a:r>
+            <a:r>
+              <a:rPr lang="en-US" altLang="ja-JP" sz="2000" dirty="0" smtClean="0"/>
+              <a:t>Conductor</a:t>
+            </a:r>
+            <a:r>
+              <a:rPr lang="ja-JP" altLang="en-US" sz="2000" dirty="0" smtClean="0"/>
+              <a:t>実行から該当の</a:t>
+            </a:r>
+            <a:r>
+              <a:rPr lang="en-US" altLang="ja-JP" sz="2000" dirty="0" smtClean="0"/>
+              <a:t>Movement</a:t>
+            </a:r>
+            <a:r>
+              <a:rPr lang="ja-JP" altLang="en-US" sz="2000" dirty="0" smtClean="0"/>
+              <a:t>をクリック</a:t>
+            </a:r>
+            <a:endParaRPr lang="en-US" altLang="ja-JP" sz="2000" dirty="0" smtClean="0"/>
+          </a:p>
+          <a:p>
+            <a:pPr marL="637200" lvl="1" indent="-457200">
+              <a:buFont typeface="+mj-lt"/>
+              <a:buAutoNum type="arabicPeriod"/>
+            </a:pPr>
+            <a:r>
+              <a:rPr lang="ja-JP" altLang="en-US" sz="2000" dirty="0" smtClean="0"/>
+              <a:t>項目「</a:t>
+            </a:r>
+            <a:r>
+              <a:rPr lang="en-US" altLang="ja-JP" sz="2000" dirty="0" smtClean="0"/>
+              <a:t>Skip</a:t>
+            </a:r>
+            <a:r>
+              <a:rPr lang="ja-JP" altLang="en-US" sz="2000" dirty="0" smtClean="0"/>
+              <a:t>」にチェックを入れる</a:t>
+            </a:r>
+            <a:endParaRPr lang="en-US" altLang="ja-JP" sz="2000" dirty="0" smtClean="0"/>
+          </a:p>
+          <a:p>
+            <a:pPr marL="637200" lvl="1" indent="-457200">
+              <a:buFont typeface="+mj-lt"/>
+              <a:buAutoNum type="arabicPeriod"/>
+            </a:pPr>
+            <a:r>
+              <a:rPr lang="ja-JP" altLang="en-US" sz="2000" dirty="0" smtClean="0"/>
+              <a:t>該当</a:t>
+            </a:r>
+            <a:r>
+              <a:rPr lang="en-US" altLang="ja-JP" sz="2000" dirty="0" smtClean="0"/>
+              <a:t>Movement</a:t>
+            </a:r>
+            <a:r>
+              <a:rPr lang="ja-JP" altLang="en-US" sz="2000" dirty="0" smtClean="0"/>
+              <a:t>の下に「   　　」が表示されていることを確認</a:t>
+            </a:r>
+            <a:endParaRPr lang="en-US" altLang="ja-JP" sz="2000" dirty="0" smtClean="0"/>
+          </a:p>
+          <a:p>
+            <a:pPr marL="637200" lvl="1" indent="-457200">
+              <a:buFont typeface="+mj-lt"/>
+              <a:buAutoNum type="arabicPeriod"/>
+            </a:pPr>
+            <a:r>
+              <a:rPr lang="ja-JP" altLang="en-US" sz="2000" dirty="0" smtClean="0"/>
+              <a:t>実行ボタンをクリック</a:t>
+            </a:r>
+            <a:endParaRPr lang="en-US" altLang="ja-JP" sz="2000" dirty="0" smtClean="0"/>
+          </a:p>
+        </p:txBody>
+      </p:sp>
+      <p:pic>
+        <p:nvPicPr>
+          <p:cNvPr id="4" name="図 3"/>
+          <p:cNvPicPr>
+            <a:picLocks noChangeAspect="1"/>
+          </p:cNvPicPr>
+          <p:nvPr/>
+        </p:nvPicPr>
+        <p:blipFill>
+          <a:blip r:embed="rId2"/>
+          <a:stretch>
+            <a:fillRect/>
+          </a:stretch>
+        </p:blipFill>
+        <p:spPr>
+          <a:xfrm>
+            <a:off x="512598" y="4001786"/>
+            <a:ext cx="11439728" cy="2413482"/>
+          </a:xfrm>
+          <a:prstGeom prst="rect">
+            <a:avLst/>
+          </a:prstGeom>
+        </p:spPr>
+      </p:pic>
+      <p:pic>
+        <p:nvPicPr>
+          <p:cNvPr id="5" name="図 4"/>
+          <p:cNvPicPr>
+            <a:picLocks noChangeAspect="1"/>
+          </p:cNvPicPr>
+          <p:nvPr/>
+        </p:nvPicPr>
+        <p:blipFill>
+          <a:blip r:embed="rId3"/>
+          <a:stretch>
+            <a:fillRect/>
+          </a:stretch>
+        </p:blipFill>
+        <p:spPr>
+          <a:xfrm>
+            <a:off x="3786455" y="2501203"/>
+            <a:ext cx="753957" cy="389406"/>
+          </a:xfrm>
+          <a:prstGeom prst="rect">
+            <a:avLst/>
+          </a:prstGeom>
+        </p:spPr>
+      </p:pic>
+      <p:graphicFrame>
+        <p:nvGraphicFramePr>
+          <p:cNvPr id="16" name="表 15">
+            <a:extLst>
+              <a:ext uri="{FF2B5EF4-FFF2-40B4-BE49-F238E27FC236}">
+                <a16:creationId xmlns:a16="http://schemas.microsoft.com/office/drawing/2014/main" id="{F5260807-AC7C-4B4D-82C0-B35394AA90B3}"/>
+              </a:ext>
+            </a:extLst>
+          </p:cNvPr>
+          <p:cNvGraphicFramePr>
+            <a:graphicFrameLocks noGrp="1"/>
+          </p:cNvGraphicFramePr>
+          <p:nvPr>
+            <p:extLst>
+              <p:ext uri="{D42A27DB-BD31-4B8C-83A1-F6EECF244321}">
+                <p14:modId xmlns:p14="http://schemas.microsoft.com/office/powerpoint/2010/main" val="2689019613"/>
+              </p:ext>
+            </p:extLst>
+          </p:nvPr>
+        </p:nvGraphicFramePr>
+        <p:xfrm>
+          <a:off x="7548730" y="3384710"/>
+          <a:ext cx="4402621" cy="980640"/>
+        </p:xfrm>
+        <a:graphic>
+          <a:graphicData uri="http://schemas.openxmlformats.org/drawingml/2006/table">
+            <a:tbl>
+              <a:tblPr firstRow="1" bandRow="1">
+                <a:tableStyleId>{93296810-A885-4BE3-A3E7-6D5BEEA58F35}</a:tableStyleId>
+              </a:tblPr>
+              <a:tblGrid>
+                <a:gridCol w="2144109">
+                  <a:extLst>
+                    <a:ext uri="{9D8B030D-6E8A-4147-A177-3AD203B41FA5}">
+                      <a16:colId xmlns:a16="http://schemas.microsoft.com/office/drawing/2014/main" val="1884901537"/>
+                    </a:ext>
+                  </a:extLst>
+                </a:gridCol>
+                <a:gridCol w="2258512">
+                  <a:extLst>
+                    <a:ext uri="{9D8B030D-6E8A-4147-A177-3AD203B41FA5}">
+                      <a16:colId xmlns:a16="http://schemas.microsoft.com/office/drawing/2014/main" val="2768844600"/>
+                    </a:ext>
+                  </a:extLst>
+                </a:gridCol>
+              </a:tblGrid>
+              <a:tr h="0">
+                <a:tc>
+                  <a:txBody>
+                    <a:bodyPr/>
+                    <a:lstStyle/>
+                    <a:p>
+                      <a:pPr marL="0" marR="0" lvl="0" indent="0" algn="ctr" defTabSz="914400" rtl="0" eaLnBrk="1" fontAlgn="auto" latinLnBrk="0" hangingPunct="1">
+                        <a:lnSpc>
+                          <a:spcPct val="100000"/>
+                        </a:lnSpc>
+                        <a:spcBef>
+                          <a:spcPts val="0"/>
+                        </a:spcBef>
+                        <a:spcAft>
+                          <a:spcPts val="0"/>
+                        </a:spcAft>
+                        <a:buClrTx/>
+                        <a:buSzTx/>
+                        <a:buFontTx/>
+                        <a:buNone/>
+                        <a:tabLst/>
+                        <a:defRPr/>
+                      </a:pPr>
+                      <a:r>
+                        <a:rPr kumimoji="1" lang="ja-JP" altLang="en-US" sz="1200" dirty="0" smtClean="0"/>
+                        <a:t>メニュー名</a:t>
+                      </a:r>
+                      <a:endParaRPr kumimoji="1" lang="ja-JP" altLang="en-US" sz="1200" dirty="0"/>
+                    </a:p>
+                  </a:txBody>
+                  <a:tcPr marT="72000" marB="72000" anchor="ctr">
+                    <a:lnL w="12700" cap="flat" cmpd="sng" algn="ctr">
+                      <a:solidFill>
+                        <a:schemeClr val="tx1"/>
+                      </a:solidFill>
+                      <a:prstDash val="solid"/>
+                      <a:round/>
+                      <a:headEnd type="none" w="med" len="med"/>
+                      <a:tailEnd type="none" w="med" len="med"/>
+                    </a:lnL>
+                    <a:lnR w="12700" cap="flat" cmpd="sng" algn="ctr">
+                      <a:solidFill>
+                        <a:schemeClr val="bg1"/>
+                      </a:solidFill>
+                      <a:prstDash val="solid"/>
+                      <a:round/>
+                      <a:headEnd type="none" w="med" len="med"/>
+                      <a:tailEnd type="none" w="med" len="med"/>
+                    </a:lnR>
+                    <a:lnT w="12700" cap="flat" cmpd="sng" algn="ctr">
+                      <a:solidFill>
+                        <a:schemeClr val="tx1"/>
+                      </a:solidFill>
+                      <a:prstDash val="solid"/>
+                      <a:round/>
+                      <a:headEnd type="none" w="med" len="med"/>
+                      <a:tailEnd type="none" w="med" len="med"/>
+                    </a:lnT>
+                    <a:lnB w="12700" cap="flat" cmpd="sng" algn="ctr">
+                      <a:solidFill>
+                        <a:schemeClr val="tx1"/>
+                      </a:solidFill>
+                      <a:prstDash val="solid"/>
+                      <a:round/>
+                      <a:headEnd type="none" w="med" len="med"/>
+                      <a:tailEnd type="none" w="med" len="med"/>
+                    </a:lnB>
+                  </a:tcPr>
+                </a:tc>
+                <a:tc>
+                  <a:txBody>
+                    <a:bodyPr/>
+                    <a:lstStyle/>
+                    <a:p>
+                      <a:pPr algn="ctr"/>
+                      <a:r>
+                        <a:rPr kumimoji="1" lang="en-US" altLang="ja-JP" sz="1200" dirty="0" smtClean="0"/>
+                        <a:t>Movement</a:t>
+                      </a:r>
+                      <a:r>
+                        <a:rPr kumimoji="1" lang="ja-JP" altLang="en-US" sz="1200" dirty="0" smtClean="0"/>
+                        <a:t>名</a:t>
+                      </a:r>
+                      <a:endParaRPr kumimoji="1" lang="ja-JP" altLang="en-US" sz="1200" dirty="0"/>
+                    </a:p>
+                  </a:txBody>
+                  <a:tcPr marT="72000" marB="72000" anchor="ctr">
+                    <a:lnL w="12700" cap="flat" cmpd="sng" algn="ctr">
+                      <a:solidFill>
+                        <a:schemeClr val="bg1"/>
+                      </a:solidFill>
+                      <a:prstDash val="solid"/>
+                      <a:round/>
+                      <a:headEnd type="none" w="med" len="med"/>
+                      <a:tailEnd type="none" w="med" len="med"/>
+                    </a:lnL>
+                    <a:lnR w="12700" cap="flat" cmpd="sng" algn="ctr">
+                      <a:solidFill>
+                        <a:schemeClr val="tx1"/>
+                      </a:solidFill>
+                      <a:prstDash val="solid"/>
+                      <a:round/>
+                      <a:headEnd type="none" w="med" len="med"/>
+                      <a:tailEnd type="none" w="med" len="med"/>
+                    </a:lnR>
+                    <a:lnT w="12700" cap="flat" cmpd="sng" algn="ctr">
+                      <a:solidFill>
+                        <a:schemeClr val="tx1"/>
+                      </a:solidFill>
+                      <a:prstDash val="solid"/>
+                      <a:round/>
+                      <a:headEnd type="none" w="med" len="med"/>
+                      <a:tailEnd type="none" w="med" len="med"/>
+                    </a:lnT>
+                    <a:lnB w="12700" cap="flat" cmpd="sng" algn="ctr">
+                      <a:solidFill>
+                        <a:schemeClr val="tx1"/>
+                      </a:solidFill>
+                      <a:prstDash val="solid"/>
+                      <a:round/>
+                      <a:headEnd type="none" w="med" len="med"/>
+                      <a:tailEnd type="none" w="med" len="med"/>
+                    </a:lnB>
+                  </a:tcPr>
+                </a:tc>
+                <a:extLst>
+                  <a:ext uri="{0D108BD9-81ED-4DB2-BD59-A6C34878D82A}">
+                    <a16:rowId xmlns:a16="http://schemas.microsoft.com/office/drawing/2014/main" val="704892927"/>
+                  </a:ext>
+                </a:extLst>
+              </a:tr>
+              <a:tr h="0">
+                <a:tc>
+                  <a:txBody>
+                    <a:bodyPr/>
+                    <a:lstStyle/>
+                    <a:p>
+                      <a:pPr algn="ctr"/>
+                      <a:r>
+                        <a:rPr kumimoji="1" lang="en-US" altLang="ja-JP" sz="1200" dirty="0" smtClean="0"/>
+                        <a:t>IP</a:t>
+                      </a:r>
+                      <a:r>
+                        <a:rPr kumimoji="1" lang="ja-JP" altLang="en-US" sz="1200" dirty="0" smtClean="0"/>
+                        <a:t>アドレス設定</a:t>
+                      </a:r>
+                      <a:endParaRPr kumimoji="1" lang="ja-JP" altLang="en-US" sz="1200" dirty="0"/>
+                    </a:p>
+                  </a:txBody>
+                  <a:tcPr marT="72000" marB="72000" anchor="ctr">
+                    <a:lnL w="12700" cap="flat" cmpd="sng" algn="ctr">
+                      <a:solidFill>
+                        <a:schemeClr val="tx1"/>
+                      </a:solidFill>
+                      <a:prstDash val="solid"/>
+                      <a:round/>
+                      <a:headEnd type="none" w="med" len="med"/>
+                      <a:tailEnd type="none" w="med" len="med"/>
+                    </a:lnL>
+                    <a:lnR w="12700" cap="flat" cmpd="sng" algn="ctr">
+                      <a:solidFill>
+                        <a:schemeClr val="tx1"/>
+                      </a:solidFill>
+                      <a:prstDash val="solid"/>
+                      <a:round/>
+                      <a:headEnd type="none" w="med" len="med"/>
+                      <a:tailEnd type="none" w="med" len="med"/>
+                    </a:lnR>
+                    <a:lnT w="12700" cap="flat" cmpd="sng" algn="ctr">
+                      <a:solidFill>
+                        <a:schemeClr val="tx1"/>
+                      </a:solidFill>
+                      <a:prstDash val="solid"/>
+                      <a:round/>
+                      <a:headEnd type="none" w="med" len="med"/>
+                      <a:tailEnd type="none" w="med" len="med"/>
+                    </a:lnT>
+                    <a:lnB w="12700" cap="flat" cmpd="sng" algn="ctr">
+                      <a:solidFill>
+                        <a:schemeClr val="tx1"/>
+                      </a:solidFill>
+                      <a:prstDash val="solid"/>
+                      <a:round/>
+                      <a:headEnd type="none" w="med" len="med"/>
+                      <a:tailEnd type="none" w="med" len="med"/>
+                    </a:lnB>
+                    <a:solidFill>
+                      <a:schemeClr val="bg1"/>
+                    </a:solidFill>
+                  </a:tcPr>
+                </a:tc>
+                <a:tc>
+                  <a:txBody>
+                    <a:bodyPr/>
+                    <a:lstStyle/>
+                    <a:p>
+                      <a:pPr algn="ctr"/>
+                      <a:r>
+                        <a:rPr kumimoji="1" lang="en-US" altLang="ja-JP" sz="1200" dirty="0" smtClean="0"/>
+                        <a:t>IP</a:t>
+                      </a:r>
+                      <a:r>
+                        <a:rPr kumimoji="1" lang="ja-JP" altLang="en-US" sz="1200" dirty="0" smtClean="0"/>
+                        <a:t>アドレス設定</a:t>
+                      </a:r>
+                      <a:endParaRPr kumimoji="1" lang="ja-JP" altLang="en-US" sz="1200" dirty="0"/>
+                    </a:p>
+                  </a:txBody>
+                  <a:tcPr marT="72000" marB="72000" anchor="ctr">
+                    <a:lnL w="12700" cap="flat" cmpd="sng" algn="ctr">
+                      <a:solidFill>
+                        <a:schemeClr val="tx1"/>
+                      </a:solidFill>
+                      <a:prstDash val="solid"/>
+                      <a:round/>
+                      <a:headEnd type="none" w="med" len="med"/>
+                      <a:tailEnd type="none" w="med" len="med"/>
+                    </a:lnL>
+                    <a:lnR w="12700" cap="flat" cmpd="sng" algn="ctr">
+                      <a:solidFill>
+                        <a:schemeClr val="tx1"/>
+                      </a:solidFill>
+                      <a:prstDash val="solid"/>
+                      <a:round/>
+                      <a:headEnd type="none" w="med" len="med"/>
+                      <a:tailEnd type="none" w="med" len="med"/>
+                    </a:lnR>
+                    <a:lnT w="12700" cap="flat" cmpd="sng" algn="ctr">
+                      <a:solidFill>
+                        <a:schemeClr val="tx1"/>
+                      </a:solidFill>
+                      <a:prstDash val="solid"/>
+                      <a:round/>
+                      <a:headEnd type="none" w="med" len="med"/>
+                      <a:tailEnd type="none" w="med" len="med"/>
+                    </a:lnT>
+                    <a:lnB w="12700" cap="flat" cmpd="sng" algn="ctr">
+                      <a:solidFill>
+                        <a:schemeClr val="tx1"/>
+                      </a:solidFill>
+                      <a:prstDash val="solid"/>
+                      <a:round/>
+                      <a:headEnd type="none" w="med" len="med"/>
+                      <a:tailEnd type="none" w="med" len="med"/>
+                    </a:lnB>
+                    <a:solidFill>
+                      <a:schemeClr val="bg1"/>
+                    </a:solidFill>
+                  </a:tcPr>
+                </a:tc>
+                <a:extLst>
+                  <a:ext uri="{0D108BD9-81ED-4DB2-BD59-A6C34878D82A}">
+                    <a16:rowId xmlns:a16="http://schemas.microsoft.com/office/drawing/2014/main" val="1012509120"/>
+                  </a:ext>
+                </a:extLst>
+              </a:tr>
+              <a:tr h="0">
+                <a:tc>
+                  <a:txBody>
+                    <a:bodyPr/>
+                    <a:lstStyle/>
+                    <a:p>
+                      <a:pPr algn="ctr"/>
+                      <a:r>
+                        <a:rPr kumimoji="1" lang="ja-JP" altLang="en-US" sz="1200" dirty="0" smtClean="0"/>
+                        <a:t>仮想ハードディスク設定</a:t>
+                      </a:r>
+                      <a:endParaRPr kumimoji="1" lang="ja-JP" altLang="en-US" sz="1200" dirty="0"/>
+                    </a:p>
+                  </a:txBody>
+                  <a:tcPr marT="72000" marB="72000" anchor="ctr">
+                    <a:lnL w="12700" cap="flat" cmpd="sng" algn="ctr">
+                      <a:solidFill>
+                        <a:schemeClr val="tx1"/>
+                      </a:solidFill>
+                      <a:prstDash val="solid"/>
+                      <a:round/>
+                      <a:headEnd type="none" w="med" len="med"/>
+                      <a:tailEnd type="none" w="med" len="med"/>
+                    </a:lnL>
+                    <a:lnR w="12700" cap="flat" cmpd="sng" algn="ctr">
+                      <a:solidFill>
+                        <a:schemeClr val="tx1"/>
+                      </a:solidFill>
+                      <a:prstDash val="solid"/>
+                      <a:round/>
+                      <a:headEnd type="none" w="med" len="med"/>
+                      <a:tailEnd type="none" w="med" len="med"/>
+                    </a:lnR>
+                    <a:lnT w="12700" cap="flat" cmpd="sng" algn="ctr">
+                      <a:solidFill>
+                        <a:schemeClr val="tx1"/>
+                      </a:solidFill>
+                      <a:prstDash val="solid"/>
+                      <a:round/>
+                      <a:headEnd type="none" w="med" len="med"/>
+                      <a:tailEnd type="none" w="med" len="med"/>
+                    </a:lnT>
+                    <a:lnB w="12700" cap="flat" cmpd="sng" algn="ctr">
+                      <a:solidFill>
+                        <a:schemeClr val="tx1"/>
+                      </a:solidFill>
+                      <a:prstDash val="solid"/>
+                      <a:round/>
+                      <a:headEnd type="none" w="med" len="med"/>
+                      <a:tailEnd type="none" w="med" len="med"/>
+                    </a:lnB>
+                    <a:solidFill>
+                      <a:schemeClr val="bg1"/>
+                    </a:solidFill>
+                  </a:tcPr>
+                </a:tc>
+                <a:tc>
+                  <a:txBody>
+                    <a:bodyPr/>
+                    <a:lstStyle/>
+                    <a:p>
+                      <a:pPr algn="ctr"/>
+                      <a:r>
+                        <a:rPr kumimoji="1" lang="ja-JP" altLang="en-US" sz="1200" dirty="0" smtClean="0"/>
+                        <a:t>仮想ハードディスク追加</a:t>
+                      </a:r>
+                      <a:endParaRPr kumimoji="1" lang="ja-JP" altLang="en-US" sz="1200" dirty="0"/>
+                    </a:p>
+                  </a:txBody>
+                  <a:tcPr marT="72000" marB="72000" anchor="ctr">
+                    <a:lnL w="12700" cap="flat" cmpd="sng" algn="ctr">
+                      <a:solidFill>
+                        <a:schemeClr val="tx1"/>
+                      </a:solidFill>
+                      <a:prstDash val="solid"/>
+                      <a:round/>
+                      <a:headEnd type="none" w="med" len="med"/>
+                      <a:tailEnd type="none" w="med" len="med"/>
+                    </a:lnL>
+                    <a:lnR w="12700" cap="flat" cmpd="sng" algn="ctr">
+                      <a:solidFill>
+                        <a:schemeClr val="tx1"/>
+                      </a:solidFill>
+                      <a:prstDash val="solid"/>
+                      <a:round/>
+                      <a:headEnd type="none" w="med" len="med"/>
+                      <a:tailEnd type="none" w="med" len="med"/>
+                    </a:lnR>
+                    <a:lnT w="12700" cap="flat" cmpd="sng" algn="ctr">
+                      <a:solidFill>
+                        <a:schemeClr val="tx1"/>
+                      </a:solidFill>
+                      <a:prstDash val="solid"/>
+                      <a:round/>
+                      <a:headEnd type="none" w="med" len="med"/>
+                      <a:tailEnd type="none" w="med" len="med"/>
+                    </a:lnT>
+                    <a:lnB w="12700" cap="flat" cmpd="sng" algn="ctr">
+                      <a:solidFill>
+                        <a:schemeClr val="tx1"/>
+                      </a:solidFill>
+                      <a:prstDash val="solid"/>
+                      <a:round/>
+                      <a:headEnd type="none" w="med" len="med"/>
+                      <a:tailEnd type="none" w="med" len="med"/>
+                    </a:lnB>
+                    <a:solidFill>
+                      <a:schemeClr val="bg1"/>
+                    </a:solidFill>
+                  </a:tcPr>
+                </a:tc>
+                <a:extLst>
+                  <a:ext uri="{0D108BD9-81ED-4DB2-BD59-A6C34878D82A}">
+                    <a16:rowId xmlns:a16="http://schemas.microsoft.com/office/drawing/2014/main" val="3512068053"/>
+                  </a:ext>
+                </a:extLst>
+              </a:tr>
+            </a:tbl>
+          </a:graphicData>
+        </a:graphic>
+      </p:graphicFrame>
+      <p:sp>
+        <p:nvSpPr>
+          <p:cNvPr id="17" name="正方形/長方形 16"/>
+          <p:cNvSpPr/>
+          <p:nvPr/>
+        </p:nvSpPr>
+        <p:spPr bwMode="auto">
+          <a:xfrm>
+            <a:off x="9426190" y="5930273"/>
+            <a:ext cx="647700" cy="234043"/>
+          </a:xfrm>
+          <a:prstGeom prst="rect">
+            <a:avLst/>
+          </a:prstGeom>
+          <a:noFill/>
+          <a:ln w="31750">
+            <a:solidFill>
+              <a:srgbClr val="FF0000"/>
+            </a:solidFill>
+          </a:ln>
+          <a:effectLst/>
+        </p:spPr>
+        <p:txBody>
+          <a:bodyPr rot="0" spcFirstLastPara="0" vertOverflow="overflow" horzOverflow="overflow" vert="horz" wrap="none" lIns="72000" tIns="72000" rIns="72000" bIns="72000" numCol="1" spcCol="0" rtlCol="0" fromWordArt="0" anchor="ctr" anchorCtr="0" forceAA="0" compatLnSpc="1">
+            <a:prstTxWarp prst="textNoShape">
+              <a:avLst/>
+            </a:prstTxWarp>
+            <a:noAutofit/>
+          </a:bodyPr>
+          <a:lstStyle/>
+          <a:p>
+            <a:pPr algn="ctr"/>
+            <a:endParaRPr kumimoji="1" lang="ja-JP" altLang="en-US" b="1" dirty="0" smtClean="0">
+              <a:latin typeface="+mn-ea"/>
+            </a:endParaRPr>
+          </a:p>
+        </p:txBody>
+      </p:sp>
+      <p:sp>
+        <p:nvSpPr>
+          <p:cNvPr id="18" name="正方形/長方形 17"/>
+          <p:cNvSpPr/>
+          <p:nvPr/>
+        </p:nvSpPr>
+        <p:spPr bwMode="auto">
+          <a:xfrm>
+            <a:off x="4232328" y="5938661"/>
+            <a:ext cx="465797" cy="225655"/>
+          </a:xfrm>
+          <a:prstGeom prst="rect">
+            <a:avLst/>
+          </a:prstGeom>
+          <a:noFill/>
+          <a:ln w="31750">
+            <a:solidFill>
+              <a:srgbClr val="FF0000"/>
+            </a:solidFill>
+          </a:ln>
+          <a:effectLst/>
+        </p:spPr>
+        <p:txBody>
+          <a:bodyPr rot="0" spcFirstLastPara="0" vertOverflow="overflow" horzOverflow="overflow" vert="horz" wrap="none" lIns="72000" tIns="72000" rIns="72000" bIns="72000" numCol="1" spcCol="0" rtlCol="0" fromWordArt="0" anchor="ctr" anchorCtr="0" forceAA="0" compatLnSpc="1">
+            <a:prstTxWarp prst="textNoShape">
+              <a:avLst/>
+            </a:prstTxWarp>
+            <a:noAutofit/>
+          </a:bodyPr>
+          <a:lstStyle/>
+          <a:p>
+            <a:pPr algn="ctr"/>
+            <a:endParaRPr kumimoji="1" lang="ja-JP" altLang="en-US" b="1" dirty="0" smtClean="0">
+              <a:latin typeface="+mn-ea"/>
+            </a:endParaRPr>
+          </a:p>
+        </p:txBody>
+      </p:sp>
+    </p:spTree>
+    <p:extLst>
+      <p:ext uri="{BB962C8B-B14F-4D97-AF65-F5344CB8AC3E}">
+        <p14:creationId xmlns:p14="http://schemas.microsoft.com/office/powerpoint/2010/main" val="2548992243"/>
+      </p:ext>
+    </p:extLst>
+  </p:cSld>
+  <p:clrMapOvr>
+    <a:masterClrMapping/>
+  </p:clrMapOvr>
+</p:sld>
+</file>
+
+<file path=ppt/slides/slide4.xml><?xml version="1.0" encoding="utf-8"?>
+<p:sld xmlns:a="http://schemas.openxmlformats.org/drawingml/2006/main" xmlns:r="http://schemas.openxmlformats.org/officeDocument/2006/relationships" xmlns:p="http://schemas.openxmlformats.org/presentationml/2006/main">
+  <p:cSld>
+    <p:spTree>
+      <p:nvGrpSpPr>
+        <p:cNvPr id="1" name=""/>
+        <p:cNvGrpSpPr/>
+        <p:nvPr/>
+      </p:nvGrpSpPr>
+      <p:grpSpPr>
+        <a:xfrm>
+          <a:off x="0" y="0"/>
+          <a:ext cx="0" cy="0"/>
+          <a:chOff x="0" y="0"/>
+          <a:chExt cx="0" cy="0"/>
+        </a:xfrm>
+      </p:grpSpPr>
+      <p:sp>
+        <p:nvSpPr>
+          <p:cNvPr id="8" name="テキスト プレースホルダー 3"/>
+          <p:cNvSpPr txBox="1">
+            <a:spLocks/>
+          </p:cNvSpPr>
+          <p:nvPr/>
+        </p:nvSpPr>
+        <p:spPr bwMode="gray">
+          <a:xfrm>
+            <a:off x="1554024" y="234810"/>
+            <a:ext cx="9797148" cy="6452317"/>
+          </a:xfrm>
+          <a:prstGeom prst="rect">
+            <a:avLst/>
+          </a:prstGeom>
+        </p:spPr>
+        <p:txBody>
+          <a:bodyPr vert="horz" wrap="square" lIns="91440" tIns="45720" rIns="91440" bIns="45720" rtlCol="0" anchor="t">
+            <a:noAutofit/>
+          </a:bodyPr>
+          <a:lstStyle>
+            <a:lvl1pPr marL="0" indent="0" algn="l" rtl="0" eaLnBrk="1" fontAlgn="base" hangingPunct="1">
+              <a:lnSpc>
+                <a:spcPct val="140000"/>
+              </a:lnSpc>
+              <a:spcBef>
+                <a:spcPts val="500"/>
+              </a:spcBef>
+              <a:spcAft>
+                <a:spcPct val="0"/>
+              </a:spcAft>
+              <a:buClr>
+                <a:schemeClr val="accent6"/>
+              </a:buClr>
+              <a:buFont typeface="Arial" panose="020B0604020202020204" pitchFamily="34" charset="0"/>
+              <a:buNone/>
+              <a:defRPr kumimoji="1" sz="2200" b="0">
+                <a:solidFill>
+                  <a:schemeClr val="tx1"/>
+                </a:solidFill>
+                <a:latin typeface="+mn-lt"/>
+                <a:ea typeface="+mn-ea"/>
+                <a:cs typeface="+mn-cs"/>
+              </a:defRPr>
+            </a:lvl1pPr>
+            <a:lvl2pPr marL="180000" indent="0" algn="l" rtl="0" eaLnBrk="1" fontAlgn="base" hangingPunct="1">
+              <a:lnSpc>
+                <a:spcPct val="100000"/>
+              </a:lnSpc>
+              <a:spcBef>
+                <a:spcPts val="500"/>
+              </a:spcBef>
+              <a:spcAft>
+                <a:spcPct val="0"/>
+              </a:spcAft>
+              <a:buClr>
+                <a:schemeClr val="accent6"/>
+              </a:buClr>
+              <a:buFont typeface="Wingdings" pitchFamily="2" charset="2"/>
+              <a:buNone/>
+              <a:defRPr kumimoji="1" sz="1800" b="0">
+                <a:solidFill>
+                  <a:schemeClr val="tx1"/>
+                </a:solidFill>
+                <a:latin typeface="+mn-lt"/>
+                <a:ea typeface="+mn-ea"/>
+              </a:defRPr>
+            </a:lvl2pPr>
+            <a:lvl3pPr marL="360000" indent="0" algn="l" rtl="0" eaLnBrk="1" fontAlgn="base" hangingPunct="1">
+              <a:lnSpc>
+                <a:spcPct val="100000"/>
+              </a:lnSpc>
+              <a:spcBef>
+                <a:spcPts val="500"/>
+              </a:spcBef>
+              <a:spcAft>
+                <a:spcPct val="0"/>
+              </a:spcAft>
+              <a:buClr>
+                <a:schemeClr val="accent6"/>
+              </a:buClr>
+              <a:buFont typeface="Arial" panose="020B0604020202020204" pitchFamily="34" charset="0"/>
+              <a:buNone/>
+              <a:defRPr kumimoji="1" sz="1400" b="0">
+                <a:solidFill>
+                  <a:schemeClr val="tx1"/>
+                </a:solidFill>
+                <a:latin typeface="+mn-lt"/>
+                <a:ea typeface="+mn-ea"/>
+              </a:defRPr>
+            </a:lvl3pPr>
+            <a:lvl4pPr marL="540000" indent="0" algn="l" rtl="0" eaLnBrk="1" fontAlgn="base" hangingPunct="1">
+              <a:lnSpc>
+                <a:spcPct val="100000"/>
+              </a:lnSpc>
+              <a:spcBef>
+                <a:spcPts val="500"/>
+              </a:spcBef>
+              <a:spcAft>
+                <a:spcPct val="0"/>
+              </a:spcAft>
+              <a:buClr>
+                <a:schemeClr val="accent6"/>
+              </a:buClr>
+              <a:buFont typeface="Tahoma" pitchFamily="34" charset="0"/>
+              <a:buNone/>
+              <a:defRPr kumimoji="1" sz="1200" b="0">
+                <a:solidFill>
+                  <a:schemeClr val="tx1"/>
+                </a:solidFill>
+                <a:latin typeface="+mn-lt"/>
+                <a:ea typeface="+mn-ea"/>
+              </a:defRPr>
+            </a:lvl4pPr>
+            <a:lvl5pPr marL="685800" indent="0" algn="l" rtl="0" eaLnBrk="1" fontAlgn="base" hangingPunct="1">
+              <a:spcBef>
+                <a:spcPct val="20000"/>
+              </a:spcBef>
+              <a:spcAft>
+                <a:spcPct val="0"/>
+              </a:spcAft>
+              <a:buClr>
+                <a:schemeClr val="accent6"/>
+              </a:buClr>
+              <a:buNone/>
+              <a:defRPr kumimoji="1" sz="1200" b="0">
+                <a:solidFill>
+                  <a:schemeClr val="tx1"/>
+                </a:solidFill>
+                <a:latin typeface="+mj-lt"/>
+                <a:ea typeface="+mn-ea"/>
+              </a:defRPr>
+            </a:lvl5pPr>
+            <a:lvl6pPr marL="2514600" indent="-228600" algn="l" rtl="0" eaLnBrk="1" fontAlgn="base" hangingPunct="1">
+              <a:spcBef>
+                <a:spcPct val="20000"/>
+              </a:spcBef>
+              <a:spcAft>
+                <a:spcPct val="0"/>
+              </a:spcAft>
+              <a:buChar char="≫"/>
+              <a:defRPr kumimoji="1" sz="2000">
+                <a:solidFill>
+                  <a:schemeClr val="tx1"/>
+                </a:solidFill>
+                <a:latin typeface="Arial" charset="0"/>
+                <a:ea typeface="+mn-ea"/>
+              </a:defRPr>
+            </a:lvl6pPr>
+            <a:lvl7pPr marL="2971800" indent="-228600" algn="l" rtl="0" eaLnBrk="1" fontAlgn="base" hangingPunct="1">
+              <a:spcBef>
+                <a:spcPct val="20000"/>
+              </a:spcBef>
+              <a:spcAft>
+                <a:spcPct val="0"/>
+              </a:spcAft>
+              <a:buChar char="≫"/>
+              <a:defRPr kumimoji="1" sz="2000">
+                <a:solidFill>
+                  <a:schemeClr val="tx1"/>
+                </a:solidFill>
+                <a:latin typeface="Arial" charset="0"/>
+                <a:ea typeface="+mn-ea"/>
+              </a:defRPr>
+            </a:lvl7pPr>
+            <a:lvl8pPr marL="3429000" indent="-228600" algn="l" rtl="0" eaLnBrk="1" fontAlgn="base" hangingPunct="1">
+              <a:spcBef>
+                <a:spcPct val="20000"/>
+              </a:spcBef>
+              <a:spcAft>
+                <a:spcPct val="0"/>
+              </a:spcAft>
+              <a:buChar char="≫"/>
+              <a:defRPr kumimoji="1" sz="2000">
+                <a:solidFill>
+                  <a:schemeClr val="tx1"/>
+                </a:solidFill>
+                <a:latin typeface="Arial" charset="0"/>
+                <a:ea typeface="+mn-ea"/>
+              </a:defRPr>
+            </a:lvl8pPr>
+            <a:lvl9pPr marL="3886200" indent="-228600" algn="l" rtl="0" eaLnBrk="1" fontAlgn="base" hangingPunct="1">
+              <a:spcBef>
+                <a:spcPct val="20000"/>
+              </a:spcBef>
+              <a:spcAft>
+                <a:spcPct val="0"/>
+              </a:spcAft>
+              <a:buChar char="≫"/>
+              <a:defRPr kumimoji="1" sz="2000">
+                <a:solidFill>
+                  <a:schemeClr val="tx1"/>
+                </a:solidFill>
+                <a:latin typeface="Arial" charset="0"/>
+                <a:ea typeface="+mn-ea"/>
+              </a:defRPr>
+            </a:lvl9pPr>
+          </a:lstStyle>
+          <a:p>
+            <a:pPr marL="457200" indent="-457200" defTabSz="914400">
+              <a:buFont typeface="+mj-lt"/>
+              <a:buAutoNum type="arabicPeriod" startAt="4"/>
+            </a:pPr>
+            <a:r>
+              <a:rPr lang="ja-JP" altLang="en-US" dirty="0" smtClean="0"/>
+              <a:t>こんなときは？</a:t>
+            </a:r>
+            <a:endParaRPr lang="en-US" altLang="ja-JP" kern="0" dirty="0" smtClean="0">
+              <a:ea typeface="+mn-lt"/>
+              <a:cs typeface="+mn-lt"/>
+            </a:endParaRPr>
+          </a:p>
+          <a:p>
+            <a:pPr marL="637200" lvl="1" indent="-457200" defTabSz="914400">
+              <a:buFont typeface="+mj-lt"/>
+              <a:buAutoNum type="arabicPeriod"/>
+            </a:pPr>
+            <a:r>
+              <a:rPr lang="ja-JP" altLang="en-US" dirty="0"/>
+              <a:t>仮想マシンのシャットダウンが失敗する</a:t>
+            </a:r>
+            <a:r>
+              <a:rPr lang="ja-JP" altLang="en-US" dirty="0" smtClean="0"/>
+              <a:t>場合</a:t>
+            </a:r>
+            <a:endParaRPr lang="en-US" altLang="ja-JP" dirty="0" smtClean="0"/>
+          </a:p>
+          <a:p>
+            <a:pPr marL="637200" lvl="1" indent="-457200" defTabSz="914400">
+              <a:buFont typeface="+mj-lt"/>
+              <a:buAutoNum type="arabicPeriod"/>
+            </a:pPr>
+            <a:r>
+              <a:rPr lang="ja-JP" altLang="en-US" dirty="0"/>
+              <a:t>「</a:t>
+            </a:r>
+            <a:r>
+              <a:rPr lang="en-US" altLang="ja-JP" dirty="0"/>
+              <a:t>Movement</a:t>
+            </a:r>
+            <a:r>
+              <a:rPr lang="ja-JP" altLang="en-US" dirty="0"/>
+              <a:t>に作業対象ホストが登録されていません。」と出る場合</a:t>
+            </a:r>
+            <a:endParaRPr lang="en-US" altLang="ja-JP" kern="0" dirty="0" smtClean="0">
+              <a:ea typeface="+mn-lt"/>
+              <a:cs typeface="+mn-lt"/>
+            </a:endParaRPr>
+          </a:p>
+          <a:p>
+            <a:pPr marL="457200" indent="-457200" defTabSz="914400">
+              <a:buFont typeface="+mj-lt"/>
+              <a:buAutoNum type="arabicPeriod" startAt="4"/>
+            </a:pPr>
+            <a:endParaRPr lang="ja-JP" kern="0" dirty="0">
+              <a:ea typeface="+mn-lt"/>
+              <a:cs typeface="+mn-lt"/>
+            </a:endParaRPr>
+          </a:p>
+        </p:txBody>
+      </p:sp>
+    </p:spTree>
+    <p:extLst>
+      <p:ext uri="{BB962C8B-B14F-4D97-AF65-F5344CB8AC3E}">
+        <p14:creationId xmlns:p14="http://schemas.microsoft.com/office/powerpoint/2010/main" val="1252746306"/>
+      </p:ext>
+    </p:extLst>
+  </p:cSld>
+  <p:clrMapOvr>
+    <a:masterClrMapping/>
+  </p:clrMapOvr>
+</p:sld>
+</file>
+
+<file path=ppt/slides/slide40.xml><?xml version="1.0" encoding="utf-8"?>
 <p:sld xmlns:a="http://schemas.openxmlformats.org/drawingml/2006/main" xmlns:r="http://schemas.openxmlformats.org/officeDocument/2006/relationships" xmlns:p="http://schemas.openxmlformats.org/presentationml/2006/main">
   <p:cSld>
     <p:spTree>
@@ -40721,7 +43181,7 @@
           <a:p>
             <a:r>
               <a:rPr kumimoji="1" lang="en-US" altLang="ja-JP" dirty="0" smtClean="0"/>
-              <a:t>3.2.5</a:t>
+              <a:t>3.2.6</a:t>
             </a:r>
             <a:r>
               <a:rPr kumimoji="1" lang="ja-JP" altLang="en-US" dirty="0" smtClean="0"/>
@@ -40994,7 +43454,7 @@
 </p:sld>
 </file>
 
-<file path=ppt/slides/slide39.xml><?xml version="1.0" encoding="utf-8"?>
+<file path=ppt/slides/slide41.xml><?xml version="1.0" encoding="utf-8"?>
 <p:sld xmlns:a="http://schemas.openxmlformats.org/drawingml/2006/main" xmlns:r="http://schemas.openxmlformats.org/officeDocument/2006/relationships" xmlns:p="http://schemas.openxmlformats.org/presentationml/2006/main">
   <p:cSld>
     <p:spTree>
@@ -41941,276 +44401,7 @@
 </p:sld>
 </file>
 
-<file path=ppt/slides/slide4.xml><?xml version="1.0" encoding="utf-8"?>
-<p:sld xmlns:a="http://schemas.openxmlformats.org/drawingml/2006/main" xmlns:r="http://schemas.openxmlformats.org/officeDocument/2006/relationships" xmlns:p="http://schemas.openxmlformats.org/presentationml/2006/main">
-  <p:cSld>
-    <p:spTree>
-      <p:nvGrpSpPr>
-        <p:cNvPr id="1" name=""/>
-        <p:cNvGrpSpPr/>
-        <p:nvPr/>
-      </p:nvGrpSpPr>
-      <p:grpSpPr>
-        <a:xfrm>
-          <a:off x="0" y="0"/>
-          <a:ext cx="0" cy="0"/>
-          <a:chOff x="0" y="0"/>
-          <a:chExt cx="0" cy="0"/>
-        </a:xfrm>
-      </p:grpSpPr>
-      <p:sp>
-        <p:nvSpPr>
-          <p:cNvPr id="8" name="テキスト プレースホルダー 3"/>
-          <p:cNvSpPr txBox="1">
-            <a:spLocks/>
-          </p:cNvSpPr>
-          <p:nvPr/>
-        </p:nvSpPr>
-        <p:spPr bwMode="gray">
-          <a:xfrm>
-            <a:off x="1554024" y="234810"/>
-            <a:ext cx="6904175" cy="6452317"/>
-          </a:xfrm>
-          <a:prstGeom prst="rect">
-            <a:avLst/>
-          </a:prstGeom>
-        </p:spPr>
-        <p:txBody>
-          <a:bodyPr vert="horz" wrap="square" lIns="91440" tIns="45720" rIns="91440" bIns="45720" rtlCol="0" anchor="t">
-            <a:noAutofit/>
-          </a:bodyPr>
-          <a:lstStyle>
-            <a:lvl1pPr marL="0" indent="0" algn="l" rtl="0" eaLnBrk="1" fontAlgn="base" hangingPunct="1">
-              <a:lnSpc>
-                <a:spcPct val="140000"/>
-              </a:lnSpc>
-              <a:spcBef>
-                <a:spcPts val="500"/>
-              </a:spcBef>
-              <a:spcAft>
-                <a:spcPct val="0"/>
-              </a:spcAft>
-              <a:buClr>
-                <a:schemeClr val="accent6"/>
-              </a:buClr>
-              <a:buFont typeface="Arial" panose="020B0604020202020204" pitchFamily="34" charset="0"/>
-              <a:buNone/>
-              <a:defRPr kumimoji="1" sz="2200" b="0">
-                <a:solidFill>
-                  <a:schemeClr val="tx1"/>
-                </a:solidFill>
-                <a:latin typeface="+mn-lt"/>
-                <a:ea typeface="+mn-ea"/>
-                <a:cs typeface="+mn-cs"/>
-              </a:defRPr>
-            </a:lvl1pPr>
-            <a:lvl2pPr marL="180000" indent="0" algn="l" rtl="0" eaLnBrk="1" fontAlgn="base" hangingPunct="1">
-              <a:lnSpc>
-                <a:spcPct val="100000"/>
-              </a:lnSpc>
-              <a:spcBef>
-                <a:spcPts val="500"/>
-              </a:spcBef>
-              <a:spcAft>
-                <a:spcPct val="0"/>
-              </a:spcAft>
-              <a:buClr>
-                <a:schemeClr val="accent6"/>
-              </a:buClr>
-              <a:buFont typeface="Wingdings" pitchFamily="2" charset="2"/>
-              <a:buNone/>
-              <a:defRPr kumimoji="1" sz="1800" b="0">
-                <a:solidFill>
-                  <a:schemeClr val="tx1"/>
-                </a:solidFill>
-                <a:latin typeface="+mn-lt"/>
-                <a:ea typeface="+mn-ea"/>
-              </a:defRPr>
-            </a:lvl2pPr>
-            <a:lvl3pPr marL="360000" indent="0" algn="l" rtl="0" eaLnBrk="1" fontAlgn="base" hangingPunct="1">
-              <a:lnSpc>
-                <a:spcPct val="100000"/>
-              </a:lnSpc>
-              <a:spcBef>
-                <a:spcPts val="500"/>
-              </a:spcBef>
-              <a:spcAft>
-                <a:spcPct val="0"/>
-              </a:spcAft>
-              <a:buClr>
-                <a:schemeClr val="accent6"/>
-              </a:buClr>
-              <a:buFont typeface="Arial" panose="020B0604020202020204" pitchFamily="34" charset="0"/>
-              <a:buNone/>
-              <a:defRPr kumimoji="1" sz="1400" b="0">
-                <a:solidFill>
-                  <a:schemeClr val="tx1"/>
-                </a:solidFill>
-                <a:latin typeface="+mn-lt"/>
-                <a:ea typeface="+mn-ea"/>
-              </a:defRPr>
-            </a:lvl3pPr>
-            <a:lvl4pPr marL="540000" indent="0" algn="l" rtl="0" eaLnBrk="1" fontAlgn="base" hangingPunct="1">
-              <a:lnSpc>
-                <a:spcPct val="100000"/>
-              </a:lnSpc>
-              <a:spcBef>
-                <a:spcPts val="500"/>
-              </a:spcBef>
-              <a:spcAft>
-                <a:spcPct val="0"/>
-              </a:spcAft>
-              <a:buClr>
-                <a:schemeClr val="accent6"/>
-              </a:buClr>
-              <a:buFont typeface="Tahoma" pitchFamily="34" charset="0"/>
-              <a:buNone/>
-              <a:defRPr kumimoji="1" sz="1200" b="0">
-                <a:solidFill>
-                  <a:schemeClr val="tx1"/>
-                </a:solidFill>
-                <a:latin typeface="+mn-lt"/>
-                <a:ea typeface="+mn-ea"/>
-              </a:defRPr>
-            </a:lvl4pPr>
-            <a:lvl5pPr marL="685800" indent="0" algn="l" rtl="0" eaLnBrk="1" fontAlgn="base" hangingPunct="1">
-              <a:spcBef>
-                <a:spcPct val="20000"/>
-              </a:spcBef>
-              <a:spcAft>
-                <a:spcPct val="0"/>
-              </a:spcAft>
-              <a:buClr>
-                <a:schemeClr val="accent6"/>
-              </a:buClr>
-              <a:buNone/>
-              <a:defRPr kumimoji="1" sz="1200" b="0">
-                <a:solidFill>
-                  <a:schemeClr val="tx1"/>
-                </a:solidFill>
-                <a:latin typeface="+mj-lt"/>
-                <a:ea typeface="+mn-ea"/>
-              </a:defRPr>
-            </a:lvl5pPr>
-            <a:lvl6pPr marL="2514600" indent="-228600" algn="l" rtl="0" eaLnBrk="1" fontAlgn="base" hangingPunct="1">
-              <a:spcBef>
-                <a:spcPct val="20000"/>
-              </a:spcBef>
-              <a:spcAft>
-                <a:spcPct val="0"/>
-              </a:spcAft>
-              <a:buChar char="≫"/>
-              <a:defRPr kumimoji="1" sz="2000">
-                <a:solidFill>
-                  <a:schemeClr val="tx1"/>
-                </a:solidFill>
-                <a:latin typeface="Arial" charset="0"/>
-                <a:ea typeface="+mn-ea"/>
-              </a:defRPr>
-            </a:lvl6pPr>
-            <a:lvl7pPr marL="2971800" indent="-228600" algn="l" rtl="0" eaLnBrk="1" fontAlgn="base" hangingPunct="1">
-              <a:spcBef>
-                <a:spcPct val="20000"/>
-              </a:spcBef>
-              <a:spcAft>
-                <a:spcPct val="0"/>
-              </a:spcAft>
-              <a:buChar char="≫"/>
-              <a:defRPr kumimoji="1" sz="2000">
-                <a:solidFill>
-                  <a:schemeClr val="tx1"/>
-                </a:solidFill>
-                <a:latin typeface="Arial" charset="0"/>
-                <a:ea typeface="+mn-ea"/>
-              </a:defRPr>
-            </a:lvl7pPr>
-            <a:lvl8pPr marL="3429000" indent="-228600" algn="l" rtl="0" eaLnBrk="1" fontAlgn="base" hangingPunct="1">
-              <a:spcBef>
-                <a:spcPct val="20000"/>
-              </a:spcBef>
-              <a:spcAft>
-                <a:spcPct val="0"/>
-              </a:spcAft>
-              <a:buChar char="≫"/>
-              <a:defRPr kumimoji="1" sz="2000">
-                <a:solidFill>
-                  <a:schemeClr val="tx1"/>
-                </a:solidFill>
-                <a:latin typeface="Arial" charset="0"/>
-                <a:ea typeface="+mn-ea"/>
-              </a:defRPr>
-            </a:lvl8pPr>
-            <a:lvl9pPr marL="3886200" indent="-228600" algn="l" rtl="0" eaLnBrk="1" fontAlgn="base" hangingPunct="1">
-              <a:spcBef>
-                <a:spcPct val="20000"/>
-              </a:spcBef>
-              <a:spcAft>
-                <a:spcPct val="0"/>
-              </a:spcAft>
-              <a:buChar char="≫"/>
-              <a:defRPr kumimoji="1" sz="2000">
-                <a:solidFill>
-                  <a:schemeClr val="tx1"/>
-                </a:solidFill>
-                <a:latin typeface="Arial" charset="0"/>
-                <a:ea typeface="+mn-ea"/>
-              </a:defRPr>
-            </a:lvl9pPr>
-          </a:lstStyle>
-          <a:p>
-            <a:pPr marL="457200" indent="-457200" defTabSz="914400">
-              <a:buFont typeface="+mj-lt"/>
-              <a:buAutoNum type="arabicPeriod" startAt="4"/>
-            </a:pPr>
-            <a:r>
-              <a:rPr lang="ja-JP" altLang="en-US" dirty="0" smtClean="0"/>
-              <a:t>こんなときは？</a:t>
-            </a:r>
-            <a:endParaRPr lang="en-US" altLang="ja-JP" kern="0" dirty="0" smtClean="0">
-              <a:ea typeface="+mn-lt"/>
-              <a:cs typeface="+mn-lt"/>
-            </a:endParaRPr>
-          </a:p>
-          <a:p>
-            <a:pPr marL="637200" lvl="1" indent="-457200" defTabSz="914400">
-              <a:buFont typeface="+mj-lt"/>
-              <a:buAutoNum type="arabicPeriod"/>
-            </a:pPr>
-            <a:r>
-              <a:rPr lang="ja-JP" altLang="en-US" dirty="0"/>
-              <a:t>仮想マシンのシャットダウンが失敗する場合</a:t>
-            </a:r>
-            <a:endParaRPr lang="en-US" altLang="ja-JP" kern="0" dirty="0" smtClean="0">
-              <a:ea typeface="+mn-lt"/>
-              <a:cs typeface="+mn-lt"/>
-            </a:endParaRPr>
-          </a:p>
-          <a:p>
-            <a:pPr marL="457200" indent="-457200" defTabSz="914400">
-              <a:buFont typeface="+mj-lt"/>
-              <a:buAutoNum type="arabicPeriod" startAt="4"/>
-            </a:pPr>
-            <a:endParaRPr lang="ja-JP" kern="0" dirty="0">
-              <a:ea typeface="+mn-lt"/>
-              <a:cs typeface="+mn-lt"/>
-            </a:endParaRPr>
-          </a:p>
-        </p:txBody>
-      </p:sp>
-    </p:spTree>
-    <p:extLst>
-      <p:ext uri="{BB962C8B-B14F-4D97-AF65-F5344CB8AC3E}">
-        <p14:creationId xmlns:p14="http://schemas.microsoft.com/office/powerpoint/2010/main" val="1252746306"/>
-      </p:ext>
-    </p:extLst>
-  </p:cSld>
-  <p:clrMapOvr>
-    <a:masterClrMapping/>
-  </p:clrMapOvr>
-</p:sld>
-</file>
-
-<file path=ppt/slides/slide40.xml><?xml version="1.0" encoding="utf-8"?>
+<file path=ppt/slides/slide42.xml><?xml version="1.0" encoding="utf-8"?>
 <p:sld xmlns:a="http://schemas.openxmlformats.org/drawingml/2006/main" xmlns:r="http://schemas.openxmlformats.org/officeDocument/2006/relationships" xmlns:p="http://schemas.openxmlformats.org/presentationml/2006/main">
   <p:cSld>
     <p:spTree>
@@ -43343,7 +45534,7 @@
 </p:sld>
 </file>
 
-<file path=ppt/slides/slide41.xml><?xml version="1.0" encoding="utf-8"?>
+<file path=ppt/slides/slide43.xml><?xml version="1.0" encoding="utf-8"?>
 <p:sld xmlns:a="http://schemas.openxmlformats.org/drawingml/2006/main" xmlns:r="http://schemas.openxmlformats.org/officeDocument/2006/relationships" xmlns:p="http://schemas.openxmlformats.org/presentationml/2006/main">
   <p:cSld>
     <p:spTree>
@@ -43402,7 +45593,7 @@
 </p:sld>
 </file>
 
-<file path=ppt/slides/slide42.xml><?xml version="1.0" encoding="utf-8"?>
+<file path=ppt/slides/slide44.xml><?xml version="1.0" encoding="utf-8"?>
 <p:sld xmlns:a="http://schemas.openxmlformats.org/drawingml/2006/main" xmlns:r="http://schemas.openxmlformats.org/officeDocument/2006/relationships" xmlns:p="http://schemas.openxmlformats.org/presentationml/2006/main">
   <p:cSld>
     <p:spTree>
@@ -44519,7 +46710,1475 @@
 </p:sld>
 </file>
 
-<file path=ppt/slides/slide43.xml><?xml version="1.0" encoding="utf-8"?>
+<file path=ppt/slides/slide45.xml><?xml version="1.0" encoding="utf-8"?>
+<p:sld xmlns:a="http://schemas.openxmlformats.org/drawingml/2006/main" xmlns:r="http://schemas.openxmlformats.org/officeDocument/2006/relationships" xmlns:p="http://schemas.openxmlformats.org/presentationml/2006/main">
+  <p:cSld>
+    <p:spTree>
+      <p:nvGrpSpPr>
+        <p:cNvPr id="1" name=""/>
+        <p:cNvGrpSpPr/>
+        <p:nvPr/>
+      </p:nvGrpSpPr>
+      <p:grpSpPr>
+        <a:xfrm>
+          <a:off x="0" y="0"/>
+          <a:ext cx="0" cy="0"/>
+          <a:chOff x="0" y="0"/>
+          <a:chExt cx="0" cy="0"/>
+        </a:xfrm>
+      </p:grpSpPr>
+      <p:sp>
+        <p:nvSpPr>
+          <p:cNvPr id="2" name="タイトル 1">
+            <a:extLst>
+              <a:ext uri="{FF2B5EF4-FFF2-40B4-BE49-F238E27FC236}">
+                <a16:creationId xmlns:a16="http://schemas.microsoft.com/office/drawing/2014/main" id="{FA67971C-8BBD-4F2D-B1EE-8F570B664FC7}"/>
+              </a:ext>
+            </a:extLst>
+          </p:cNvPr>
+          <p:cNvSpPr>
+            <a:spLocks noGrp="1"/>
+          </p:cNvSpPr>
+          <p:nvPr>
+            <p:ph type="title"/>
+          </p:nvPr>
+        </p:nvSpPr>
+        <p:spPr/>
+        <p:txBody>
+          <a:bodyPr>
+            <a:normAutofit/>
+          </a:bodyPr>
+          <a:lstStyle/>
+          <a:p>
+            <a:r>
+              <a:rPr kumimoji="1" lang="en-US" altLang="ja-JP" dirty="0" smtClean="0"/>
+              <a:t>4.2</a:t>
+            </a:r>
+            <a:r>
+              <a:rPr kumimoji="1" lang="ja-JP" altLang="en-US" dirty="0" smtClean="0"/>
+              <a:t> 「</a:t>
+            </a:r>
+            <a:r>
+              <a:rPr kumimoji="1" lang="en-US" altLang="ja-JP" dirty="0" smtClean="0"/>
+              <a:t>Movement</a:t>
+            </a:r>
+            <a:r>
+              <a:rPr kumimoji="1" lang="ja-JP" altLang="en-US" dirty="0" smtClean="0"/>
+              <a:t>に作業対象ホストが登録されていません。」と出る場合</a:t>
+            </a:r>
+            <a:endParaRPr kumimoji="1" lang="ja-JP" altLang="en-US" dirty="0"/>
+          </a:p>
+        </p:txBody>
+      </p:sp>
+      <p:sp>
+        <p:nvSpPr>
+          <p:cNvPr id="3" name="コンテンツ プレースホルダー 2">
+            <a:extLst>
+              <a:ext uri="{FF2B5EF4-FFF2-40B4-BE49-F238E27FC236}">
+                <a16:creationId xmlns:a16="http://schemas.microsoft.com/office/drawing/2014/main" id="{8A408415-7912-4897-AFF7-CE8B7E0D0EE0}"/>
+              </a:ext>
+            </a:extLst>
+          </p:cNvPr>
+          <p:cNvSpPr>
+            <a:spLocks noGrp="1"/>
+          </p:cNvSpPr>
+          <p:nvPr>
+            <p:ph sz="quarter" idx="10"/>
+          </p:nvPr>
+        </p:nvSpPr>
+        <p:spPr>
+          <a:xfrm>
+            <a:off x="239350" y="836712"/>
+            <a:ext cx="11713301" cy="1620049"/>
+          </a:xfrm>
+        </p:spPr>
+        <p:txBody>
+          <a:bodyPr>
+            <a:noAutofit/>
+          </a:bodyPr>
+          <a:lstStyle/>
+          <a:p>
+            <a:r>
+              <a:rPr kumimoji="1" lang="ja-JP" altLang="en-US" dirty="0" smtClean="0"/>
+              <a:t>対象のパラメータシートにレコードが登録されていない可能性があります。</a:t>
+            </a:r>
+            <a:endParaRPr kumimoji="1" lang="en-US" altLang="ja-JP" dirty="0" smtClean="0"/>
+          </a:p>
+          <a:p>
+            <a:pPr marL="0" indent="0">
+              <a:buNone/>
+            </a:pPr>
+            <a:r>
+              <a:rPr lang="ja-JP" altLang="en-US" dirty="0" smtClean="0"/>
+              <a:t>  パラメータシートを確認してみてください。</a:t>
+            </a:r>
+            <a:endParaRPr kumimoji="1" lang="en-US" altLang="ja-JP" dirty="0" smtClean="0"/>
+          </a:p>
+          <a:p>
+            <a:endParaRPr kumimoji="1" lang="en-US" altLang="ja-JP" dirty="0" smtClean="0"/>
+          </a:p>
+          <a:p>
+            <a:r>
+              <a:rPr kumimoji="1" lang="ja-JP" altLang="en-US" dirty="0" smtClean="0"/>
+              <a:t>メニューと</a:t>
+            </a:r>
+            <a:r>
+              <a:rPr kumimoji="1" lang="en-US" altLang="ja-JP" dirty="0" smtClean="0"/>
+              <a:t>Movement</a:t>
+            </a:r>
+            <a:r>
+              <a:rPr kumimoji="1" lang="ja-JP" altLang="en-US" dirty="0" smtClean="0"/>
+              <a:t>の関係は下記表のとおりです。</a:t>
+            </a:r>
+            <a:endParaRPr kumimoji="1" lang="ja-JP" altLang="en-US" dirty="0"/>
+          </a:p>
+        </p:txBody>
+      </p:sp>
+      <p:grpSp>
+        <p:nvGrpSpPr>
+          <p:cNvPr id="9" name="グループ化 8"/>
+          <p:cNvGrpSpPr/>
+          <p:nvPr/>
+        </p:nvGrpSpPr>
+        <p:grpSpPr>
+          <a:xfrm>
+            <a:off x="470012" y="5733065"/>
+            <a:ext cx="1114306" cy="380132"/>
+            <a:chOff x="419520" y="4643499"/>
+            <a:chExt cx="1282134" cy="437384"/>
+          </a:xfrm>
+          <a:effectLst>
+            <a:outerShdw blurRad="25400" dist="25400" dir="5400000" algn="t" rotWithShape="0">
+              <a:prstClr val="black">
+                <a:alpha val="53000"/>
+              </a:prstClr>
+            </a:outerShdw>
+          </a:effectLst>
+        </p:grpSpPr>
+        <p:sp>
+          <p:nvSpPr>
+            <p:cNvPr id="10" name="フリーフォーム 9"/>
+            <p:cNvSpPr/>
+            <p:nvPr/>
+          </p:nvSpPr>
+          <p:spPr bwMode="auto">
+            <a:xfrm>
+              <a:off x="419520" y="4643499"/>
+              <a:ext cx="1282134" cy="437384"/>
+            </a:xfrm>
+            <a:custGeom>
+              <a:avLst/>
+              <a:gdLst>
+                <a:gd name="connsiteX0" fmla="*/ 218692 w 1282134"/>
+                <a:gd name="connsiteY0" fmla="*/ 0 h 437384"/>
+                <a:gd name="connsiteX1" fmla="*/ 756435 w 1282134"/>
+                <a:gd name="connsiteY1" fmla="*/ 0 h 437384"/>
+                <a:gd name="connsiteX2" fmla="*/ 957941 w 1282134"/>
+                <a:gd name="connsiteY2" fmla="*/ 133568 h 437384"/>
+                <a:gd name="connsiteX3" fmla="*/ 962491 w 1282134"/>
+                <a:gd name="connsiteY3" fmla="*/ 156105 h 437384"/>
+                <a:gd name="connsiteX4" fmla="*/ 1040020 w 1282134"/>
+                <a:gd name="connsiteY4" fmla="*/ 156105 h 437384"/>
+                <a:gd name="connsiteX5" fmla="*/ 998593 w 1282134"/>
+                <a:gd name="connsiteY5" fmla="*/ 120102 h 437384"/>
+                <a:gd name="connsiteX6" fmla="*/ 991631 w 1282134"/>
+                <a:gd name="connsiteY6" fmla="*/ 35586 h 437384"/>
+                <a:gd name="connsiteX7" fmla="*/ 1031204 w 1282134"/>
+                <a:gd name="connsiteY7" fmla="*/ 14495 h 437384"/>
+                <a:gd name="connsiteX8" fmla="*/ 1073661 w 1282134"/>
+                <a:gd name="connsiteY8" fmla="*/ 28413 h 437384"/>
+                <a:gd name="connsiteX9" fmla="*/ 1277634 w 1282134"/>
+                <a:gd name="connsiteY9" fmla="*/ 205683 h 437384"/>
+                <a:gd name="connsiteX10" fmla="*/ 1282132 w 1282134"/>
+                <a:gd name="connsiteY10" fmla="*/ 216068 h 437384"/>
+                <a:gd name="connsiteX11" fmla="*/ 1277634 w 1282134"/>
+                <a:gd name="connsiteY11" fmla="*/ 225185 h 437384"/>
+                <a:gd name="connsiteX12" fmla="*/ 1073661 w 1282134"/>
+                <a:gd name="connsiteY12" fmla="*/ 402456 h 437384"/>
+                <a:gd name="connsiteX13" fmla="*/ 991631 w 1282134"/>
+                <a:gd name="connsiteY13" fmla="*/ 395283 h 437384"/>
+                <a:gd name="connsiteX14" fmla="*/ 998593 w 1282134"/>
+                <a:gd name="connsiteY14" fmla="*/ 310767 h 437384"/>
+                <a:gd name="connsiteX15" fmla="*/ 1038531 w 1282134"/>
+                <a:gd name="connsiteY15" fmla="*/ 276058 h 437384"/>
+                <a:gd name="connsiteX16" fmla="*/ 963545 w 1282134"/>
+                <a:gd name="connsiteY16" fmla="*/ 276058 h 437384"/>
+                <a:gd name="connsiteX17" fmla="*/ 957941 w 1282134"/>
+                <a:gd name="connsiteY17" fmla="*/ 303817 h 437384"/>
+                <a:gd name="connsiteX18" fmla="*/ 756435 w 1282134"/>
+                <a:gd name="connsiteY18" fmla="*/ 437384 h 437384"/>
+                <a:gd name="connsiteX19" fmla="*/ 218692 w 1282134"/>
+                <a:gd name="connsiteY19" fmla="*/ 437384 h 437384"/>
+                <a:gd name="connsiteX20" fmla="*/ 0 w 1282134"/>
+                <a:gd name="connsiteY20" fmla="*/ 218692 h 437384"/>
+                <a:gd name="connsiteX21" fmla="*/ 218692 w 1282134"/>
+                <a:gd name="connsiteY21" fmla="*/ 0 h 437384"/>
+              </a:gdLst>
+              <a:ahLst/>
+              <a:cxnLst>
+                <a:cxn ang="0">
+                  <a:pos x="connsiteX0" y="connsiteY0"/>
+                </a:cxn>
+                <a:cxn ang="0">
+                  <a:pos x="connsiteX1" y="connsiteY1"/>
+                </a:cxn>
+                <a:cxn ang="0">
+                  <a:pos x="connsiteX2" y="connsiteY2"/>
+                </a:cxn>
+                <a:cxn ang="0">
+                  <a:pos x="connsiteX3" y="connsiteY3"/>
+                </a:cxn>
+                <a:cxn ang="0">
+                  <a:pos x="connsiteX4" y="connsiteY4"/>
+                </a:cxn>
+                <a:cxn ang="0">
+                  <a:pos x="connsiteX5" y="connsiteY5"/>
+                </a:cxn>
+                <a:cxn ang="0">
+                  <a:pos x="connsiteX6" y="connsiteY6"/>
+                </a:cxn>
+                <a:cxn ang="0">
+                  <a:pos x="connsiteX7" y="connsiteY7"/>
+                </a:cxn>
+                <a:cxn ang="0">
+                  <a:pos x="connsiteX8" y="connsiteY8"/>
+                </a:cxn>
+                <a:cxn ang="0">
+                  <a:pos x="connsiteX9" y="connsiteY9"/>
+                </a:cxn>
+                <a:cxn ang="0">
+                  <a:pos x="connsiteX10" y="connsiteY10"/>
+                </a:cxn>
+                <a:cxn ang="0">
+                  <a:pos x="connsiteX11" y="connsiteY11"/>
+                </a:cxn>
+                <a:cxn ang="0">
+                  <a:pos x="connsiteX12" y="connsiteY12"/>
+                </a:cxn>
+                <a:cxn ang="0">
+                  <a:pos x="connsiteX13" y="connsiteY13"/>
+                </a:cxn>
+                <a:cxn ang="0">
+                  <a:pos x="connsiteX14" y="connsiteY14"/>
+                </a:cxn>
+                <a:cxn ang="0">
+                  <a:pos x="connsiteX15" y="connsiteY15"/>
+                </a:cxn>
+                <a:cxn ang="0">
+                  <a:pos x="connsiteX16" y="connsiteY16"/>
+                </a:cxn>
+                <a:cxn ang="0">
+                  <a:pos x="connsiteX17" y="connsiteY17"/>
+                </a:cxn>
+                <a:cxn ang="0">
+                  <a:pos x="connsiteX18" y="connsiteY18"/>
+                </a:cxn>
+                <a:cxn ang="0">
+                  <a:pos x="connsiteX19" y="connsiteY19"/>
+                </a:cxn>
+                <a:cxn ang="0">
+                  <a:pos x="connsiteX20" y="connsiteY20"/>
+                </a:cxn>
+                <a:cxn ang="0">
+                  <a:pos x="connsiteX21" y="connsiteY21"/>
+                </a:cxn>
+              </a:cxnLst>
+              <a:rect l="l" t="t" r="r" b="b"/>
+              <a:pathLst>
+                <a:path w="1282134" h="437384">
+                  <a:moveTo>
+                    <a:pt x="218692" y="0"/>
+                  </a:moveTo>
+                  <a:lnTo>
+                    <a:pt x="756435" y="0"/>
+                  </a:lnTo>
+                  <a:cubicBezTo>
+                    <a:pt x="847020" y="0"/>
+                    <a:pt x="924742" y="55076"/>
+                    <a:pt x="957941" y="133568"/>
+                  </a:cubicBezTo>
+                  <a:lnTo>
+                    <a:pt x="962491" y="156105"/>
+                  </a:lnTo>
+                  <a:lnTo>
+                    <a:pt x="1040020" y="156105"/>
+                  </a:lnTo>
+                  <a:lnTo>
+                    <a:pt x="998593" y="120102"/>
+                  </a:lnTo>
+                  <a:cubicBezTo>
+                    <a:pt x="974018" y="98743"/>
+                    <a:pt x="970902" y="60905"/>
+                    <a:pt x="991631" y="35586"/>
+                  </a:cubicBezTo>
+                  <a:cubicBezTo>
+                    <a:pt x="1001996" y="22926"/>
+                    <a:pt x="1016360" y="15793"/>
+                    <a:pt x="1031204" y="14495"/>
+                  </a:cubicBezTo>
+                  <a:cubicBezTo>
+                    <a:pt x="1046049" y="13197"/>
+                    <a:pt x="1061374" y="17734"/>
+                    <a:pt x="1073661" y="28413"/>
+                  </a:cubicBezTo>
+                  <a:lnTo>
+                    <a:pt x="1277634" y="205683"/>
+                  </a:lnTo>
+                  <a:cubicBezTo>
+                    <a:pt x="1277506" y="206145"/>
+                    <a:pt x="1282260" y="210577"/>
+                    <a:pt x="1282132" y="216068"/>
+                  </a:cubicBezTo>
+                  <a:cubicBezTo>
+                    <a:pt x="1282004" y="221559"/>
+                    <a:pt x="1277506" y="225234"/>
+                    <a:pt x="1277634" y="225185"/>
+                  </a:cubicBezTo>
+                  <a:lnTo>
+                    <a:pt x="1073661" y="402456"/>
+                  </a:lnTo>
+                  <a:cubicBezTo>
+                    <a:pt x="1049087" y="423814"/>
+                    <a:pt x="1012360" y="420602"/>
+                    <a:pt x="991631" y="395283"/>
+                  </a:cubicBezTo>
+                  <a:cubicBezTo>
+                    <a:pt x="970902" y="369964"/>
+                    <a:pt x="974018" y="332126"/>
+                    <a:pt x="998593" y="310767"/>
+                  </a:cubicBezTo>
+                  <a:lnTo>
+                    <a:pt x="1038531" y="276058"/>
+                  </a:lnTo>
+                  <a:lnTo>
+                    <a:pt x="963545" y="276058"/>
+                  </a:lnTo>
+                  <a:lnTo>
+                    <a:pt x="957941" y="303817"/>
+                  </a:lnTo>
+                  <a:cubicBezTo>
+                    <a:pt x="924742" y="382309"/>
+                    <a:pt x="847020" y="437384"/>
+                    <a:pt x="756435" y="437384"/>
+                  </a:cubicBezTo>
+                  <a:lnTo>
+                    <a:pt x="218692" y="437384"/>
+                  </a:lnTo>
+                  <a:cubicBezTo>
+                    <a:pt x="97912" y="437384"/>
+                    <a:pt x="0" y="339472"/>
+                    <a:pt x="0" y="218692"/>
+                  </a:cubicBezTo>
+                  <a:cubicBezTo>
+                    <a:pt x="0" y="97912"/>
+                    <a:pt x="97912" y="0"/>
+                    <a:pt x="218692" y="0"/>
+                  </a:cubicBezTo>
+                  <a:close/>
+                </a:path>
+              </a:pathLst>
+            </a:custGeom>
+            <a:solidFill>
+              <a:schemeClr val="accent1">
+                <a:lumMod val="60000"/>
+                <a:lumOff val="40000"/>
+              </a:schemeClr>
+            </a:solidFill>
+            <a:ln>
+              <a:noFill/>
+            </a:ln>
+            <a:effectLst/>
+            <a:scene3d>
+              <a:camera prst="orthographicFront"/>
+              <a:lightRig rig="threePt" dir="t"/>
+            </a:scene3d>
+            <a:sp3d>
+              <a:bevelT w="38100" h="31750"/>
+            </a:sp3d>
+          </p:spPr>
+          <p:txBody>
+            <a:bodyPr rot="0" spcFirstLastPara="0" vertOverflow="overflow" horzOverflow="overflow" vert="horz" wrap="square" lIns="91440" tIns="45720" rIns="91440" bIns="45720" numCol="1" spcCol="0" rtlCol="0" fromWordArt="0" anchor="ctr" anchorCtr="0" forceAA="0" compatLnSpc="1">
+              <a:prstTxWarp prst="textNoShape">
+                <a:avLst/>
+              </a:prstTxWarp>
+              <a:noAutofit/>
+            </a:bodyPr>
+            <a:lstStyle/>
+            <a:p>
+              <a:pPr algn="ctr"/>
+              <a:endParaRPr kumimoji="1" lang="ja-JP" altLang="en-US" b="1" dirty="0">
+                <a:latin typeface="+mj-ea"/>
+                <a:ea typeface="+mj-ea"/>
+              </a:endParaRPr>
+            </a:p>
+          </p:txBody>
+        </p:sp>
+        <p:sp>
+          <p:nvSpPr>
+            <p:cNvPr id="11" name="テキスト ボックス 10"/>
+            <p:cNvSpPr txBox="1"/>
+            <p:nvPr/>
+          </p:nvSpPr>
+          <p:spPr>
+            <a:xfrm>
+              <a:off x="514693" y="4758763"/>
+              <a:ext cx="790175" cy="200343"/>
+            </a:xfrm>
+            <a:custGeom>
+              <a:avLst/>
+              <a:gdLst/>
+              <a:ahLst/>
+              <a:cxnLst/>
+              <a:rect l="l" t="t" r="r" b="b"/>
+              <a:pathLst>
+                <a:path w="790175" h="200343">
+                  <a:moveTo>
+                    <a:pt x="38171" y="34199"/>
+                  </a:moveTo>
+                  <a:cubicBezTo>
+                    <a:pt x="38171" y="56232"/>
+                    <a:pt x="38171" y="78266"/>
+                    <a:pt x="38171" y="100299"/>
+                  </a:cubicBezTo>
+                  <a:cubicBezTo>
+                    <a:pt x="41584" y="100299"/>
+                    <a:pt x="44998" y="100299"/>
+                    <a:pt x="48411" y="100299"/>
+                  </a:cubicBezTo>
+                  <a:cubicBezTo>
+                    <a:pt x="67652" y="100299"/>
+                    <a:pt x="80395" y="97386"/>
+                    <a:pt x="86640" y="91558"/>
+                  </a:cubicBezTo>
+                  <a:cubicBezTo>
+                    <a:pt x="92885" y="85731"/>
+                    <a:pt x="96008" y="76777"/>
+                    <a:pt x="96008" y="64697"/>
+                  </a:cubicBezTo>
+                  <a:cubicBezTo>
+                    <a:pt x="96008" y="54744"/>
+                    <a:pt x="93002" y="47172"/>
+                    <a:pt x="86989" y="41983"/>
+                  </a:cubicBezTo>
+                  <a:cubicBezTo>
+                    <a:pt x="80976" y="36794"/>
+                    <a:pt x="69087" y="34199"/>
+                    <a:pt x="51321" y="34199"/>
+                  </a:cubicBezTo>
+                  <a:cubicBezTo>
+                    <a:pt x="46937" y="34199"/>
+                    <a:pt x="42554" y="34199"/>
+                    <a:pt x="38171" y="34199"/>
+                  </a:cubicBezTo>
+                  <a:close/>
+                  <a:moveTo>
+                    <a:pt x="233600" y="30371"/>
+                  </a:moveTo>
+                  <a:cubicBezTo>
+                    <a:pt x="219713" y="30371"/>
+                    <a:pt x="208657" y="36453"/>
+                    <a:pt x="200434" y="48619"/>
+                  </a:cubicBezTo>
+                  <a:cubicBezTo>
+                    <a:pt x="192210" y="60784"/>
+                    <a:pt x="188098" y="78011"/>
+                    <a:pt x="188098" y="100299"/>
+                  </a:cubicBezTo>
+                  <a:cubicBezTo>
+                    <a:pt x="188098" y="122503"/>
+                    <a:pt x="192210" y="139666"/>
+                    <a:pt x="200434" y="151789"/>
+                  </a:cubicBezTo>
+                  <a:cubicBezTo>
+                    <a:pt x="208657" y="163911"/>
+                    <a:pt x="219713" y="169973"/>
+                    <a:pt x="233600" y="169973"/>
+                  </a:cubicBezTo>
+                  <a:cubicBezTo>
+                    <a:pt x="247410" y="169973"/>
+                    <a:pt x="258426" y="163869"/>
+                    <a:pt x="266650" y="151661"/>
+                  </a:cubicBezTo>
+                  <a:cubicBezTo>
+                    <a:pt x="274874" y="139453"/>
+                    <a:pt x="278986" y="122290"/>
+                    <a:pt x="278986" y="100172"/>
+                  </a:cubicBezTo>
+                  <a:cubicBezTo>
+                    <a:pt x="278986" y="77968"/>
+                    <a:pt x="274893" y="60784"/>
+                    <a:pt x="266708" y="48619"/>
+                  </a:cubicBezTo>
+                  <a:cubicBezTo>
+                    <a:pt x="258523" y="36453"/>
+                    <a:pt x="247487" y="30371"/>
+                    <a:pt x="233600" y="30371"/>
+                  </a:cubicBezTo>
+                  <a:close/>
+                  <a:moveTo>
+                    <a:pt x="636562" y="3956"/>
+                  </a:moveTo>
+                  <a:cubicBezTo>
+                    <a:pt x="687767" y="3956"/>
+                    <a:pt x="738971" y="3956"/>
+                    <a:pt x="790175" y="3956"/>
+                  </a:cubicBezTo>
+                  <a:cubicBezTo>
+                    <a:pt x="790175" y="14590"/>
+                    <a:pt x="790175" y="25224"/>
+                    <a:pt x="790175" y="35858"/>
+                  </a:cubicBezTo>
+                  <a:cubicBezTo>
+                    <a:pt x="770974" y="35858"/>
+                    <a:pt x="751772" y="35858"/>
+                    <a:pt x="732570" y="35858"/>
+                  </a:cubicBezTo>
+                  <a:cubicBezTo>
+                    <a:pt x="732570" y="89325"/>
+                    <a:pt x="732570" y="142792"/>
+                    <a:pt x="732570" y="196260"/>
+                  </a:cubicBezTo>
+                  <a:cubicBezTo>
+                    <a:pt x="719769" y="196260"/>
+                    <a:pt x="706968" y="196260"/>
+                    <a:pt x="694167" y="196260"/>
+                  </a:cubicBezTo>
+                  <a:cubicBezTo>
+                    <a:pt x="694167" y="142792"/>
+                    <a:pt x="694167" y="89325"/>
+                    <a:pt x="694167" y="35858"/>
+                  </a:cubicBezTo>
+                  <a:cubicBezTo>
+                    <a:pt x="674966" y="35858"/>
+                    <a:pt x="655764" y="35858"/>
+                    <a:pt x="636562" y="35858"/>
+                  </a:cubicBezTo>
+                  <a:cubicBezTo>
+                    <a:pt x="636562" y="25224"/>
+                    <a:pt x="636562" y="14590"/>
+                    <a:pt x="636562" y="3956"/>
+                  </a:cubicBezTo>
+                  <a:close/>
+                  <a:moveTo>
+                    <a:pt x="466735" y="3956"/>
+                  </a:moveTo>
+                  <a:cubicBezTo>
+                    <a:pt x="482251" y="3956"/>
+                    <a:pt x="497768" y="3956"/>
+                    <a:pt x="513284" y="3956"/>
+                  </a:cubicBezTo>
+                  <a:cubicBezTo>
+                    <a:pt x="536326" y="45386"/>
+                    <a:pt x="559368" y="86816"/>
+                    <a:pt x="582410" y="128245"/>
+                  </a:cubicBezTo>
+                  <a:cubicBezTo>
+                    <a:pt x="582410" y="86816"/>
+                    <a:pt x="582410" y="45386"/>
+                    <a:pt x="582410" y="3956"/>
+                  </a:cubicBezTo>
+                  <a:cubicBezTo>
+                    <a:pt x="594280" y="3956"/>
+                    <a:pt x="606150" y="3956"/>
+                    <a:pt x="618020" y="3956"/>
+                  </a:cubicBezTo>
+                  <a:cubicBezTo>
+                    <a:pt x="618020" y="68057"/>
+                    <a:pt x="618020" y="132159"/>
+                    <a:pt x="618020" y="196260"/>
+                  </a:cubicBezTo>
+                  <a:cubicBezTo>
+                    <a:pt x="605685" y="196260"/>
+                    <a:pt x="593349" y="196260"/>
+                    <a:pt x="581013" y="196260"/>
+                  </a:cubicBezTo>
+                  <a:cubicBezTo>
+                    <a:pt x="554791" y="149258"/>
+                    <a:pt x="528568" y="102256"/>
+                    <a:pt x="502345" y="55254"/>
+                  </a:cubicBezTo>
+                  <a:cubicBezTo>
+                    <a:pt x="502345" y="102256"/>
+                    <a:pt x="502345" y="149258"/>
+                    <a:pt x="502345" y="196260"/>
+                  </a:cubicBezTo>
+                  <a:cubicBezTo>
+                    <a:pt x="490475" y="196260"/>
+                    <a:pt x="478605" y="196260"/>
+                    <a:pt x="466735" y="196260"/>
+                  </a:cubicBezTo>
+                  <a:cubicBezTo>
+                    <a:pt x="466735" y="132159"/>
+                    <a:pt x="466735" y="68057"/>
+                    <a:pt x="466735" y="3956"/>
+                  </a:cubicBezTo>
+                  <a:close/>
+                  <a:moveTo>
+                    <a:pt x="339539" y="3956"/>
+                  </a:moveTo>
+                  <a:cubicBezTo>
+                    <a:pt x="371425" y="3956"/>
+                    <a:pt x="403311" y="3956"/>
+                    <a:pt x="435198" y="3956"/>
+                  </a:cubicBezTo>
+                  <a:cubicBezTo>
+                    <a:pt x="435198" y="13527"/>
+                    <a:pt x="435198" y="23097"/>
+                    <a:pt x="435198" y="32668"/>
+                  </a:cubicBezTo>
+                  <a:cubicBezTo>
+                    <a:pt x="425655" y="32668"/>
+                    <a:pt x="416112" y="32668"/>
+                    <a:pt x="406570" y="32668"/>
+                  </a:cubicBezTo>
+                  <a:cubicBezTo>
+                    <a:pt x="406570" y="77628"/>
+                    <a:pt x="406570" y="122588"/>
+                    <a:pt x="406570" y="167548"/>
+                  </a:cubicBezTo>
+                  <a:cubicBezTo>
+                    <a:pt x="416112" y="167548"/>
+                    <a:pt x="425655" y="167548"/>
+                    <a:pt x="435198" y="167548"/>
+                  </a:cubicBezTo>
+                  <a:cubicBezTo>
+                    <a:pt x="435198" y="177119"/>
+                    <a:pt x="435198" y="186689"/>
+                    <a:pt x="435198" y="196260"/>
+                  </a:cubicBezTo>
+                  <a:cubicBezTo>
+                    <a:pt x="403311" y="196260"/>
+                    <a:pt x="371425" y="196260"/>
+                    <a:pt x="339539" y="196260"/>
+                  </a:cubicBezTo>
+                  <a:cubicBezTo>
+                    <a:pt x="339539" y="186689"/>
+                    <a:pt x="339539" y="177119"/>
+                    <a:pt x="339539" y="167548"/>
+                  </a:cubicBezTo>
+                  <a:cubicBezTo>
+                    <a:pt x="349081" y="167548"/>
+                    <a:pt x="358624" y="167548"/>
+                    <a:pt x="368166" y="167548"/>
+                  </a:cubicBezTo>
+                  <a:cubicBezTo>
+                    <a:pt x="368166" y="122588"/>
+                    <a:pt x="368166" y="77628"/>
+                    <a:pt x="368166" y="32668"/>
+                  </a:cubicBezTo>
+                  <a:cubicBezTo>
+                    <a:pt x="358624" y="32668"/>
+                    <a:pt x="349081" y="32668"/>
+                    <a:pt x="339539" y="32668"/>
+                  </a:cubicBezTo>
+                  <a:cubicBezTo>
+                    <a:pt x="339539" y="23097"/>
+                    <a:pt x="339539" y="13527"/>
+                    <a:pt x="339539" y="3956"/>
+                  </a:cubicBezTo>
+                  <a:close/>
+                  <a:moveTo>
+                    <a:pt x="0" y="3956"/>
+                  </a:moveTo>
+                  <a:cubicBezTo>
+                    <a:pt x="22111" y="3956"/>
+                    <a:pt x="44222" y="3956"/>
+                    <a:pt x="66333" y="3956"/>
+                  </a:cubicBezTo>
+                  <a:cubicBezTo>
+                    <a:pt x="89064" y="3956"/>
+                    <a:pt x="106326" y="9039"/>
+                    <a:pt x="118119" y="19205"/>
+                  </a:cubicBezTo>
+                  <a:cubicBezTo>
+                    <a:pt x="129911" y="29371"/>
+                    <a:pt x="135808" y="44237"/>
+                    <a:pt x="135808" y="63804"/>
+                  </a:cubicBezTo>
+                  <a:cubicBezTo>
+                    <a:pt x="135808" y="84221"/>
+                    <a:pt x="129291" y="100491"/>
+                    <a:pt x="116257" y="112613"/>
+                  </a:cubicBezTo>
+                  <a:cubicBezTo>
+                    <a:pt x="103223" y="124736"/>
+                    <a:pt x="86233" y="130797"/>
+                    <a:pt x="65285" y="130797"/>
+                  </a:cubicBezTo>
+                  <a:cubicBezTo>
+                    <a:pt x="56325" y="130797"/>
+                    <a:pt x="47364" y="130797"/>
+                    <a:pt x="38403" y="130797"/>
+                  </a:cubicBezTo>
+                  <a:cubicBezTo>
+                    <a:pt x="38403" y="152618"/>
+                    <a:pt x="38403" y="174439"/>
+                    <a:pt x="38403" y="196260"/>
+                  </a:cubicBezTo>
+                  <a:cubicBezTo>
+                    <a:pt x="25602" y="196260"/>
+                    <a:pt x="12801" y="196260"/>
+                    <a:pt x="0" y="196260"/>
+                  </a:cubicBezTo>
+                  <a:cubicBezTo>
+                    <a:pt x="0" y="132159"/>
+                    <a:pt x="0" y="68057"/>
+                    <a:pt x="0" y="3956"/>
+                  </a:cubicBezTo>
+                  <a:close/>
+                  <a:moveTo>
+                    <a:pt x="233484" y="0"/>
+                  </a:moveTo>
+                  <a:cubicBezTo>
+                    <a:pt x="260250" y="0"/>
+                    <a:pt x="281255" y="8933"/>
+                    <a:pt x="296500" y="26798"/>
+                  </a:cubicBezTo>
+                  <a:cubicBezTo>
+                    <a:pt x="311745" y="44663"/>
+                    <a:pt x="319367" y="69163"/>
+                    <a:pt x="319367" y="100299"/>
+                  </a:cubicBezTo>
+                  <a:cubicBezTo>
+                    <a:pt x="319367" y="131180"/>
+                    <a:pt x="311784" y="155574"/>
+                    <a:pt x="296616" y="173482"/>
+                  </a:cubicBezTo>
+                  <a:cubicBezTo>
+                    <a:pt x="281449" y="191389"/>
+                    <a:pt x="260405" y="200343"/>
+                    <a:pt x="233484" y="200343"/>
+                  </a:cubicBezTo>
+                  <a:cubicBezTo>
+                    <a:pt x="206796" y="200343"/>
+                    <a:pt x="185829" y="191432"/>
+                    <a:pt x="170584" y="173610"/>
+                  </a:cubicBezTo>
+                  <a:cubicBezTo>
+                    <a:pt x="155339" y="155787"/>
+                    <a:pt x="147717" y="131350"/>
+                    <a:pt x="147717" y="100299"/>
+                  </a:cubicBezTo>
+                  <a:cubicBezTo>
+                    <a:pt x="147717" y="69078"/>
+                    <a:pt x="155300" y="44556"/>
+                    <a:pt x="170468" y="26734"/>
+                  </a:cubicBezTo>
+                  <a:cubicBezTo>
+                    <a:pt x="185635" y="8911"/>
+                    <a:pt x="206640" y="0"/>
+                    <a:pt x="233484" y="0"/>
+                  </a:cubicBezTo>
+                  <a:close/>
+                </a:path>
+              </a:pathLst>
+            </a:custGeom>
+            <a:solidFill>
+              <a:schemeClr val="bg1"/>
+            </a:solidFill>
+            <a:ln>
+              <a:noFill/>
+            </a:ln>
+            <a:effectLst/>
+          </p:spPr>
+          <p:txBody>
+            <a:bodyPr rot="0" spcFirstLastPara="0" vertOverflow="overflow" horzOverflow="overflow" vert="horz" wrap="square" lIns="91440" tIns="45720" rIns="91440" bIns="45720" numCol="1" spcCol="0" rtlCol="0" fromWordArt="0" anchor="t" anchorCtr="0" forceAA="0" compatLnSpc="1">
+              <a:prstTxWarp prst="textNoShape">
+                <a:avLst/>
+              </a:prstTxWarp>
+              <a:noAutofit/>
+            </a:bodyPr>
+            <a:lstStyle/>
+            <a:p>
+              <a:pPr algn="ctr"/>
+              <a:endParaRPr kumimoji="1" lang="ja-JP" altLang="en-US" b="1" dirty="0">
+                <a:solidFill>
+                  <a:schemeClr val="bg1"/>
+                </a:solidFill>
+                <a:effectLst>
+                  <a:glow rad="38100">
+                    <a:schemeClr val="accent2">
+                      <a:lumMod val="90000"/>
+                      <a:lumOff val="10000"/>
+                      <a:alpha val="84000"/>
+                    </a:schemeClr>
+                  </a:glow>
+                </a:effectLst>
+              </a:endParaRPr>
+            </a:p>
+          </p:txBody>
+        </p:sp>
+      </p:grpSp>
+      <p:sp>
+        <p:nvSpPr>
+          <p:cNvPr id="12" name="テキスト ボックス 11"/>
+          <p:cNvSpPr txBox="1"/>
+          <p:nvPr/>
+        </p:nvSpPr>
+        <p:spPr>
+          <a:xfrm>
+            <a:off x="1621808" y="5562755"/>
+            <a:ext cx="10016066" cy="715089"/>
+          </a:xfrm>
+          <a:prstGeom prst="roundRect">
+            <a:avLst/>
+          </a:prstGeom>
+          <a:solidFill>
+            <a:schemeClr val="accent1">
+              <a:lumMod val="20000"/>
+              <a:lumOff val="80000"/>
+            </a:schemeClr>
+          </a:solidFill>
+          <a:ln w="25400">
+            <a:solidFill>
+              <a:schemeClr val="accent1">
+                <a:lumMod val="40000"/>
+                <a:lumOff val="60000"/>
+              </a:schemeClr>
+            </a:solidFill>
+          </a:ln>
+        </p:spPr>
+        <p:txBody>
+          <a:bodyPr wrap="square" rtlCol="0">
+            <a:spAutoFit/>
+          </a:bodyPr>
+          <a:lstStyle/>
+          <a:p>
+            <a:r>
+              <a:rPr lang="en-US" altLang="ja-JP" dirty="0" smtClean="0"/>
+              <a:t>Movement</a:t>
+            </a:r>
+            <a:r>
+              <a:rPr lang="ja-JP" altLang="en-US" dirty="0" smtClean="0"/>
+              <a:t>名「</a:t>
+            </a:r>
+            <a:r>
+              <a:rPr lang="en-US" altLang="ja-JP" dirty="0" smtClean="0"/>
+              <a:t>IP</a:t>
+            </a:r>
+            <a:r>
+              <a:rPr lang="ja-JP" altLang="en-US" dirty="0" smtClean="0"/>
+              <a:t>アドレス設定」と「仮想ハードディスク追加」に関しては、</a:t>
+            </a:r>
+            <a:r>
+              <a:rPr lang="en-US" altLang="ja-JP" dirty="0" smtClean="0"/>
+              <a:t/>
+            </a:r>
+            <a:br>
+              <a:rPr lang="en-US" altLang="ja-JP" dirty="0" smtClean="0"/>
+            </a:br>
+            <a:r>
+              <a:rPr lang="en-US" altLang="ja-JP" dirty="0">
+                <a:hlinkClick r:id="rId2" action="ppaction://hlinksldjump"/>
+              </a:rPr>
+              <a:t>3.2.5</a:t>
+            </a:r>
+            <a:r>
+              <a:rPr lang="ja-JP" altLang="en-US" dirty="0">
+                <a:hlinkClick r:id="rId2" action="ppaction://hlinksldjump"/>
+              </a:rPr>
+              <a:t> </a:t>
+            </a:r>
+            <a:r>
+              <a:rPr lang="en-US" altLang="ja-JP" dirty="0">
+                <a:hlinkClick r:id="rId2" action="ppaction://hlinksldjump"/>
+              </a:rPr>
+              <a:t>Conductor</a:t>
+            </a:r>
+            <a:r>
+              <a:rPr lang="ja-JP" altLang="en-US" dirty="0">
+                <a:hlinkClick r:id="rId2" action="ppaction://hlinksldjump"/>
+              </a:rPr>
+              <a:t>実行 </a:t>
+            </a:r>
+            <a:r>
+              <a:rPr lang="en-US" altLang="ja-JP" dirty="0">
+                <a:hlinkClick r:id="rId2" action="ppaction://hlinksldjump"/>
+              </a:rPr>
+              <a:t>– </a:t>
+            </a:r>
+            <a:r>
+              <a:rPr lang="en-US" altLang="ja-JP" dirty="0" smtClean="0">
+                <a:hlinkClick r:id="rId2" action="ppaction://hlinksldjump"/>
+              </a:rPr>
+              <a:t>Movement</a:t>
+            </a:r>
+            <a:r>
+              <a:rPr lang="ja-JP" altLang="en-US" dirty="0" smtClean="0">
+                <a:hlinkClick r:id="rId2" action="ppaction://hlinksldjump"/>
+              </a:rPr>
+              <a:t>をスキップ</a:t>
+            </a:r>
+            <a:r>
+              <a:rPr lang="ja-JP" altLang="en-US" dirty="0" smtClean="0"/>
+              <a:t>に記載の手順で</a:t>
+            </a:r>
+            <a:r>
+              <a:rPr lang="en-US" altLang="ja-JP" dirty="0" smtClean="0"/>
+              <a:t>Skip</a:t>
+            </a:r>
+            <a:r>
+              <a:rPr lang="ja-JP" altLang="en-US" dirty="0" smtClean="0"/>
+              <a:t>させることも可能です。</a:t>
+            </a:r>
+            <a:endParaRPr kumimoji="1" lang="ja-JP" altLang="en-US" dirty="0"/>
+          </a:p>
+        </p:txBody>
+      </p:sp>
+      <p:graphicFrame>
+        <p:nvGraphicFramePr>
+          <p:cNvPr id="13" name="表 12">
+            <a:extLst>
+              <a:ext uri="{FF2B5EF4-FFF2-40B4-BE49-F238E27FC236}">
+                <a16:creationId xmlns:a16="http://schemas.microsoft.com/office/drawing/2014/main" id="{F5260807-AC7C-4B4D-82C0-B35394AA90B3}"/>
+              </a:ext>
+            </a:extLst>
+          </p:cNvPr>
+          <p:cNvGraphicFramePr>
+            <a:graphicFrameLocks noGrp="1"/>
+          </p:cNvGraphicFramePr>
+          <p:nvPr>
+            <p:extLst>
+              <p:ext uri="{D42A27DB-BD31-4B8C-83A1-F6EECF244321}">
+                <p14:modId xmlns:p14="http://schemas.microsoft.com/office/powerpoint/2010/main" val="3340676408"/>
+              </p:ext>
+            </p:extLst>
+          </p:nvPr>
+        </p:nvGraphicFramePr>
+        <p:xfrm>
+          <a:off x="470012" y="2456761"/>
+          <a:ext cx="8248319" cy="2201034"/>
+        </p:xfrm>
+        <a:graphic>
+          <a:graphicData uri="http://schemas.openxmlformats.org/drawingml/2006/table">
+            <a:tbl>
+              <a:tblPr firstRow="1" bandRow="1">
+                <a:tableStyleId>{93296810-A885-4BE3-A3E7-6D5BEEA58F35}</a:tableStyleId>
+              </a:tblPr>
+              <a:tblGrid>
+                <a:gridCol w="4016993">
+                  <a:extLst>
+                    <a:ext uri="{9D8B030D-6E8A-4147-A177-3AD203B41FA5}">
+                      <a16:colId xmlns:a16="http://schemas.microsoft.com/office/drawing/2014/main" val="1884901537"/>
+                    </a:ext>
+                  </a:extLst>
+                </a:gridCol>
+                <a:gridCol w="4231326">
+                  <a:extLst>
+                    <a:ext uri="{9D8B030D-6E8A-4147-A177-3AD203B41FA5}">
+                      <a16:colId xmlns:a16="http://schemas.microsoft.com/office/drawing/2014/main" val="2768844600"/>
+                    </a:ext>
+                  </a:extLst>
+                </a:gridCol>
+              </a:tblGrid>
+              <a:tr h="411189">
+                <a:tc>
+                  <a:txBody>
+                    <a:bodyPr/>
+                    <a:lstStyle/>
+                    <a:p>
+                      <a:pPr marL="0" marR="0" lvl="0" indent="0" algn="ctr" defTabSz="914400" rtl="0" eaLnBrk="1" fontAlgn="auto" latinLnBrk="0" hangingPunct="1">
+                        <a:lnSpc>
+                          <a:spcPct val="100000"/>
+                        </a:lnSpc>
+                        <a:spcBef>
+                          <a:spcPts val="0"/>
+                        </a:spcBef>
+                        <a:spcAft>
+                          <a:spcPts val="0"/>
+                        </a:spcAft>
+                        <a:buClrTx/>
+                        <a:buSzTx/>
+                        <a:buFontTx/>
+                        <a:buNone/>
+                        <a:tabLst/>
+                        <a:defRPr/>
+                      </a:pPr>
+                      <a:r>
+                        <a:rPr kumimoji="1" lang="ja-JP" altLang="en-US" sz="2000" dirty="0" smtClean="0"/>
+                        <a:t>メニュー名</a:t>
+                      </a:r>
+                      <a:endParaRPr kumimoji="1" lang="ja-JP" altLang="en-US" sz="2000" dirty="0"/>
+                    </a:p>
+                  </a:txBody>
+                  <a:tcPr marT="72000" marB="72000" anchor="ctr">
+                    <a:lnL w="12700" cap="flat" cmpd="sng" algn="ctr">
+                      <a:solidFill>
+                        <a:schemeClr val="tx1"/>
+                      </a:solidFill>
+                      <a:prstDash val="solid"/>
+                      <a:round/>
+                      <a:headEnd type="none" w="med" len="med"/>
+                      <a:tailEnd type="none" w="med" len="med"/>
+                    </a:lnL>
+                    <a:lnR w="12700" cap="flat" cmpd="sng" algn="ctr">
+                      <a:solidFill>
+                        <a:schemeClr val="bg1"/>
+                      </a:solidFill>
+                      <a:prstDash val="solid"/>
+                      <a:round/>
+                      <a:headEnd type="none" w="med" len="med"/>
+                      <a:tailEnd type="none" w="med" len="med"/>
+                    </a:lnR>
+                    <a:lnT w="12700" cap="flat" cmpd="sng" algn="ctr">
+                      <a:solidFill>
+                        <a:schemeClr val="tx1"/>
+                      </a:solidFill>
+                      <a:prstDash val="solid"/>
+                      <a:round/>
+                      <a:headEnd type="none" w="med" len="med"/>
+                      <a:tailEnd type="none" w="med" len="med"/>
+                    </a:lnT>
+                    <a:lnB w="12700" cap="flat" cmpd="sng" algn="ctr">
+                      <a:solidFill>
+                        <a:schemeClr val="tx1"/>
+                      </a:solidFill>
+                      <a:prstDash val="solid"/>
+                      <a:round/>
+                      <a:headEnd type="none" w="med" len="med"/>
+                      <a:tailEnd type="none" w="med" len="med"/>
+                    </a:lnB>
+                  </a:tcPr>
+                </a:tc>
+                <a:tc>
+                  <a:txBody>
+                    <a:bodyPr/>
+                    <a:lstStyle/>
+                    <a:p>
+                      <a:pPr algn="ctr"/>
+                      <a:r>
+                        <a:rPr kumimoji="1" lang="en-US" altLang="ja-JP" sz="2000" dirty="0" smtClean="0"/>
+                        <a:t>Movement</a:t>
+                      </a:r>
+                      <a:r>
+                        <a:rPr kumimoji="1" lang="ja-JP" altLang="en-US" sz="2000" dirty="0" smtClean="0"/>
+                        <a:t>名</a:t>
+                      </a:r>
+                      <a:endParaRPr kumimoji="1" lang="ja-JP" altLang="en-US" sz="2000" dirty="0"/>
+                    </a:p>
+                  </a:txBody>
+                  <a:tcPr marT="72000" marB="72000" anchor="ctr">
+                    <a:lnL w="12700" cap="flat" cmpd="sng" algn="ctr">
+                      <a:solidFill>
+                        <a:schemeClr val="bg1"/>
+                      </a:solidFill>
+                      <a:prstDash val="solid"/>
+                      <a:round/>
+                      <a:headEnd type="none" w="med" len="med"/>
+                      <a:tailEnd type="none" w="med" len="med"/>
+                    </a:lnL>
+                    <a:lnR w="12700" cap="flat" cmpd="sng" algn="ctr">
+                      <a:solidFill>
+                        <a:schemeClr val="tx1"/>
+                      </a:solidFill>
+                      <a:prstDash val="solid"/>
+                      <a:round/>
+                      <a:headEnd type="none" w="med" len="med"/>
+                      <a:tailEnd type="none" w="med" len="med"/>
+                    </a:lnR>
+                    <a:lnT w="12700" cap="flat" cmpd="sng" algn="ctr">
+                      <a:solidFill>
+                        <a:schemeClr val="tx1"/>
+                      </a:solidFill>
+                      <a:prstDash val="solid"/>
+                      <a:round/>
+                      <a:headEnd type="none" w="med" len="med"/>
+                      <a:tailEnd type="none" w="med" len="med"/>
+                    </a:lnT>
+                    <a:lnB w="12700" cap="flat" cmpd="sng" algn="ctr">
+                      <a:solidFill>
+                        <a:schemeClr val="tx1"/>
+                      </a:solidFill>
+                      <a:prstDash val="solid"/>
+                      <a:round/>
+                      <a:headEnd type="none" w="med" len="med"/>
+                      <a:tailEnd type="none" w="med" len="med"/>
+                    </a:lnB>
+                  </a:tcPr>
+                </a:tc>
+                <a:extLst>
+                  <a:ext uri="{0D108BD9-81ED-4DB2-BD59-A6C34878D82A}">
+                    <a16:rowId xmlns:a16="http://schemas.microsoft.com/office/drawing/2014/main" val="704892927"/>
+                  </a:ext>
+                </a:extLst>
+              </a:tr>
+              <a:tr h="584078">
+                <a:tc>
+                  <a:txBody>
+                    <a:bodyPr/>
+                    <a:lstStyle/>
+                    <a:p>
+                      <a:pPr algn="l"/>
+                      <a:r>
+                        <a:rPr kumimoji="1" lang="ja-JP" altLang="en-US" sz="2000" dirty="0" smtClean="0"/>
+                        <a:t>仮想マシン設定</a:t>
+                      </a:r>
+                      <a:endParaRPr kumimoji="1" lang="ja-JP" altLang="en-US" sz="2000" dirty="0"/>
+                    </a:p>
+                  </a:txBody>
+                  <a:tcPr marT="72000" marB="72000" anchor="ctr">
+                    <a:lnL w="12700" cap="flat" cmpd="sng" algn="ctr">
+                      <a:solidFill>
+                        <a:schemeClr val="tx1"/>
+                      </a:solidFill>
+                      <a:prstDash val="solid"/>
+                      <a:round/>
+                      <a:headEnd type="none" w="med" len="med"/>
+                      <a:tailEnd type="none" w="med" len="med"/>
+                    </a:lnL>
+                    <a:lnR w="12700" cap="flat" cmpd="sng" algn="ctr">
+                      <a:solidFill>
+                        <a:schemeClr val="tx1"/>
+                      </a:solidFill>
+                      <a:prstDash val="solid"/>
+                      <a:round/>
+                      <a:headEnd type="none" w="med" len="med"/>
+                      <a:tailEnd type="none" w="med" len="med"/>
+                    </a:lnR>
+                    <a:lnT w="12700" cap="flat" cmpd="sng" algn="ctr">
+                      <a:solidFill>
+                        <a:schemeClr val="tx1"/>
+                      </a:solidFill>
+                      <a:prstDash val="solid"/>
+                      <a:round/>
+                      <a:headEnd type="none" w="med" len="med"/>
+                      <a:tailEnd type="none" w="med" len="med"/>
+                    </a:lnT>
+                    <a:lnB w="12700" cap="flat" cmpd="sng" algn="ctr">
+                      <a:solidFill>
+                        <a:schemeClr val="tx1"/>
+                      </a:solidFill>
+                      <a:prstDash val="solid"/>
+                      <a:round/>
+                      <a:headEnd type="none" w="med" len="med"/>
+                      <a:tailEnd type="none" w="med" len="med"/>
+                    </a:lnB>
+                    <a:solidFill>
+                      <a:schemeClr val="bg1"/>
+                    </a:solidFill>
+                  </a:tcPr>
+                </a:tc>
+                <a:tc>
+                  <a:txBody>
+                    <a:bodyPr/>
+                    <a:lstStyle/>
+                    <a:p>
+                      <a:pPr algn="l"/>
+                      <a:r>
+                        <a:rPr kumimoji="1" lang="ja-JP" altLang="en-US" sz="2000" dirty="0" smtClean="0"/>
+                        <a:t>仮想マシン作成</a:t>
+                      </a:r>
+                      <a:endParaRPr kumimoji="1" lang="ja-JP" altLang="en-US" sz="2000" dirty="0"/>
+                    </a:p>
+                  </a:txBody>
+                  <a:tcPr marT="72000" marB="72000" anchor="ctr">
+                    <a:lnL w="12700" cap="flat" cmpd="sng" algn="ctr">
+                      <a:solidFill>
+                        <a:schemeClr val="tx1"/>
+                      </a:solidFill>
+                      <a:prstDash val="solid"/>
+                      <a:round/>
+                      <a:headEnd type="none" w="med" len="med"/>
+                      <a:tailEnd type="none" w="med" len="med"/>
+                    </a:lnL>
+                    <a:lnR w="12700" cap="flat" cmpd="sng" algn="ctr">
+                      <a:solidFill>
+                        <a:schemeClr val="tx1"/>
+                      </a:solidFill>
+                      <a:prstDash val="solid"/>
+                      <a:round/>
+                      <a:headEnd type="none" w="med" len="med"/>
+                      <a:tailEnd type="none" w="med" len="med"/>
+                    </a:lnR>
+                    <a:lnT w="12700" cap="flat" cmpd="sng" algn="ctr">
+                      <a:solidFill>
+                        <a:schemeClr val="tx1"/>
+                      </a:solidFill>
+                      <a:prstDash val="solid"/>
+                      <a:round/>
+                      <a:headEnd type="none" w="med" len="med"/>
+                      <a:tailEnd type="none" w="med" len="med"/>
+                    </a:lnT>
+                    <a:lnB w="12700" cap="flat" cmpd="sng" algn="ctr">
+                      <a:solidFill>
+                        <a:schemeClr val="tx1"/>
+                      </a:solidFill>
+                      <a:prstDash val="solid"/>
+                      <a:round/>
+                      <a:headEnd type="none" w="med" len="med"/>
+                      <a:tailEnd type="none" w="med" len="med"/>
+                    </a:lnB>
+                    <a:solidFill>
+                      <a:schemeClr val="bg1"/>
+                    </a:solidFill>
+                  </a:tcPr>
+                </a:tc>
+                <a:extLst>
+                  <a:ext uri="{0D108BD9-81ED-4DB2-BD59-A6C34878D82A}">
+                    <a16:rowId xmlns:a16="http://schemas.microsoft.com/office/drawing/2014/main" val="3669564738"/>
+                  </a:ext>
+                </a:extLst>
+              </a:tr>
+              <a:tr h="584078">
+                <a:tc>
+                  <a:txBody>
+                    <a:bodyPr/>
+                    <a:lstStyle/>
+                    <a:p>
+                      <a:pPr algn="l"/>
+                      <a:r>
+                        <a:rPr kumimoji="1" lang="en-US" altLang="ja-JP" sz="2000" dirty="0" smtClean="0"/>
+                        <a:t>IP</a:t>
+                      </a:r>
+                      <a:r>
+                        <a:rPr kumimoji="1" lang="ja-JP" altLang="en-US" sz="2000" dirty="0" smtClean="0"/>
+                        <a:t>アドレス設定</a:t>
+                      </a:r>
+                      <a:endParaRPr kumimoji="1" lang="ja-JP" altLang="en-US" sz="2000" dirty="0"/>
+                    </a:p>
+                  </a:txBody>
+                  <a:tcPr marT="72000" marB="72000" anchor="ctr">
+                    <a:lnL w="12700" cap="flat" cmpd="sng" algn="ctr">
+                      <a:solidFill>
+                        <a:schemeClr val="tx1"/>
+                      </a:solidFill>
+                      <a:prstDash val="solid"/>
+                      <a:round/>
+                      <a:headEnd type="none" w="med" len="med"/>
+                      <a:tailEnd type="none" w="med" len="med"/>
+                    </a:lnL>
+                    <a:lnR w="12700" cap="flat" cmpd="sng" algn="ctr">
+                      <a:solidFill>
+                        <a:schemeClr val="tx1"/>
+                      </a:solidFill>
+                      <a:prstDash val="solid"/>
+                      <a:round/>
+                      <a:headEnd type="none" w="med" len="med"/>
+                      <a:tailEnd type="none" w="med" len="med"/>
+                    </a:lnR>
+                    <a:lnT w="12700" cap="flat" cmpd="sng" algn="ctr">
+                      <a:solidFill>
+                        <a:schemeClr val="tx1"/>
+                      </a:solidFill>
+                      <a:prstDash val="solid"/>
+                      <a:round/>
+                      <a:headEnd type="none" w="med" len="med"/>
+                      <a:tailEnd type="none" w="med" len="med"/>
+                    </a:lnT>
+                    <a:lnB w="12700" cap="flat" cmpd="sng" algn="ctr">
+                      <a:solidFill>
+                        <a:schemeClr val="tx1"/>
+                      </a:solidFill>
+                      <a:prstDash val="solid"/>
+                      <a:round/>
+                      <a:headEnd type="none" w="med" len="med"/>
+                      <a:tailEnd type="none" w="med" len="med"/>
+                    </a:lnB>
+                    <a:solidFill>
+                      <a:schemeClr val="bg1"/>
+                    </a:solidFill>
+                  </a:tcPr>
+                </a:tc>
+                <a:tc>
+                  <a:txBody>
+                    <a:bodyPr/>
+                    <a:lstStyle/>
+                    <a:p>
+                      <a:pPr algn="l"/>
+                      <a:r>
+                        <a:rPr kumimoji="1" lang="en-US" altLang="ja-JP" sz="2000" dirty="0" smtClean="0"/>
+                        <a:t>IP</a:t>
+                      </a:r>
+                      <a:r>
+                        <a:rPr kumimoji="1" lang="ja-JP" altLang="en-US" sz="2000" dirty="0" smtClean="0"/>
+                        <a:t>アドレス設定</a:t>
+                      </a:r>
+                      <a:endParaRPr kumimoji="1" lang="ja-JP" altLang="en-US" sz="2000" dirty="0"/>
+                    </a:p>
+                  </a:txBody>
+                  <a:tcPr marT="72000" marB="72000" anchor="ctr">
+                    <a:lnL w="12700" cap="flat" cmpd="sng" algn="ctr">
+                      <a:solidFill>
+                        <a:schemeClr val="tx1"/>
+                      </a:solidFill>
+                      <a:prstDash val="solid"/>
+                      <a:round/>
+                      <a:headEnd type="none" w="med" len="med"/>
+                      <a:tailEnd type="none" w="med" len="med"/>
+                    </a:lnL>
+                    <a:lnR w="12700" cap="flat" cmpd="sng" algn="ctr">
+                      <a:solidFill>
+                        <a:schemeClr val="tx1"/>
+                      </a:solidFill>
+                      <a:prstDash val="solid"/>
+                      <a:round/>
+                      <a:headEnd type="none" w="med" len="med"/>
+                      <a:tailEnd type="none" w="med" len="med"/>
+                    </a:lnR>
+                    <a:lnT w="12700" cap="flat" cmpd="sng" algn="ctr">
+                      <a:solidFill>
+                        <a:schemeClr val="tx1"/>
+                      </a:solidFill>
+                      <a:prstDash val="solid"/>
+                      <a:round/>
+                      <a:headEnd type="none" w="med" len="med"/>
+                      <a:tailEnd type="none" w="med" len="med"/>
+                    </a:lnT>
+                    <a:lnB w="12700" cap="flat" cmpd="sng" algn="ctr">
+                      <a:solidFill>
+                        <a:schemeClr val="tx1"/>
+                      </a:solidFill>
+                      <a:prstDash val="solid"/>
+                      <a:round/>
+                      <a:headEnd type="none" w="med" len="med"/>
+                      <a:tailEnd type="none" w="med" len="med"/>
+                    </a:lnB>
+                    <a:solidFill>
+                      <a:schemeClr val="bg1"/>
+                    </a:solidFill>
+                  </a:tcPr>
+                </a:tc>
+                <a:extLst>
+                  <a:ext uri="{0D108BD9-81ED-4DB2-BD59-A6C34878D82A}">
+                    <a16:rowId xmlns:a16="http://schemas.microsoft.com/office/drawing/2014/main" val="1012509120"/>
+                  </a:ext>
+                </a:extLst>
+              </a:tr>
+              <a:tr h="584078">
+                <a:tc>
+                  <a:txBody>
+                    <a:bodyPr/>
+                    <a:lstStyle/>
+                    <a:p>
+                      <a:pPr algn="l"/>
+                      <a:r>
+                        <a:rPr kumimoji="1" lang="ja-JP" altLang="en-US" sz="2000" dirty="0" smtClean="0"/>
+                        <a:t>仮想ハードディスク設定</a:t>
+                      </a:r>
+                      <a:endParaRPr kumimoji="1" lang="ja-JP" altLang="en-US" sz="2000" dirty="0"/>
+                    </a:p>
+                  </a:txBody>
+                  <a:tcPr marT="72000" marB="72000" anchor="ctr">
+                    <a:lnL w="12700" cap="flat" cmpd="sng" algn="ctr">
+                      <a:solidFill>
+                        <a:schemeClr val="tx1"/>
+                      </a:solidFill>
+                      <a:prstDash val="solid"/>
+                      <a:round/>
+                      <a:headEnd type="none" w="med" len="med"/>
+                      <a:tailEnd type="none" w="med" len="med"/>
+                    </a:lnL>
+                    <a:lnR w="12700" cap="flat" cmpd="sng" algn="ctr">
+                      <a:solidFill>
+                        <a:schemeClr val="tx1"/>
+                      </a:solidFill>
+                      <a:prstDash val="solid"/>
+                      <a:round/>
+                      <a:headEnd type="none" w="med" len="med"/>
+                      <a:tailEnd type="none" w="med" len="med"/>
+                    </a:lnR>
+                    <a:lnT w="12700" cap="flat" cmpd="sng" algn="ctr">
+                      <a:solidFill>
+                        <a:schemeClr val="tx1"/>
+                      </a:solidFill>
+                      <a:prstDash val="solid"/>
+                      <a:round/>
+                      <a:headEnd type="none" w="med" len="med"/>
+                      <a:tailEnd type="none" w="med" len="med"/>
+                    </a:lnT>
+                    <a:lnB w="12700" cap="flat" cmpd="sng" algn="ctr">
+                      <a:solidFill>
+                        <a:schemeClr val="tx1"/>
+                      </a:solidFill>
+                      <a:prstDash val="solid"/>
+                      <a:round/>
+                      <a:headEnd type="none" w="med" len="med"/>
+                      <a:tailEnd type="none" w="med" len="med"/>
+                    </a:lnB>
+                    <a:solidFill>
+                      <a:schemeClr val="bg1"/>
+                    </a:solidFill>
+                  </a:tcPr>
+                </a:tc>
+                <a:tc>
+                  <a:txBody>
+                    <a:bodyPr/>
+                    <a:lstStyle/>
+                    <a:p>
+                      <a:pPr algn="l"/>
+                      <a:r>
+                        <a:rPr kumimoji="1" lang="ja-JP" altLang="en-US" sz="2000" dirty="0" smtClean="0"/>
+                        <a:t>仮想ハードディスク追加</a:t>
+                      </a:r>
+                      <a:endParaRPr kumimoji="1" lang="ja-JP" altLang="en-US" sz="2000" dirty="0"/>
+                    </a:p>
+                  </a:txBody>
+                  <a:tcPr marT="72000" marB="72000" anchor="ctr">
+                    <a:lnL w="12700" cap="flat" cmpd="sng" algn="ctr">
+                      <a:solidFill>
+                        <a:schemeClr val="tx1"/>
+                      </a:solidFill>
+                      <a:prstDash val="solid"/>
+                      <a:round/>
+                      <a:headEnd type="none" w="med" len="med"/>
+                      <a:tailEnd type="none" w="med" len="med"/>
+                    </a:lnL>
+                    <a:lnR w="12700" cap="flat" cmpd="sng" algn="ctr">
+                      <a:solidFill>
+                        <a:schemeClr val="tx1"/>
+                      </a:solidFill>
+                      <a:prstDash val="solid"/>
+                      <a:round/>
+                      <a:headEnd type="none" w="med" len="med"/>
+                      <a:tailEnd type="none" w="med" len="med"/>
+                    </a:lnR>
+                    <a:lnT w="12700" cap="flat" cmpd="sng" algn="ctr">
+                      <a:solidFill>
+                        <a:schemeClr val="tx1"/>
+                      </a:solidFill>
+                      <a:prstDash val="solid"/>
+                      <a:round/>
+                      <a:headEnd type="none" w="med" len="med"/>
+                      <a:tailEnd type="none" w="med" len="med"/>
+                    </a:lnT>
+                    <a:lnB w="12700" cap="flat" cmpd="sng" algn="ctr">
+                      <a:solidFill>
+                        <a:schemeClr val="tx1"/>
+                      </a:solidFill>
+                      <a:prstDash val="solid"/>
+                      <a:round/>
+                      <a:headEnd type="none" w="med" len="med"/>
+                      <a:tailEnd type="none" w="med" len="med"/>
+                    </a:lnB>
+                    <a:solidFill>
+                      <a:schemeClr val="bg1"/>
+                    </a:solidFill>
+                  </a:tcPr>
+                </a:tc>
+                <a:extLst>
+                  <a:ext uri="{0D108BD9-81ED-4DB2-BD59-A6C34878D82A}">
+                    <a16:rowId xmlns:a16="http://schemas.microsoft.com/office/drawing/2014/main" val="3512068053"/>
+                  </a:ext>
+                </a:extLst>
+              </a:tr>
+            </a:tbl>
+          </a:graphicData>
+        </a:graphic>
+      </p:graphicFrame>
+    </p:spTree>
+    <p:extLst>
+      <p:ext uri="{BB962C8B-B14F-4D97-AF65-F5344CB8AC3E}">
+        <p14:creationId xmlns:p14="http://schemas.microsoft.com/office/powerpoint/2010/main" val="433160199"/>
+      </p:ext>
+    </p:extLst>
+  </p:cSld>
+  <p:clrMapOvr>
+    <a:masterClrMapping/>
+  </p:clrMapOvr>
+</p:sld>
+</file>
+
+<file path=ppt/slides/slide46.xml><?xml version="1.0" encoding="utf-8"?>
 <p:sld xmlns:a="http://schemas.openxmlformats.org/drawingml/2006/main" xmlns:r="http://schemas.openxmlformats.org/officeDocument/2006/relationships" xmlns:p="http://schemas.openxmlformats.org/presentationml/2006/main">
   <p:cSld>
     <p:spTree>

--- a/docs/setting-samples-hyperv-install_ja.pptx
+++ b/docs/setting-samples-hyperv-install_ja.pptx
@@ -1336,13 +1336,6 @@
         </dgm:presLayoutVars>
       </dgm:prSet>
       <dgm:spPr/>
-      <dgm:t>
-        <a:bodyPr/>
-        <a:lstStyle/>
-        <a:p>
-          <a:endParaRPr kumimoji="1" lang="ja-JP" altLang="en-US"/>
-        </a:p>
-      </dgm:t>
     </dgm:pt>
     <dgm:pt modelId="{1590779C-7EF1-40B3-ADEF-E7F4C5EA3ED7}" type="pres">
       <dgm:prSet presAssocID="{1AD8B276-4C5D-43A5-AC5D-E28FFE0A25E8}" presName="boxAndChildren" presStyleCnt="0"/>
@@ -1351,24 +1344,10 @@
     <dgm:pt modelId="{57C7292B-5FEA-4490-A7F1-829309F5EDFD}" type="pres">
       <dgm:prSet presAssocID="{1AD8B276-4C5D-43A5-AC5D-E28FFE0A25E8}" presName="parentTextBox" presStyleLbl="node1" presStyleIdx="0" presStyleCnt="4"/>
       <dgm:spPr/>
-      <dgm:t>
-        <a:bodyPr/>
-        <a:lstStyle/>
-        <a:p>
-          <a:endParaRPr kumimoji="1" lang="ja-JP" altLang="en-US"/>
-        </a:p>
-      </dgm:t>
     </dgm:pt>
     <dgm:pt modelId="{E410BAB3-9EFA-4147-A6B9-FE796909F42C}" type="pres">
       <dgm:prSet presAssocID="{1AD8B276-4C5D-43A5-AC5D-E28FFE0A25E8}" presName="entireBox" presStyleLbl="node1" presStyleIdx="0" presStyleCnt="4"/>
       <dgm:spPr/>
-      <dgm:t>
-        <a:bodyPr/>
-        <a:lstStyle/>
-        <a:p>
-          <a:endParaRPr kumimoji="1" lang="ja-JP" altLang="en-US"/>
-        </a:p>
-      </dgm:t>
     </dgm:pt>
     <dgm:pt modelId="{CC11D48D-17C7-4568-9109-EA3F4BBB3DD6}" type="pres">
       <dgm:prSet presAssocID="{1AD8B276-4C5D-43A5-AC5D-E28FFE0A25E8}" presName="descendantBox" presStyleCnt="0"/>
@@ -1381,13 +1360,6 @@
         </dgm:presLayoutVars>
       </dgm:prSet>
       <dgm:spPr/>
-      <dgm:t>
-        <a:bodyPr/>
-        <a:lstStyle/>
-        <a:p>
-          <a:endParaRPr kumimoji="1" lang="ja-JP" altLang="en-US"/>
-        </a:p>
-      </dgm:t>
     </dgm:pt>
     <dgm:pt modelId="{F673F600-735C-4C2A-AF40-169C3DAADD01}" type="pres">
       <dgm:prSet presAssocID="{ABD979B8-BA6F-4A5F-90A0-4BC08C270A91}" presName="sp" presStyleCnt="0"/>
@@ -1400,24 +1372,10 @@
     <dgm:pt modelId="{815C2DB6-5EE1-417A-A584-55A13AB6F5E9}" type="pres">
       <dgm:prSet presAssocID="{9D8FC107-15BF-43C3-9F5B-A423269052EC}" presName="parentTextArrow" presStyleLbl="node1" presStyleIdx="0" presStyleCnt="4"/>
       <dgm:spPr/>
-      <dgm:t>
-        <a:bodyPr/>
-        <a:lstStyle/>
-        <a:p>
-          <a:endParaRPr kumimoji="1" lang="ja-JP" altLang="en-US"/>
-        </a:p>
-      </dgm:t>
     </dgm:pt>
     <dgm:pt modelId="{B97D71DB-AA15-4CB8-8A3D-F5575E893CCD}" type="pres">
       <dgm:prSet presAssocID="{9D8FC107-15BF-43C3-9F5B-A423269052EC}" presName="arrow" presStyleLbl="node1" presStyleIdx="1" presStyleCnt="4"/>
       <dgm:spPr/>
-      <dgm:t>
-        <a:bodyPr/>
-        <a:lstStyle/>
-        <a:p>
-          <a:endParaRPr kumimoji="1" lang="ja-JP" altLang="en-US"/>
-        </a:p>
-      </dgm:t>
     </dgm:pt>
     <dgm:pt modelId="{C2AE0336-E7D4-4016-9BAB-CE33D7608124}" type="pres">
       <dgm:prSet presAssocID="{9D8FC107-15BF-43C3-9F5B-A423269052EC}" presName="descendantArrow" presStyleCnt="0"/>
@@ -1430,13 +1388,6 @@
         </dgm:presLayoutVars>
       </dgm:prSet>
       <dgm:spPr/>
-      <dgm:t>
-        <a:bodyPr/>
-        <a:lstStyle/>
-        <a:p>
-          <a:endParaRPr kumimoji="1" lang="ja-JP" altLang="en-US"/>
-        </a:p>
-      </dgm:t>
     </dgm:pt>
     <dgm:pt modelId="{7A822779-E372-4870-AA55-1BEF15C2894D}" type="pres">
       <dgm:prSet presAssocID="{36C7FED4-A680-40AF-9485-662ABE09B1A5}" presName="sp" presStyleCnt="0"/>
@@ -1449,24 +1400,10 @@
     <dgm:pt modelId="{AE90339B-2B8D-4179-9EC4-906372D4BFE7}" type="pres">
       <dgm:prSet presAssocID="{F0EC518C-1EA5-431A-B4C0-34DF6146AFF4}" presName="parentTextArrow" presStyleLbl="node1" presStyleIdx="1" presStyleCnt="4"/>
       <dgm:spPr/>
-      <dgm:t>
-        <a:bodyPr/>
-        <a:lstStyle/>
-        <a:p>
-          <a:endParaRPr kumimoji="1" lang="ja-JP" altLang="en-US"/>
-        </a:p>
-      </dgm:t>
     </dgm:pt>
     <dgm:pt modelId="{1F025B89-C941-4E85-920E-D6908DEE2142}" type="pres">
       <dgm:prSet presAssocID="{F0EC518C-1EA5-431A-B4C0-34DF6146AFF4}" presName="arrow" presStyleLbl="node1" presStyleIdx="2" presStyleCnt="4"/>
       <dgm:spPr/>
-      <dgm:t>
-        <a:bodyPr/>
-        <a:lstStyle/>
-        <a:p>
-          <a:endParaRPr kumimoji="1" lang="ja-JP" altLang="en-US"/>
-        </a:p>
-      </dgm:t>
     </dgm:pt>
     <dgm:pt modelId="{ABBE4BB2-6BB2-4CB2-A291-E422509700E6}" type="pres">
       <dgm:prSet presAssocID="{F0EC518C-1EA5-431A-B4C0-34DF6146AFF4}" presName="descendantArrow" presStyleCnt="0"/>
@@ -1479,13 +1416,6 @@
         </dgm:presLayoutVars>
       </dgm:prSet>
       <dgm:spPr/>
-      <dgm:t>
-        <a:bodyPr/>
-        <a:lstStyle/>
-        <a:p>
-          <a:endParaRPr kumimoji="1" lang="ja-JP" altLang="en-US"/>
-        </a:p>
-      </dgm:t>
     </dgm:pt>
     <dgm:pt modelId="{148ED98D-6187-472B-B9D5-B5CDF18E0414}" type="pres">
       <dgm:prSet presAssocID="{5B557859-CDD4-4275-BEA6-6727F86DCE52}" presName="sp" presStyleCnt="0"/>
@@ -1498,24 +1428,10 @@
     <dgm:pt modelId="{7C2FB781-4C0C-4A5B-92CD-24F15327845E}" type="pres">
       <dgm:prSet presAssocID="{47C92D8C-AE74-40DF-ACB1-0541F38A9058}" presName="parentTextArrow" presStyleLbl="node1" presStyleIdx="2" presStyleCnt="4"/>
       <dgm:spPr/>
-      <dgm:t>
-        <a:bodyPr/>
-        <a:lstStyle/>
-        <a:p>
-          <a:endParaRPr kumimoji="1" lang="ja-JP" altLang="en-US"/>
-        </a:p>
-      </dgm:t>
     </dgm:pt>
     <dgm:pt modelId="{46D74FD4-272C-472D-A722-7F14809ED911}" type="pres">
       <dgm:prSet presAssocID="{47C92D8C-AE74-40DF-ACB1-0541F38A9058}" presName="arrow" presStyleLbl="node1" presStyleIdx="3" presStyleCnt="4"/>
       <dgm:spPr/>
-      <dgm:t>
-        <a:bodyPr/>
-        <a:lstStyle/>
-        <a:p>
-          <a:endParaRPr kumimoji="1" lang="ja-JP" altLang="en-US"/>
-        </a:p>
-      </dgm:t>
     </dgm:pt>
     <dgm:pt modelId="{6A64DDC3-D51C-42CA-A86D-49B60A90FBDB}" type="pres">
       <dgm:prSet presAssocID="{47C92D8C-AE74-40DF-ACB1-0541F38A9058}" presName="descendantArrow" presStyleCnt="0"/>
@@ -1528,37 +1444,30 @@
         </dgm:presLayoutVars>
       </dgm:prSet>
       <dgm:spPr/>
-      <dgm:t>
-        <a:bodyPr/>
-        <a:lstStyle/>
-        <a:p>
-          <a:endParaRPr kumimoji="1" lang="ja-JP" altLang="en-US"/>
-        </a:p>
-      </dgm:t>
     </dgm:pt>
   </dgm:ptLst>
   <dgm:cxnLst>
-    <dgm:cxn modelId="{9C395697-1D2A-4777-9E29-039BDFE5C766}" type="presOf" srcId="{47C92D8C-AE74-40DF-ACB1-0541F38A9058}" destId="{46D74FD4-272C-472D-A722-7F14809ED911}" srcOrd="1" destOrd="0" presId="urn:microsoft.com/office/officeart/2005/8/layout/process4"/>
-    <dgm:cxn modelId="{3C63D926-EADD-4DF7-BC0C-F7404C59D457}" type="presOf" srcId="{47C92D8C-AE74-40DF-ACB1-0541F38A9058}" destId="{7C2FB781-4C0C-4A5B-92CD-24F15327845E}" srcOrd="0" destOrd="0" presId="urn:microsoft.com/office/officeart/2005/8/layout/process4"/>
-    <dgm:cxn modelId="{F11E3D93-C9DF-4134-8C17-0681912EE89F}" type="presOf" srcId="{A01F8570-19F7-4735-8389-145BCE33833C}" destId="{AB1EFA0B-49DB-4D1B-8B35-4A836F1FC4C1}" srcOrd="0" destOrd="0" presId="urn:microsoft.com/office/officeart/2005/8/layout/process4"/>
-    <dgm:cxn modelId="{6FD461CB-F362-4D10-BFED-D15740C2F1CF}" srcId="{47C92D8C-AE74-40DF-ACB1-0541F38A9058}" destId="{D0BB6940-C360-417F-9071-AABAF2780327}" srcOrd="0" destOrd="0" parTransId="{F232C55B-5582-4B3A-9AAC-43ED534CC92E}" sibTransId="{8737633C-0908-48D2-A819-3356936D5551}"/>
-    <dgm:cxn modelId="{9BC2558A-E4AA-4D3B-A816-DA0B452C9779}" type="presOf" srcId="{1AD8B276-4C5D-43A5-AC5D-E28FFE0A25E8}" destId="{E410BAB3-9EFA-4147-A6B9-FE796909F42C}" srcOrd="1" destOrd="0" presId="urn:microsoft.com/office/officeart/2005/8/layout/process4"/>
-    <dgm:cxn modelId="{16BFE94F-FA12-4EB3-B4BB-BEDE7874A033}" srcId="{D511BCA9-A41D-461D-AB9F-8F6C9E648C31}" destId="{1AD8B276-4C5D-43A5-AC5D-E28FFE0A25E8}" srcOrd="3" destOrd="0" parTransId="{475DB744-EEC1-416E-BA27-26F8423D8D6C}" sibTransId="{FBDC8D75-9B5C-4A81-A25E-1CB6B655248A}"/>
-    <dgm:cxn modelId="{770592AE-EA5D-4832-88AF-EFBBA4466BAD}" type="presOf" srcId="{A8588580-F58F-4A40-B0EC-7881A3766C34}" destId="{1534467B-DDF6-4A03-87BF-319ECC84EEE3}" srcOrd="0" destOrd="0" presId="urn:microsoft.com/office/officeart/2005/8/layout/process4"/>
-    <dgm:cxn modelId="{6F54A360-FC06-4377-BC57-7F8B32BC2F14}" type="presOf" srcId="{8BB5EFB2-024E-4BCF-B56F-84EEC1F18CFB}" destId="{BFE52135-3318-47A4-AB9E-32AEC8E1C995}" srcOrd="0" destOrd="0" presId="urn:microsoft.com/office/officeart/2005/8/layout/process4"/>
-    <dgm:cxn modelId="{B5ED2EC1-52B6-463B-B5C2-E6CFC47C5D1A}" type="presOf" srcId="{1AD8B276-4C5D-43A5-AC5D-E28FFE0A25E8}" destId="{57C7292B-5FEA-4490-A7F1-829309F5EDFD}" srcOrd="0" destOrd="0" presId="urn:microsoft.com/office/officeart/2005/8/layout/process4"/>
-    <dgm:cxn modelId="{7AC51271-8594-489D-8C2B-A7EED18F0A89}" srcId="{9D8FC107-15BF-43C3-9F5B-A423269052EC}" destId="{8BB5EFB2-024E-4BCF-B56F-84EEC1F18CFB}" srcOrd="0" destOrd="0" parTransId="{6403F355-4F97-4766-985E-A83F38DABAFC}" sibTransId="{4643642D-C912-4134-B986-FA39283596E3}"/>
-    <dgm:cxn modelId="{B38105C7-69FA-493C-940E-C7D9647A241E}" type="presOf" srcId="{9D8FC107-15BF-43C3-9F5B-A423269052EC}" destId="{B97D71DB-AA15-4CB8-8A3D-F5575E893CCD}" srcOrd="1" destOrd="0" presId="urn:microsoft.com/office/officeart/2005/8/layout/process4"/>
-    <dgm:cxn modelId="{EB4FA676-A8B6-496E-A846-AD7C6E37E9A4}" type="presOf" srcId="{9D8FC107-15BF-43C3-9F5B-A423269052EC}" destId="{815C2DB6-5EE1-417A-A584-55A13AB6F5E9}" srcOrd="0" destOrd="0" presId="urn:microsoft.com/office/officeart/2005/8/layout/process4"/>
     <dgm:cxn modelId="{D3BC3A06-7737-477E-8BFD-09204E1E7191}" srcId="{1AD8B276-4C5D-43A5-AC5D-E28FFE0A25E8}" destId="{A01F8570-19F7-4735-8389-145BCE33833C}" srcOrd="0" destOrd="0" parTransId="{4DB03551-9EFA-4AFE-A1A9-1205EF19EA5B}" sibTransId="{68B89A32-03EB-42C6-A839-430806B5122B}"/>
-    <dgm:cxn modelId="{45AEA120-8E87-4DAB-B1E6-8D4885D9DECB}" type="presOf" srcId="{D0BB6940-C360-417F-9071-AABAF2780327}" destId="{9510E692-3FC8-4DC7-9E92-6282AB79F395}" srcOrd="0" destOrd="0" presId="urn:microsoft.com/office/officeart/2005/8/layout/process4"/>
-    <dgm:cxn modelId="{FBFBE750-57D3-4BFB-B080-D26B3DF1E1DF}" srcId="{D511BCA9-A41D-461D-AB9F-8F6C9E648C31}" destId="{9D8FC107-15BF-43C3-9F5B-A423269052EC}" srcOrd="2" destOrd="0" parTransId="{0D5FF430-CA3F-4F11-9F2D-6740960B4476}" sibTransId="{ABD979B8-BA6F-4A5F-90A0-4BC08C270A91}"/>
-    <dgm:cxn modelId="{73013229-523E-415A-97F2-B607FB1F6529}" srcId="{F0EC518C-1EA5-431A-B4C0-34DF6146AFF4}" destId="{A8588580-F58F-4A40-B0EC-7881A3766C34}" srcOrd="0" destOrd="0" parTransId="{344C79BF-841A-4C58-8EF4-C94A12476FD3}" sibTransId="{2CB5E3B9-A5FF-438E-B800-10C3F503A250}"/>
     <dgm:cxn modelId="{F3E31D0E-260C-4742-905F-D02829F454A7}" srcId="{D511BCA9-A41D-461D-AB9F-8F6C9E648C31}" destId="{47C92D8C-AE74-40DF-ACB1-0541F38A9058}" srcOrd="0" destOrd="0" parTransId="{E97C114E-086F-4B51-9E24-01691B649D63}" sibTransId="{5B557859-CDD4-4275-BEA6-6727F86DCE52}"/>
     <dgm:cxn modelId="{5491E713-E4D2-4C5F-B494-63F950123910}" type="presOf" srcId="{F0EC518C-1EA5-431A-B4C0-34DF6146AFF4}" destId="{1F025B89-C941-4E85-920E-D6908DEE2142}" srcOrd="1" destOrd="0" presId="urn:microsoft.com/office/officeart/2005/8/layout/process4"/>
+    <dgm:cxn modelId="{45AEA120-8E87-4DAB-B1E6-8D4885D9DECB}" type="presOf" srcId="{D0BB6940-C360-417F-9071-AABAF2780327}" destId="{9510E692-3FC8-4DC7-9E92-6282AB79F395}" srcOrd="0" destOrd="0" presId="urn:microsoft.com/office/officeart/2005/8/layout/process4"/>
+    <dgm:cxn modelId="{3C63D926-EADD-4DF7-BC0C-F7404C59D457}" type="presOf" srcId="{47C92D8C-AE74-40DF-ACB1-0541F38A9058}" destId="{7C2FB781-4C0C-4A5B-92CD-24F15327845E}" srcOrd="0" destOrd="0" presId="urn:microsoft.com/office/officeart/2005/8/layout/process4"/>
+    <dgm:cxn modelId="{73013229-523E-415A-97F2-B607FB1F6529}" srcId="{F0EC518C-1EA5-431A-B4C0-34DF6146AFF4}" destId="{A8588580-F58F-4A40-B0EC-7881A3766C34}" srcOrd="0" destOrd="0" parTransId="{344C79BF-841A-4C58-8EF4-C94A12476FD3}" sibTransId="{2CB5E3B9-A5FF-438E-B800-10C3F503A250}"/>
     <dgm:cxn modelId="{36E0C73C-D489-4CA2-B153-F03B5E5B5C39}" srcId="{D511BCA9-A41D-461D-AB9F-8F6C9E648C31}" destId="{F0EC518C-1EA5-431A-B4C0-34DF6146AFF4}" srcOrd="1" destOrd="0" parTransId="{388992C7-93A2-42C4-B4B3-9A3FAA4264B3}" sibTransId="{36C7FED4-A680-40AF-9485-662ABE09B1A5}"/>
+    <dgm:cxn modelId="{6F54A360-FC06-4377-BC57-7F8B32BC2F14}" type="presOf" srcId="{8BB5EFB2-024E-4BCF-B56F-84EEC1F18CFB}" destId="{BFE52135-3318-47A4-AB9E-32AEC8E1C995}" srcOrd="0" destOrd="0" presId="urn:microsoft.com/office/officeart/2005/8/layout/process4"/>
+    <dgm:cxn modelId="{A275236A-744E-4B25-B73A-24B5F31ED57E}" type="presOf" srcId="{D511BCA9-A41D-461D-AB9F-8F6C9E648C31}" destId="{827E7C61-AF90-4154-A1C8-C72AF251D608}" srcOrd="0" destOrd="0" presId="urn:microsoft.com/office/officeart/2005/8/layout/process4"/>
+    <dgm:cxn modelId="{16BFE94F-FA12-4EB3-B4BB-BEDE7874A033}" srcId="{D511BCA9-A41D-461D-AB9F-8F6C9E648C31}" destId="{1AD8B276-4C5D-43A5-AC5D-E28FFE0A25E8}" srcOrd="3" destOrd="0" parTransId="{475DB744-EEC1-416E-BA27-26F8423D8D6C}" sibTransId="{FBDC8D75-9B5C-4A81-A25E-1CB6B655248A}"/>
+    <dgm:cxn modelId="{FBFBE750-57D3-4BFB-B080-D26B3DF1E1DF}" srcId="{D511BCA9-A41D-461D-AB9F-8F6C9E648C31}" destId="{9D8FC107-15BF-43C3-9F5B-A423269052EC}" srcOrd="2" destOrd="0" parTransId="{0D5FF430-CA3F-4F11-9F2D-6740960B4476}" sibTransId="{ABD979B8-BA6F-4A5F-90A0-4BC08C270A91}"/>
+    <dgm:cxn modelId="{7AC51271-8594-489D-8C2B-A7EED18F0A89}" srcId="{9D8FC107-15BF-43C3-9F5B-A423269052EC}" destId="{8BB5EFB2-024E-4BCF-B56F-84EEC1F18CFB}" srcOrd="0" destOrd="0" parTransId="{6403F355-4F97-4766-985E-A83F38DABAFC}" sibTransId="{4643642D-C912-4134-B986-FA39283596E3}"/>
+    <dgm:cxn modelId="{EB4FA676-A8B6-496E-A846-AD7C6E37E9A4}" type="presOf" srcId="{9D8FC107-15BF-43C3-9F5B-A423269052EC}" destId="{815C2DB6-5EE1-417A-A584-55A13AB6F5E9}" srcOrd="0" destOrd="0" presId="urn:microsoft.com/office/officeart/2005/8/layout/process4"/>
+    <dgm:cxn modelId="{9BC2558A-E4AA-4D3B-A816-DA0B452C9779}" type="presOf" srcId="{1AD8B276-4C5D-43A5-AC5D-E28FFE0A25E8}" destId="{E410BAB3-9EFA-4147-A6B9-FE796909F42C}" srcOrd="1" destOrd="0" presId="urn:microsoft.com/office/officeart/2005/8/layout/process4"/>
+    <dgm:cxn modelId="{F11E3D93-C9DF-4134-8C17-0681912EE89F}" type="presOf" srcId="{A01F8570-19F7-4735-8389-145BCE33833C}" destId="{AB1EFA0B-49DB-4D1B-8B35-4A836F1FC4C1}" srcOrd="0" destOrd="0" presId="urn:microsoft.com/office/officeart/2005/8/layout/process4"/>
+    <dgm:cxn modelId="{9C395697-1D2A-4777-9E29-039BDFE5C766}" type="presOf" srcId="{47C92D8C-AE74-40DF-ACB1-0541F38A9058}" destId="{46D74FD4-272C-472D-A722-7F14809ED911}" srcOrd="1" destOrd="0" presId="urn:microsoft.com/office/officeart/2005/8/layout/process4"/>
+    <dgm:cxn modelId="{770592AE-EA5D-4832-88AF-EFBBA4466BAD}" type="presOf" srcId="{A8588580-F58F-4A40-B0EC-7881A3766C34}" destId="{1534467B-DDF6-4A03-87BF-319ECC84EEE3}" srcOrd="0" destOrd="0" presId="urn:microsoft.com/office/officeart/2005/8/layout/process4"/>
+    <dgm:cxn modelId="{B5ED2EC1-52B6-463B-B5C2-E6CFC47C5D1A}" type="presOf" srcId="{1AD8B276-4C5D-43A5-AC5D-E28FFE0A25E8}" destId="{57C7292B-5FEA-4490-A7F1-829309F5EDFD}" srcOrd="0" destOrd="0" presId="urn:microsoft.com/office/officeart/2005/8/layout/process4"/>
+    <dgm:cxn modelId="{B38105C7-69FA-493C-940E-C7D9647A241E}" type="presOf" srcId="{9D8FC107-15BF-43C3-9F5B-A423269052EC}" destId="{B97D71DB-AA15-4CB8-8A3D-F5575E893CCD}" srcOrd="1" destOrd="0" presId="urn:microsoft.com/office/officeart/2005/8/layout/process4"/>
+    <dgm:cxn modelId="{6FD461CB-F362-4D10-BFED-D15740C2F1CF}" srcId="{47C92D8C-AE74-40DF-ACB1-0541F38A9058}" destId="{D0BB6940-C360-417F-9071-AABAF2780327}" srcOrd="0" destOrd="0" parTransId="{F232C55B-5582-4B3A-9AAC-43ED534CC92E}" sibTransId="{8737633C-0908-48D2-A819-3356936D5551}"/>
     <dgm:cxn modelId="{59227BED-221F-4722-A67E-5BEDDCF9068B}" type="presOf" srcId="{F0EC518C-1EA5-431A-B4C0-34DF6146AFF4}" destId="{AE90339B-2B8D-4179-9EC4-906372D4BFE7}" srcOrd="0" destOrd="0" presId="urn:microsoft.com/office/officeart/2005/8/layout/process4"/>
-    <dgm:cxn modelId="{A275236A-744E-4B25-B73A-24B5F31ED57E}" type="presOf" srcId="{D511BCA9-A41D-461D-AB9F-8F6C9E648C31}" destId="{827E7C61-AF90-4154-A1C8-C72AF251D608}" srcOrd="0" destOrd="0" presId="urn:microsoft.com/office/officeart/2005/8/layout/process4"/>
     <dgm:cxn modelId="{E40950DD-B432-4CAA-AF86-43DBEDC55EB5}" type="presParOf" srcId="{827E7C61-AF90-4154-A1C8-C72AF251D608}" destId="{1590779C-7EF1-40B3-ADEF-E7F4C5EA3ED7}" srcOrd="0" destOrd="0" presId="urn:microsoft.com/office/officeart/2005/8/layout/process4"/>
     <dgm:cxn modelId="{DA0F60AA-80A5-43DD-8148-9A546FCA9ED3}" type="presParOf" srcId="{1590779C-7EF1-40B3-ADEF-E7F4C5EA3ED7}" destId="{57C7292B-5FEA-4490-A7F1-829309F5EDFD}" srcOrd="0" destOrd="0" presId="urn:microsoft.com/office/officeart/2005/8/layout/process4"/>
     <dgm:cxn modelId="{FDC36781-2554-4BF9-98EE-220F81BB7440}" type="presParOf" srcId="{1590779C-7EF1-40B3-ADEF-E7F4C5EA3ED7}" destId="{E410BAB3-9EFA-4147-A6B9-FE796909F42C}" srcOrd="1" destOrd="0" presId="urn:microsoft.com/office/officeart/2005/8/layout/process4"/>
@@ -1655,7 +1564,7 @@
         </a:bodyPr>
         <a:lstStyle/>
         <a:p>
-          <a:pPr lvl="0" algn="ctr" defTabSz="666750">
+          <a:pPr marL="0" lvl="0" indent="0" algn="ctr" defTabSz="666750">
             <a:lnSpc>
               <a:spcPct val="90000"/>
             </a:lnSpc>
@@ -1665,6 +1574,7 @@
             <a:spcAft>
               <a:spcPct val="35000"/>
             </a:spcAft>
+            <a:buNone/>
           </a:pPr>
           <a:r>
             <a:rPr lang="en-US" altLang="ja-JP" sz="1500" kern="1200" dirty="0"/>
@@ -1737,7 +1647,7 @@
         </a:bodyPr>
         <a:lstStyle/>
         <a:p>
-          <a:pPr lvl="0" algn="ctr" defTabSz="622300">
+          <a:pPr marL="0" lvl="0" indent="0" algn="ctr" defTabSz="622300">
             <a:lnSpc>
               <a:spcPct val="90000"/>
             </a:lnSpc>
@@ -1747,6 +1657,7 @@
             <a:spcAft>
               <a:spcPct val="35000"/>
             </a:spcAft>
+            <a:buNone/>
           </a:pPr>
           <a:r>
             <a:rPr lang="en-US" altLang="ja-JP" sz="1400" kern="1200" dirty="0"/>
@@ -1825,7 +1736,7 @@
         </a:bodyPr>
         <a:lstStyle/>
         <a:p>
-          <a:pPr lvl="0" algn="ctr" defTabSz="666750">
+          <a:pPr marL="0" lvl="0" indent="0" algn="ctr" defTabSz="666750">
             <a:lnSpc>
               <a:spcPct val="90000"/>
             </a:lnSpc>
@@ -1835,6 +1746,7 @@
             <a:spcAft>
               <a:spcPct val="35000"/>
             </a:spcAft>
+            <a:buNone/>
           </a:pPr>
           <a:r>
             <a:rPr lang="ja-JP" altLang="en-US" sz="1500" kern="1200" dirty="0"/>
@@ -1903,7 +1815,7 @@
         </a:bodyPr>
         <a:lstStyle/>
         <a:p>
-          <a:pPr lvl="0" algn="ctr" defTabSz="622300">
+          <a:pPr marL="0" lvl="0" indent="0" algn="ctr" defTabSz="622300">
             <a:lnSpc>
               <a:spcPct val="90000"/>
             </a:lnSpc>
@@ -1913,6 +1825,7 @@
             <a:spcAft>
               <a:spcPct val="35000"/>
             </a:spcAft>
+            <a:buNone/>
           </a:pPr>
           <a:r>
             <a:rPr lang="ja-JP" altLang="en-US" sz="1400" kern="1200" dirty="0"/>
@@ -1979,7 +1892,7 @@
         </a:bodyPr>
         <a:lstStyle/>
         <a:p>
-          <a:pPr lvl="0" algn="ctr" defTabSz="666750">
+          <a:pPr marL="0" lvl="0" indent="0" algn="ctr" defTabSz="666750">
             <a:lnSpc>
               <a:spcPct val="90000"/>
             </a:lnSpc>
@@ -1989,6 +1902,7 @@
             <a:spcAft>
               <a:spcPct val="35000"/>
             </a:spcAft>
+            <a:buNone/>
           </a:pPr>
           <a:r>
             <a:rPr lang="ja-JP" altLang="en-US" sz="1500" kern="1200" dirty="0"/>
@@ -2057,7 +1971,7 @@
         </a:bodyPr>
         <a:lstStyle/>
         <a:p>
-          <a:pPr lvl="0" algn="ctr" defTabSz="622300">
+          <a:pPr marL="0" lvl="0" indent="0" algn="ctr" defTabSz="622300">
             <a:lnSpc>
               <a:spcPct val="90000"/>
             </a:lnSpc>
@@ -2067,6 +1981,7 @@
             <a:spcAft>
               <a:spcPct val="35000"/>
             </a:spcAft>
+            <a:buNone/>
           </a:pPr>
           <a:r>
             <a:rPr lang="ja-JP" altLang="en-US" sz="1400" kern="1200" dirty="0"/>
@@ -2133,7 +2048,7 @@
         </a:bodyPr>
         <a:lstStyle/>
         <a:p>
-          <a:pPr lvl="0" algn="ctr" defTabSz="711200">
+          <a:pPr marL="0" lvl="0" indent="0" algn="ctr" defTabSz="711200">
             <a:lnSpc>
               <a:spcPct val="90000"/>
             </a:lnSpc>
@@ -2143,6 +2058,7 @@
             <a:spcAft>
               <a:spcPct val="35000"/>
             </a:spcAft>
+            <a:buNone/>
           </a:pPr>
           <a:r>
             <a:rPr lang="ja-JP" altLang="en-US" sz="1600" kern="1200" dirty="0"/>
@@ -2211,7 +2127,7 @@
         </a:bodyPr>
         <a:lstStyle/>
         <a:p>
-          <a:pPr lvl="0" algn="ctr" defTabSz="622300">
+          <a:pPr marL="0" lvl="0" indent="0" algn="ctr" defTabSz="622300">
             <a:lnSpc>
               <a:spcPct val="90000"/>
             </a:lnSpc>
@@ -2221,6 +2137,7 @@
             <a:spcAft>
               <a:spcPct val="35000"/>
             </a:spcAft>
+            <a:buNone/>
           </a:pPr>
           <a:r>
             <a:rPr lang="en-US" altLang="ja-JP" sz="1400" kern="1200" dirty="0"/>
@@ -3718,7 +3635,7 @@
           <a:p>
             <a:fld id="{7DD79AC8-8881-4020-B05F-8947ED53F7FA}" type="datetimeFigureOut">
               <a:rPr kumimoji="1" lang="ja-JP" altLang="en-US" smtClean="0"/>
-              <a:t>2021/12/27</a:t>
+              <a:t>2023/1/20</a:t>
             </a:fld>
             <a:endParaRPr kumimoji="1" lang="ja-JP" altLang="en-US"/>
           </a:p>
@@ -7345,7 +7262,7 @@
           <a:p>
             <a:fld id="{37061263-344C-46BB-87A4-3E3E3092AEEA}" type="datetimeFigureOut">
               <a:rPr kumimoji="1" lang="ja-JP" altLang="en-US" smtClean="0"/>
-              <a:t>2021/12/27</a:t>
+              <a:t>2023/1/20</a:t>
             </a:fld>
             <a:endParaRPr kumimoji="1" lang="ja-JP" altLang="en-US"/>
           </a:p>
@@ -8585,10 +8502,6 @@
               <a:rPr kumimoji="1" lang="ja-JP" altLang="en-US"/>
               <a:t>行にわたる場合は</a:t>
             </a:r>
-            <a:r>
-              <a:rPr kumimoji="1" lang="en-US" altLang="ja-JP"/>
-              <a:t/>
-            </a:r>
             <a:br>
               <a:rPr kumimoji="1" lang="en-US" altLang="ja-JP"/>
             </a:br>
@@ -9976,7 +9889,7 @@
           <a:p>
             <a:fld id="{37061263-344C-46BB-87A4-3E3E3092AEEA}" type="datetimeFigureOut">
               <a:rPr kumimoji="1" lang="ja-JP" altLang="en-US" smtClean="0"/>
-              <a:t>2021/12/27</a:t>
+              <a:t>2023/1/20</a:t>
             </a:fld>
             <a:endParaRPr kumimoji="1" lang="ja-JP" altLang="en-US"/>
           </a:p>
@@ -11653,10 +11566,6 @@
               <a:rPr kumimoji="1" lang="ja-JP" altLang="en-US"/>
               <a:t>行にわたる場合は</a:t>
             </a:r>
-            <a:r>
-              <a:rPr kumimoji="1" lang="en-US" altLang="ja-JP"/>
-              <a:t/>
-            </a:r>
             <a:br>
               <a:rPr kumimoji="1" lang="en-US" altLang="ja-JP"/>
             </a:br>
@@ -13108,10 +13017,6 @@
             <a:r>
               <a:rPr kumimoji="1" lang="ja-JP" altLang="en-US"/>
               <a:t>行にわたる場合は</a:t>
-            </a:r>
-            <a:r>
-              <a:rPr kumimoji="1" lang="en-US" altLang="ja-JP"/>
-              <a:t/>
             </a:r>
             <a:br>
               <a:rPr kumimoji="1" lang="en-US" altLang="ja-JP"/>
@@ -17638,7 +17543,7 @@
             </a:r>
             <a:r>
               <a:rPr lang="en-US" altLang="ja-JP" dirty="0"/>
-              <a:t>1.0</a:t>
+              <a:t>1.1</a:t>
             </a:r>
             <a:r>
               <a:rPr lang="ja-JP" altLang="en-US" dirty="0"/>
@@ -17670,7 +17575,7 @@
                 <a:latin typeface="Meiryo"/>
                 <a:ea typeface="Meiryo"/>
               </a:rPr>
-              <a:t>1.9.0</a:t>
+              <a:t>1.10.2</a:t>
             </a:r>
             <a:r>
               <a:rPr lang="ja-JP" dirty="0">
@@ -18104,7 +18009,7 @@
             </a:r>
             <a:r>
               <a:rPr lang="en-US" altLang="ja-JP" dirty="0"/>
-              <a:t>1.9.0</a:t>
+              <a:t>1.10.2</a:t>
             </a:r>
             <a:r>
               <a:rPr lang="ja-JP" altLang="en-US" dirty="0"/>
@@ -19823,10 +19728,6 @@
               <a:rPr lang="ja-JP" altLang="en-US" sz="1400" dirty="0"/>
               <a:t>各手順の詳細は以下のコミュニティサイト資料をご参照ください。</a:t>
             </a:r>
-            <a:r>
-              <a:rPr lang="en-US" altLang="ja-JP" sz="1400" dirty="0"/>
-              <a:t/>
-            </a:r>
             <a:br>
               <a:rPr lang="en-US" altLang="ja-JP" sz="1400" dirty="0"/>
             </a:br>
@@ -19861,10 +19762,6 @@
                 <a:hlinkClick r:id="rId2"/>
               </a:rPr>
               <a:t>管理コンソール</a:t>
-            </a:r>
-            <a:r>
-              <a:rPr lang="en-US" altLang="ja-JP" sz="1400" dirty="0"/>
-              <a:t/>
             </a:r>
             <a:br>
               <a:rPr lang="en-US" altLang="ja-JP" sz="1400" dirty="0"/>
@@ -20239,10 +20136,6 @@
             <a:r>
               <a:rPr lang="ja-JP" altLang="en-US" dirty="0"/>
               <a:t>」として用意しています。変更や修正はしないでください。</a:t>
-            </a:r>
-            <a:r>
-              <a:rPr lang="en-US" altLang="ja-JP" dirty="0"/>
-              <a:t/>
             </a:r>
             <a:br>
               <a:rPr lang="en-US" altLang="ja-JP" dirty="0"/>
@@ -20893,13 +20786,6 @@
             <a:pPr marL="0" indent="0">
               <a:buNone/>
             </a:pPr>
-            <a:r>
-              <a:rPr lang="ja-JP" altLang="en-US" dirty="0">
-                <a:latin typeface="Meiryo"/>
-                <a:ea typeface="Meiryo"/>
-              </a:rPr>
-              <a:t/>
-            </a:r>
             <a:br>
               <a:rPr lang="ja-JP" altLang="en-US" dirty="0">
                 <a:latin typeface="Meiryo"/>
@@ -21668,13 +21554,6 @@
                 <a:cs typeface="+mn-lt"/>
               </a:rPr>
               <a:t>仮想マシンにログインし、初期設定などを実施</a:t>
-            </a:r>
-            <a:r>
-              <a:rPr lang="en-US" altLang="ja-JP" sz="1800" dirty="0">
-                <a:ea typeface="+mn-lt"/>
-                <a:cs typeface="+mn-lt"/>
-              </a:rPr>
-              <a:t/>
             </a:r>
             <a:br>
               <a:rPr lang="en-US" altLang="ja-JP" sz="1800" dirty="0">
@@ -22209,13 +22088,6 @@
               </a:rPr>
               <a:t>モデルでは、利用したい既存の仮想ネットワークを選択するため事前に仮想ネットワークの設定を行う必要があります。</a:t>
             </a:r>
-            <a:r>
-              <a:rPr lang="en-US" altLang="ja-JP" dirty="0">
-                <a:ea typeface="+mn-lt"/>
-                <a:cs typeface="+mn-lt"/>
-              </a:rPr>
-              <a:t/>
-            </a:r>
             <a:br>
               <a:rPr lang="en-US" altLang="ja-JP" dirty="0">
                 <a:ea typeface="+mn-lt"/>
@@ -22299,13 +22171,6 @@
             <a:pPr marL="0" indent="0">
               <a:buNone/>
             </a:pPr>
-            <a:r>
-              <a:rPr lang="ja-JP" altLang="en-US" dirty="0">
-                <a:latin typeface="Meiryo"/>
-                <a:ea typeface="Meiryo"/>
-              </a:rPr>
-              <a:t/>
-            </a:r>
             <a:br>
               <a:rPr lang="ja-JP" altLang="en-US" dirty="0">
                 <a:latin typeface="Meiryo"/>
@@ -30844,10 +30709,6 @@
                         <a:rPr kumimoji="1" lang="ja-JP" altLang="en-US" sz="1200" dirty="0"/>
                         <a:t>接続する際のポート番号</a:t>
                       </a:r>
-                      <a:r>
-                        <a:rPr kumimoji="1" lang="en-US" altLang="ja-JP" sz="1200" dirty="0"/>
-                        <a:t/>
-                      </a:r>
                       <a:br>
                         <a:rPr kumimoji="1" lang="en-US" altLang="ja-JP" sz="1200" dirty="0"/>
                       </a:br>
@@ -33853,14 +33714,6 @@
               </a:rPr>
               <a:t>テンプレートの設定をそのまま利用する場合は登録不要ですが、</a:t>
             </a:r>
-            <a:r>
-              <a:rPr lang="en-US" altLang="ja-JP" dirty="0">
-                <a:solidFill>
-                  <a:srgbClr val="000000"/>
-                </a:solidFill>
-              </a:rPr>
-              <a:t/>
-            </a:r>
             <a:br>
               <a:rPr lang="en-US" altLang="ja-JP" dirty="0">
                 <a:solidFill>
@@ -35766,14 +35619,6 @@
                 </a:solidFill>
               </a:rPr>
               <a:t>テンプレートの設定をそのまま利用する場合は登録不要ですが、</a:t>
-            </a:r>
-            <a:r>
-              <a:rPr lang="en-US" altLang="ja-JP" dirty="0">
-                <a:solidFill>
-                  <a:srgbClr val="000000"/>
-                </a:solidFill>
-              </a:rPr>
-              <a:t/>
             </a:r>
             <a:br>
               <a:rPr lang="en-US" altLang="ja-JP" dirty="0">
@@ -40862,10 +40707,6 @@
             <a:r>
               <a:rPr lang="ja-JP" altLang="en-US" dirty="0"/>
               <a:t>させる必要があります。</a:t>
-            </a:r>
-            <a:r>
-              <a:rPr lang="en-US" altLang="ja-JP" dirty="0"/>
-              <a:t/>
             </a:r>
             <a:br>
               <a:rPr lang="en-US" altLang="ja-JP" dirty="0"/>
@@ -42009,10 +41850,6 @@
             <a:r>
               <a:rPr lang="ja-JP" altLang="en-US" dirty="0"/>
               <a:t>アドレス設定と仮想ハードディスク追加はそれぞれ単独で動作させることが可能です。</a:t>
-            </a:r>
-            <a:r>
-              <a:rPr lang="en-US" altLang="ja-JP" dirty="0"/>
-              <a:t/>
             </a:r>
             <a:br>
               <a:rPr lang="en-US" altLang="ja-JP" dirty="0"/>
@@ -44629,10 +44466,6 @@
             <a:r>
               <a:rPr kumimoji="1" lang="ja-JP" altLang="en-US" dirty="0"/>
               <a:t>を再実行してみてください。</a:t>
-            </a:r>
-            <a:r>
-              <a:rPr kumimoji="1" lang="en-US" altLang="ja-JP" dirty="0"/>
-              <a:t/>
             </a:r>
             <a:br>
               <a:rPr kumimoji="1" lang="en-US" altLang="ja-JP" dirty="0"/>
@@ -46296,10 +46129,6 @@
               <a:rPr lang="ja-JP" altLang="en-US" dirty="0"/>
               <a:t>アドレス設定」と「仮想ハードディスク追加」に関しては、</a:t>
             </a:r>
-            <a:r>
-              <a:rPr lang="en-US" altLang="ja-JP" dirty="0"/>
-              <a:t/>
-            </a:r>
             <a:br>
               <a:rPr lang="en-US" altLang="ja-JP" dirty="0"/>
             </a:br>
@@ -47551,7 +47380,7 @@
                       </a:r>
                       <a:r>
                         <a:rPr lang="en-US" altLang="ja-JP" sz="1800" dirty="0"/>
-                        <a:t>1.9.0</a:t>
+                        <a:t>1.10.2</a:t>
                       </a:r>
                       <a:endParaRPr kumimoji="1" lang="ja-JP" altLang="en-US" sz="1800" dirty="0"/>
                     </a:p>
@@ -50377,10 +50206,6 @@
             <a:r>
               <a:rPr lang="ja-JP" altLang="en-US" dirty="0"/>
               <a:t>アドレス設定は別オペレーションでは登録不可</a:t>
-            </a:r>
-            <a:r>
-              <a:rPr lang="en-US" altLang="ja-JP" dirty="0"/>
-              <a:t/>
             </a:r>
             <a:br>
               <a:rPr lang="en-US" altLang="ja-JP" dirty="0"/>

--- a/docs/setting-samples-hyperv-install_ja.pptx
+++ b/docs/setting-samples-hyperv-install_ja.pptx
@@ -1336,13 +1336,6 @@
         </dgm:presLayoutVars>
       </dgm:prSet>
       <dgm:spPr/>
-      <dgm:t>
-        <a:bodyPr/>
-        <a:lstStyle/>
-        <a:p>
-          <a:endParaRPr kumimoji="1" lang="ja-JP" altLang="en-US"/>
-        </a:p>
-      </dgm:t>
     </dgm:pt>
     <dgm:pt modelId="{1590779C-7EF1-40B3-ADEF-E7F4C5EA3ED7}" type="pres">
       <dgm:prSet presAssocID="{1AD8B276-4C5D-43A5-AC5D-E28FFE0A25E8}" presName="boxAndChildren" presStyleCnt="0"/>
@@ -1351,24 +1344,10 @@
     <dgm:pt modelId="{57C7292B-5FEA-4490-A7F1-829309F5EDFD}" type="pres">
       <dgm:prSet presAssocID="{1AD8B276-4C5D-43A5-AC5D-E28FFE0A25E8}" presName="parentTextBox" presStyleLbl="node1" presStyleIdx="0" presStyleCnt="4"/>
       <dgm:spPr/>
-      <dgm:t>
-        <a:bodyPr/>
-        <a:lstStyle/>
-        <a:p>
-          <a:endParaRPr kumimoji="1" lang="ja-JP" altLang="en-US"/>
-        </a:p>
-      </dgm:t>
     </dgm:pt>
     <dgm:pt modelId="{E410BAB3-9EFA-4147-A6B9-FE796909F42C}" type="pres">
       <dgm:prSet presAssocID="{1AD8B276-4C5D-43A5-AC5D-E28FFE0A25E8}" presName="entireBox" presStyleLbl="node1" presStyleIdx="0" presStyleCnt="4"/>
       <dgm:spPr/>
-      <dgm:t>
-        <a:bodyPr/>
-        <a:lstStyle/>
-        <a:p>
-          <a:endParaRPr kumimoji="1" lang="ja-JP" altLang="en-US"/>
-        </a:p>
-      </dgm:t>
     </dgm:pt>
     <dgm:pt modelId="{CC11D48D-17C7-4568-9109-EA3F4BBB3DD6}" type="pres">
       <dgm:prSet presAssocID="{1AD8B276-4C5D-43A5-AC5D-E28FFE0A25E8}" presName="descendantBox" presStyleCnt="0"/>
@@ -1381,13 +1360,6 @@
         </dgm:presLayoutVars>
       </dgm:prSet>
       <dgm:spPr/>
-      <dgm:t>
-        <a:bodyPr/>
-        <a:lstStyle/>
-        <a:p>
-          <a:endParaRPr kumimoji="1" lang="ja-JP" altLang="en-US"/>
-        </a:p>
-      </dgm:t>
     </dgm:pt>
     <dgm:pt modelId="{F673F600-735C-4C2A-AF40-169C3DAADD01}" type="pres">
       <dgm:prSet presAssocID="{ABD979B8-BA6F-4A5F-90A0-4BC08C270A91}" presName="sp" presStyleCnt="0"/>
@@ -1400,24 +1372,10 @@
     <dgm:pt modelId="{815C2DB6-5EE1-417A-A584-55A13AB6F5E9}" type="pres">
       <dgm:prSet presAssocID="{9D8FC107-15BF-43C3-9F5B-A423269052EC}" presName="parentTextArrow" presStyleLbl="node1" presStyleIdx="0" presStyleCnt="4"/>
       <dgm:spPr/>
-      <dgm:t>
-        <a:bodyPr/>
-        <a:lstStyle/>
-        <a:p>
-          <a:endParaRPr kumimoji="1" lang="ja-JP" altLang="en-US"/>
-        </a:p>
-      </dgm:t>
     </dgm:pt>
     <dgm:pt modelId="{B97D71DB-AA15-4CB8-8A3D-F5575E893CCD}" type="pres">
       <dgm:prSet presAssocID="{9D8FC107-15BF-43C3-9F5B-A423269052EC}" presName="arrow" presStyleLbl="node1" presStyleIdx="1" presStyleCnt="4"/>
       <dgm:spPr/>
-      <dgm:t>
-        <a:bodyPr/>
-        <a:lstStyle/>
-        <a:p>
-          <a:endParaRPr kumimoji="1" lang="ja-JP" altLang="en-US"/>
-        </a:p>
-      </dgm:t>
     </dgm:pt>
     <dgm:pt modelId="{C2AE0336-E7D4-4016-9BAB-CE33D7608124}" type="pres">
       <dgm:prSet presAssocID="{9D8FC107-15BF-43C3-9F5B-A423269052EC}" presName="descendantArrow" presStyleCnt="0"/>
@@ -1430,13 +1388,6 @@
         </dgm:presLayoutVars>
       </dgm:prSet>
       <dgm:spPr/>
-      <dgm:t>
-        <a:bodyPr/>
-        <a:lstStyle/>
-        <a:p>
-          <a:endParaRPr kumimoji="1" lang="ja-JP" altLang="en-US"/>
-        </a:p>
-      </dgm:t>
     </dgm:pt>
     <dgm:pt modelId="{7A822779-E372-4870-AA55-1BEF15C2894D}" type="pres">
       <dgm:prSet presAssocID="{36C7FED4-A680-40AF-9485-662ABE09B1A5}" presName="sp" presStyleCnt="0"/>
@@ -1449,24 +1400,10 @@
     <dgm:pt modelId="{AE90339B-2B8D-4179-9EC4-906372D4BFE7}" type="pres">
       <dgm:prSet presAssocID="{F0EC518C-1EA5-431A-B4C0-34DF6146AFF4}" presName="parentTextArrow" presStyleLbl="node1" presStyleIdx="1" presStyleCnt="4"/>
       <dgm:spPr/>
-      <dgm:t>
-        <a:bodyPr/>
-        <a:lstStyle/>
-        <a:p>
-          <a:endParaRPr kumimoji="1" lang="ja-JP" altLang="en-US"/>
-        </a:p>
-      </dgm:t>
     </dgm:pt>
     <dgm:pt modelId="{1F025B89-C941-4E85-920E-D6908DEE2142}" type="pres">
       <dgm:prSet presAssocID="{F0EC518C-1EA5-431A-B4C0-34DF6146AFF4}" presName="arrow" presStyleLbl="node1" presStyleIdx="2" presStyleCnt="4"/>
       <dgm:spPr/>
-      <dgm:t>
-        <a:bodyPr/>
-        <a:lstStyle/>
-        <a:p>
-          <a:endParaRPr kumimoji="1" lang="ja-JP" altLang="en-US"/>
-        </a:p>
-      </dgm:t>
     </dgm:pt>
     <dgm:pt modelId="{ABBE4BB2-6BB2-4CB2-A291-E422509700E6}" type="pres">
       <dgm:prSet presAssocID="{F0EC518C-1EA5-431A-B4C0-34DF6146AFF4}" presName="descendantArrow" presStyleCnt="0"/>
@@ -1479,13 +1416,6 @@
         </dgm:presLayoutVars>
       </dgm:prSet>
       <dgm:spPr/>
-      <dgm:t>
-        <a:bodyPr/>
-        <a:lstStyle/>
-        <a:p>
-          <a:endParaRPr kumimoji="1" lang="ja-JP" altLang="en-US"/>
-        </a:p>
-      </dgm:t>
     </dgm:pt>
     <dgm:pt modelId="{148ED98D-6187-472B-B9D5-B5CDF18E0414}" type="pres">
       <dgm:prSet presAssocID="{5B557859-CDD4-4275-BEA6-6727F86DCE52}" presName="sp" presStyleCnt="0"/>
@@ -1498,24 +1428,10 @@
     <dgm:pt modelId="{7C2FB781-4C0C-4A5B-92CD-24F15327845E}" type="pres">
       <dgm:prSet presAssocID="{47C92D8C-AE74-40DF-ACB1-0541F38A9058}" presName="parentTextArrow" presStyleLbl="node1" presStyleIdx="2" presStyleCnt="4"/>
       <dgm:spPr/>
-      <dgm:t>
-        <a:bodyPr/>
-        <a:lstStyle/>
-        <a:p>
-          <a:endParaRPr kumimoji="1" lang="ja-JP" altLang="en-US"/>
-        </a:p>
-      </dgm:t>
     </dgm:pt>
     <dgm:pt modelId="{46D74FD4-272C-472D-A722-7F14809ED911}" type="pres">
       <dgm:prSet presAssocID="{47C92D8C-AE74-40DF-ACB1-0541F38A9058}" presName="arrow" presStyleLbl="node1" presStyleIdx="3" presStyleCnt="4"/>
       <dgm:spPr/>
-      <dgm:t>
-        <a:bodyPr/>
-        <a:lstStyle/>
-        <a:p>
-          <a:endParaRPr kumimoji="1" lang="ja-JP" altLang="en-US"/>
-        </a:p>
-      </dgm:t>
     </dgm:pt>
     <dgm:pt modelId="{6A64DDC3-D51C-42CA-A86D-49B60A90FBDB}" type="pres">
       <dgm:prSet presAssocID="{47C92D8C-AE74-40DF-ACB1-0541F38A9058}" presName="descendantArrow" presStyleCnt="0"/>
@@ -1528,37 +1444,30 @@
         </dgm:presLayoutVars>
       </dgm:prSet>
       <dgm:spPr/>
-      <dgm:t>
-        <a:bodyPr/>
-        <a:lstStyle/>
-        <a:p>
-          <a:endParaRPr kumimoji="1" lang="ja-JP" altLang="en-US"/>
-        </a:p>
-      </dgm:t>
     </dgm:pt>
   </dgm:ptLst>
   <dgm:cxnLst>
-    <dgm:cxn modelId="{9C395697-1D2A-4777-9E29-039BDFE5C766}" type="presOf" srcId="{47C92D8C-AE74-40DF-ACB1-0541F38A9058}" destId="{46D74FD4-272C-472D-A722-7F14809ED911}" srcOrd="1" destOrd="0" presId="urn:microsoft.com/office/officeart/2005/8/layout/process4"/>
-    <dgm:cxn modelId="{3C63D926-EADD-4DF7-BC0C-F7404C59D457}" type="presOf" srcId="{47C92D8C-AE74-40DF-ACB1-0541F38A9058}" destId="{7C2FB781-4C0C-4A5B-92CD-24F15327845E}" srcOrd="0" destOrd="0" presId="urn:microsoft.com/office/officeart/2005/8/layout/process4"/>
-    <dgm:cxn modelId="{F11E3D93-C9DF-4134-8C17-0681912EE89F}" type="presOf" srcId="{A01F8570-19F7-4735-8389-145BCE33833C}" destId="{AB1EFA0B-49DB-4D1B-8B35-4A836F1FC4C1}" srcOrd="0" destOrd="0" presId="urn:microsoft.com/office/officeart/2005/8/layout/process4"/>
-    <dgm:cxn modelId="{6FD461CB-F362-4D10-BFED-D15740C2F1CF}" srcId="{47C92D8C-AE74-40DF-ACB1-0541F38A9058}" destId="{D0BB6940-C360-417F-9071-AABAF2780327}" srcOrd="0" destOrd="0" parTransId="{F232C55B-5582-4B3A-9AAC-43ED534CC92E}" sibTransId="{8737633C-0908-48D2-A819-3356936D5551}"/>
-    <dgm:cxn modelId="{9BC2558A-E4AA-4D3B-A816-DA0B452C9779}" type="presOf" srcId="{1AD8B276-4C5D-43A5-AC5D-E28FFE0A25E8}" destId="{E410BAB3-9EFA-4147-A6B9-FE796909F42C}" srcOrd="1" destOrd="0" presId="urn:microsoft.com/office/officeart/2005/8/layout/process4"/>
-    <dgm:cxn modelId="{16BFE94F-FA12-4EB3-B4BB-BEDE7874A033}" srcId="{D511BCA9-A41D-461D-AB9F-8F6C9E648C31}" destId="{1AD8B276-4C5D-43A5-AC5D-E28FFE0A25E8}" srcOrd="3" destOrd="0" parTransId="{475DB744-EEC1-416E-BA27-26F8423D8D6C}" sibTransId="{FBDC8D75-9B5C-4A81-A25E-1CB6B655248A}"/>
-    <dgm:cxn modelId="{770592AE-EA5D-4832-88AF-EFBBA4466BAD}" type="presOf" srcId="{A8588580-F58F-4A40-B0EC-7881A3766C34}" destId="{1534467B-DDF6-4A03-87BF-319ECC84EEE3}" srcOrd="0" destOrd="0" presId="urn:microsoft.com/office/officeart/2005/8/layout/process4"/>
-    <dgm:cxn modelId="{6F54A360-FC06-4377-BC57-7F8B32BC2F14}" type="presOf" srcId="{8BB5EFB2-024E-4BCF-B56F-84EEC1F18CFB}" destId="{BFE52135-3318-47A4-AB9E-32AEC8E1C995}" srcOrd="0" destOrd="0" presId="urn:microsoft.com/office/officeart/2005/8/layout/process4"/>
-    <dgm:cxn modelId="{B5ED2EC1-52B6-463B-B5C2-E6CFC47C5D1A}" type="presOf" srcId="{1AD8B276-4C5D-43A5-AC5D-E28FFE0A25E8}" destId="{57C7292B-5FEA-4490-A7F1-829309F5EDFD}" srcOrd="0" destOrd="0" presId="urn:microsoft.com/office/officeart/2005/8/layout/process4"/>
-    <dgm:cxn modelId="{7AC51271-8594-489D-8C2B-A7EED18F0A89}" srcId="{9D8FC107-15BF-43C3-9F5B-A423269052EC}" destId="{8BB5EFB2-024E-4BCF-B56F-84EEC1F18CFB}" srcOrd="0" destOrd="0" parTransId="{6403F355-4F97-4766-985E-A83F38DABAFC}" sibTransId="{4643642D-C912-4134-B986-FA39283596E3}"/>
-    <dgm:cxn modelId="{B38105C7-69FA-493C-940E-C7D9647A241E}" type="presOf" srcId="{9D8FC107-15BF-43C3-9F5B-A423269052EC}" destId="{B97D71DB-AA15-4CB8-8A3D-F5575E893CCD}" srcOrd="1" destOrd="0" presId="urn:microsoft.com/office/officeart/2005/8/layout/process4"/>
-    <dgm:cxn modelId="{EB4FA676-A8B6-496E-A846-AD7C6E37E9A4}" type="presOf" srcId="{9D8FC107-15BF-43C3-9F5B-A423269052EC}" destId="{815C2DB6-5EE1-417A-A584-55A13AB6F5E9}" srcOrd="0" destOrd="0" presId="urn:microsoft.com/office/officeart/2005/8/layout/process4"/>
     <dgm:cxn modelId="{D3BC3A06-7737-477E-8BFD-09204E1E7191}" srcId="{1AD8B276-4C5D-43A5-AC5D-E28FFE0A25E8}" destId="{A01F8570-19F7-4735-8389-145BCE33833C}" srcOrd="0" destOrd="0" parTransId="{4DB03551-9EFA-4AFE-A1A9-1205EF19EA5B}" sibTransId="{68B89A32-03EB-42C6-A839-430806B5122B}"/>
-    <dgm:cxn modelId="{45AEA120-8E87-4DAB-B1E6-8D4885D9DECB}" type="presOf" srcId="{D0BB6940-C360-417F-9071-AABAF2780327}" destId="{9510E692-3FC8-4DC7-9E92-6282AB79F395}" srcOrd="0" destOrd="0" presId="urn:microsoft.com/office/officeart/2005/8/layout/process4"/>
-    <dgm:cxn modelId="{FBFBE750-57D3-4BFB-B080-D26B3DF1E1DF}" srcId="{D511BCA9-A41D-461D-AB9F-8F6C9E648C31}" destId="{9D8FC107-15BF-43C3-9F5B-A423269052EC}" srcOrd="2" destOrd="0" parTransId="{0D5FF430-CA3F-4F11-9F2D-6740960B4476}" sibTransId="{ABD979B8-BA6F-4A5F-90A0-4BC08C270A91}"/>
-    <dgm:cxn modelId="{73013229-523E-415A-97F2-B607FB1F6529}" srcId="{F0EC518C-1EA5-431A-B4C0-34DF6146AFF4}" destId="{A8588580-F58F-4A40-B0EC-7881A3766C34}" srcOrd="0" destOrd="0" parTransId="{344C79BF-841A-4C58-8EF4-C94A12476FD3}" sibTransId="{2CB5E3B9-A5FF-438E-B800-10C3F503A250}"/>
     <dgm:cxn modelId="{F3E31D0E-260C-4742-905F-D02829F454A7}" srcId="{D511BCA9-A41D-461D-AB9F-8F6C9E648C31}" destId="{47C92D8C-AE74-40DF-ACB1-0541F38A9058}" srcOrd="0" destOrd="0" parTransId="{E97C114E-086F-4B51-9E24-01691B649D63}" sibTransId="{5B557859-CDD4-4275-BEA6-6727F86DCE52}"/>
     <dgm:cxn modelId="{5491E713-E4D2-4C5F-B494-63F950123910}" type="presOf" srcId="{F0EC518C-1EA5-431A-B4C0-34DF6146AFF4}" destId="{1F025B89-C941-4E85-920E-D6908DEE2142}" srcOrd="1" destOrd="0" presId="urn:microsoft.com/office/officeart/2005/8/layout/process4"/>
+    <dgm:cxn modelId="{45AEA120-8E87-4DAB-B1E6-8D4885D9DECB}" type="presOf" srcId="{D0BB6940-C360-417F-9071-AABAF2780327}" destId="{9510E692-3FC8-4DC7-9E92-6282AB79F395}" srcOrd="0" destOrd="0" presId="urn:microsoft.com/office/officeart/2005/8/layout/process4"/>
+    <dgm:cxn modelId="{3C63D926-EADD-4DF7-BC0C-F7404C59D457}" type="presOf" srcId="{47C92D8C-AE74-40DF-ACB1-0541F38A9058}" destId="{7C2FB781-4C0C-4A5B-92CD-24F15327845E}" srcOrd="0" destOrd="0" presId="urn:microsoft.com/office/officeart/2005/8/layout/process4"/>
+    <dgm:cxn modelId="{73013229-523E-415A-97F2-B607FB1F6529}" srcId="{F0EC518C-1EA5-431A-B4C0-34DF6146AFF4}" destId="{A8588580-F58F-4A40-B0EC-7881A3766C34}" srcOrd="0" destOrd="0" parTransId="{344C79BF-841A-4C58-8EF4-C94A12476FD3}" sibTransId="{2CB5E3B9-A5FF-438E-B800-10C3F503A250}"/>
     <dgm:cxn modelId="{36E0C73C-D489-4CA2-B153-F03B5E5B5C39}" srcId="{D511BCA9-A41D-461D-AB9F-8F6C9E648C31}" destId="{F0EC518C-1EA5-431A-B4C0-34DF6146AFF4}" srcOrd="1" destOrd="0" parTransId="{388992C7-93A2-42C4-B4B3-9A3FAA4264B3}" sibTransId="{36C7FED4-A680-40AF-9485-662ABE09B1A5}"/>
+    <dgm:cxn modelId="{6F54A360-FC06-4377-BC57-7F8B32BC2F14}" type="presOf" srcId="{8BB5EFB2-024E-4BCF-B56F-84EEC1F18CFB}" destId="{BFE52135-3318-47A4-AB9E-32AEC8E1C995}" srcOrd="0" destOrd="0" presId="urn:microsoft.com/office/officeart/2005/8/layout/process4"/>
+    <dgm:cxn modelId="{A275236A-744E-4B25-B73A-24B5F31ED57E}" type="presOf" srcId="{D511BCA9-A41D-461D-AB9F-8F6C9E648C31}" destId="{827E7C61-AF90-4154-A1C8-C72AF251D608}" srcOrd="0" destOrd="0" presId="urn:microsoft.com/office/officeart/2005/8/layout/process4"/>
+    <dgm:cxn modelId="{16BFE94F-FA12-4EB3-B4BB-BEDE7874A033}" srcId="{D511BCA9-A41D-461D-AB9F-8F6C9E648C31}" destId="{1AD8B276-4C5D-43A5-AC5D-E28FFE0A25E8}" srcOrd="3" destOrd="0" parTransId="{475DB744-EEC1-416E-BA27-26F8423D8D6C}" sibTransId="{FBDC8D75-9B5C-4A81-A25E-1CB6B655248A}"/>
+    <dgm:cxn modelId="{FBFBE750-57D3-4BFB-B080-D26B3DF1E1DF}" srcId="{D511BCA9-A41D-461D-AB9F-8F6C9E648C31}" destId="{9D8FC107-15BF-43C3-9F5B-A423269052EC}" srcOrd="2" destOrd="0" parTransId="{0D5FF430-CA3F-4F11-9F2D-6740960B4476}" sibTransId="{ABD979B8-BA6F-4A5F-90A0-4BC08C270A91}"/>
+    <dgm:cxn modelId="{7AC51271-8594-489D-8C2B-A7EED18F0A89}" srcId="{9D8FC107-15BF-43C3-9F5B-A423269052EC}" destId="{8BB5EFB2-024E-4BCF-B56F-84EEC1F18CFB}" srcOrd="0" destOrd="0" parTransId="{6403F355-4F97-4766-985E-A83F38DABAFC}" sibTransId="{4643642D-C912-4134-B986-FA39283596E3}"/>
+    <dgm:cxn modelId="{EB4FA676-A8B6-496E-A846-AD7C6E37E9A4}" type="presOf" srcId="{9D8FC107-15BF-43C3-9F5B-A423269052EC}" destId="{815C2DB6-5EE1-417A-A584-55A13AB6F5E9}" srcOrd="0" destOrd="0" presId="urn:microsoft.com/office/officeart/2005/8/layout/process4"/>
+    <dgm:cxn modelId="{9BC2558A-E4AA-4D3B-A816-DA0B452C9779}" type="presOf" srcId="{1AD8B276-4C5D-43A5-AC5D-E28FFE0A25E8}" destId="{E410BAB3-9EFA-4147-A6B9-FE796909F42C}" srcOrd="1" destOrd="0" presId="urn:microsoft.com/office/officeart/2005/8/layout/process4"/>
+    <dgm:cxn modelId="{F11E3D93-C9DF-4134-8C17-0681912EE89F}" type="presOf" srcId="{A01F8570-19F7-4735-8389-145BCE33833C}" destId="{AB1EFA0B-49DB-4D1B-8B35-4A836F1FC4C1}" srcOrd="0" destOrd="0" presId="urn:microsoft.com/office/officeart/2005/8/layout/process4"/>
+    <dgm:cxn modelId="{9C395697-1D2A-4777-9E29-039BDFE5C766}" type="presOf" srcId="{47C92D8C-AE74-40DF-ACB1-0541F38A9058}" destId="{46D74FD4-272C-472D-A722-7F14809ED911}" srcOrd="1" destOrd="0" presId="urn:microsoft.com/office/officeart/2005/8/layout/process4"/>
+    <dgm:cxn modelId="{770592AE-EA5D-4832-88AF-EFBBA4466BAD}" type="presOf" srcId="{A8588580-F58F-4A40-B0EC-7881A3766C34}" destId="{1534467B-DDF6-4A03-87BF-319ECC84EEE3}" srcOrd="0" destOrd="0" presId="urn:microsoft.com/office/officeart/2005/8/layout/process4"/>
+    <dgm:cxn modelId="{B5ED2EC1-52B6-463B-B5C2-E6CFC47C5D1A}" type="presOf" srcId="{1AD8B276-4C5D-43A5-AC5D-E28FFE0A25E8}" destId="{57C7292B-5FEA-4490-A7F1-829309F5EDFD}" srcOrd="0" destOrd="0" presId="urn:microsoft.com/office/officeart/2005/8/layout/process4"/>
+    <dgm:cxn modelId="{B38105C7-69FA-493C-940E-C7D9647A241E}" type="presOf" srcId="{9D8FC107-15BF-43C3-9F5B-A423269052EC}" destId="{B97D71DB-AA15-4CB8-8A3D-F5575E893CCD}" srcOrd="1" destOrd="0" presId="urn:microsoft.com/office/officeart/2005/8/layout/process4"/>
+    <dgm:cxn modelId="{6FD461CB-F362-4D10-BFED-D15740C2F1CF}" srcId="{47C92D8C-AE74-40DF-ACB1-0541F38A9058}" destId="{D0BB6940-C360-417F-9071-AABAF2780327}" srcOrd="0" destOrd="0" parTransId="{F232C55B-5582-4B3A-9AAC-43ED534CC92E}" sibTransId="{8737633C-0908-48D2-A819-3356936D5551}"/>
     <dgm:cxn modelId="{59227BED-221F-4722-A67E-5BEDDCF9068B}" type="presOf" srcId="{F0EC518C-1EA5-431A-B4C0-34DF6146AFF4}" destId="{AE90339B-2B8D-4179-9EC4-906372D4BFE7}" srcOrd="0" destOrd="0" presId="urn:microsoft.com/office/officeart/2005/8/layout/process4"/>
-    <dgm:cxn modelId="{A275236A-744E-4B25-B73A-24B5F31ED57E}" type="presOf" srcId="{D511BCA9-A41D-461D-AB9F-8F6C9E648C31}" destId="{827E7C61-AF90-4154-A1C8-C72AF251D608}" srcOrd="0" destOrd="0" presId="urn:microsoft.com/office/officeart/2005/8/layout/process4"/>
     <dgm:cxn modelId="{E40950DD-B432-4CAA-AF86-43DBEDC55EB5}" type="presParOf" srcId="{827E7C61-AF90-4154-A1C8-C72AF251D608}" destId="{1590779C-7EF1-40B3-ADEF-E7F4C5EA3ED7}" srcOrd="0" destOrd="0" presId="urn:microsoft.com/office/officeart/2005/8/layout/process4"/>
     <dgm:cxn modelId="{DA0F60AA-80A5-43DD-8148-9A546FCA9ED3}" type="presParOf" srcId="{1590779C-7EF1-40B3-ADEF-E7F4C5EA3ED7}" destId="{57C7292B-5FEA-4490-A7F1-829309F5EDFD}" srcOrd="0" destOrd="0" presId="urn:microsoft.com/office/officeart/2005/8/layout/process4"/>
     <dgm:cxn modelId="{FDC36781-2554-4BF9-98EE-220F81BB7440}" type="presParOf" srcId="{1590779C-7EF1-40B3-ADEF-E7F4C5EA3ED7}" destId="{E410BAB3-9EFA-4147-A6B9-FE796909F42C}" srcOrd="1" destOrd="0" presId="urn:microsoft.com/office/officeart/2005/8/layout/process4"/>
@@ -1655,7 +1564,7 @@
         </a:bodyPr>
         <a:lstStyle/>
         <a:p>
-          <a:pPr lvl="0" algn="ctr" defTabSz="666750">
+          <a:pPr marL="0" lvl="0" indent="0" algn="ctr" defTabSz="666750">
             <a:lnSpc>
               <a:spcPct val="90000"/>
             </a:lnSpc>
@@ -1665,6 +1574,7 @@
             <a:spcAft>
               <a:spcPct val="35000"/>
             </a:spcAft>
+            <a:buNone/>
           </a:pPr>
           <a:r>
             <a:rPr lang="en-US" altLang="ja-JP" sz="1500" kern="1200" dirty="0"/>
@@ -1737,7 +1647,7 @@
         </a:bodyPr>
         <a:lstStyle/>
         <a:p>
-          <a:pPr lvl="0" algn="ctr" defTabSz="622300">
+          <a:pPr marL="0" lvl="0" indent="0" algn="ctr" defTabSz="622300">
             <a:lnSpc>
               <a:spcPct val="90000"/>
             </a:lnSpc>
@@ -1747,6 +1657,7 @@
             <a:spcAft>
               <a:spcPct val="35000"/>
             </a:spcAft>
+            <a:buNone/>
           </a:pPr>
           <a:r>
             <a:rPr lang="en-US" altLang="ja-JP" sz="1400" kern="1200" dirty="0"/>
@@ -1825,7 +1736,7 @@
         </a:bodyPr>
         <a:lstStyle/>
         <a:p>
-          <a:pPr lvl="0" algn="ctr" defTabSz="666750">
+          <a:pPr marL="0" lvl="0" indent="0" algn="ctr" defTabSz="666750">
             <a:lnSpc>
               <a:spcPct val="90000"/>
             </a:lnSpc>
@@ -1835,6 +1746,7 @@
             <a:spcAft>
               <a:spcPct val="35000"/>
             </a:spcAft>
+            <a:buNone/>
           </a:pPr>
           <a:r>
             <a:rPr lang="ja-JP" altLang="en-US" sz="1500" kern="1200" dirty="0"/>
@@ -1903,7 +1815,7 @@
         </a:bodyPr>
         <a:lstStyle/>
         <a:p>
-          <a:pPr lvl="0" algn="ctr" defTabSz="622300">
+          <a:pPr marL="0" lvl="0" indent="0" algn="ctr" defTabSz="622300">
             <a:lnSpc>
               <a:spcPct val="90000"/>
             </a:lnSpc>
@@ -1913,6 +1825,7 @@
             <a:spcAft>
               <a:spcPct val="35000"/>
             </a:spcAft>
+            <a:buNone/>
           </a:pPr>
           <a:r>
             <a:rPr lang="ja-JP" altLang="en-US" sz="1400" kern="1200" dirty="0"/>
@@ -1979,7 +1892,7 @@
         </a:bodyPr>
         <a:lstStyle/>
         <a:p>
-          <a:pPr lvl="0" algn="ctr" defTabSz="666750">
+          <a:pPr marL="0" lvl="0" indent="0" algn="ctr" defTabSz="666750">
             <a:lnSpc>
               <a:spcPct val="90000"/>
             </a:lnSpc>
@@ -1989,6 +1902,7 @@
             <a:spcAft>
               <a:spcPct val="35000"/>
             </a:spcAft>
+            <a:buNone/>
           </a:pPr>
           <a:r>
             <a:rPr lang="ja-JP" altLang="en-US" sz="1500" kern="1200" dirty="0"/>
@@ -2057,7 +1971,7 @@
         </a:bodyPr>
         <a:lstStyle/>
         <a:p>
-          <a:pPr lvl="0" algn="ctr" defTabSz="622300">
+          <a:pPr marL="0" lvl="0" indent="0" algn="ctr" defTabSz="622300">
             <a:lnSpc>
               <a:spcPct val="90000"/>
             </a:lnSpc>
@@ -2067,6 +1981,7 @@
             <a:spcAft>
               <a:spcPct val="35000"/>
             </a:spcAft>
+            <a:buNone/>
           </a:pPr>
           <a:r>
             <a:rPr lang="ja-JP" altLang="en-US" sz="1400" kern="1200" dirty="0"/>
@@ -2133,7 +2048,7 @@
         </a:bodyPr>
         <a:lstStyle/>
         <a:p>
-          <a:pPr lvl="0" algn="ctr" defTabSz="711200">
+          <a:pPr marL="0" lvl="0" indent="0" algn="ctr" defTabSz="711200">
             <a:lnSpc>
               <a:spcPct val="90000"/>
             </a:lnSpc>
@@ -2143,6 +2058,7 @@
             <a:spcAft>
               <a:spcPct val="35000"/>
             </a:spcAft>
+            <a:buNone/>
           </a:pPr>
           <a:r>
             <a:rPr lang="ja-JP" altLang="en-US" sz="1600" kern="1200" dirty="0"/>
@@ -2211,7 +2127,7 @@
         </a:bodyPr>
         <a:lstStyle/>
         <a:p>
-          <a:pPr lvl="0" algn="ctr" defTabSz="622300">
+          <a:pPr marL="0" lvl="0" indent="0" algn="ctr" defTabSz="622300">
             <a:lnSpc>
               <a:spcPct val="90000"/>
             </a:lnSpc>
@@ -2221,6 +2137,7 @@
             <a:spcAft>
               <a:spcPct val="35000"/>
             </a:spcAft>
+            <a:buNone/>
           </a:pPr>
           <a:r>
             <a:rPr lang="en-US" altLang="ja-JP" sz="1400" kern="1200" dirty="0"/>
@@ -3718,7 +3635,7 @@
           <a:p>
             <a:fld id="{7DD79AC8-8881-4020-B05F-8947ED53F7FA}" type="datetimeFigureOut">
               <a:rPr kumimoji="1" lang="ja-JP" altLang="en-US" smtClean="0"/>
-              <a:t>2021/12/27</a:t>
+              <a:t>2023/2/28</a:t>
             </a:fld>
             <a:endParaRPr kumimoji="1" lang="ja-JP" altLang="en-US"/>
           </a:p>
@@ -7345,7 +7262,7 @@
           <a:p>
             <a:fld id="{37061263-344C-46BB-87A4-3E3E3092AEEA}" type="datetimeFigureOut">
               <a:rPr kumimoji="1" lang="ja-JP" altLang="en-US" smtClean="0"/>
-              <a:t>2021/12/27</a:t>
+              <a:t>2023/2/28</a:t>
             </a:fld>
             <a:endParaRPr kumimoji="1" lang="ja-JP" altLang="en-US"/>
           </a:p>
@@ -8585,10 +8502,6 @@
               <a:rPr kumimoji="1" lang="ja-JP" altLang="en-US"/>
               <a:t>行にわたる場合は</a:t>
             </a:r>
-            <a:r>
-              <a:rPr kumimoji="1" lang="en-US" altLang="ja-JP"/>
-              <a:t/>
-            </a:r>
             <a:br>
               <a:rPr kumimoji="1" lang="en-US" altLang="ja-JP"/>
             </a:br>
@@ -9976,7 +9889,7 @@
           <a:p>
             <a:fld id="{37061263-344C-46BB-87A4-3E3E3092AEEA}" type="datetimeFigureOut">
               <a:rPr kumimoji="1" lang="ja-JP" altLang="en-US" smtClean="0"/>
-              <a:t>2021/12/27</a:t>
+              <a:t>2023/2/28</a:t>
             </a:fld>
             <a:endParaRPr kumimoji="1" lang="ja-JP" altLang="en-US"/>
           </a:p>
@@ -11653,10 +11566,6 @@
               <a:rPr kumimoji="1" lang="ja-JP" altLang="en-US"/>
               <a:t>行にわたる場合は</a:t>
             </a:r>
-            <a:r>
-              <a:rPr kumimoji="1" lang="en-US" altLang="ja-JP"/>
-              <a:t/>
-            </a:r>
             <a:br>
               <a:rPr kumimoji="1" lang="en-US" altLang="ja-JP"/>
             </a:br>
@@ -13108,10 +13017,6 @@
             <a:r>
               <a:rPr kumimoji="1" lang="ja-JP" altLang="en-US"/>
               <a:t>行にわたる場合は</a:t>
-            </a:r>
-            <a:r>
-              <a:rPr kumimoji="1" lang="en-US" altLang="ja-JP"/>
-              <a:t/>
             </a:r>
             <a:br>
               <a:rPr kumimoji="1" lang="en-US" altLang="ja-JP"/>
@@ -17670,7 +17575,7 @@
                 <a:latin typeface="Meiryo"/>
                 <a:ea typeface="Meiryo"/>
               </a:rPr>
-              <a:t>1.9.0</a:t>
+              <a:t>1.9.0/1.10.2</a:t>
             </a:r>
             <a:r>
               <a:rPr lang="ja-JP" dirty="0">
@@ -18088,7 +17993,6 @@
               <a:rPr lang="ja-JP" altLang="en-US" dirty="0"/>
               <a:t>をインストールします。</a:t>
             </a:r>
-            <a:endParaRPr lang="en-US" altLang="ja-JP" dirty="0"/>
           </a:p>
           <a:p>
             <a:pPr marL="182245" indent="0">
@@ -18105,6 +18009,13 @@
             <a:r>
               <a:rPr lang="en-US" altLang="ja-JP" dirty="0"/>
               <a:t>1.9.0</a:t>
+            </a:r>
+            <a:r>
+              <a:rPr lang="en-US" altLang="ja-JP" dirty="0">
+                <a:latin typeface="Meiryo"/>
+                <a:ea typeface="Meiryo"/>
+              </a:rPr>
+              <a:t>/1.10.2</a:t>
             </a:r>
             <a:r>
               <a:rPr lang="ja-JP" altLang="en-US" dirty="0"/>
@@ -19823,10 +19734,6 @@
               <a:rPr lang="ja-JP" altLang="en-US" sz="1400" dirty="0"/>
               <a:t>各手順の詳細は以下のコミュニティサイト資料をご参照ください。</a:t>
             </a:r>
-            <a:r>
-              <a:rPr lang="en-US" altLang="ja-JP" sz="1400" dirty="0"/>
-              <a:t/>
-            </a:r>
             <a:br>
               <a:rPr lang="en-US" altLang="ja-JP" sz="1400" dirty="0"/>
             </a:br>
@@ -19861,10 +19768,6 @@
                 <a:hlinkClick r:id="rId2"/>
               </a:rPr>
               <a:t>管理コンソール</a:t>
-            </a:r>
-            <a:r>
-              <a:rPr lang="en-US" altLang="ja-JP" sz="1400" dirty="0"/>
-              <a:t/>
             </a:r>
             <a:br>
               <a:rPr lang="en-US" altLang="ja-JP" sz="1400" dirty="0"/>
@@ -20239,10 +20142,6 @@
             <a:r>
               <a:rPr lang="ja-JP" altLang="en-US" dirty="0"/>
               <a:t>」として用意しています。変更や修正はしないでください。</a:t>
-            </a:r>
-            <a:r>
-              <a:rPr lang="en-US" altLang="ja-JP" dirty="0"/>
-              <a:t/>
             </a:r>
             <a:br>
               <a:rPr lang="en-US" altLang="ja-JP" dirty="0"/>
@@ -20893,13 +20792,6 @@
             <a:pPr marL="0" indent="0">
               <a:buNone/>
             </a:pPr>
-            <a:r>
-              <a:rPr lang="ja-JP" altLang="en-US" dirty="0">
-                <a:latin typeface="Meiryo"/>
-                <a:ea typeface="Meiryo"/>
-              </a:rPr>
-              <a:t/>
-            </a:r>
             <a:br>
               <a:rPr lang="ja-JP" altLang="en-US" dirty="0">
                 <a:latin typeface="Meiryo"/>
@@ -21668,13 +21560,6 @@
                 <a:cs typeface="+mn-lt"/>
               </a:rPr>
               <a:t>仮想マシンにログインし、初期設定などを実施</a:t>
-            </a:r>
-            <a:r>
-              <a:rPr lang="en-US" altLang="ja-JP" sz="1800" dirty="0">
-                <a:ea typeface="+mn-lt"/>
-                <a:cs typeface="+mn-lt"/>
-              </a:rPr>
-              <a:t/>
             </a:r>
             <a:br>
               <a:rPr lang="en-US" altLang="ja-JP" sz="1800" dirty="0">
@@ -22209,13 +22094,6 @@
               </a:rPr>
               <a:t>モデルでは、利用したい既存の仮想ネットワークを選択するため事前に仮想ネットワークの設定を行う必要があります。</a:t>
             </a:r>
-            <a:r>
-              <a:rPr lang="en-US" altLang="ja-JP" dirty="0">
-                <a:ea typeface="+mn-lt"/>
-                <a:cs typeface="+mn-lt"/>
-              </a:rPr>
-              <a:t/>
-            </a:r>
             <a:br>
               <a:rPr lang="en-US" altLang="ja-JP" dirty="0">
                 <a:ea typeface="+mn-lt"/>
@@ -22299,13 +22177,6 @@
             <a:pPr marL="0" indent="0">
               <a:buNone/>
             </a:pPr>
-            <a:r>
-              <a:rPr lang="ja-JP" altLang="en-US" dirty="0">
-                <a:latin typeface="Meiryo"/>
-                <a:ea typeface="Meiryo"/>
-              </a:rPr>
-              <a:t/>
-            </a:r>
             <a:br>
               <a:rPr lang="ja-JP" altLang="en-US" dirty="0">
                 <a:latin typeface="Meiryo"/>
@@ -30844,10 +30715,6 @@
                         <a:rPr kumimoji="1" lang="ja-JP" altLang="en-US" sz="1200" dirty="0"/>
                         <a:t>接続する際のポート番号</a:t>
                       </a:r>
-                      <a:r>
-                        <a:rPr kumimoji="1" lang="en-US" altLang="ja-JP" sz="1200" dirty="0"/>
-                        <a:t/>
-                      </a:r>
                       <a:br>
                         <a:rPr kumimoji="1" lang="en-US" altLang="ja-JP" sz="1200" dirty="0"/>
                       </a:br>
@@ -33853,14 +33720,6 @@
               </a:rPr>
               <a:t>テンプレートの設定をそのまま利用する場合は登録不要ですが、</a:t>
             </a:r>
-            <a:r>
-              <a:rPr lang="en-US" altLang="ja-JP" dirty="0">
-                <a:solidFill>
-                  <a:srgbClr val="000000"/>
-                </a:solidFill>
-              </a:rPr>
-              <a:t/>
-            </a:r>
             <a:br>
               <a:rPr lang="en-US" altLang="ja-JP" dirty="0">
                 <a:solidFill>
@@ -35766,14 +35625,6 @@
                 </a:solidFill>
               </a:rPr>
               <a:t>テンプレートの設定をそのまま利用する場合は登録不要ですが、</a:t>
-            </a:r>
-            <a:r>
-              <a:rPr lang="en-US" altLang="ja-JP" dirty="0">
-                <a:solidFill>
-                  <a:srgbClr val="000000"/>
-                </a:solidFill>
-              </a:rPr>
-              <a:t/>
             </a:r>
             <a:br>
               <a:rPr lang="en-US" altLang="ja-JP" dirty="0">
@@ -40862,10 +40713,6 @@
             <a:r>
               <a:rPr lang="ja-JP" altLang="en-US" dirty="0"/>
               <a:t>させる必要があります。</a:t>
-            </a:r>
-            <a:r>
-              <a:rPr lang="en-US" altLang="ja-JP" dirty="0"/>
-              <a:t/>
             </a:r>
             <a:br>
               <a:rPr lang="en-US" altLang="ja-JP" dirty="0"/>
@@ -42009,10 +41856,6 @@
             <a:r>
               <a:rPr lang="ja-JP" altLang="en-US" dirty="0"/>
               <a:t>アドレス設定と仮想ハードディスク追加はそれぞれ単独で動作させることが可能です。</a:t>
-            </a:r>
-            <a:r>
-              <a:rPr lang="en-US" altLang="ja-JP" dirty="0"/>
-              <a:t/>
             </a:r>
             <a:br>
               <a:rPr lang="en-US" altLang="ja-JP" dirty="0"/>
@@ -44629,10 +44472,6 @@
             <a:r>
               <a:rPr kumimoji="1" lang="ja-JP" altLang="en-US" dirty="0"/>
               <a:t>を再実行してみてください。</a:t>
-            </a:r>
-            <a:r>
-              <a:rPr kumimoji="1" lang="en-US" altLang="ja-JP" dirty="0"/>
-              <a:t/>
             </a:r>
             <a:br>
               <a:rPr kumimoji="1" lang="en-US" altLang="ja-JP" dirty="0"/>
@@ -46296,10 +46135,6 @@
               <a:rPr lang="ja-JP" altLang="en-US" dirty="0"/>
               <a:t>アドレス設定」と「仮想ハードディスク追加」に関しては、</a:t>
             </a:r>
-            <a:r>
-              <a:rPr lang="en-US" altLang="ja-JP" dirty="0"/>
-              <a:t/>
-            </a:r>
             <a:br>
               <a:rPr lang="en-US" altLang="ja-JP" dirty="0"/>
             </a:br>
@@ -47235,7 +47070,7 @@
           <p:nvPr>
             <p:extLst>
               <p:ext uri="{D42A27DB-BD31-4B8C-83A1-F6EECF244321}">
-                <p14:modId xmlns:p14="http://schemas.microsoft.com/office/powerpoint/2010/main" val="2047824527"/>
+                <p14:modId xmlns:p14="http://schemas.microsoft.com/office/powerpoint/2010/main" val="3484084998"/>
               </p:ext>
             </p:extLst>
           </p:nvPr>
@@ -47552,6 +47387,13 @@
                       <a:r>
                         <a:rPr lang="en-US" altLang="ja-JP" sz="1800" dirty="0"/>
                         <a:t>1.9.0</a:t>
+                      </a:r>
+                      <a:r>
+                        <a:rPr lang="en-US" altLang="ja-JP" dirty="0">
+                          <a:latin typeface="Meiryo"/>
+                          <a:ea typeface="Meiryo"/>
+                        </a:rPr>
+                        <a:t>/1.10.2</a:t>
                       </a:r>
                       <a:endParaRPr kumimoji="1" lang="ja-JP" altLang="en-US" sz="1800" dirty="0"/>
                     </a:p>
@@ -50377,10 +50219,6 @@
             <a:r>
               <a:rPr lang="ja-JP" altLang="en-US" dirty="0"/>
               <a:t>アドレス設定は別オペレーションでは登録不可</a:t>
-            </a:r>
-            <a:r>
-              <a:rPr lang="en-US" altLang="ja-JP" dirty="0"/>
-              <a:t/>
             </a:r>
             <a:br>
               <a:rPr lang="en-US" altLang="ja-JP" dirty="0"/>

--- a/docs/setting-samples-hyperv-install_ja.pptx
+++ b/docs/setting-samples-hyperv-install_ja.pptx
@@ -1336,6 +1336,13 @@
         </dgm:presLayoutVars>
       </dgm:prSet>
       <dgm:spPr/>
+      <dgm:t>
+        <a:bodyPr/>
+        <a:lstStyle/>
+        <a:p>
+          <a:endParaRPr kumimoji="1" lang="ja-JP" altLang="en-US"/>
+        </a:p>
+      </dgm:t>
     </dgm:pt>
     <dgm:pt modelId="{1590779C-7EF1-40B3-ADEF-E7F4C5EA3ED7}" type="pres">
       <dgm:prSet presAssocID="{1AD8B276-4C5D-43A5-AC5D-E28FFE0A25E8}" presName="boxAndChildren" presStyleCnt="0"/>
@@ -1344,10 +1351,24 @@
     <dgm:pt modelId="{57C7292B-5FEA-4490-A7F1-829309F5EDFD}" type="pres">
       <dgm:prSet presAssocID="{1AD8B276-4C5D-43A5-AC5D-E28FFE0A25E8}" presName="parentTextBox" presStyleLbl="node1" presStyleIdx="0" presStyleCnt="4"/>
       <dgm:spPr/>
+      <dgm:t>
+        <a:bodyPr/>
+        <a:lstStyle/>
+        <a:p>
+          <a:endParaRPr kumimoji="1" lang="ja-JP" altLang="en-US"/>
+        </a:p>
+      </dgm:t>
     </dgm:pt>
     <dgm:pt modelId="{E410BAB3-9EFA-4147-A6B9-FE796909F42C}" type="pres">
       <dgm:prSet presAssocID="{1AD8B276-4C5D-43A5-AC5D-E28FFE0A25E8}" presName="entireBox" presStyleLbl="node1" presStyleIdx="0" presStyleCnt="4"/>
       <dgm:spPr/>
+      <dgm:t>
+        <a:bodyPr/>
+        <a:lstStyle/>
+        <a:p>
+          <a:endParaRPr kumimoji="1" lang="ja-JP" altLang="en-US"/>
+        </a:p>
+      </dgm:t>
     </dgm:pt>
     <dgm:pt modelId="{CC11D48D-17C7-4568-9109-EA3F4BBB3DD6}" type="pres">
       <dgm:prSet presAssocID="{1AD8B276-4C5D-43A5-AC5D-E28FFE0A25E8}" presName="descendantBox" presStyleCnt="0"/>
@@ -1360,6 +1381,13 @@
         </dgm:presLayoutVars>
       </dgm:prSet>
       <dgm:spPr/>
+      <dgm:t>
+        <a:bodyPr/>
+        <a:lstStyle/>
+        <a:p>
+          <a:endParaRPr kumimoji="1" lang="ja-JP" altLang="en-US"/>
+        </a:p>
+      </dgm:t>
     </dgm:pt>
     <dgm:pt modelId="{F673F600-735C-4C2A-AF40-169C3DAADD01}" type="pres">
       <dgm:prSet presAssocID="{ABD979B8-BA6F-4A5F-90A0-4BC08C270A91}" presName="sp" presStyleCnt="0"/>
@@ -1372,10 +1400,24 @@
     <dgm:pt modelId="{815C2DB6-5EE1-417A-A584-55A13AB6F5E9}" type="pres">
       <dgm:prSet presAssocID="{9D8FC107-15BF-43C3-9F5B-A423269052EC}" presName="parentTextArrow" presStyleLbl="node1" presStyleIdx="0" presStyleCnt="4"/>
       <dgm:spPr/>
+      <dgm:t>
+        <a:bodyPr/>
+        <a:lstStyle/>
+        <a:p>
+          <a:endParaRPr kumimoji="1" lang="ja-JP" altLang="en-US"/>
+        </a:p>
+      </dgm:t>
     </dgm:pt>
     <dgm:pt modelId="{B97D71DB-AA15-4CB8-8A3D-F5575E893CCD}" type="pres">
       <dgm:prSet presAssocID="{9D8FC107-15BF-43C3-9F5B-A423269052EC}" presName="arrow" presStyleLbl="node1" presStyleIdx="1" presStyleCnt="4"/>
       <dgm:spPr/>
+      <dgm:t>
+        <a:bodyPr/>
+        <a:lstStyle/>
+        <a:p>
+          <a:endParaRPr kumimoji="1" lang="ja-JP" altLang="en-US"/>
+        </a:p>
+      </dgm:t>
     </dgm:pt>
     <dgm:pt modelId="{C2AE0336-E7D4-4016-9BAB-CE33D7608124}" type="pres">
       <dgm:prSet presAssocID="{9D8FC107-15BF-43C3-9F5B-A423269052EC}" presName="descendantArrow" presStyleCnt="0"/>
@@ -1388,6 +1430,13 @@
         </dgm:presLayoutVars>
       </dgm:prSet>
       <dgm:spPr/>
+      <dgm:t>
+        <a:bodyPr/>
+        <a:lstStyle/>
+        <a:p>
+          <a:endParaRPr kumimoji="1" lang="ja-JP" altLang="en-US"/>
+        </a:p>
+      </dgm:t>
     </dgm:pt>
     <dgm:pt modelId="{7A822779-E372-4870-AA55-1BEF15C2894D}" type="pres">
       <dgm:prSet presAssocID="{36C7FED4-A680-40AF-9485-662ABE09B1A5}" presName="sp" presStyleCnt="0"/>
@@ -1400,10 +1449,24 @@
     <dgm:pt modelId="{AE90339B-2B8D-4179-9EC4-906372D4BFE7}" type="pres">
       <dgm:prSet presAssocID="{F0EC518C-1EA5-431A-B4C0-34DF6146AFF4}" presName="parentTextArrow" presStyleLbl="node1" presStyleIdx="1" presStyleCnt="4"/>
       <dgm:spPr/>
+      <dgm:t>
+        <a:bodyPr/>
+        <a:lstStyle/>
+        <a:p>
+          <a:endParaRPr kumimoji="1" lang="ja-JP" altLang="en-US"/>
+        </a:p>
+      </dgm:t>
     </dgm:pt>
     <dgm:pt modelId="{1F025B89-C941-4E85-920E-D6908DEE2142}" type="pres">
       <dgm:prSet presAssocID="{F0EC518C-1EA5-431A-B4C0-34DF6146AFF4}" presName="arrow" presStyleLbl="node1" presStyleIdx="2" presStyleCnt="4"/>
       <dgm:spPr/>
+      <dgm:t>
+        <a:bodyPr/>
+        <a:lstStyle/>
+        <a:p>
+          <a:endParaRPr kumimoji="1" lang="ja-JP" altLang="en-US"/>
+        </a:p>
+      </dgm:t>
     </dgm:pt>
     <dgm:pt modelId="{ABBE4BB2-6BB2-4CB2-A291-E422509700E6}" type="pres">
       <dgm:prSet presAssocID="{F0EC518C-1EA5-431A-B4C0-34DF6146AFF4}" presName="descendantArrow" presStyleCnt="0"/>
@@ -1416,6 +1479,13 @@
         </dgm:presLayoutVars>
       </dgm:prSet>
       <dgm:spPr/>
+      <dgm:t>
+        <a:bodyPr/>
+        <a:lstStyle/>
+        <a:p>
+          <a:endParaRPr kumimoji="1" lang="ja-JP" altLang="en-US"/>
+        </a:p>
+      </dgm:t>
     </dgm:pt>
     <dgm:pt modelId="{148ED98D-6187-472B-B9D5-B5CDF18E0414}" type="pres">
       <dgm:prSet presAssocID="{5B557859-CDD4-4275-BEA6-6727F86DCE52}" presName="sp" presStyleCnt="0"/>
@@ -1428,10 +1498,24 @@
     <dgm:pt modelId="{7C2FB781-4C0C-4A5B-92CD-24F15327845E}" type="pres">
       <dgm:prSet presAssocID="{47C92D8C-AE74-40DF-ACB1-0541F38A9058}" presName="parentTextArrow" presStyleLbl="node1" presStyleIdx="2" presStyleCnt="4"/>
       <dgm:spPr/>
+      <dgm:t>
+        <a:bodyPr/>
+        <a:lstStyle/>
+        <a:p>
+          <a:endParaRPr kumimoji="1" lang="ja-JP" altLang="en-US"/>
+        </a:p>
+      </dgm:t>
     </dgm:pt>
     <dgm:pt modelId="{46D74FD4-272C-472D-A722-7F14809ED911}" type="pres">
       <dgm:prSet presAssocID="{47C92D8C-AE74-40DF-ACB1-0541F38A9058}" presName="arrow" presStyleLbl="node1" presStyleIdx="3" presStyleCnt="4"/>
       <dgm:spPr/>
+      <dgm:t>
+        <a:bodyPr/>
+        <a:lstStyle/>
+        <a:p>
+          <a:endParaRPr kumimoji="1" lang="ja-JP" altLang="en-US"/>
+        </a:p>
+      </dgm:t>
     </dgm:pt>
     <dgm:pt modelId="{6A64DDC3-D51C-42CA-A86D-49B60A90FBDB}" type="pres">
       <dgm:prSet presAssocID="{47C92D8C-AE74-40DF-ACB1-0541F38A9058}" presName="descendantArrow" presStyleCnt="0"/>
@@ -1444,30 +1528,37 @@
         </dgm:presLayoutVars>
       </dgm:prSet>
       <dgm:spPr/>
+      <dgm:t>
+        <a:bodyPr/>
+        <a:lstStyle/>
+        <a:p>
+          <a:endParaRPr kumimoji="1" lang="ja-JP" altLang="en-US"/>
+        </a:p>
+      </dgm:t>
     </dgm:pt>
   </dgm:ptLst>
   <dgm:cxnLst>
+    <dgm:cxn modelId="{9C395697-1D2A-4777-9E29-039BDFE5C766}" type="presOf" srcId="{47C92D8C-AE74-40DF-ACB1-0541F38A9058}" destId="{46D74FD4-272C-472D-A722-7F14809ED911}" srcOrd="1" destOrd="0" presId="urn:microsoft.com/office/officeart/2005/8/layout/process4"/>
+    <dgm:cxn modelId="{3C63D926-EADD-4DF7-BC0C-F7404C59D457}" type="presOf" srcId="{47C92D8C-AE74-40DF-ACB1-0541F38A9058}" destId="{7C2FB781-4C0C-4A5B-92CD-24F15327845E}" srcOrd="0" destOrd="0" presId="urn:microsoft.com/office/officeart/2005/8/layout/process4"/>
+    <dgm:cxn modelId="{F11E3D93-C9DF-4134-8C17-0681912EE89F}" type="presOf" srcId="{A01F8570-19F7-4735-8389-145BCE33833C}" destId="{AB1EFA0B-49DB-4D1B-8B35-4A836F1FC4C1}" srcOrd="0" destOrd="0" presId="urn:microsoft.com/office/officeart/2005/8/layout/process4"/>
+    <dgm:cxn modelId="{6FD461CB-F362-4D10-BFED-D15740C2F1CF}" srcId="{47C92D8C-AE74-40DF-ACB1-0541F38A9058}" destId="{D0BB6940-C360-417F-9071-AABAF2780327}" srcOrd="0" destOrd="0" parTransId="{F232C55B-5582-4B3A-9AAC-43ED534CC92E}" sibTransId="{8737633C-0908-48D2-A819-3356936D5551}"/>
+    <dgm:cxn modelId="{9BC2558A-E4AA-4D3B-A816-DA0B452C9779}" type="presOf" srcId="{1AD8B276-4C5D-43A5-AC5D-E28FFE0A25E8}" destId="{E410BAB3-9EFA-4147-A6B9-FE796909F42C}" srcOrd="1" destOrd="0" presId="urn:microsoft.com/office/officeart/2005/8/layout/process4"/>
+    <dgm:cxn modelId="{16BFE94F-FA12-4EB3-B4BB-BEDE7874A033}" srcId="{D511BCA9-A41D-461D-AB9F-8F6C9E648C31}" destId="{1AD8B276-4C5D-43A5-AC5D-E28FFE0A25E8}" srcOrd="3" destOrd="0" parTransId="{475DB744-EEC1-416E-BA27-26F8423D8D6C}" sibTransId="{FBDC8D75-9B5C-4A81-A25E-1CB6B655248A}"/>
+    <dgm:cxn modelId="{770592AE-EA5D-4832-88AF-EFBBA4466BAD}" type="presOf" srcId="{A8588580-F58F-4A40-B0EC-7881A3766C34}" destId="{1534467B-DDF6-4A03-87BF-319ECC84EEE3}" srcOrd="0" destOrd="0" presId="urn:microsoft.com/office/officeart/2005/8/layout/process4"/>
+    <dgm:cxn modelId="{6F54A360-FC06-4377-BC57-7F8B32BC2F14}" type="presOf" srcId="{8BB5EFB2-024E-4BCF-B56F-84EEC1F18CFB}" destId="{BFE52135-3318-47A4-AB9E-32AEC8E1C995}" srcOrd="0" destOrd="0" presId="urn:microsoft.com/office/officeart/2005/8/layout/process4"/>
+    <dgm:cxn modelId="{B5ED2EC1-52B6-463B-B5C2-E6CFC47C5D1A}" type="presOf" srcId="{1AD8B276-4C5D-43A5-AC5D-E28FFE0A25E8}" destId="{57C7292B-5FEA-4490-A7F1-829309F5EDFD}" srcOrd="0" destOrd="0" presId="urn:microsoft.com/office/officeart/2005/8/layout/process4"/>
+    <dgm:cxn modelId="{7AC51271-8594-489D-8C2B-A7EED18F0A89}" srcId="{9D8FC107-15BF-43C3-9F5B-A423269052EC}" destId="{8BB5EFB2-024E-4BCF-B56F-84EEC1F18CFB}" srcOrd="0" destOrd="0" parTransId="{6403F355-4F97-4766-985E-A83F38DABAFC}" sibTransId="{4643642D-C912-4134-B986-FA39283596E3}"/>
+    <dgm:cxn modelId="{B38105C7-69FA-493C-940E-C7D9647A241E}" type="presOf" srcId="{9D8FC107-15BF-43C3-9F5B-A423269052EC}" destId="{B97D71DB-AA15-4CB8-8A3D-F5575E893CCD}" srcOrd="1" destOrd="0" presId="urn:microsoft.com/office/officeart/2005/8/layout/process4"/>
+    <dgm:cxn modelId="{EB4FA676-A8B6-496E-A846-AD7C6E37E9A4}" type="presOf" srcId="{9D8FC107-15BF-43C3-9F5B-A423269052EC}" destId="{815C2DB6-5EE1-417A-A584-55A13AB6F5E9}" srcOrd="0" destOrd="0" presId="urn:microsoft.com/office/officeart/2005/8/layout/process4"/>
     <dgm:cxn modelId="{D3BC3A06-7737-477E-8BFD-09204E1E7191}" srcId="{1AD8B276-4C5D-43A5-AC5D-E28FFE0A25E8}" destId="{A01F8570-19F7-4735-8389-145BCE33833C}" srcOrd="0" destOrd="0" parTransId="{4DB03551-9EFA-4AFE-A1A9-1205EF19EA5B}" sibTransId="{68B89A32-03EB-42C6-A839-430806B5122B}"/>
+    <dgm:cxn modelId="{45AEA120-8E87-4DAB-B1E6-8D4885D9DECB}" type="presOf" srcId="{D0BB6940-C360-417F-9071-AABAF2780327}" destId="{9510E692-3FC8-4DC7-9E92-6282AB79F395}" srcOrd="0" destOrd="0" presId="urn:microsoft.com/office/officeart/2005/8/layout/process4"/>
+    <dgm:cxn modelId="{FBFBE750-57D3-4BFB-B080-D26B3DF1E1DF}" srcId="{D511BCA9-A41D-461D-AB9F-8F6C9E648C31}" destId="{9D8FC107-15BF-43C3-9F5B-A423269052EC}" srcOrd="2" destOrd="0" parTransId="{0D5FF430-CA3F-4F11-9F2D-6740960B4476}" sibTransId="{ABD979B8-BA6F-4A5F-90A0-4BC08C270A91}"/>
+    <dgm:cxn modelId="{73013229-523E-415A-97F2-B607FB1F6529}" srcId="{F0EC518C-1EA5-431A-B4C0-34DF6146AFF4}" destId="{A8588580-F58F-4A40-B0EC-7881A3766C34}" srcOrd="0" destOrd="0" parTransId="{344C79BF-841A-4C58-8EF4-C94A12476FD3}" sibTransId="{2CB5E3B9-A5FF-438E-B800-10C3F503A250}"/>
     <dgm:cxn modelId="{F3E31D0E-260C-4742-905F-D02829F454A7}" srcId="{D511BCA9-A41D-461D-AB9F-8F6C9E648C31}" destId="{47C92D8C-AE74-40DF-ACB1-0541F38A9058}" srcOrd="0" destOrd="0" parTransId="{E97C114E-086F-4B51-9E24-01691B649D63}" sibTransId="{5B557859-CDD4-4275-BEA6-6727F86DCE52}"/>
     <dgm:cxn modelId="{5491E713-E4D2-4C5F-B494-63F950123910}" type="presOf" srcId="{F0EC518C-1EA5-431A-B4C0-34DF6146AFF4}" destId="{1F025B89-C941-4E85-920E-D6908DEE2142}" srcOrd="1" destOrd="0" presId="urn:microsoft.com/office/officeart/2005/8/layout/process4"/>
-    <dgm:cxn modelId="{45AEA120-8E87-4DAB-B1E6-8D4885D9DECB}" type="presOf" srcId="{D0BB6940-C360-417F-9071-AABAF2780327}" destId="{9510E692-3FC8-4DC7-9E92-6282AB79F395}" srcOrd="0" destOrd="0" presId="urn:microsoft.com/office/officeart/2005/8/layout/process4"/>
-    <dgm:cxn modelId="{3C63D926-EADD-4DF7-BC0C-F7404C59D457}" type="presOf" srcId="{47C92D8C-AE74-40DF-ACB1-0541F38A9058}" destId="{7C2FB781-4C0C-4A5B-92CD-24F15327845E}" srcOrd="0" destOrd="0" presId="urn:microsoft.com/office/officeart/2005/8/layout/process4"/>
-    <dgm:cxn modelId="{73013229-523E-415A-97F2-B607FB1F6529}" srcId="{F0EC518C-1EA5-431A-B4C0-34DF6146AFF4}" destId="{A8588580-F58F-4A40-B0EC-7881A3766C34}" srcOrd="0" destOrd="0" parTransId="{344C79BF-841A-4C58-8EF4-C94A12476FD3}" sibTransId="{2CB5E3B9-A5FF-438E-B800-10C3F503A250}"/>
     <dgm:cxn modelId="{36E0C73C-D489-4CA2-B153-F03B5E5B5C39}" srcId="{D511BCA9-A41D-461D-AB9F-8F6C9E648C31}" destId="{F0EC518C-1EA5-431A-B4C0-34DF6146AFF4}" srcOrd="1" destOrd="0" parTransId="{388992C7-93A2-42C4-B4B3-9A3FAA4264B3}" sibTransId="{36C7FED4-A680-40AF-9485-662ABE09B1A5}"/>
-    <dgm:cxn modelId="{6F54A360-FC06-4377-BC57-7F8B32BC2F14}" type="presOf" srcId="{8BB5EFB2-024E-4BCF-B56F-84EEC1F18CFB}" destId="{BFE52135-3318-47A4-AB9E-32AEC8E1C995}" srcOrd="0" destOrd="0" presId="urn:microsoft.com/office/officeart/2005/8/layout/process4"/>
+    <dgm:cxn modelId="{59227BED-221F-4722-A67E-5BEDDCF9068B}" type="presOf" srcId="{F0EC518C-1EA5-431A-B4C0-34DF6146AFF4}" destId="{AE90339B-2B8D-4179-9EC4-906372D4BFE7}" srcOrd="0" destOrd="0" presId="urn:microsoft.com/office/officeart/2005/8/layout/process4"/>
     <dgm:cxn modelId="{A275236A-744E-4B25-B73A-24B5F31ED57E}" type="presOf" srcId="{D511BCA9-A41D-461D-AB9F-8F6C9E648C31}" destId="{827E7C61-AF90-4154-A1C8-C72AF251D608}" srcOrd="0" destOrd="0" presId="urn:microsoft.com/office/officeart/2005/8/layout/process4"/>
-    <dgm:cxn modelId="{16BFE94F-FA12-4EB3-B4BB-BEDE7874A033}" srcId="{D511BCA9-A41D-461D-AB9F-8F6C9E648C31}" destId="{1AD8B276-4C5D-43A5-AC5D-E28FFE0A25E8}" srcOrd="3" destOrd="0" parTransId="{475DB744-EEC1-416E-BA27-26F8423D8D6C}" sibTransId="{FBDC8D75-9B5C-4A81-A25E-1CB6B655248A}"/>
-    <dgm:cxn modelId="{FBFBE750-57D3-4BFB-B080-D26B3DF1E1DF}" srcId="{D511BCA9-A41D-461D-AB9F-8F6C9E648C31}" destId="{9D8FC107-15BF-43C3-9F5B-A423269052EC}" srcOrd="2" destOrd="0" parTransId="{0D5FF430-CA3F-4F11-9F2D-6740960B4476}" sibTransId="{ABD979B8-BA6F-4A5F-90A0-4BC08C270A91}"/>
-    <dgm:cxn modelId="{7AC51271-8594-489D-8C2B-A7EED18F0A89}" srcId="{9D8FC107-15BF-43C3-9F5B-A423269052EC}" destId="{8BB5EFB2-024E-4BCF-B56F-84EEC1F18CFB}" srcOrd="0" destOrd="0" parTransId="{6403F355-4F97-4766-985E-A83F38DABAFC}" sibTransId="{4643642D-C912-4134-B986-FA39283596E3}"/>
-    <dgm:cxn modelId="{EB4FA676-A8B6-496E-A846-AD7C6E37E9A4}" type="presOf" srcId="{9D8FC107-15BF-43C3-9F5B-A423269052EC}" destId="{815C2DB6-5EE1-417A-A584-55A13AB6F5E9}" srcOrd="0" destOrd="0" presId="urn:microsoft.com/office/officeart/2005/8/layout/process4"/>
-    <dgm:cxn modelId="{9BC2558A-E4AA-4D3B-A816-DA0B452C9779}" type="presOf" srcId="{1AD8B276-4C5D-43A5-AC5D-E28FFE0A25E8}" destId="{E410BAB3-9EFA-4147-A6B9-FE796909F42C}" srcOrd="1" destOrd="0" presId="urn:microsoft.com/office/officeart/2005/8/layout/process4"/>
-    <dgm:cxn modelId="{F11E3D93-C9DF-4134-8C17-0681912EE89F}" type="presOf" srcId="{A01F8570-19F7-4735-8389-145BCE33833C}" destId="{AB1EFA0B-49DB-4D1B-8B35-4A836F1FC4C1}" srcOrd="0" destOrd="0" presId="urn:microsoft.com/office/officeart/2005/8/layout/process4"/>
-    <dgm:cxn modelId="{9C395697-1D2A-4777-9E29-039BDFE5C766}" type="presOf" srcId="{47C92D8C-AE74-40DF-ACB1-0541F38A9058}" destId="{46D74FD4-272C-472D-A722-7F14809ED911}" srcOrd="1" destOrd="0" presId="urn:microsoft.com/office/officeart/2005/8/layout/process4"/>
-    <dgm:cxn modelId="{770592AE-EA5D-4832-88AF-EFBBA4466BAD}" type="presOf" srcId="{A8588580-F58F-4A40-B0EC-7881A3766C34}" destId="{1534467B-DDF6-4A03-87BF-319ECC84EEE3}" srcOrd="0" destOrd="0" presId="urn:microsoft.com/office/officeart/2005/8/layout/process4"/>
-    <dgm:cxn modelId="{B5ED2EC1-52B6-463B-B5C2-E6CFC47C5D1A}" type="presOf" srcId="{1AD8B276-4C5D-43A5-AC5D-E28FFE0A25E8}" destId="{57C7292B-5FEA-4490-A7F1-829309F5EDFD}" srcOrd="0" destOrd="0" presId="urn:microsoft.com/office/officeart/2005/8/layout/process4"/>
-    <dgm:cxn modelId="{B38105C7-69FA-493C-940E-C7D9647A241E}" type="presOf" srcId="{9D8FC107-15BF-43C3-9F5B-A423269052EC}" destId="{B97D71DB-AA15-4CB8-8A3D-F5575E893CCD}" srcOrd="1" destOrd="0" presId="urn:microsoft.com/office/officeart/2005/8/layout/process4"/>
-    <dgm:cxn modelId="{6FD461CB-F362-4D10-BFED-D15740C2F1CF}" srcId="{47C92D8C-AE74-40DF-ACB1-0541F38A9058}" destId="{D0BB6940-C360-417F-9071-AABAF2780327}" srcOrd="0" destOrd="0" parTransId="{F232C55B-5582-4B3A-9AAC-43ED534CC92E}" sibTransId="{8737633C-0908-48D2-A819-3356936D5551}"/>
-    <dgm:cxn modelId="{59227BED-221F-4722-A67E-5BEDDCF9068B}" type="presOf" srcId="{F0EC518C-1EA5-431A-B4C0-34DF6146AFF4}" destId="{AE90339B-2B8D-4179-9EC4-906372D4BFE7}" srcOrd="0" destOrd="0" presId="urn:microsoft.com/office/officeart/2005/8/layout/process4"/>
     <dgm:cxn modelId="{E40950DD-B432-4CAA-AF86-43DBEDC55EB5}" type="presParOf" srcId="{827E7C61-AF90-4154-A1C8-C72AF251D608}" destId="{1590779C-7EF1-40B3-ADEF-E7F4C5EA3ED7}" srcOrd="0" destOrd="0" presId="urn:microsoft.com/office/officeart/2005/8/layout/process4"/>
     <dgm:cxn modelId="{DA0F60AA-80A5-43DD-8148-9A546FCA9ED3}" type="presParOf" srcId="{1590779C-7EF1-40B3-ADEF-E7F4C5EA3ED7}" destId="{57C7292B-5FEA-4490-A7F1-829309F5EDFD}" srcOrd="0" destOrd="0" presId="urn:microsoft.com/office/officeart/2005/8/layout/process4"/>
     <dgm:cxn modelId="{FDC36781-2554-4BF9-98EE-220F81BB7440}" type="presParOf" srcId="{1590779C-7EF1-40B3-ADEF-E7F4C5EA3ED7}" destId="{E410BAB3-9EFA-4147-A6B9-FE796909F42C}" srcOrd="1" destOrd="0" presId="urn:microsoft.com/office/officeart/2005/8/layout/process4"/>
@@ -1564,7 +1655,7 @@
         </a:bodyPr>
         <a:lstStyle/>
         <a:p>
-          <a:pPr marL="0" lvl="0" indent="0" algn="ctr" defTabSz="666750">
+          <a:pPr lvl="0" algn="ctr" defTabSz="666750">
             <a:lnSpc>
               <a:spcPct val="90000"/>
             </a:lnSpc>
@@ -1574,7 +1665,6 @@
             <a:spcAft>
               <a:spcPct val="35000"/>
             </a:spcAft>
-            <a:buNone/>
           </a:pPr>
           <a:r>
             <a:rPr lang="en-US" altLang="ja-JP" sz="1500" kern="1200" dirty="0"/>
@@ -1647,7 +1737,7 @@
         </a:bodyPr>
         <a:lstStyle/>
         <a:p>
-          <a:pPr marL="0" lvl="0" indent="0" algn="ctr" defTabSz="622300">
+          <a:pPr lvl="0" algn="ctr" defTabSz="622300">
             <a:lnSpc>
               <a:spcPct val="90000"/>
             </a:lnSpc>
@@ -1657,7 +1747,6 @@
             <a:spcAft>
               <a:spcPct val="35000"/>
             </a:spcAft>
-            <a:buNone/>
           </a:pPr>
           <a:r>
             <a:rPr lang="en-US" altLang="ja-JP" sz="1400" kern="1200" dirty="0"/>
@@ -1736,7 +1825,7 @@
         </a:bodyPr>
         <a:lstStyle/>
         <a:p>
-          <a:pPr marL="0" lvl="0" indent="0" algn="ctr" defTabSz="666750">
+          <a:pPr lvl="0" algn="ctr" defTabSz="666750">
             <a:lnSpc>
               <a:spcPct val="90000"/>
             </a:lnSpc>
@@ -1746,7 +1835,6 @@
             <a:spcAft>
               <a:spcPct val="35000"/>
             </a:spcAft>
-            <a:buNone/>
           </a:pPr>
           <a:r>
             <a:rPr lang="ja-JP" altLang="en-US" sz="1500" kern="1200" dirty="0"/>
@@ -1815,7 +1903,7 @@
         </a:bodyPr>
         <a:lstStyle/>
         <a:p>
-          <a:pPr marL="0" lvl="0" indent="0" algn="ctr" defTabSz="622300">
+          <a:pPr lvl="0" algn="ctr" defTabSz="622300">
             <a:lnSpc>
               <a:spcPct val="90000"/>
             </a:lnSpc>
@@ -1825,7 +1913,6 @@
             <a:spcAft>
               <a:spcPct val="35000"/>
             </a:spcAft>
-            <a:buNone/>
           </a:pPr>
           <a:r>
             <a:rPr lang="ja-JP" altLang="en-US" sz="1400" kern="1200" dirty="0"/>
@@ -1892,7 +1979,7 @@
         </a:bodyPr>
         <a:lstStyle/>
         <a:p>
-          <a:pPr marL="0" lvl="0" indent="0" algn="ctr" defTabSz="666750">
+          <a:pPr lvl="0" algn="ctr" defTabSz="666750">
             <a:lnSpc>
               <a:spcPct val="90000"/>
             </a:lnSpc>
@@ -1902,7 +1989,6 @@
             <a:spcAft>
               <a:spcPct val="35000"/>
             </a:spcAft>
-            <a:buNone/>
           </a:pPr>
           <a:r>
             <a:rPr lang="ja-JP" altLang="en-US" sz="1500" kern="1200" dirty="0"/>
@@ -1971,7 +2057,7 @@
         </a:bodyPr>
         <a:lstStyle/>
         <a:p>
-          <a:pPr marL="0" lvl="0" indent="0" algn="ctr" defTabSz="622300">
+          <a:pPr lvl="0" algn="ctr" defTabSz="622300">
             <a:lnSpc>
               <a:spcPct val="90000"/>
             </a:lnSpc>
@@ -1981,7 +2067,6 @@
             <a:spcAft>
               <a:spcPct val="35000"/>
             </a:spcAft>
-            <a:buNone/>
           </a:pPr>
           <a:r>
             <a:rPr lang="ja-JP" altLang="en-US" sz="1400" kern="1200" dirty="0"/>
@@ -2048,7 +2133,7 @@
         </a:bodyPr>
         <a:lstStyle/>
         <a:p>
-          <a:pPr marL="0" lvl="0" indent="0" algn="ctr" defTabSz="711200">
+          <a:pPr lvl="0" algn="ctr" defTabSz="711200">
             <a:lnSpc>
               <a:spcPct val="90000"/>
             </a:lnSpc>
@@ -2058,7 +2143,6 @@
             <a:spcAft>
               <a:spcPct val="35000"/>
             </a:spcAft>
-            <a:buNone/>
           </a:pPr>
           <a:r>
             <a:rPr lang="ja-JP" altLang="en-US" sz="1600" kern="1200" dirty="0"/>
@@ -2127,7 +2211,7 @@
         </a:bodyPr>
         <a:lstStyle/>
         <a:p>
-          <a:pPr marL="0" lvl="0" indent="0" algn="ctr" defTabSz="622300">
+          <a:pPr lvl="0" algn="ctr" defTabSz="622300">
             <a:lnSpc>
               <a:spcPct val="90000"/>
             </a:lnSpc>
@@ -2137,7 +2221,6 @@
             <a:spcAft>
               <a:spcPct val="35000"/>
             </a:spcAft>
-            <a:buNone/>
           </a:pPr>
           <a:r>
             <a:rPr lang="en-US" altLang="ja-JP" sz="1400" kern="1200" dirty="0"/>
@@ -3635,7 +3718,7 @@
           <a:p>
             <a:fld id="{7DD79AC8-8881-4020-B05F-8947ED53F7FA}" type="datetimeFigureOut">
               <a:rPr kumimoji="1" lang="ja-JP" altLang="en-US" smtClean="0"/>
-              <a:t>2023/1/20</a:t>
+              <a:t>2021/12/27</a:t>
             </a:fld>
             <a:endParaRPr kumimoji="1" lang="ja-JP" altLang="en-US"/>
           </a:p>
@@ -7262,7 +7345,7 @@
           <a:p>
             <a:fld id="{37061263-344C-46BB-87A4-3E3E3092AEEA}" type="datetimeFigureOut">
               <a:rPr kumimoji="1" lang="ja-JP" altLang="en-US" smtClean="0"/>
-              <a:t>2023/1/20</a:t>
+              <a:t>2021/12/27</a:t>
             </a:fld>
             <a:endParaRPr kumimoji="1" lang="ja-JP" altLang="en-US"/>
           </a:p>
@@ -8502,6 +8585,10 @@
               <a:rPr kumimoji="1" lang="ja-JP" altLang="en-US"/>
               <a:t>行にわたる場合は</a:t>
             </a:r>
+            <a:r>
+              <a:rPr kumimoji="1" lang="en-US" altLang="ja-JP"/>
+              <a:t/>
+            </a:r>
             <a:br>
               <a:rPr kumimoji="1" lang="en-US" altLang="ja-JP"/>
             </a:br>
@@ -9889,7 +9976,7 @@
           <a:p>
             <a:fld id="{37061263-344C-46BB-87A4-3E3E3092AEEA}" type="datetimeFigureOut">
               <a:rPr kumimoji="1" lang="ja-JP" altLang="en-US" smtClean="0"/>
-              <a:t>2023/1/20</a:t>
+              <a:t>2021/12/27</a:t>
             </a:fld>
             <a:endParaRPr kumimoji="1" lang="ja-JP" altLang="en-US"/>
           </a:p>
@@ -11566,6 +11653,10 @@
               <a:rPr kumimoji="1" lang="ja-JP" altLang="en-US"/>
               <a:t>行にわたる場合は</a:t>
             </a:r>
+            <a:r>
+              <a:rPr kumimoji="1" lang="en-US" altLang="ja-JP"/>
+              <a:t/>
+            </a:r>
             <a:br>
               <a:rPr kumimoji="1" lang="en-US" altLang="ja-JP"/>
             </a:br>
@@ -13017,6 +13108,10 @@
             <a:r>
               <a:rPr kumimoji="1" lang="ja-JP" altLang="en-US"/>
               <a:t>行にわたる場合は</a:t>
+            </a:r>
+            <a:r>
+              <a:rPr kumimoji="1" lang="en-US" altLang="ja-JP"/>
+              <a:t/>
             </a:r>
             <a:br>
               <a:rPr kumimoji="1" lang="en-US" altLang="ja-JP"/>
@@ -17543,7 +17638,7 @@
             </a:r>
             <a:r>
               <a:rPr lang="en-US" altLang="ja-JP" dirty="0"/>
-              <a:t>1.1</a:t>
+              <a:t>1.0</a:t>
             </a:r>
             <a:r>
               <a:rPr lang="ja-JP" altLang="en-US" dirty="0"/>
@@ -17575,7 +17670,7 @@
                 <a:latin typeface="Meiryo"/>
                 <a:ea typeface="Meiryo"/>
               </a:rPr>
-              <a:t>1.10.2</a:t>
+              <a:t>1.9.0</a:t>
             </a:r>
             <a:r>
               <a:rPr lang="ja-JP" dirty="0">
@@ -18009,7 +18104,7 @@
             </a:r>
             <a:r>
               <a:rPr lang="en-US" altLang="ja-JP" dirty="0"/>
-              <a:t>1.10.2</a:t>
+              <a:t>1.9.0</a:t>
             </a:r>
             <a:r>
               <a:rPr lang="ja-JP" altLang="en-US" dirty="0"/>
@@ -19728,6 +19823,10 @@
               <a:rPr lang="ja-JP" altLang="en-US" sz="1400" dirty="0"/>
               <a:t>各手順の詳細は以下のコミュニティサイト資料をご参照ください。</a:t>
             </a:r>
+            <a:r>
+              <a:rPr lang="en-US" altLang="ja-JP" sz="1400" dirty="0"/>
+              <a:t/>
+            </a:r>
             <a:br>
               <a:rPr lang="en-US" altLang="ja-JP" sz="1400" dirty="0"/>
             </a:br>
@@ -19762,6 +19861,10 @@
                 <a:hlinkClick r:id="rId2"/>
               </a:rPr>
               <a:t>管理コンソール</a:t>
+            </a:r>
+            <a:r>
+              <a:rPr lang="en-US" altLang="ja-JP" sz="1400" dirty="0"/>
+              <a:t/>
             </a:r>
             <a:br>
               <a:rPr lang="en-US" altLang="ja-JP" sz="1400" dirty="0"/>
@@ -20136,6 +20239,10 @@
             <a:r>
               <a:rPr lang="ja-JP" altLang="en-US" dirty="0"/>
               <a:t>」として用意しています。変更や修正はしないでください。</a:t>
+            </a:r>
+            <a:r>
+              <a:rPr lang="en-US" altLang="ja-JP" dirty="0"/>
+              <a:t/>
             </a:r>
             <a:br>
               <a:rPr lang="en-US" altLang="ja-JP" dirty="0"/>
@@ -20786,6 +20893,13 @@
             <a:pPr marL="0" indent="0">
               <a:buNone/>
             </a:pPr>
+            <a:r>
+              <a:rPr lang="ja-JP" altLang="en-US" dirty="0">
+                <a:latin typeface="Meiryo"/>
+                <a:ea typeface="Meiryo"/>
+              </a:rPr>
+              <a:t/>
+            </a:r>
             <a:br>
               <a:rPr lang="ja-JP" altLang="en-US" dirty="0">
                 <a:latin typeface="Meiryo"/>
@@ -21554,6 +21668,13 @@
                 <a:cs typeface="+mn-lt"/>
               </a:rPr>
               <a:t>仮想マシンにログインし、初期設定などを実施</a:t>
+            </a:r>
+            <a:r>
+              <a:rPr lang="en-US" altLang="ja-JP" sz="1800" dirty="0">
+                <a:ea typeface="+mn-lt"/>
+                <a:cs typeface="+mn-lt"/>
+              </a:rPr>
+              <a:t/>
             </a:r>
             <a:br>
               <a:rPr lang="en-US" altLang="ja-JP" sz="1800" dirty="0">
@@ -22088,6 +22209,13 @@
               </a:rPr>
               <a:t>モデルでは、利用したい既存の仮想ネットワークを選択するため事前に仮想ネットワークの設定を行う必要があります。</a:t>
             </a:r>
+            <a:r>
+              <a:rPr lang="en-US" altLang="ja-JP" dirty="0">
+                <a:ea typeface="+mn-lt"/>
+                <a:cs typeface="+mn-lt"/>
+              </a:rPr>
+              <a:t/>
+            </a:r>
             <a:br>
               <a:rPr lang="en-US" altLang="ja-JP" dirty="0">
                 <a:ea typeface="+mn-lt"/>
@@ -22171,6 +22299,13 @@
             <a:pPr marL="0" indent="0">
               <a:buNone/>
             </a:pPr>
+            <a:r>
+              <a:rPr lang="ja-JP" altLang="en-US" dirty="0">
+                <a:latin typeface="Meiryo"/>
+                <a:ea typeface="Meiryo"/>
+              </a:rPr>
+              <a:t/>
+            </a:r>
             <a:br>
               <a:rPr lang="ja-JP" altLang="en-US" dirty="0">
                 <a:latin typeface="Meiryo"/>
@@ -30709,6 +30844,10 @@
                         <a:rPr kumimoji="1" lang="ja-JP" altLang="en-US" sz="1200" dirty="0"/>
                         <a:t>接続する際のポート番号</a:t>
                       </a:r>
+                      <a:r>
+                        <a:rPr kumimoji="1" lang="en-US" altLang="ja-JP" sz="1200" dirty="0"/>
+                        <a:t/>
+                      </a:r>
                       <a:br>
                         <a:rPr kumimoji="1" lang="en-US" altLang="ja-JP" sz="1200" dirty="0"/>
                       </a:br>
@@ -33714,6 +33853,14 @@
               </a:rPr>
               <a:t>テンプレートの設定をそのまま利用する場合は登録不要ですが、</a:t>
             </a:r>
+            <a:r>
+              <a:rPr lang="en-US" altLang="ja-JP" dirty="0">
+                <a:solidFill>
+                  <a:srgbClr val="000000"/>
+                </a:solidFill>
+              </a:rPr>
+              <a:t/>
+            </a:r>
             <a:br>
               <a:rPr lang="en-US" altLang="ja-JP" dirty="0">
                 <a:solidFill>
@@ -35619,6 +35766,14 @@
                 </a:solidFill>
               </a:rPr>
               <a:t>テンプレートの設定をそのまま利用する場合は登録不要ですが、</a:t>
+            </a:r>
+            <a:r>
+              <a:rPr lang="en-US" altLang="ja-JP" dirty="0">
+                <a:solidFill>
+                  <a:srgbClr val="000000"/>
+                </a:solidFill>
+              </a:rPr>
+              <a:t/>
             </a:r>
             <a:br>
               <a:rPr lang="en-US" altLang="ja-JP" dirty="0">
@@ -40707,6 +40862,10 @@
             <a:r>
               <a:rPr lang="ja-JP" altLang="en-US" dirty="0"/>
               <a:t>させる必要があります。</a:t>
+            </a:r>
+            <a:r>
+              <a:rPr lang="en-US" altLang="ja-JP" dirty="0"/>
+              <a:t/>
             </a:r>
             <a:br>
               <a:rPr lang="en-US" altLang="ja-JP" dirty="0"/>
@@ -41850,6 +42009,10 @@
             <a:r>
               <a:rPr lang="ja-JP" altLang="en-US" dirty="0"/>
               <a:t>アドレス設定と仮想ハードディスク追加はそれぞれ単独で動作させることが可能です。</a:t>
+            </a:r>
+            <a:r>
+              <a:rPr lang="en-US" altLang="ja-JP" dirty="0"/>
+              <a:t/>
             </a:r>
             <a:br>
               <a:rPr lang="en-US" altLang="ja-JP" dirty="0"/>
@@ -44466,6 +44629,10 @@
             <a:r>
               <a:rPr kumimoji="1" lang="ja-JP" altLang="en-US" dirty="0"/>
               <a:t>を再実行してみてください。</a:t>
+            </a:r>
+            <a:r>
+              <a:rPr kumimoji="1" lang="en-US" altLang="ja-JP" dirty="0"/>
+              <a:t/>
             </a:r>
             <a:br>
               <a:rPr kumimoji="1" lang="en-US" altLang="ja-JP" dirty="0"/>
@@ -46129,6 +46296,10 @@
               <a:rPr lang="ja-JP" altLang="en-US" dirty="0"/>
               <a:t>アドレス設定」と「仮想ハードディスク追加」に関しては、</a:t>
             </a:r>
+            <a:r>
+              <a:rPr lang="en-US" altLang="ja-JP" dirty="0"/>
+              <a:t/>
+            </a:r>
             <a:br>
               <a:rPr lang="en-US" altLang="ja-JP" dirty="0"/>
             </a:br>
@@ -47380,7 +47551,7 @@
                       </a:r>
                       <a:r>
                         <a:rPr lang="en-US" altLang="ja-JP" sz="1800" dirty="0"/>
-                        <a:t>1.10.2</a:t>
+                        <a:t>1.9.0</a:t>
                       </a:r>
                       <a:endParaRPr kumimoji="1" lang="ja-JP" altLang="en-US" sz="1800" dirty="0"/>
                     </a:p>
@@ -50206,6 +50377,10 @@
             <a:r>
               <a:rPr lang="ja-JP" altLang="en-US" dirty="0"/>
               <a:t>アドレス設定は別オペレーションでは登録不可</a:t>
+            </a:r>
+            <a:r>
+              <a:rPr lang="en-US" altLang="ja-JP" dirty="0"/>
+              <a:t/>
             </a:r>
             <a:br>
               <a:rPr lang="en-US" altLang="ja-JP" dirty="0"/>
